--- a/과제/JavaScript브리핑.pptx
+++ b/과제/JavaScript브리핑.pptx
@@ -20,6 +20,23 @@
     <p:sldId id="268" r:id="rId14"/>
     <p:sldId id="269" r:id="rId15"/>
     <p:sldId id="270" r:id="rId16"/>
+    <p:sldId id="271" r:id="rId17"/>
+    <p:sldId id="272" r:id="rId18"/>
+    <p:sldId id="273" r:id="rId19"/>
+    <p:sldId id="275" r:id="rId20"/>
+    <p:sldId id="276" r:id="rId21"/>
+    <p:sldId id="277" r:id="rId22"/>
+    <p:sldId id="278" r:id="rId23"/>
+    <p:sldId id="279" r:id="rId24"/>
+    <p:sldId id="274" r:id="rId25"/>
+    <p:sldId id="280" r:id="rId26"/>
+    <p:sldId id="281" r:id="rId27"/>
+    <p:sldId id="284" r:id="rId28"/>
+    <p:sldId id="283" r:id="rId29"/>
+    <p:sldId id="285" r:id="rId30"/>
+    <p:sldId id="286" r:id="rId31"/>
+    <p:sldId id="287" r:id="rId32"/>
+    <p:sldId id="282" r:id="rId33"/>
   </p:sldIdLst>
   <p:sldSz cx="9144000" cy="6858000" type="screen4x3"/>
   <p:notesSz cx="6858000" cy="9144000"/>
@@ -1694,7 +1711,11 @@
           <a:bodyPr/>
           <a:lstStyle/>
           <a:p>
-            <a:endParaRPr lang="ko-KR" altLang="en-US"/>
+            <a:r>
+              <a:rPr lang="ko-KR" altLang="en-US" dirty="0" smtClean="0"/>
+              <a:t>레이블과 인풋</a:t>
+            </a:r>
+            <a:endParaRPr lang="ko-KR" altLang="en-US" dirty="0"/>
           </a:p>
         </p:txBody>
       </p:sp>
@@ -2000,7 +2021,11 @@
           <a:bodyPr/>
           <a:lstStyle/>
           <a:p>
-            <a:endParaRPr lang="ko-KR" altLang="en-US"/>
+            <a:r>
+              <a:rPr lang="ko-KR" altLang="en-US" dirty="0" smtClean="0"/>
+              <a:t>버튼 이벤트</a:t>
+            </a:r>
+            <a:endParaRPr lang="ko-KR" altLang="en-US" dirty="0"/>
           </a:p>
         </p:txBody>
       </p:sp>
@@ -2164,7 +2189,11 @@
           <a:bodyPr/>
           <a:lstStyle/>
           <a:p>
-            <a:endParaRPr lang="ko-KR" altLang="en-US"/>
+            <a:r>
+              <a:rPr lang="ko-KR" altLang="en-US" dirty="0" smtClean="0"/>
+              <a:t>컴포넌트 정의</a:t>
+            </a:r>
+            <a:endParaRPr lang="ko-KR" altLang="en-US" dirty="0"/>
           </a:p>
         </p:txBody>
       </p:sp>
@@ -2274,7 +2303,11 @@
           <a:bodyPr/>
           <a:lstStyle/>
           <a:p>
-            <a:endParaRPr lang="ko-KR" altLang="en-US"/>
+            <a:r>
+              <a:rPr lang="ko-KR" altLang="en-US" dirty="0" smtClean="0"/>
+              <a:t>필수입력 확인</a:t>
+            </a:r>
+            <a:endParaRPr lang="ko-KR" altLang="en-US" dirty="0"/>
           </a:p>
         </p:txBody>
       </p:sp>
@@ -2438,7 +2471,15 @@
           <a:bodyPr/>
           <a:lstStyle/>
           <a:p>
-            <a:endParaRPr lang="ko-KR" altLang="en-US"/>
+            <a:r>
+              <a:rPr lang="ko-KR" altLang="en-US" dirty="0" err="1" smtClean="0"/>
+              <a:t>유효값</a:t>
+            </a:r>
+            <a:r>
+              <a:rPr lang="ko-KR" altLang="en-US" dirty="0" smtClean="0"/>
+              <a:t> 확인</a:t>
+            </a:r>
+            <a:endParaRPr lang="ko-KR" altLang="en-US" dirty="0"/>
           </a:p>
         </p:txBody>
       </p:sp>
@@ -2602,7 +2643,15 @@
           <a:bodyPr/>
           <a:lstStyle/>
           <a:p>
-            <a:endParaRPr lang="ko-KR" altLang="en-US"/>
+            <a:r>
+              <a:rPr lang="ko-KR" altLang="en-US" dirty="0" err="1" smtClean="0"/>
+              <a:t>이메일</a:t>
+            </a:r>
+            <a:r>
+              <a:rPr lang="ko-KR" altLang="en-US" dirty="0" smtClean="0"/>
+              <a:t> 선택</a:t>
+            </a:r>
+            <a:endParaRPr lang="ko-KR" altLang="en-US" dirty="0"/>
           </a:p>
         </p:txBody>
       </p:sp>
@@ -2676,6 +2725,1067 @@
         <p:cTn id="1" dur="indefinite" restart="never" nodeType="tmRoot"/>
       </p:par>
     </p:tnLst>
+  </p:timing>
+</p:sld>
+</file>
+
+<file path=ppt/slides/slide16.xml><?xml version="1.0" encoding="utf-8"?>
+<p:sld xmlns:a="http://schemas.openxmlformats.org/drawingml/2006/main" xmlns:r="http://schemas.openxmlformats.org/officeDocument/2006/relationships" xmlns:p="http://schemas.openxmlformats.org/presentationml/2006/main">
+  <p:cSld>
+    <p:spTree>
+      <p:nvGrpSpPr>
+        <p:cNvPr id="1" name=""/>
+        <p:cNvGrpSpPr/>
+        <p:nvPr/>
+      </p:nvGrpSpPr>
+      <p:grpSpPr>
+        <a:xfrm>
+          <a:off x="0" y="0"/>
+          <a:ext cx="0" cy="0"/>
+          <a:chOff x="0" y="0"/>
+          <a:chExt cx="0" cy="0"/>
+        </a:xfrm>
+      </p:grpSpPr>
+      <p:sp>
+        <p:nvSpPr>
+          <p:cNvPr id="2" name="제목 1"/>
+          <p:cNvSpPr>
+            <a:spLocks noGrp="1"/>
+          </p:cNvSpPr>
+          <p:nvPr>
+            <p:ph type="title"/>
+          </p:nvPr>
+        </p:nvSpPr>
+        <p:spPr/>
+        <p:txBody>
+          <a:bodyPr/>
+          <a:lstStyle/>
+          <a:p>
+            <a:r>
+              <a:rPr lang="en-US" altLang="ko-KR" dirty="0" smtClean="0"/>
+              <a:t>3. </a:t>
+            </a:r>
+            <a:r>
+              <a:rPr lang="ko-KR" altLang="en-US" dirty="0" smtClean="0"/>
+              <a:t>카테고리</a:t>
+            </a:r>
+            <a:endParaRPr lang="ko-KR" altLang="en-US" dirty="0"/>
+          </a:p>
+        </p:txBody>
+      </p:sp>
+      <p:pic>
+        <p:nvPicPr>
+          <p:cNvPr id="1026" name="Picture 2"/>
+          <p:cNvPicPr>
+            <a:picLocks noChangeAspect="1" noChangeArrowheads="1"/>
+          </p:cNvPicPr>
+          <p:nvPr/>
+        </p:nvPicPr>
+        <p:blipFill>
+          <a:blip r:embed="rId2">
+            <a:extLst>
+              <a:ext uri="{28A0092B-C50C-407E-A947-70E740481C1C}">
+                <a14:useLocalDpi xmlns:a14="http://schemas.microsoft.com/office/drawing/2010/main" val="0"/>
+              </a:ext>
+            </a:extLst>
+          </a:blip>
+          <a:srcRect/>
+          <a:stretch>
+            <a:fillRect/>
+          </a:stretch>
+        </p:blipFill>
+        <p:spPr bwMode="auto">
+          <a:xfrm>
+            <a:off x="752475" y="1122387"/>
+            <a:ext cx="7639050" cy="5114925"/>
+          </a:xfrm>
+          <a:prstGeom prst="rect">
+            <a:avLst/>
+          </a:prstGeom>
+          <a:noFill/>
+          <a:ln>
+            <a:noFill/>
+          </a:ln>
+          <a:effectLst/>
+          <a:extLst>
+            <a:ext uri="{909E8E84-426E-40DD-AFC4-6F175D3DCCD1}">
+              <a14:hiddenFill xmlns:a14="http://schemas.microsoft.com/office/drawing/2010/main">
+                <a:solidFill>
+                  <a:schemeClr val="accent1"/>
+                </a:solidFill>
+              </a14:hiddenFill>
+            </a:ext>
+            <a:ext uri="{91240B29-F687-4F45-9708-019B960494DF}">
+              <a14:hiddenLine xmlns:a14="http://schemas.microsoft.com/office/drawing/2010/main" w="9525">
+                <a:solidFill>
+                  <a:schemeClr val="tx1"/>
+                </a:solidFill>
+                <a:miter lim="800000"/>
+                <a:headEnd/>
+                <a:tailEnd/>
+              </a14:hiddenLine>
+            </a:ext>
+            <a:ext uri="{AF507438-7753-43E0-B8FC-AC1667EBCBE1}">
+              <a14:hiddenEffects xmlns:a14="http://schemas.microsoft.com/office/drawing/2010/main">
+                <a:effectLst>
+                  <a:outerShdw dist="35921" dir="2700000" algn="ctr" rotWithShape="0">
+                    <a:schemeClr val="bg2"/>
+                  </a:outerShdw>
+                </a:effectLst>
+              </a14:hiddenEffects>
+            </a:ext>
+          </a:extLst>
+        </p:spPr>
+      </p:pic>
+    </p:spTree>
+    <p:extLst>
+      <p:ext uri="{BB962C8B-B14F-4D97-AF65-F5344CB8AC3E}">
+        <p14:creationId xmlns:p14="http://schemas.microsoft.com/office/powerpoint/2010/main" val="1699747913"/>
+      </p:ext>
+    </p:extLst>
+  </p:cSld>
+  <p:clrMapOvr>
+    <a:masterClrMapping/>
+  </p:clrMapOvr>
+</p:sld>
+</file>
+
+<file path=ppt/slides/slide17.xml><?xml version="1.0" encoding="utf-8"?>
+<p:sld xmlns:a="http://schemas.openxmlformats.org/drawingml/2006/main" xmlns:r="http://schemas.openxmlformats.org/officeDocument/2006/relationships" xmlns:p="http://schemas.openxmlformats.org/presentationml/2006/main">
+  <p:cSld>
+    <p:spTree>
+      <p:nvGrpSpPr>
+        <p:cNvPr id="1" name=""/>
+        <p:cNvGrpSpPr/>
+        <p:nvPr/>
+      </p:nvGrpSpPr>
+      <p:grpSpPr>
+        <a:xfrm>
+          <a:off x="0" y="0"/>
+          <a:ext cx="0" cy="0"/>
+          <a:chOff x="0" y="0"/>
+          <a:chExt cx="0" cy="0"/>
+        </a:xfrm>
+      </p:grpSpPr>
+      <p:sp>
+        <p:nvSpPr>
+          <p:cNvPr id="2" name="제목 1"/>
+          <p:cNvSpPr>
+            <a:spLocks noGrp="1"/>
+          </p:cNvSpPr>
+          <p:nvPr>
+            <p:ph type="title"/>
+          </p:nvPr>
+        </p:nvSpPr>
+        <p:spPr/>
+        <p:txBody>
+          <a:bodyPr/>
+          <a:lstStyle/>
+          <a:p>
+            <a:r>
+              <a:rPr lang="en-US" altLang="ko-KR" dirty="0" smtClean="0"/>
+              <a:t>Html </a:t>
+            </a:r>
+            <a:r>
+              <a:rPr lang="ko-KR" altLang="en-US" dirty="0" smtClean="0"/>
+              <a:t>뼈대</a:t>
+            </a:r>
+            <a:endParaRPr lang="ko-KR" altLang="en-US" dirty="0"/>
+          </a:p>
+        </p:txBody>
+      </p:sp>
+      <p:pic>
+        <p:nvPicPr>
+          <p:cNvPr id="2050" name="Picture 2"/>
+          <p:cNvPicPr>
+            <a:picLocks noChangeAspect="1" noChangeArrowheads="1"/>
+          </p:cNvPicPr>
+          <p:nvPr/>
+        </p:nvPicPr>
+        <p:blipFill>
+          <a:blip r:embed="rId2">
+            <a:extLst>
+              <a:ext uri="{28A0092B-C50C-407E-A947-70E740481C1C}">
+                <a14:useLocalDpi xmlns:a14="http://schemas.microsoft.com/office/drawing/2010/main" val="0"/>
+              </a:ext>
+            </a:extLst>
+          </a:blip>
+          <a:srcRect/>
+          <a:stretch>
+            <a:fillRect/>
+          </a:stretch>
+        </p:blipFill>
+        <p:spPr bwMode="auto">
+          <a:xfrm>
+            <a:off x="1353876" y="1340768"/>
+            <a:ext cx="6436249" cy="4535388"/>
+          </a:xfrm>
+          <a:prstGeom prst="rect">
+            <a:avLst/>
+          </a:prstGeom>
+          <a:noFill/>
+          <a:ln>
+            <a:noFill/>
+          </a:ln>
+          <a:effectLst/>
+          <a:extLst>
+            <a:ext uri="{909E8E84-426E-40DD-AFC4-6F175D3DCCD1}">
+              <a14:hiddenFill xmlns:a14="http://schemas.microsoft.com/office/drawing/2010/main">
+                <a:solidFill>
+                  <a:schemeClr val="accent1"/>
+                </a:solidFill>
+              </a14:hiddenFill>
+            </a:ext>
+            <a:ext uri="{91240B29-F687-4F45-9708-019B960494DF}">
+              <a14:hiddenLine xmlns:a14="http://schemas.microsoft.com/office/drawing/2010/main" w="9525">
+                <a:solidFill>
+                  <a:schemeClr val="tx1"/>
+                </a:solidFill>
+                <a:miter lim="800000"/>
+                <a:headEnd/>
+                <a:tailEnd/>
+              </a14:hiddenLine>
+            </a:ext>
+            <a:ext uri="{AF507438-7753-43E0-B8FC-AC1667EBCBE1}">
+              <a14:hiddenEffects xmlns:a14="http://schemas.microsoft.com/office/drawing/2010/main">
+                <a:effectLst>
+                  <a:outerShdw dist="35921" dir="2700000" algn="ctr" rotWithShape="0">
+                    <a:schemeClr val="bg2"/>
+                  </a:outerShdw>
+                </a:effectLst>
+              </a14:hiddenEffects>
+            </a:ext>
+          </a:extLst>
+        </p:spPr>
+      </p:pic>
+    </p:spTree>
+    <p:extLst>
+      <p:ext uri="{BB962C8B-B14F-4D97-AF65-F5344CB8AC3E}">
+        <p14:creationId xmlns:p14="http://schemas.microsoft.com/office/powerpoint/2010/main" val="2326908253"/>
+      </p:ext>
+    </p:extLst>
+  </p:cSld>
+  <p:clrMapOvr>
+    <a:masterClrMapping/>
+  </p:clrMapOvr>
+  <p:timing>
+    <p:tnLst>
+      <p:par>
+        <p:cTn id="1" dur="indefinite" restart="never" nodeType="tmRoot"/>
+      </p:par>
+    </p:tnLst>
+  </p:timing>
+</p:sld>
+</file>
+
+<file path=ppt/slides/slide18.xml><?xml version="1.0" encoding="utf-8"?>
+<p:sld xmlns:a="http://schemas.openxmlformats.org/drawingml/2006/main" xmlns:r="http://schemas.openxmlformats.org/officeDocument/2006/relationships" xmlns:p="http://schemas.openxmlformats.org/presentationml/2006/main">
+  <p:cSld>
+    <p:spTree>
+      <p:nvGrpSpPr>
+        <p:cNvPr id="1" name=""/>
+        <p:cNvGrpSpPr/>
+        <p:nvPr/>
+      </p:nvGrpSpPr>
+      <p:grpSpPr>
+        <a:xfrm>
+          <a:off x="0" y="0"/>
+          <a:ext cx="0" cy="0"/>
+          <a:chOff x="0" y="0"/>
+          <a:chExt cx="0" cy="0"/>
+        </a:xfrm>
+      </p:grpSpPr>
+      <p:sp>
+        <p:nvSpPr>
+          <p:cNvPr id="2" name="제목 1"/>
+          <p:cNvSpPr>
+            <a:spLocks noGrp="1"/>
+          </p:cNvSpPr>
+          <p:nvPr>
+            <p:ph type="title"/>
+          </p:nvPr>
+        </p:nvSpPr>
+        <p:spPr/>
+        <p:txBody>
+          <a:bodyPr/>
+          <a:lstStyle/>
+          <a:p>
+            <a:r>
+              <a:rPr lang="en-US" altLang="ko-KR" dirty="0" smtClean="0"/>
+              <a:t>CSS</a:t>
+            </a:r>
+            <a:endParaRPr lang="ko-KR" altLang="en-US" dirty="0"/>
+          </a:p>
+        </p:txBody>
+      </p:sp>
+      <p:pic>
+        <p:nvPicPr>
+          <p:cNvPr id="3074" name="Picture 2"/>
+          <p:cNvPicPr>
+            <a:picLocks noChangeAspect="1" noChangeArrowheads="1"/>
+          </p:cNvPicPr>
+          <p:nvPr/>
+        </p:nvPicPr>
+        <p:blipFill>
+          <a:blip r:embed="rId2">
+            <a:extLst>
+              <a:ext uri="{28A0092B-C50C-407E-A947-70E740481C1C}">
+                <a14:useLocalDpi xmlns:a14="http://schemas.microsoft.com/office/drawing/2010/main" val="0"/>
+              </a:ext>
+            </a:extLst>
+          </a:blip>
+          <a:srcRect/>
+          <a:stretch>
+            <a:fillRect/>
+          </a:stretch>
+        </p:blipFill>
+        <p:spPr bwMode="auto">
+          <a:xfrm>
+            <a:off x="90174" y="1166813"/>
+            <a:ext cx="8963652" cy="3990379"/>
+          </a:xfrm>
+          <a:prstGeom prst="rect">
+            <a:avLst/>
+          </a:prstGeom>
+          <a:noFill/>
+          <a:ln>
+            <a:noFill/>
+          </a:ln>
+          <a:effectLst/>
+          <a:extLst>
+            <a:ext uri="{909E8E84-426E-40DD-AFC4-6F175D3DCCD1}">
+              <a14:hiddenFill xmlns:a14="http://schemas.microsoft.com/office/drawing/2010/main">
+                <a:solidFill>
+                  <a:schemeClr val="accent1"/>
+                </a:solidFill>
+              </a14:hiddenFill>
+            </a:ext>
+            <a:ext uri="{91240B29-F687-4F45-9708-019B960494DF}">
+              <a14:hiddenLine xmlns:a14="http://schemas.microsoft.com/office/drawing/2010/main" w="9525">
+                <a:solidFill>
+                  <a:schemeClr val="tx1"/>
+                </a:solidFill>
+                <a:miter lim="800000"/>
+                <a:headEnd/>
+                <a:tailEnd/>
+              </a14:hiddenLine>
+            </a:ext>
+            <a:ext uri="{AF507438-7753-43E0-B8FC-AC1667EBCBE1}">
+              <a14:hiddenEffects xmlns:a14="http://schemas.microsoft.com/office/drawing/2010/main">
+                <a:effectLst>
+                  <a:outerShdw dist="35921" dir="2700000" algn="ctr" rotWithShape="0">
+                    <a:schemeClr val="bg2"/>
+                  </a:outerShdw>
+                </a:effectLst>
+              </a14:hiddenEffects>
+            </a:ext>
+          </a:extLst>
+        </p:spPr>
+      </p:pic>
+    </p:spTree>
+    <p:extLst>
+      <p:ext uri="{BB962C8B-B14F-4D97-AF65-F5344CB8AC3E}">
+        <p14:creationId xmlns:p14="http://schemas.microsoft.com/office/powerpoint/2010/main" val="1409894950"/>
+      </p:ext>
+    </p:extLst>
+  </p:cSld>
+  <p:clrMapOvr>
+    <a:masterClrMapping/>
+  </p:clrMapOvr>
+  <p:timing>
+    <p:tnLst>
+      <p:par>
+        <p:cTn id="1" dur="indefinite" restart="never" nodeType="tmRoot"/>
+      </p:par>
+    </p:tnLst>
+  </p:timing>
+</p:sld>
+</file>
+
+<file path=ppt/slides/slide19.xml><?xml version="1.0" encoding="utf-8"?>
+<p:sld xmlns:a="http://schemas.openxmlformats.org/drawingml/2006/main" xmlns:r="http://schemas.openxmlformats.org/officeDocument/2006/relationships" xmlns:p="http://schemas.openxmlformats.org/presentationml/2006/main">
+  <p:cSld>
+    <p:spTree>
+      <p:nvGrpSpPr>
+        <p:cNvPr id="1" name=""/>
+        <p:cNvGrpSpPr/>
+        <p:nvPr/>
+      </p:nvGrpSpPr>
+      <p:grpSpPr>
+        <a:xfrm>
+          <a:off x="0" y="0"/>
+          <a:ext cx="0" cy="0"/>
+          <a:chOff x="0" y="0"/>
+          <a:chExt cx="0" cy="0"/>
+        </a:xfrm>
+      </p:grpSpPr>
+      <p:sp>
+        <p:nvSpPr>
+          <p:cNvPr id="2" name="제목 1"/>
+          <p:cNvSpPr>
+            <a:spLocks noGrp="1"/>
+          </p:cNvSpPr>
+          <p:nvPr>
+            <p:ph type="title"/>
+          </p:nvPr>
+        </p:nvSpPr>
+        <p:spPr/>
+        <p:txBody>
+          <a:bodyPr/>
+          <a:lstStyle/>
+          <a:p>
+            <a:r>
+              <a:rPr lang="en-US" altLang="ko-KR" dirty="0" err="1" smtClean="0"/>
+              <a:t>localStorage</a:t>
+            </a:r>
+            <a:r>
+              <a:rPr lang="en-US" altLang="ko-KR" dirty="0" smtClean="0"/>
+              <a:t> </a:t>
+            </a:r>
+            <a:r>
+              <a:rPr lang="ko-KR" altLang="en-US" dirty="0" smtClean="0"/>
+              <a:t>구조</a:t>
+            </a:r>
+            <a:endParaRPr lang="ko-KR" altLang="en-US" dirty="0"/>
+          </a:p>
+        </p:txBody>
+      </p:sp>
+      <p:sp>
+        <p:nvSpPr>
+          <p:cNvPr id="3" name="직사각형 2"/>
+          <p:cNvSpPr/>
+          <p:nvPr/>
+        </p:nvSpPr>
+        <p:spPr>
+          <a:xfrm>
+            <a:off x="899592" y="2076106"/>
+            <a:ext cx="1872208" cy="720080"/>
+          </a:xfrm>
+          <a:prstGeom prst="rect">
+            <a:avLst/>
+          </a:prstGeom>
+          <a:solidFill>
+            <a:schemeClr val="accent1">
+              <a:lumMod val="20000"/>
+              <a:lumOff val="80000"/>
+            </a:schemeClr>
+          </a:solidFill>
+        </p:spPr>
+        <p:style>
+          <a:lnRef idx="2">
+            <a:schemeClr val="accent6"/>
+          </a:lnRef>
+          <a:fillRef idx="1">
+            <a:schemeClr val="lt1"/>
+          </a:fillRef>
+          <a:effectRef idx="0">
+            <a:schemeClr val="accent6"/>
+          </a:effectRef>
+          <a:fontRef idx="minor">
+            <a:schemeClr val="dk1"/>
+          </a:fontRef>
+        </p:style>
+        <p:txBody>
+          <a:bodyPr rtlCol="0" anchor="ctr"/>
+          <a:lstStyle/>
+          <a:p>
+            <a:pPr algn="ctr"/>
+            <a:r>
+              <a:rPr lang="ko-KR" altLang="en-US" dirty="0" err="1" smtClean="0"/>
+              <a:t>대분류</a:t>
+            </a:r>
+            <a:r>
+              <a:rPr lang="ko-KR" altLang="en-US" dirty="0" smtClean="0"/>
+              <a:t> </a:t>
+            </a:r>
+            <a:r>
+              <a:rPr lang="en-US" altLang="ko-KR" dirty="0" smtClean="0"/>
+              <a:t>key</a:t>
+            </a:r>
+            <a:endParaRPr lang="ko-KR" altLang="en-US" dirty="0"/>
+          </a:p>
+        </p:txBody>
+      </p:sp>
+      <p:sp>
+        <p:nvSpPr>
+          <p:cNvPr id="4" name="직사각형 3"/>
+          <p:cNvSpPr/>
+          <p:nvPr/>
+        </p:nvSpPr>
+        <p:spPr>
+          <a:xfrm>
+            <a:off x="2771800" y="2076106"/>
+            <a:ext cx="1872208" cy="720080"/>
+          </a:xfrm>
+          <a:prstGeom prst="rect">
+            <a:avLst/>
+          </a:prstGeom>
+          <a:solidFill>
+            <a:schemeClr val="accent2">
+              <a:lumMod val="20000"/>
+              <a:lumOff val="80000"/>
+            </a:schemeClr>
+          </a:solidFill>
+        </p:spPr>
+        <p:style>
+          <a:lnRef idx="2">
+            <a:schemeClr val="accent6"/>
+          </a:lnRef>
+          <a:fillRef idx="1">
+            <a:schemeClr val="lt1"/>
+          </a:fillRef>
+          <a:effectRef idx="0">
+            <a:schemeClr val="accent6"/>
+          </a:effectRef>
+          <a:fontRef idx="minor">
+            <a:schemeClr val="dk1"/>
+          </a:fontRef>
+        </p:style>
+        <p:txBody>
+          <a:bodyPr rtlCol="0" anchor="ctr"/>
+          <a:lstStyle/>
+          <a:p>
+            <a:pPr algn="ctr"/>
+            <a:r>
+              <a:rPr lang="ko-KR" altLang="en-US" dirty="0" err="1" smtClean="0"/>
+              <a:t>대분류</a:t>
+            </a:r>
+            <a:r>
+              <a:rPr lang="ko-KR" altLang="en-US" dirty="0" smtClean="0"/>
+              <a:t> </a:t>
+            </a:r>
+            <a:r>
+              <a:rPr lang="en-US" altLang="ko-KR" dirty="0" smtClean="0"/>
+              <a:t>value</a:t>
+            </a:r>
+            <a:endParaRPr lang="ko-KR" altLang="en-US" dirty="0"/>
+          </a:p>
+        </p:txBody>
+      </p:sp>
+      <p:sp>
+        <p:nvSpPr>
+          <p:cNvPr id="5" name="직사각형 4"/>
+          <p:cNvSpPr/>
+          <p:nvPr/>
+        </p:nvSpPr>
+        <p:spPr>
+          <a:xfrm>
+            <a:off x="2771800" y="3228234"/>
+            <a:ext cx="1872208" cy="720080"/>
+          </a:xfrm>
+          <a:prstGeom prst="rect">
+            <a:avLst/>
+          </a:prstGeom>
+          <a:solidFill>
+            <a:schemeClr val="tx2">
+              <a:lumMod val="20000"/>
+              <a:lumOff val="80000"/>
+            </a:schemeClr>
+          </a:solidFill>
+        </p:spPr>
+        <p:style>
+          <a:lnRef idx="2">
+            <a:schemeClr val="accent6"/>
+          </a:lnRef>
+          <a:fillRef idx="1">
+            <a:schemeClr val="lt1"/>
+          </a:fillRef>
+          <a:effectRef idx="0">
+            <a:schemeClr val="accent6"/>
+          </a:effectRef>
+          <a:fontRef idx="minor">
+            <a:schemeClr val="dk1"/>
+          </a:fontRef>
+        </p:style>
+        <p:txBody>
+          <a:bodyPr rtlCol="0" anchor="ctr"/>
+          <a:lstStyle/>
+          <a:p>
+            <a:pPr algn="ctr"/>
+            <a:r>
+              <a:rPr lang="ko-KR" altLang="en-US" dirty="0" smtClean="0"/>
+              <a:t>중분류 </a:t>
+            </a:r>
+            <a:r>
+              <a:rPr lang="en-US" altLang="ko-KR" dirty="0" smtClean="0"/>
+              <a:t>key</a:t>
+            </a:r>
+            <a:endParaRPr lang="ko-KR" altLang="en-US" dirty="0"/>
+          </a:p>
+        </p:txBody>
+      </p:sp>
+      <p:cxnSp>
+        <p:nvCxnSpPr>
+          <p:cNvPr id="7" name="직선 화살표 연결선 6"/>
+          <p:cNvCxnSpPr>
+            <a:stCxn id="4" idx="2"/>
+            <a:endCxn id="5" idx="0"/>
+          </p:cNvCxnSpPr>
+          <p:nvPr/>
+        </p:nvCxnSpPr>
+        <p:spPr>
+          <a:xfrm>
+            <a:off x="3707904" y="2796186"/>
+            <a:ext cx="0" cy="432048"/>
+          </a:xfrm>
+          <a:prstGeom prst="straightConnector1">
+            <a:avLst/>
+          </a:prstGeom>
+          <a:ln w="38100">
+            <a:tailEnd type="arrow"/>
+          </a:ln>
+        </p:spPr>
+        <p:style>
+          <a:lnRef idx="1">
+            <a:schemeClr val="accent1"/>
+          </a:lnRef>
+          <a:fillRef idx="0">
+            <a:schemeClr val="accent1"/>
+          </a:fillRef>
+          <a:effectRef idx="0">
+            <a:schemeClr val="accent1"/>
+          </a:effectRef>
+          <a:fontRef idx="minor">
+            <a:schemeClr val="tx1"/>
+          </a:fontRef>
+        </p:style>
+      </p:cxnSp>
+      <p:sp>
+        <p:nvSpPr>
+          <p:cNvPr id="8" name="직사각형 7"/>
+          <p:cNvSpPr/>
+          <p:nvPr/>
+        </p:nvSpPr>
+        <p:spPr>
+          <a:xfrm>
+            <a:off x="4644008" y="3228234"/>
+            <a:ext cx="1872208" cy="720080"/>
+          </a:xfrm>
+          <a:prstGeom prst="rect">
+            <a:avLst/>
+          </a:prstGeom>
+          <a:solidFill>
+            <a:schemeClr val="accent2">
+              <a:lumMod val="20000"/>
+              <a:lumOff val="80000"/>
+            </a:schemeClr>
+          </a:solidFill>
+        </p:spPr>
+        <p:style>
+          <a:lnRef idx="2">
+            <a:schemeClr val="accent6"/>
+          </a:lnRef>
+          <a:fillRef idx="1">
+            <a:schemeClr val="lt1"/>
+          </a:fillRef>
+          <a:effectRef idx="0">
+            <a:schemeClr val="accent6"/>
+          </a:effectRef>
+          <a:fontRef idx="minor">
+            <a:schemeClr val="dk1"/>
+          </a:fontRef>
+        </p:style>
+        <p:txBody>
+          <a:bodyPr rtlCol="0" anchor="ctr"/>
+          <a:lstStyle/>
+          <a:p>
+            <a:pPr algn="ctr"/>
+            <a:r>
+              <a:rPr lang="ko-KR" altLang="en-US" dirty="0"/>
+              <a:t>중</a:t>
+            </a:r>
+            <a:r>
+              <a:rPr lang="ko-KR" altLang="en-US" dirty="0" smtClean="0"/>
+              <a:t>분류 </a:t>
+            </a:r>
+            <a:r>
+              <a:rPr lang="en-US" altLang="ko-KR" dirty="0" smtClean="0"/>
+              <a:t>value</a:t>
+            </a:r>
+            <a:endParaRPr lang="ko-KR" altLang="en-US" dirty="0"/>
+          </a:p>
+        </p:txBody>
+      </p:sp>
+      <p:cxnSp>
+        <p:nvCxnSpPr>
+          <p:cNvPr id="9" name="직선 화살표 연결선 8"/>
+          <p:cNvCxnSpPr/>
+          <p:nvPr/>
+        </p:nvCxnSpPr>
+        <p:spPr>
+          <a:xfrm>
+            <a:off x="5580112" y="3948314"/>
+            <a:ext cx="0" cy="432048"/>
+          </a:xfrm>
+          <a:prstGeom prst="straightConnector1">
+            <a:avLst/>
+          </a:prstGeom>
+          <a:ln w="38100">
+            <a:tailEnd type="arrow"/>
+          </a:ln>
+        </p:spPr>
+        <p:style>
+          <a:lnRef idx="1">
+            <a:schemeClr val="accent1"/>
+          </a:lnRef>
+          <a:fillRef idx="0">
+            <a:schemeClr val="accent1"/>
+          </a:fillRef>
+          <a:effectRef idx="0">
+            <a:schemeClr val="accent1"/>
+          </a:effectRef>
+          <a:fontRef idx="minor">
+            <a:schemeClr val="tx1"/>
+          </a:fontRef>
+        </p:style>
+      </p:cxnSp>
+      <p:sp>
+        <p:nvSpPr>
+          <p:cNvPr id="11" name="직사각형 10"/>
+          <p:cNvSpPr/>
+          <p:nvPr/>
+        </p:nvSpPr>
+        <p:spPr>
+          <a:xfrm>
+            <a:off x="4644008" y="4365104"/>
+            <a:ext cx="1872208" cy="720080"/>
+          </a:xfrm>
+          <a:prstGeom prst="rect">
+            <a:avLst/>
+          </a:prstGeom>
+          <a:solidFill>
+            <a:schemeClr val="accent1">
+              <a:lumMod val="20000"/>
+              <a:lumOff val="80000"/>
+            </a:schemeClr>
+          </a:solidFill>
+        </p:spPr>
+        <p:style>
+          <a:lnRef idx="2">
+            <a:schemeClr val="accent6"/>
+          </a:lnRef>
+          <a:fillRef idx="1">
+            <a:schemeClr val="lt1"/>
+          </a:fillRef>
+          <a:effectRef idx="0">
+            <a:schemeClr val="accent6"/>
+          </a:effectRef>
+          <a:fontRef idx="minor">
+            <a:schemeClr val="dk1"/>
+          </a:fontRef>
+        </p:style>
+        <p:txBody>
+          <a:bodyPr rtlCol="0" anchor="ctr"/>
+          <a:lstStyle/>
+          <a:p>
+            <a:pPr algn="ctr"/>
+            <a:r>
+              <a:rPr lang="ko-KR" altLang="en-US" dirty="0" smtClean="0"/>
+              <a:t>소분류 </a:t>
+            </a:r>
+            <a:r>
+              <a:rPr lang="en-US" altLang="ko-KR" dirty="0" smtClean="0"/>
+              <a:t>key</a:t>
+            </a:r>
+            <a:endParaRPr lang="ko-KR" altLang="en-US" dirty="0"/>
+          </a:p>
+        </p:txBody>
+      </p:sp>
+      <p:sp>
+        <p:nvSpPr>
+          <p:cNvPr id="12" name="직사각형 11"/>
+          <p:cNvSpPr/>
+          <p:nvPr/>
+        </p:nvSpPr>
+        <p:spPr>
+          <a:xfrm>
+            <a:off x="6516216" y="4365104"/>
+            <a:ext cx="1872208" cy="720080"/>
+          </a:xfrm>
+          <a:prstGeom prst="rect">
+            <a:avLst/>
+          </a:prstGeom>
+          <a:solidFill>
+            <a:schemeClr val="accent2">
+              <a:lumMod val="20000"/>
+              <a:lumOff val="80000"/>
+            </a:schemeClr>
+          </a:solidFill>
+        </p:spPr>
+        <p:style>
+          <a:lnRef idx="2">
+            <a:schemeClr val="accent6"/>
+          </a:lnRef>
+          <a:fillRef idx="1">
+            <a:schemeClr val="lt1"/>
+          </a:fillRef>
+          <a:effectRef idx="0">
+            <a:schemeClr val="accent6"/>
+          </a:effectRef>
+          <a:fontRef idx="minor">
+            <a:schemeClr val="dk1"/>
+          </a:fontRef>
+        </p:style>
+        <p:txBody>
+          <a:bodyPr rtlCol="0" anchor="ctr"/>
+          <a:lstStyle/>
+          <a:p>
+            <a:pPr algn="ctr"/>
+            <a:r>
+              <a:rPr lang="ko-KR" altLang="en-US" dirty="0" smtClean="0"/>
+              <a:t>소분류 </a:t>
+            </a:r>
+            <a:r>
+              <a:rPr lang="en-US" altLang="ko-KR" dirty="0" smtClean="0"/>
+              <a:t>value</a:t>
+            </a:r>
+            <a:endParaRPr lang="ko-KR" altLang="en-US" dirty="0"/>
+          </a:p>
+        </p:txBody>
+      </p:sp>
+    </p:spTree>
+    <p:extLst>
+      <p:ext uri="{BB962C8B-B14F-4D97-AF65-F5344CB8AC3E}">
+        <p14:creationId xmlns:p14="http://schemas.microsoft.com/office/powerpoint/2010/main" val="2725757875"/>
+      </p:ext>
+    </p:extLst>
+  </p:cSld>
+  <p:clrMapOvr>
+    <a:masterClrMapping/>
+  </p:clrMapOvr>
+  <p:timing>
+    <p:tnLst>
+      <p:par>
+        <p:cTn id="1" dur="indefinite" restart="never" nodeType="tmRoot">
+          <p:childTnLst>
+            <p:seq concurrent="1" nextAc="seek">
+              <p:cTn id="2" dur="indefinite" nodeType="mainSeq">
+                <p:childTnLst>
+                  <p:par>
+                    <p:cTn id="3" fill="hold">
+                      <p:stCondLst>
+                        <p:cond delay="indefinite"/>
+                      </p:stCondLst>
+                      <p:childTnLst>
+                        <p:par>
+                          <p:cTn id="4" fill="hold">
+                            <p:stCondLst>
+                              <p:cond delay="0"/>
+                            </p:stCondLst>
+                            <p:childTnLst>
+                              <p:par>
+                                <p:cTn id="5" presetID="1" presetClass="entr" presetSubtype="0" fill="hold" grpId="0" nodeType="clickEffect">
+                                  <p:stCondLst>
+                                    <p:cond delay="0"/>
+                                  </p:stCondLst>
+                                  <p:childTnLst>
+                                    <p:set>
+                                      <p:cBhvr>
+                                        <p:cTn id="6" dur="1" fill="hold">
+                                          <p:stCondLst>
+                                            <p:cond delay="0"/>
+                                          </p:stCondLst>
+                                        </p:cTn>
+                                        <p:tgtEl>
+                                          <p:spTgt spid="5"/>
+                                        </p:tgtEl>
+                                        <p:attrNameLst>
+                                          <p:attrName>style.visibility</p:attrName>
+                                        </p:attrNameLst>
+                                      </p:cBhvr>
+                                      <p:to>
+                                        <p:strVal val="visible"/>
+                                      </p:to>
+                                    </p:set>
+                                  </p:childTnLst>
+                                </p:cTn>
+                              </p:par>
+                              <p:par>
+                                <p:cTn id="7" presetID="1" presetClass="entr" presetSubtype="0" fill="hold" nodeType="withEffect">
+                                  <p:stCondLst>
+                                    <p:cond delay="0"/>
+                                  </p:stCondLst>
+                                  <p:childTnLst>
+                                    <p:set>
+                                      <p:cBhvr>
+                                        <p:cTn id="8" dur="1" fill="hold">
+                                          <p:stCondLst>
+                                            <p:cond delay="0"/>
+                                          </p:stCondLst>
+                                        </p:cTn>
+                                        <p:tgtEl>
+                                          <p:spTgt spid="7"/>
+                                        </p:tgtEl>
+                                        <p:attrNameLst>
+                                          <p:attrName>style.visibility</p:attrName>
+                                        </p:attrNameLst>
+                                      </p:cBhvr>
+                                      <p:to>
+                                        <p:strVal val="visible"/>
+                                      </p:to>
+                                    </p:set>
+                                  </p:childTnLst>
+                                </p:cTn>
+                              </p:par>
+                              <p:par>
+                                <p:cTn id="9" presetID="1" presetClass="entr" presetSubtype="0" fill="hold" grpId="0" nodeType="withEffect">
+                                  <p:stCondLst>
+                                    <p:cond delay="0"/>
+                                  </p:stCondLst>
+                                  <p:childTnLst>
+                                    <p:set>
+                                      <p:cBhvr>
+                                        <p:cTn id="10" dur="1" fill="hold">
+                                          <p:stCondLst>
+                                            <p:cond delay="0"/>
+                                          </p:stCondLst>
+                                        </p:cTn>
+                                        <p:tgtEl>
+                                          <p:spTgt spid="8"/>
+                                        </p:tgtEl>
+                                        <p:attrNameLst>
+                                          <p:attrName>style.visibility</p:attrName>
+                                        </p:attrNameLst>
+                                      </p:cBhvr>
+                                      <p:to>
+                                        <p:strVal val="visible"/>
+                                      </p:to>
+                                    </p:set>
+                                  </p:childTnLst>
+                                </p:cTn>
+                              </p:par>
+                            </p:childTnLst>
+                          </p:cTn>
+                        </p:par>
+                      </p:childTnLst>
+                    </p:cTn>
+                  </p:par>
+                  <p:par>
+                    <p:cTn id="11" fill="hold">
+                      <p:stCondLst>
+                        <p:cond delay="indefinite"/>
+                      </p:stCondLst>
+                      <p:childTnLst>
+                        <p:par>
+                          <p:cTn id="12" fill="hold">
+                            <p:stCondLst>
+                              <p:cond delay="0"/>
+                            </p:stCondLst>
+                            <p:childTnLst>
+                              <p:par>
+                                <p:cTn id="13" presetID="1" presetClass="entr" presetSubtype="0" fill="hold" nodeType="clickEffect">
+                                  <p:stCondLst>
+                                    <p:cond delay="0"/>
+                                  </p:stCondLst>
+                                  <p:childTnLst>
+                                    <p:set>
+                                      <p:cBhvr>
+                                        <p:cTn id="14" dur="1" fill="hold">
+                                          <p:stCondLst>
+                                            <p:cond delay="0"/>
+                                          </p:stCondLst>
+                                        </p:cTn>
+                                        <p:tgtEl>
+                                          <p:spTgt spid="9"/>
+                                        </p:tgtEl>
+                                        <p:attrNameLst>
+                                          <p:attrName>style.visibility</p:attrName>
+                                        </p:attrNameLst>
+                                      </p:cBhvr>
+                                      <p:to>
+                                        <p:strVal val="visible"/>
+                                      </p:to>
+                                    </p:set>
+                                  </p:childTnLst>
+                                </p:cTn>
+                              </p:par>
+                              <p:par>
+                                <p:cTn id="15" presetID="1" presetClass="entr" presetSubtype="0" fill="hold" grpId="0" nodeType="withEffect">
+                                  <p:stCondLst>
+                                    <p:cond delay="0"/>
+                                  </p:stCondLst>
+                                  <p:childTnLst>
+                                    <p:set>
+                                      <p:cBhvr>
+                                        <p:cTn id="16" dur="1" fill="hold">
+                                          <p:stCondLst>
+                                            <p:cond delay="0"/>
+                                          </p:stCondLst>
+                                        </p:cTn>
+                                        <p:tgtEl>
+                                          <p:spTgt spid="11"/>
+                                        </p:tgtEl>
+                                        <p:attrNameLst>
+                                          <p:attrName>style.visibility</p:attrName>
+                                        </p:attrNameLst>
+                                      </p:cBhvr>
+                                      <p:to>
+                                        <p:strVal val="visible"/>
+                                      </p:to>
+                                    </p:set>
+                                  </p:childTnLst>
+                                </p:cTn>
+                              </p:par>
+                              <p:par>
+                                <p:cTn id="17" presetID="1" presetClass="entr" presetSubtype="0" fill="hold" grpId="0" nodeType="withEffect">
+                                  <p:stCondLst>
+                                    <p:cond delay="0"/>
+                                  </p:stCondLst>
+                                  <p:childTnLst>
+                                    <p:set>
+                                      <p:cBhvr>
+                                        <p:cTn id="18" dur="1" fill="hold">
+                                          <p:stCondLst>
+                                            <p:cond delay="0"/>
+                                          </p:stCondLst>
+                                        </p:cTn>
+                                        <p:tgtEl>
+                                          <p:spTgt spid="12"/>
+                                        </p:tgtEl>
+                                        <p:attrNameLst>
+                                          <p:attrName>style.visibility</p:attrName>
+                                        </p:attrNameLst>
+                                      </p:cBhvr>
+                                      <p:to>
+                                        <p:strVal val="visible"/>
+                                      </p:to>
+                                    </p:set>
+                                  </p:childTnLst>
+                                </p:cTn>
+                              </p:par>
+                            </p:childTnLst>
+                          </p:cTn>
+                        </p:par>
+                      </p:childTnLst>
+                    </p:cTn>
+                  </p:par>
+                </p:childTnLst>
+              </p:cTn>
+              <p:prevCondLst>
+                <p:cond evt="onPrev" delay="0">
+                  <p:tgtEl>
+                    <p:sldTgt/>
+                  </p:tgtEl>
+                </p:cond>
+              </p:prevCondLst>
+              <p:nextCondLst>
+                <p:cond evt="onNext" delay="0">
+                  <p:tgtEl>
+                    <p:sldTgt/>
+                  </p:tgtEl>
+                </p:cond>
+              </p:nextCondLst>
+            </p:seq>
+          </p:childTnLst>
+        </p:cTn>
+      </p:par>
+    </p:tnLst>
+    <p:bldLst>
+      <p:bldP spid="5" grpId="0" animBg="1"/>
+      <p:bldP spid="8" grpId="0" animBg="1"/>
+      <p:bldP spid="11" grpId="0" animBg="1"/>
+      <p:bldP spid="12" grpId="0" animBg="1"/>
+    </p:bldLst>
   </p:timing>
 </p:sld>
 </file>
@@ -2774,6 +3884,2560 @@
 </p:sld>
 </file>
 
+<file path=ppt/slides/slide20.xml><?xml version="1.0" encoding="utf-8"?>
+<p:sld xmlns:a="http://schemas.openxmlformats.org/drawingml/2006/main" xmlns:r="http://schemas.openxmlformats.org/officeDocument/2006/relationships" xmlns:p="http://schemas.openxmlformats.org/presentationml/2006/main">
+  <p:cSld>
+    <p:spTree>
+      <p:nvGrpSpPr>
+        <p:cNvPr id="1" name=""/>
+        <p:cNvGrpSpPr/>
+        <p:nvPr/>
+      </p:nvGrpSpPr>
+      <p:grpSpPr>
+        <a:xfrm>
+          <a:off x="0" y="0"/>
+          <a:ext cx="0" cy="0"/>
+          <a:chOff x="0" y="0"/>
+          <a:chExt cx="0" cy="0"/>
+        </a:xfrm>
+      </p:grpSpPr>
+      <p:sp>
+        <p:nvSpPr>
+          <p:cNvPr id="2" name="제목 1"/>
+          <p:cNvSpPr>
+            <a:spLocks noGrp="1"/>
+          </p:cNvSpPr>
+          <p:nvPr>
+            <p:ph type="title"/>
+          </p:nvPr>
+        </p:nvSpPr>
+        <p:spPr/>
+        <p:txBody>
+          <a:bodyPr/>
+          <a:lstStyle/>
+          <a:p>
+            <a:r>
+              <a:rPr lang="ko-KR" altLang="en-US" dirty="0" smtClean="0"/>
+              <a:t>문제점</a:t>
+            </a:r>
+            <a:endParaRPr lang="ko-KR" altLang="en-US" dirty="0"/>
+          </a:p>
+        </p:txBody>
+      </p:sp>
+      <p:sp>
+        <p:nvSpPr>
+          <p:cNvPr id="4" name="TextBox 3"/>
+          <p:cNvSpPr txBox="1"/>
+          <p:nvPr/>
+        </p:nvSpPr>
+        <p:spPr>
+          <a:xfrm>
+            <a:off x="971600" y="1340768"/>
+            <a:ext cx="7920880" cy="4524315"/>
+          </a:xfrm>
+          <a:prstGeom prst="rect">
+            <a:avLst/>
+          </a:prstGeom>
+          <a:noFill/>
+        </p:spPr>
+        <p:txBody>
+          <a:bodyPr wrap="square" rtlCol="0">
+            <a:spAutoFit/>
+          </a:bodyPr>
+          <a:lstStyle/>
+          <a:p>
+            <a:r>
+              <a:rPr lang="ko-KR" altLang="en-US" dirty="0" smtClean="0"/>
+              <a:t>문제점 </a:t>
+            </a:r>
+            <a:r>
+              <a:rPr lang="en-US" altLang="ko-KR" dirty="0" smtClean="0"/>
+              <a:t>1. key</a:t>
+            </a:r>
+            <a:r>
+              <a:rPr lang="ko-KR" altLang="en-US" dirty="0" smtClean="0"/>
+              <a:t>는 고유해야 한다</a:t>
+            </a:r>
+            <a:r>
+              <a:rPr lang="en-US" altLang="ko-KR" dirty="0" smtClean="0"/>
+              <a:t>.</a:t>
+            </a:r>
+          </a:p>
+          <a:p>
+            <a:r>
+              <a:rPr lang="en-US" altLang="ko-KR" dirty="0" smtClean="0"/>
+              <a:t>	- key</a:t>
+            </a:r>
+            <a:r>
+              <a:rPr lang="ko-KR" altLang="en-US" dirty="0"/>
+              <a:t> </a:t>
+            </a:r>
+            <a:r>
+              <a:rPr lang="en-US" altLang="ko-KR" dirty="0" smtClean="0"/>
+              <a:t>+ </a:t>
+            </a:r>
+            <a:r>
+              <a:rPr lang="ko-KR" altLang="en-US" dirty="0" smtClean="0"/>
+              <a:t>고유</a:t>
+            </a:r>
+            <a:r>
+              <a:rPr lang="en-US" altLang="ko-KR" dirty="0" smtClean="0"/>
+              <a:t>ID </a:t>
+            </a:r>
+            <a:r>
+              <a:rPr lang="ko-KR" altLang="en-US" dirty="0" smtClean="0"/>
+              <a:t>부여</a:t>
+            </a:r>
+            <a:endParaRPr lang="en-US" altLang="ko-KR" dirty="0" smtClean="0"/>
+          </a:p>
+          <a:p>
+            <a:endParaRPr lang="en-US" altLang="ko-KR" dirty="0"/>
+          </a:p>
+          <a:p>
+            <a:r>
+              <a:rPr lang="ko-KR" altLang="en-US" dirty="0" smtClean="0"/>
+              <a:t>문제점 </a:t>
+            </a:r>
+            <a:r>
+              <a:rPr lang="en-US" altLang="ko-KR" dirty="0" smtClean="0"/>
+              <a:t>2. </a:t>
+            </a:r>
+            <a:r>
+              <a:rPr lang="en-US" altLang="ko-KR" dirty="0" err="1" smtClean="0"/>
+              <a:t>localStorge</a:t>
+            </a:r>
+            <a:r>
+              <a:rPr lang="ko-KR" altLang="en-US" dirty="0" smtClean="0"/>
+              <a:t>는 </a:t>
+            </a:r>
+            <a:r>
+              <a:rPr lang="en-US" altLang="ko-KR" dirty="0" smtClean="0"/>
+              <a:t>1</a:t>
+            </a:r>
+            <a:r>
+              <a:rPr lang="ko-KR" altLang="en-US" dirty="0" smtClean="0"/>
+              <a:t>개만 사용 할 수 있다</a:t>
+            </a:r>
+            <a:r>
+              <a:rPr lang="en-US" altLang="ko-KR" dirty="0" smtClean="0"/>
+              <a:t>.</a:t>
+            </a:r>
+          </a:p>
+          <a:p>
+            <a:r>
+              <a:rPr lang="en-US" altLang="ko-KR" dirty="0"/>
+              <a:t>	</a:t>
+            </a:r>
+            <a:r>
+              <a:rPr lang="en-US" altLang="ko-KR" dirty="0" smtClean="0"/>
+              <a:t>- </a:t>
+            </a:r>
+            <a:r>
+              <a:rPr lang="ko-KR" altLang="en-US" dirty="0" err="1" smtClean="0"/>
+              <a:t>대분류</a:t>
+            </a:r>
+            <a:r>
+              <a:rPr lang="en-US" altLang="ko-KR" dirty="0" smtClean="0"/>
+              <a:t>, </a:t>
+            </a:r>
+            <a:r>
+              <a:rPr lang="ko-KR" altLang="en-US" dirty="0" smtClean="0"/>
+              <a:t>중분류</a:t>
+            </a:r>
+            <a:r>
+              <a:rPr lang="en-US" altLang="ko-KR" dirty="0" smtClean="0"/>
+              <a:t>, </a:t>
+            </a:r>
+            <a:r>
+              <a:rPr lang="ko-KR" altLang="en-US" dirty="0" smtClean="0"/>
+              <a:t>소분류 각각의 테이블을 만들 수 없다</a:t>
+            </a:r>
+            <a:r>
+              <a:rPr lang="en-US" altLang="ko-KR" dirty="0" smtClean="0"/>
+              <a:t>.</a:t>
+            </a:r>
+          </a:p>
+          <a:p>
+            <a:endParaRPr lang="en-US" altLang="ko-KR" dirty="0"/>
+          </a:p>
+          <a:p>
+            <a:r>
+              <a:rPr lang="ko-KR" altLang="en-US" dirty="0" smtClean="0"/>
+              <a:t>문제점 </a:t>
+            </a:r>
+            <a:r>
+              <a:rPr lang="en-US" altLang="ko-KR" dirty="0" smtClean="0"/>
+              <a:t>3. </a:t>
+            </a:r>
+            <a:r>
+              <a:rPr lang="ko-KR" altLang="en-US" dirty="0" smtClean="0"/>
+              <a:t>상위 분류를 만들기 전에 하위 분류가 생성 될 수 없다</a:t>
+            </a:r>
+            <a:r>
+              <a:rPr lang="en-US" altLang="ko-KR" dirty="0" smtClean="0"/>
+              <a:t>.</a:t>
+            </a:r>
+          </a:p>
+          <a:p>
+            <a:r>
+              <a:rPr lang="en-US" altLang="ko-KR" dirty="0"/>
+              <a:t>	</a:t>
+            </a:r>
+            <a:r>
+              <a:rPr lang="en-US" altLang="ko-KR" dirty="0" smtClean="0"/>
+              <a:t>- </a:t>
+            </a:r>
+            <a:r>
+              <a:rPr lang="ko-KR" altLang="en-US" dirty="0" smtClean="0"/>
+              <a:t>각 </a:t>
+            </a:r>
+            <a:r>
+              <a:rPr lang="ko-KR" altLang="en-US" dirty="0" err="1" smtClean="0"/>
+              <a:t>분류별로</a:t>
+            </a:r>
+            <a:r>
+              <a:rPr lang="ko-KR" altLang="en-US" dirty="0" smtClean="0"/>
+              <a:t> 따로 </a:t>
+            </a:r>
+            <a:r>
+              <a:rPr lang="ko-KR" altLang="en-US" dirty="0" err="1" smtClean="0"/>
+              <a:t>검색하기위해</a:t>
+            </a:r>
+            <a:r>
+              <a:rPr lang="ko-KR" altLang="en-US" dirty="0" smtClean="0"/>
+              <a:t> </a:t>
+            </a:r>
+            <a:r>
+              <a:rPr lang="en-US" altLang="ko-KR" dirty="0" err="1" smtClean="0"/>
+              <a:t>localStorage</a:t>
+            </a:r>
+            <a:r>
+              <a:rPr lang="ko-KR" altLang="en-US" dirty="0" smtClean="0"/>
+              <a:t>를 총 </a:t>
+            </a:r>
+            <a:r>
+              <a:rPr lang="en-US" altLang="ko-KR" dirty="0" smtClean="0"/>
+              <a:t>3</a:t>
+            </a:r>
+            <a:r>
+              <a:rPr lang="ko-KR" altLang="en-US" dirty="0" smtClean="0"/>
+              <a:t>번 검사한다</a:t>
+            </a:r>
+            <a:r>
+              <a:rPr lang="en-US" altLang="ko-KR" dirty="0" smtClean="0"/>
+              <a:t>.</a:t>
+            </a:r>
+          </a:p>
+          <a:p>
+            <a:endParaRPr lang="en-US" altLang="ko-KR" dirty="0"/>
+          </a:p>
+          <a:p>
+            <a:r>
+              <a:rPr lang="ko-KR" altLang="en-US" dirty="0" smtClean="0"/>
+              <a:t>문제점 </a:t>
+            </a:r>
+            <a:r>
+              <a:rPr lang="en-US" altLang="ko-KR" dirty="0" smtClean="0"/>
+              <a:t>4. JSON</a:t>
+            </a:r>
+            <a:r>
+              <a:rPr lang="ko-KR" altLang="en-US" dirty="0" smtClean="0"/>
+              <a:t>형식과 같이 인덱스 구분 없이 자동정렬 된다</a:t>
+            </a:r>
+            <a:r>
+              <a:rPr lang="en-US" altLang="ko-KR" dirty="0" smtClean="0"/>
+              <a:t>.</a:t>
+            </a:r>
+          </a:p>
+          <a:p>
+            <a:r>
+              <a:rPr lang="en-US" altLang="ko-KR" dirty="0" smtClean="0"/>
+              <a:t>	- </a:t>
+            </a:r>
+            <a:r>
+              <a:rPr lang="ko-KR" altLang="en-US" dirty="0" smtClean="0"/>
+              <a:t>고유</a:t>
+            </a:r>
+            <a:r>
+              <a:rPr lang="en-US" altLang="ko-KR" dirty="0" smtClean="0"/>
+              <a:t>ID 9</a:t>
+            </a:r>
+            <a:r>
+              <a:rPr lang="ko-KR" altLang="en-US" dirty="0" smtClean="0"/>
+              <a:t>와 </a:t>
+            </a:r>
+            <a:r>
+              <a:rPr lang="en-US" altLang="ko-KR" dirty="0" smtClean="0"/>
+              <a:t>10</a:t>
+            </a:r>
+            <a:r>
+              <a:rPr lang="ko-KR" altLang="en-US" dirty="0" smtClean="0"/>
+              <a:t>이 들어가면 인덱스가 꼬인다</a:t>
+            </a:r>
+            <a:r>
+              <a:rPr lang="en-US" altLang="ko-KR" dirty="0" smtClean="0"/>
+              <a:t>.</a:t>
+            </a:r>
+          </a:p>
+          <a:p>
+            <a:endParaRPr lang="en-US" altLang="ko-KR" dirty="0"/>
+          </a:p>
+          <a:p>
+            <a:r>
+              <a:rPr lang="ko-KR" altLang="en-US" dirty="0" smtClean="0"/>
+              <a:t>문제점 </a:t>
+            </a:r>
+            <a:r>
+              <a:rPr lang="en-US" altLang="ko-KR" dirty="0" smtClean="0"/>
+              <a:t>5. </a:t>
+            </a:r>
+            <a:r>
+              <a:rPr lang="ko-KR" altLang="en-US" dirty="0" smtClean="0"/>
+              <a:t>크롬브라우저에서 </a:t>
+            </a:r>
+            <a:r>
+              <a:rPr lang="en-US" altLang="ko-KR" dirty="0" err="1" smtClean="0"/>
+              <a:t>window.opener.location.reload</a:t>
+            </a:r>
+            <a:r>
+              <a:rPr lang="en-US" altLang="ko-KR" dirty="0" smtClean="0"/>
+              <a:t>()</a:t>
+            </a:r>
+            <a:r>
+              <a:rPr lang="ko-KR" altLang="en-US" dirty="0" smtClean="0"/>
+              <a:t>함수가</a:t>
+            </a:r>
+            <a:endParaRPr lang="en-US" altLang="ko-KR" dirty="0" smtClean="0"/>
+          </a:p>
+          <a:p>
+            <a:r>
+              <a:rPr lang="en-US" altLang="ko-KR" dirty="0"/>
+              <a:t>	</a:t>
+            </a:r>
+            <a:r>
+              <a:rPr lang="en-US" altLang="ko-KR" dirty="0" smtClean="0"/>
+              <a:t> </a:t>
+            </a:r>
+            <a:r>
+              <a:rPr lang="ko-KR" altLang="en-US" dirty="0" smtClean="0"/>
+              <a:t>보안상의 이유로 작동하지 않는다</a:t>
+            </a:r>
+            <a:r>
+              <a:rPr lang="en-US" altLang="ko-KR" dirty="0" smtClean="0"/>
+              <a:t>.</a:t>
+            </a:r>
+          </a:p>
+          <a:p>
+            <a:r>
+              <a:rPr lang="en-US" altLang="ko-KR" dirty="0"/>
+              <a:t>	- </a:t>
+            </a:r>
+            <a:r>
+              <a:rPr lang="en-US" altLang="ko-KR" dirty="0" err="1"/>
+              <a:t>window.opener.top.location.href</a:t>
+            </a:r>
+            <a:r>
+              <a:rPr lang="en-US" altLang="ko-KR" dirty="0"/>
+              <a:t> = "../category.html</a:t>
+            </a:r>
+            <a:r>
+              <a:rPr lang="en-US" altLang="ko-KR" dirty="0" smtClean="0"/>
+              <a:t>";</a:t>
+            </a:r>
+          </a:p>
+          <a:p>
+            <a:r>
+              <a:rPr lang="en-US" altLang="ko-KR" dirty="0"/>
+              <a:t>	 </a:t>
+            </a:r>
+            <a:r>
+              <a:rPr lang="en-US" altLang="ko-KR" dirty="0" smtClean="0"/>
+              <a:t> </a:t>
+            </a:r>
+            <a:r>
+              <a:rPr lang="ko-KR" altLang="en-US" dirty="0" smtClean="0"/>
+              <a:t>를 이용하여 강제로 링크를 바꿔준다</a:t>
+            </a:r>
+            <a:r>
+              <a:rPr lang="en-US" altLang="ko-KR" dirty="0" smtClean="0"/>
+              <a:t>.</a:t>
+            </a:r>
+            <a:endParaRPr lang="ko-KR" altLang="en-US" dirty="0"/>
+          </a:p>
+        </p:txBody>
+      </p:sp>
+    </p:spTree>
+    <p:extLst>
+      <p:ext uri="{BB962C8B-B14F-4D97-AF65-F5344CB8AC3E}">
+        <p14:creationId xmlns:p14="http://schemas.microsoft.com/office/powerpoint/2010/main" val="1746752123"/>
+      </p:ext>
+    </p:extLst>
+  </p:cSld>
+  <p:clrMapOvr>
+    <a:masterClrMapping/>
+  </p:clrMapOvr>
+  <p:timing>
+    <p:tnLst>
+      <p:par>
+        <p:cTn id="1" dur="indefinite" restart="never" nodeType="tmRoot"/>
+      </p:par>
+    </p:tnLst>
+  </p:timing>
+</p:sld>
+</file>
+
+<file path=ppt/slides/slide21.xml><?xml version="1.0" encoding="utf-8"?>
+<p:sld xmlns:a="http://schemas.openxmlformats.org/drawingml/2006/main" xmlns:r="http://schemas.openxmlformats.org/officeDocument/2006/relationships" xmlns:p="http://schemas.openxmlformats.org/presentationml/2006/main">
+  <p:cSld>
+    <p:spTree>
+      <p:nvGrpSpPr>
+        <p:cNvPr id="1" name=""/>
+        <p:cNvGrpSpPr/>
+        <p:nvPr/>
+      </p:nvGrpSpPr>
+      <p:grpSpPr>
+        <a:xfrm>
+          <a:off x="0" y="0"/>
+          <a:ext cx="0" cy="0"/>
+          <a:chOff x="0" y="0"/>
+          <a:chExt cx="0" cy="0"/>
+        </a:xfrm>
+      </p:grpSpPr>
+      <p:sp>
+        <p:nvSpPr>
+          <p:cNvPr id="2" name="제목 1"/>
+          <p:cNvSpPr>
+            <a:spLocks noGrp="1"/>
+          </p:cNvSpPr>
+          <p:nvPr>
+            <p:ph type="title"/>
+          </p:nvPr>
+        </p:nvSpPr>
+        <p:spPr/>
+        <p:txBody>
+          <a:bodyPr>
+            <a:normAutofit/>
+          </a:bodyPr>
+          <a:lstStyle/>
+          <a:p>
+            <a:r>
+              <a:rPr lang="ko-KR" altLang="en-US" dirty="0"/>
+              <a:t>문제점 </a:t>
+            </a:r>
+            <a:r>
+              <a:rPr lang="en-US" altLang="ko-KR" dirty="0"/>
+              <a:t>1. key</a:t>
+            </a:r>
+            <a:r>
+              <a:rPr lang="ko-KR" altLang="en-US" dirty="0"/>
+              <a:t>는 고유해야 한다</a:t>
+            </a:r>
+            <a:r>
+              <a:rPr lang="en-US" altLang="ko-KR" dirty="0" smtClean="0"/>
+              <a:t>.</a:t>
+            </a:r>
+            <a:endParaRPr lang="ko-KR" altLang="en-US" dirty="0"/>
+          </a:p>
+        </p:txBody>
+      </p:sp>
+      <p:pic>
+        <p:nvPicPr>
+          <p:cNvPr id="5123" name="Picture 3"/>
+          <p:cNvPicPr>
+            <a:picLocks noChangeAspect="1" noChangeArrowheads="1"/>
+          </p:cNvPicPr>
+          <p:nvPr/>
+        </p:nvPicPr>
+        <p:blipFill>
+          <a:blip r:embed="rId2">
+            <a:extLst>
+              <a:ext uri="{28A0092B-C50C-407E-A947-70E740481C1C}">
+                <a14:useLocalDpi xmlns:a14="http://schemas.microsoft.com/office/drawing/2010/main" val="0"/>
+              </a:ext>
+            </a:extLst>
+          </a:blip>
+          <a:srcRect/>
+          <a:stretch>
+            <a:fillRect/>
+          </a:stretch>
+        </p:blipFill>
+        <p:spPr bwMode="auto">
+          <a:xfrm>
+            <a:off x="323528" y="1052736"/>
+            <a:ext cx="4363151" cy="3456384"/>
+          </a:xfrm>
+          <a:prstGeom prst="rect">
+            <a:avLst/>
+          </a:prstGeom>
+          <a:noFill/>
+          <a:ln>
+            <a:noFill/>
+          </a:ln>
+          <a:effectLst/>
+          <a:extLst>
+            <a:ext uri="{909E8E84-426E-40DD-AFC4-6F175D3DCCD1}">
+              <a14:hiddenFill xmlns:a14="http://schemas.microsoft.com/office/drawing/2010/main">
+                <a:solidFill>
+                  <a:schemeClr val="accent1"/>
+                </a:solidFill>
+              </a14:hiddenFill>
+            </a:ext>
+            <a:ext uri="{91240B29-F687-4F45-9708-019B960494DF}">
+              <a14:hiddenLine xmlns:a14="http://schemas.microsoft.com/office/drawing/2010/main" w="9525">
+                <a:solidFill>
+                  <a:schemeClr val="tx1"/>
+                </a:solidFill>
+                <a:miter lim="800000"/>
+                <a:headEnd/>
+                <a:tailEnd/>
+              </a14:hiddenLine>
+            </a:ext>
+            <a:ext uri="{AF507438-7753-43E0-B8FC-AC1667EBCBE1}">
+              <a14:hiddenEffects xmlns:a14="http://schemas.microsoft.com/office/drawing/2010/main">
+                <a:effectLst>
+                  <a:outerShdw dist="35921" dir="2700000" algn="ctr" rotWithShape="0">
+                    <a:schemeClr val="bg2"/>
+                  </a:outerShdw>
+                </a:effectLst>
+              </a14:hiddenEffects>
+            </a:ext>
+          </a:extLst>
+        </p:spPr>
+      </p:pic>
+      <p:pic>
+        <p:nvPicPr>
+          <p:cNvPr id="5122" name="Picture 2"/>
+          <p:cNvPicPr>
+            <a:picLocks noChangeAspect="1" noChangeArrowheads="1"/>
+          </p:cNvPicPr>
+          <p:nvPr/>
+        </p:nvPicPr>
+        <p:blipFill>
+          <a:blip r:embed="rId3">
+            <a:extLst>
+              <a:ext uri="{28A0092B-C50C-407E-A947-70E740481C1C}">
+                <a14:useLocalDpi xmlns:a14="http://schemas.microsoft.com/office/drawing/2010/main" val="0"/>
+              </a:ext>
+            </a:extLst>
+          </a:blip>
+          <a:srcRect/>
+          <a:stretch>
+            <a:fillRect/>
+          </a:stretch>
+        </p:blipFill>
+        <p:spPr bwMode="auto">
+          <a:xfrm>
+            <a:off x="2915816" y="2835729"/>
+            <a:ext cx="5934075" cy="3924300"/>
+          </a:xfrm>
+          <a:prstGeom prst="rect">
+            <a:avLst/>
+          </a:prstGeom>
+          <a:noFill/>
+          <a:ln>
+            <a:noFill/>
+          </a:ln>
+          <a:effectLst/>
+          <a:extLst>
+            <a:ext uri="{909E8E84-426E-40DD-AFC4-6F175D3DCCD1}">
+              <a14:hiddenFill xmlns:a14="http://schemas.microsoft.com/office/drawing/2010/main">
+                <a:solidFill>
+                  <a:schemeClr val="accent1"/>
+                </a:solidFill>
+              </a14:hiddenFill>
+            </a:ext>
+            <a:ext uri="{91240B29-F687-4F45-9708-019B960494DF}">
+              <a14:hiddenLine xmlns:a14="http://schemas.microsoft.com/office/drawing/2010/main" w="9525">
+                <a:solidFill>
+                  <a:schemeClr val="tx1"/>
+                </a:solidFill>
+                <a:miter lim="800000"/>
+                <a:headEnd/>
+                <a:tailEnd/>
+              </a14:hiddenLine>
+            </a:ext>
+            <a:ext uri="{AF507438-7753-43E0-B8FC-AC1667EBCBE1}">
+              <a14:hiddenEffects xmlns:a14="http://schemas.microsoft.com/office/drawing/2010/main">
+                <a:effectLst>
+                  <a:outerShdw dist="35921" dir="2700000" algn="ctr" rotWithShape="0">
+                    <a:schemeClr val="bg2"/>
+                  </a:outerShdw>
+                </a:effectLst>
+              </a14:hiddenEffects>
+            </a:ext>
+          </a:extLst>
+        </p:spPr>
+      </p:pic>
+    </p:spTree>
+    <p:extLst>
+      <p:ext uri="{BB962C8B-B14F-4D97-AF65-F5344CB8AC3E}">
+        <p14:creationId xmlns:p14="http://schemas.microsoft.com/office/powerpoint/2010/main" val="68652376"/>
+      </p:ext>
+    </p:extLst>
+  </p:cSld>
+  <p:clrMapOvr>
+    <a:masterClrMapping/>
+  </p:clrMapOvr>
+  <p:timing>
+    <p:tnLst>
+      <p:par>
+        <p:cTn id="1" dur="indefinite" restart="never" nodeType="tmRoot">
+          <p:childTnLst>
+            <p:seq concurrent="1" nextAc="seek">
+              <p:cTn id="2" dur="indefinite" nodeType="mainSeq">
+                <p:childTnLst>
+                  <p:par>
+                    <p:cTn id="3" fill="hold">
+                      <p:stCondLst>
+                        <p:cond delay="indefinite"/>
+                      </p:stCondLst>
+                      <p:childTnLst>
+                        <p:par>
+                          <p:cTn id="4" fill="hold">
+                            <p:stCondLst>
+                              <p:cond delay="0"/>
+                            </p:stCondLst>
+                            <p:childTnLst>
+                              <p:par>
+                                <p:cTn id="5" presetID="1" presetClass="entr" presetSubtype="0" fill="hold" nodeType="clickEffect">
+                                  <p:stCondLst>
+                                    <p:cond delay="0"/>
+                                  </p:stCondLst>
+                                  <p:childTnLst>
+                                    <p:set>
+                                      <p:cBhvr>
+                                        <p:cTn id="6" dur="1" fill="hold">
+                                          <p:stCondLst>
+                                            <p:cond delay="0"/>
+                                          </p:stCondLst>
+                                        </p:cTn>
+                                        <p:tgtEl>
+                                          <p:spTgt spid="5122"/>
+                                        </p:tgtEl>
+                                        <p:attrNameLst>
+                                          <p:attrName>style.visibility</p:attrName>
+                                        </p:attrNameLst>
+                                      </p:cBhvr>
+                                      <p:to>
+                                        <p:strVal val="visible"/>
+                                      </p:to>
+                                    </p:set>
+                                  </p:childTnLst>
+                                </p:cTn>
+                              </p:par>
+                            </p:childTnLst>
+                          </p:cTn>
+                        </p:par>
+                      </p:childTnLst>
+                    </p:cTn>
+                  </p:par>
+                </p:childTnLst>
+              </p:cTn>
+              <p:prevCondLst>
+                <p:cond evt="onPrev" delay="0">
+                  <p:tgtEl>
+                    <p:sldTgt/>
+                  </p:tgtEl>
+                </p:cond>
+              </p:prevCondLst>
+              <p:nextCondLst>
+                <p:cond evt="onNext" delay="0">
+                  <p:tgtEl>
+                    <p:sldTgt/>
+                  </p:tgtEl>
+                </p:cond>
+              </p:nextCondLst>
+            </p:seq>
+          </p:childTnLst>
+        </p:cTn>
+      </p:par>
+    </p:tnLst>
+  </p:timing>
+</p:sld>
+</file>
+
+<file path=ppt/slides/slide22.xml><?xml version="1.0" encoding="utf-8"?>
+<p:sld xmlns:a="http://schemas.openxmlformats.org/drawingml/2006/main" xmlns:r="http://schemas.openxmlformats.org/officeDocument/2006/relationships" xmlns:p="http://schemas.openxmlformats.org/presentationml/2006/main">
+  <p:cSld>
+    <p:spTree>
+      <p:nvGrpSpPr>
+        <p:cNvPr id="1" name=""/>
+        <p:cNvGrpSpPr/>
+        <p:nvPr/>
+      </p:nvGrpSpPr>
+      <p:grpSpPr>
+        <a:xfrm>
+          <a:off x="0" y="0"/>
+          <a:ext cx="0" cy="0"/>
+          <a:chOff x="0" y="0"/>
+          <a:chExt cx="0" cy="0"/>
+        </a:xfrm>
+      </p:grpSpPr>
+      <p:sp>
+        <p:nvSpPr>
+          <p:cNvPr id="2" name="제목 1"/>
+          <p:cNvSpPr>
+            <a:spLocks noGrp="1"/>
+          </p:cNvSpPr>
+          <p:nvPr>
+            <p:ph type="title"/>
+          </p:nvPr>
+        </p:nvSpPr>
+        <p:spPr/>
+        <p:txBody>
+          <a:bodyPr>
+            <a:normAutofit/>
+          </a:bodyPr>
+          <a:lstStyle/>
+          <a:p>
+            <a:r>
+              <a:rPr lang="ko-KR" altLang="en-US" dirty="0"/>
+              <a:t>문제점 </a:t>
+            </a:r>
+            <a:r>
+              <a:rPr lang="en-US" altLang="ko-KR" dirty="0"/>
+              <a:t>2. </a:t>
+            </a:r>
+            <a:r>
+              <a:rPr lang="en-US" altLang="ko-KR" dirty="0" err="1"/>
+              <a:t>localStorge</a:t>
+            </a:r>
+            <a:r>
+              <a:rPr lang="ko-KR" altLang="en-US" dirty="0"/>
+              <a:t>는 </a:t>
+            </a:r>
+            <a:r>
+              <a:rPr lang="en-US" altLang="ko-KR" dirty="0"/>
+              <a:t>1</a:t>
+            </a:r>
+            <a:r>
+              <a:rPr lang="ko-KR" altLang="en-US" dirty="0"/>
+              <a:t>개만 사용 할 수 있다</a:t>
+            </a:r>
+            <a:r>
+              <a:rPr lang="en-US" altLang="ko-KR" dirty="0" smtClean="0"/>
+              <a:t>.</a:t>
+            </a:r>
+            <a:endParaRPr lang="ko-KR" altLang="en-US" dirty="0"/>
+          </a:p>
+        </p:txBody>
+      </p:sp>
+      <p:sp>
+        <p:nvSpPr>
+          <p:cNvPr id="3" name="직사각형 2"/>
+          <p:cNvSpPr/>
+          <p:nvPr/>
+        </p:nvSpPr>
+        <p:spPr>
+          <a:xfrm>
+            <a:off x="2267744" y="3068960"/>
+            <a:ext cx="1872208" cy="720080"/>
+          </a:xfrm>
+          <a:prstGeom prst="rect">
+            <a:avLst/>
+          </a:prstGeom>
+          <a:solidFill>
+            <a:schemeClr val="accent1">
+              <a:lumMod val="20000"/>
+              <a:lumOff val="80000"/>
+            </a:schemeClr>
+          </a:solidFill>
+        </p:spPr>
+        <p:style>
+          <a:lnRef idx="2">
+            <a:schemeClr val="accent6"/>
+          </a:lnRef>
+          <a:fillRef idx="1">
+            <a:schemeClr val="lt1"/>
+          </a:fillRef>
+          <a:effectRef idx="0">
+            <a:schemeClr val="accent6"/>
+          </a:effectRef>
+          <a:fontRef idx="minor">
+            <a:schemeClr val="dk1"/>
+          </a:fontRef>
+        </p:style>
+        <p:txBody>
+          <a:bodyPr rtlCol="0" anchor="ctr"/>
+          <a:lstStyle/>
+          <a:p>
+            <a:pPr algn="ctr"/>
+            <a:r>
+              <a:rPr lang="en-US" altLang="ko-KR" dirty="0" smtClean="0"/>
+              <a:t>JSON</a:t>
+            </a:r>
+            <a:endParaRPr lang="ko-KR" altLang="en-US" dirty="0"/>
+          </a:p>
+        </p:txBody>
+      </p:sp>
+      <p:sp>
+        <p:nvSpPr>
+          <p:cNvPr id="4" name="직사각형 3"/>
+          <p:cNvSpPr/>
+          <p:nvPr/>
+        </p:nvSpPr>
+        <p:spPr>
+          <a:xfrm>
+            <a:off x="5196543" y="3068960"/>
+            <a:ext cx="1872208" cy="720080"/>
+          </a:xfrm>
+          <a:prstGeom prst="rect">
+            <a:avLst/>
+          </a:prstGeom>
+          <a:solidFill>
+            <a:schemeClr val="accent2">
+              <a:lumMod val="20000"/>
+              <a:lumOff val="80000"/>
+            </a:schemeClr>
+          </a:solidFill>
+        </p:spPr>
+        <p:style>
+          <a:lnRef idx="2">
+            <a:schemeClr val="accent6"/>
+          </a:lnRef>
+          <a:fillRef idx="1">
+            <a:schemeClr val="lt1"/>
+          </a:fillRef>
+          <a:effectRef idx="0">
+            <a:schemeClr val="accent6"/>
+          </a:effectRef>
+          <a:fontRef idx="minor">
+            <a:schemeClr val="dk1"/>
+          </a:fontRef>
+        </p:style>
+        <p:txBody>
+          <a:bodyPr rtlCol="0" anchor="ctr"/>
+          <a:lstStyle/>
+          <a:p>
+            <a:pPr algn="ctr"/>
+            <a:r>
+              <a:rPr lang="en-US" altLang="ko-KR" dirty="0" err="1" smtClean="0"/>
+              <a:t>ArrayList</a:t>
+            </a:r>
+            <a:endParaRPr lang="ko-KR" altLang="en-US" dirty="0"/>
+          </a:p>
+        </p:txBody>
+      </p:sp>
+    </p:spTree>
+    <p:extLst>
+      <p:ext uri="{BB962C8B-B14F-4D97-AF65-F5344CB8AC3E}">
+        <p14:creationId xmlns:p14="http://schemas.microsoft.com/office/powerpoint/2010/main" val="1991294054"/>
+      </p:ext>
+    </p:extLst>
+  </p:cSld>
+  <p:clrMapOvr>
+    <a:masterClrMapping/>
+  </p:clrMapOvr>
+  <p:timing>
+    <p:tnLst>
+      <p:par>
+        <p:cTn id="1" dur="indefinite" restart="never" nodeType="tmRoot"/>
+      </p:par>
+    </p:tnLst>
+  </p:timing>
+</p:sld>
+</file>
+
+<file path=ppt/slides/slide23.xml><?xml version="1.0" encoding="utf-8"?>
+<p:sld xmlns:a="http://schemas.openxmlformats.org/drawingml/2006/main" xmlns:r="http://schemas.openxmlformats.org/officeDocument/2006/relationships" xmlns:p="http://schemas.openxmlformats.org/presentationml/2006/main">
+  <p:cSld>
+    <p:spTree>
+      <p:nvGrpSpPr>
+        <p:cNvPr id="1" name=""/>
+        <p:cNvGrpSpPr/>
+        <p:nvPr/>
+      </p:nvGrpSpPr>
+      <p:grpSpPr>
+        <a:xfrm>
+          <a:off x="0" y="0"/>
+          <a:ext cx="0" cy="0"/>
+          <a:chOff x="0" y="0"/>
+          <a:chExt cx="0" cy="0"/>
+        </a:xfrm>
+      </p:grpSpPr>
+      <p:sp>
+        <p:nvSpPr>
+          <p:cNvPr id="2" name="제목 1"/>
+          <p:cNvSpPr>
+            <a:spLocks noGrp="1"/>
+          </p:cNvSpPr>
+          <p:nvPr>
+            <p:ph type="title"/>
+          </p:nvPr>
+        </p:nvSpPr>
+        <p:spPr/>
+        <p:txBody>
+          <a:bodyPr/>
+          <a:lstStyle/>
+          <a:p>
+            <a:r>
+              <a:rPr lang="ko-KR" altLang="en-US" dirty="0"/>
+              <a:t>문제점 </a:t>
+            </a:r>
+            <a:r>
+              <a:rPr lang="en-US" altLang="ko-KR" dirty="0"/>
+              <a:t>2. </a:t>
+            </a:r>
+            <a:r>
+              <a:rPr lang="en-US" altLang="ko-KR" dirty="0" err="1"/>
+              <a:t>localStorge</a:t>
+            </a:r>
+            <a:r>
+              <a:rPr lang="ko-KR" altLang="en-US" dirty="0"/>
+              <a:t>는 </a:t>
+            </a:r>
+            <a:r>
+              <a:rPr lang="en-US" altLang="ko-KR" dirty="0"/>
+              <a:t>1</a:t>
+            </a:r>
+            <a:r>
+              <a:rPr lang="ko-KR" altLang="en-US" dirty="0"/>
+              <a:t>개만 사용 할 수 있다</a:t>
+            </a:r>
+            <a:r>
+              <a:rPr lang="en-US" altLang="ko-KR" dirty="0"/>
+              <a:t>.</a:t>
+            </a:r>
+            <a:endParaRPr lang="ko-KR" altLang="en-US" dirty="0"/>
+          </a:p>
+        </p:txBody>
+      </p:sp>
+      <p:pic>
+        <p:nvPicPr>
+          <p:cNvPr id="6146" name="Picture 2"/>
+          <p:cNvPicPr>
+            <a:picLocks noChangeAspect="1" noChangeArrowheads="1"/>
+          </p:cNvPicPr>
+          <p:nvPr/>
+        </p:nvPicPr>
+        <p:blipFill>
+          <a:blip r:embed="rId2">
+            <a:extLst>
+              <a:ext uri="{28A0092B-C50C-407E-A947-70E740481C1C}">
+                <a14:useLocalDpi xmlns:a14="http://schemas.microsoft.com/office/drawing/2010/main" val="0"/>
+              </a:ext>
+            </a:extLst>
+          </a:blip>
+          <a:srcRect/>
+          <a:stretch>
+            <a:fillRect/>
+          </a:stretch>
+        </p:blipFill>
+        <p:spPr bwMode="auto">
+          <a:xfrm>
+            <a:off x="755575" y="1340768"/>
+            <a:ext cx="4824535" cy="1800200"/>
+          </a:xfrm>
+          <a:prstGeom prst="rect">
+            <a:avLst/>
+          </a:prstGeom>
+          <a:noFill/>
+          <a:ln>
+            <a:noFill/>
+          </a:ln>
+          <a:effectLst/>
+          <a:extLst>
+            <a:ext uri="{909E8E84-426E-40DD-AFC4-6F175D3DCCD1}">
+              <a14:hiddenFill xmlns:a14="http://schemas.microsoft.com/office/drawing/2010/main">
+                <a:solidFill>
+                  <a:schemeClr val="accent1"/>
+                </a:solidFill>
+              </a14:hiddenFill>
+            </a:ext>
+            <a:ext uri="{91240B29-F687-4F45-9708-019B960494DF}">
+              <a14:hiddenLine xmlns:a14="http://schemas.microsoft.com/office/drawing/2010/main" w="9525">
+                <a:solidFill>
+                  <a:schemeClr val="tx1"/>
+                </a:solidFill>
+                <a:miter lim="800000"/>
+                <a:headEnd/>
+                <a:tailEnd/>
+              </a14:hiddenLine>
+            </a:ext>
+            <a:ext uri="{AF507438-7753-43E0-B8FC-AC1667EBCBE1}">
+              <a14:hiddenEffects xmlns:a14="http://schemas.microsoft.com/office/drawing/2010/main">
+                <a:effectLst>
+                  <a:outerShdw dist="35921" dir="2700000" algn="ctr" rotWithShape="0">
+                    <a:schemeClr val="bg2"/>
+                  </a:outerShdw>
+                </a:effectLst>
+              </a14:hiddenEffects>
+            </a:ext>
+          </a:extLst>
+        </p:spPr>
+      </p:pic>
+      <p:pic>
+        <p:nvPicPr>
+          <p:cNvPr id="6147" name="Picture 3"/>
+          <p:cNvPicPr>
+            <a:picLocks noChangeAspect="1" noChangeArrowheads="1"/>
+          </p:cNvPicPr>
+          <p:nvPr/>
+        </p:nvPicPr>
+        <p:blipFill>
+          <a:blip r:embed="rId3">
+            <a:extLst>
+              <a:ext uri="{28A0092B-C50C-407E-A947-70E740481C1C}">
+                <a14:useLocalDpi xmlns:a14="http://schemas.microsoft.com/office/drawing/2010/main" val="0"/>
+              </a:ext>
+            </a:extLst>
+          </a:blip>
+          <a:srcRect/>
+          <a:stretch>
+            <a:fillRect/>
+          </a:stretch>
+        </p:blipFill>
+        <p:spPr bwMode="auto">
+          <a:xfrm>
+            <a:off x="3575682" y="3356992"/>
+            <a:ext cx="5212803" cy="3233610"/>
+          </a:xfrm>
+          <a:prstGeom prst="rect">
+            <a:avLst/>
+          </a:prstGeom>
+          <a:noFill/>
+          <a:ln>
+            <a:noFill/>
+          </a:ln>
+          <a:effectLst/>
+          <a:extLst>
+            <a:ext uri="{909E8E84-426E-40DD-AFC4-6F175D3DCCD1}">
+              <a14:hiddenFill xmlns:a14="http://schemas.microsoft.com/office/drawing/2010/main">
+                <a:solidFill>
+                  <a:schemeClr val="accent1"/>
+                </a:solidFill>
+              </a14:hiddenFill>
+            </a:ext>
+            <a:ext uri="{91240B29-F687-4F45-9708-019B960494DF}">
+              <a14:hiddenLine xmlns:a14="http://schemas.microsoft.com/office/drawing/2010/main" w="9525">
+                <a:solidFill>
+                  <a:schemeClr val="tx1"/>
+                </a:solidFill>
+                <a:miter lim="800000"/>
+                <a:headEnd/>
+                <a:tailEnd/>
+              </a14:hiddenLine>
+            </a:ext>
+            <a:ext uri="{AF507438-7753-43E0-B8FC-AC1667EBCBE1}">
+              <a14:hiddenEffects xmlns:a14="http://schemas.microsoft.com/office/drawing/2010/main">
+                <a:effectLst>
+                  <a:outerShdw dist="35921" dir="2700000" algn="ctr" rotWithShape="0">
+                    <a:schemeClr val="bg2"/>
+                  </a:outerShdw>
+                </a:effectLst>
+              </a14:hiddenEffects>
+            </a:ext>
+          </a:extLst>
+        </p:spPr>
+      </p:pic>
+    </p:spTree>
+    <p:extLst>
+      <p:ext uri="{BB962C8B-B14F-4D97-AF65-F5344CB8AC3E}">
+        <p14:creationId xmlns:p14="http://schemas.microsoft.com/office/powerpoint/2010/main" val="2199724346"/>
+      </p:ext>
+    </p:extLst>
+  </p:cSld>
+  <p:clrMapOvr>
+    <a:masterClrMapping/>
+  </p:clrMapOvr>
+  <p:timing>
+    <p:tnLst>
+      <p:par>
+        <p:cTn id="1" dur="indefinite" restart="never" nodeType="tmRoot"/>
+      </p:par>
+    </p:tnLst>
+  </p:timing>
+</p:sld>
+</file>
+
+<file path=ppt/slides/slide24.xml><?xml version="1.0" encoding="utf-8"?>
+<p:sld xmlns:a="http://schemas.openxmlformats.org/drawingml/2006/main" xmlns:r="http://schemas.openxmlformats.org/officeDocument/2006/relationships" xmlns:p="http://schemas.openxmlformats.org/presentationml/2006/main">
+  <p:cSld>
+    <p:spTree>
+      <p:nvGrpSpPr>
+        <p:cNvPr id="1" name=""/>
+        <p:cNvGrpSpPr/>
+        <p:nvPr/>
+      </p:nvGrpSpPr>
+      <p:grpSpPr>
+        <a:xfrm>
+          <a:off x="0" y="0"/>
+          <a:ext cx="0" cy="0"/>
+          <a:chOff x="0" y="0"/>
+          <a:chExt cx="0" cy="0"/>
+        </a:xfrm>
+      </p:grpSpPr>
+      <p:sp>
+        <p:nvSpPr>
+          <p:cNvPr id="2" name="제목 1"/>
+          <p:cNvSpPr>
+            <a:spLocks noGrp="1"/>
+          </p:cNvSpPr>
+          <p:nvPr>
+            <p:ph type="title"/>
+          </p:nvPr>
+        </p:nvSpPr>
+        <p:spPr/>
+        <p:txBody>
+          <a:bodyPr/>
+          <a:lstStyle/>
+          <a:p>
+            <a:r>
+              <a:rPr lang="ko-KR" altLang="en-US" dirty="0"/>
+              <a:t>문제점 </a:t>
+            </a:r>
+            <a:r>
+              <a:rPr lang="en-US" altLang="ko-KR" dirty="0"/>
+              <a:t>3. </a:t>
+            </a:r>
+            <a:r>
+              <a:rPr lang="ko-KR" altLang="en-US" dirty="0"/>
+              <a:t>상위 분류를 만들기 전에 하위 분류가 생성 될 수 없다</a:t>
+            </a:r>
+            <a:r>
+              <a:rPr lang="en-US" altLang="ko-KR" dirty="0"/>
+              <a:t>.</a:t>
+            </a:r>
+            <a:endParaRPr lang="ko-KR" altLang="en-US" dirty="0"/>
+          </a:p>
+        </p:txBody>
+      </p:sp>
+      <p:pic>
+        <p:nvPicPr>
+          <p:cNvPr id="4098" name="Picture 2"/>
+          <p:cNvPicPr>
+            <a:picLocks noChangeAspect="1" noChangeArrowheads="1"/>
+          </p:cNvPicPr>
+          <p:nvPr/>
+        </p:nvPicPr>
+        <p:blipFill>
+          <a:blip r:embed="rId2">
+            <a:extLst>
+              <a:ext uri="{28A0092B-C50C-407E-A947-70E740481C1C}">
+                <a14:useLocalDpi xmlns:a14="http://schemas.microsoft.com/office/drawing/2010/main" val="0"/>
+              </a:ext>
+            </a:extLst>
+          </a:blip>
+          <a:srcRect/>
+          <a:stretch>
+            <a:fillRect/>
+          </a:stretch>
+        </p:blipFill>
+        <p:spPr bwMode="auto">
+          <a:xfrm>
+            <a:off x="1619672" y="1075666"/>
+            <a:ext cx="2304256" cy="5597656"/>
+          </a:xfrm>
+          <a:prstGeom prst="rect">
+            <a:avLst/>
+          </a:prstGeom>
+          <a:noFill/>
+          <a:ln>
+            <a:noFill/>
+          </a:ln>
+          <a:effectLst/>
+          <a:extLst>
+            <a:ext uri="{909E8E84-426E-40DD-AFC4-6F175D3DCCD1}">
+              <a14:hiddenFill xmlns:a14="http://schemas.microsoft.com/office/drawing/2010/main">
+                <a:solidFill>
+                  <a:schemeClr val="accent1"/>
+                </a:solidFill>
+              </a14:hiddenFill>
+            </a:ext>
+            <a:ext uri="{91240B29-F687-4F45-9708-019B960494DF}">
+              <a14:hiddenLine xmlns:a14="http://schemas.microsoft.com/office/drawing/2010/main" w="9525">
+                <a:solidFill>
+                  <a:schemeClr val="tx1"/>
+                </a:solidFill>
+                <a:miter lim="800000"/>
+                <a:headEnd/>
+                <a:tailEnd/>
+              </a14:hiddenLine>
+            </a:ext>
+            <a:ext uri="{AF507438-7753-43E0-B8FC-AC1667EBCBE1}">
+              <a14:hiddenEffects xmlns:a14="http://schemas.microsoft.com/office/drawing/2010/main">
+                <a:effectLst>
+                  <a:outerShdw dist="35921" dir="2700000" algn="ctr" rotWithShape="0">
+                    <a:schemeClr val="bg2"/>
+                  </a:outerShdw>
+                </a:effectLst>
+              </a14:hiddenEffects>
+            </a:ext>
+          </a:extLst>
+        </p:spPr>
+      </p:pic>
+      <p:pic>
+        <p:nvPicPr>
+          <p:cNvPr id="4099" name="Picture 3"/>
+          <p:cNvPicPr>
+            <a:picLocks noChangeAspect="1" noChangeArrowheads="1"/>
+          </p:cNvPicPr>
+          <p:nvPr/>
+        </p:nvPicPr>
+        <p:blipFill>
+          <a:blip r:embed="rId3">
+            <a:extLst>
+              <a:ext uri="{28A0092B-C50C-407E-A947-70E740481C1C}">
+                <a14:useLocalDpi xmlns:a14="http://schemas.microsoft.com/office/drawing/2010/main" val="0"/>
+              </a:ext>
+            </a:extLst>
+          </a:blip>
+          <a:srcRect/>
+          <a:stretch>
+            <a:fillRect/>
+          </a:stretch>
+        </p:blipFill>
+        <p:spPr bwMode="auto">
+          <a:xfrm>
+            <a:off x="5580112" y="1075666"/>
+            <a:ext cx="2304256" cy="4666118"/>
+          </a:xfrm>
+          <a:prstGeom prst="rect">
+            <a:avLst/>
+          </a:prstGeom>
+          <a:noFill/>
+          <a:ln>
+            <a:noFill/>
+          </a:ln>
+          <a:effectLst/>
+          <a:extLst>
+            <a:ext uri="{909E8E84-426E-40DD-AFC4-6F175D3DCCD1}">
+              <a14:hiddenFill xmlns:a14="http://schemas.microsoft.com/office/drawing/2010/main">
+                <a:solidFill>
+                  <a:schemeClr val="accent1"/>
+                </a:solidFill>
+              </a14:hiddenFill>
+            </a:ext>
+            <a:ext uri="{91240B29-F687-4F45-9708-019B960494DF}">
+              <a14:hiddenLine xmlns:a14="http://schemas.microsoft.com/office/drawing/2010/main" w="9525">
+                <a:solidFill>
+                  <a:schemeClr val="tx1"/>
+                </a:solidFill>
+                <a:miter lim="800000"/>
+                <a:headEnd/>
+                <a:tailEnd/>
+              </a14:hiddenLine>
+            </a:ext>
+            <a:ext uri="{AF507438-7753-43E0-B8FC-AC1667EBCBE1}">
+              <a14:hiddenEffects xmlns:a14="http://schemas.microsoft.com/office/drawing/2010/main">
+                <a:effectLst>
+                  <a:outerShdw dist="35921" dir="2700000" algn="ctr" rotWithShape="0">
+                    <a:schemeClr val="bg2"/>
+                  </a:outerShdw>
+                </a:effectLst>
+              </a14:hiddenEffects>
+            </a:ext>
+          </a:extLst>
+        </p:spPr>
+      </p:pic>
+      <p:sp>
+        <p:nvSpPr>
+          <p:cNvPr id="3" name="아래쪽 화살표 2"/>
+          <p:cNvSpPr/>
+          <p:nvPr/>
+        </p:nvSpPr>
+        <p:spPr>
+          <a:xfrm>
+            <a:off x="1043608" y="2060848"/>
+            <a:ext cx="576064" cy="3024336"/>
+          </a:xfrm>
+          <a:prstGeom prst="downArrow">
+            <a:avLst/>
+          </a:prstGeom>
+          <a:solidFill>
+            <a:srgbClr val="FF0000"/>
+          </a:solidFill>
+          <a:ln w="12700">
+            <a:solidFill>
+              <a:srgbClr val="FF0000"/>
+            </a:solidFill>
+          </a:ln>
+        </p:spPr>
+        <p:style>
+          <a:lnRef idx="2">
+            <a:schemeClr val="accent6"/>
+          </a:lnRef>
+          <a:fillRef idx="1">
+            <a:schemeClr val="lt1"/>
+          </a:fillRef>
+          <a:effectRef idx="0">
+            <a:schemeClr val="accent6"/>
+          </a:effectRef>
+          <a:fontRef idx="minor">
+            <a:schemeClr val="dk1"/>
+          </a:fontRef>
+        </p:style>
+        <p:txBody>
+          <a:bodyPr rtlCol="0" anchor="ctr"/>
+          <a:lstStyle/>
+          <a:p>
+            <a:pPr algn="ctr"/>
+            <a:endParaRPr lang="ko-KR" altLang="en-US"/>
+          </a:p>
+        </p:txBody>
+      </p:sp>
+      <p:sp>
+        <p:nvSpPr>
+          <p:cNvPr id="4" name="오른쪽 화살표 3"/>
+          <p:cNvSpPr/>
+          <p:nvPr/>
+        </p:nvSpPr>
+        <p:spPr>
+          <a:xfrm>
+            <a:off x="4211960" y="3140968"/>
+            <a:ext cx="1224136" cy="432048"/>
+          </a:xfrm>
+          <a:prstGeom prst="rightArrow">
+            <a:avLst/>
+          </a:prstGeom>
+          <a:solidFill>
+            <a:srgbClr val="FF0000"/>
+          </a:solidFill>
+          <a:ln>
+            <a:solidFill>
+              <a:srgbClr val="FF0000"/>
+            </a:solidFill>
+          </a:ln>
+        </p:spPr>
+        <p:style>
+          <a:lnRef idx="2">
+            <a:schemeClr val="accent1">
+              <a:shade val="50000"/>
+            </a:schemeClr>
+          </a:lnRef>
+          <a:fillRef idx="1">
+            <a:schemeClr val="accent1"/>
+          </a:fillRef>
+          <a:effectRef idx="0">
+            <a:schemeClr val="accent1"/>
+          </a:effectRef>
+          <a:fontRef idx="minor">
+            <a:schemeClr val="lt1"/>
+          </a:fontRef>
+        </p:style>
+        <p:txBody>
+          <a:bodyPr rtlCol="0" anchor="ctr"/>
+          <a:lstStyle/>
+          <a:p>
+            <a:pPr algn="ctr"/>
+            <a:endParaRPr lang="ko-KR" altLang="en-US"/>
+          </a:p>
+        </p:txBody>
+      </p:sp>
+    </p:spTree>
+    <p:extLst>
+      <p:ext uri="{BB962C8B-B14F-4D97-AF65-F5344CB8AC3E}">
+        <p14:creationId xmlns:p14="http://schemas.microsoft.com/office/powerpoint/2010/main" val="161289064"/>
+      </p:ext>
+    </p:extLst>
+  </p:cSld>
+  <p:clrMapOvr>
+    <a:masterClrMapping/>
+  </p:clrMapOvr>
+  <p:timing>
+    <p:tnLst>
+      <p:par>
+        <p:cTn id="1" dur="indefinite" restart="never" nodeType="tmRoot">
+          <p:childTnLst>
+            <p:seq concurrent="1" nextAc="seek">
+              <p:cTn id="2" dur="indefinite" nodeType="mainSeq">
+                <p:childTnLst>
+                  <p:par>
+                    <p:cTn id="3" fill="hold">
+                      <p:stCondLst>
+                        <p:cond delay="indefinite"/>
+                      </p:stCondLst>
+                      <p:childTnLst>
+                        <p:par>
+                          <p:cTn id="4" fill="hold">
+                            <p:stCondLst>
+                              <p:cond delay="0"/>
+                            </p:stCondLst>
+                            <p:childTnLst>
+                              <p:par>
+                                <p:cTn id="5" presetID="1" presetClass="entr" presetSubtype="0" fill="hold" grpId="0" nodeType="clickEffect">
+                                  <p:stCondLst>
+                                    <p:cond delay="0"/>
+                                  </p:stCondLst>
+                                  <p:childTnLst>
+                                    <p:set>
+                                      <p:cBhvr>
+                                        <p:cTn id="6" dur="1" fill="hold">
+                                          <p:stCondLst>
+                                            <p:cond delay="0"/>
+                                          </p:stCondLst>
+                                        </p:cTn>
+                                        <p:tgtEl>
+                                          <p:spTgt spid="3"/>
+                                        </p:tgtEl>
+                                        <p:attrNameLst>
+                                          <p:attrName>style.visibility</p:attrName>
+                                        </p:attrNameLst>
+                                      </p:cBhvr>
+                                      <p:to>
+                                        <p:strVal val="visible"/>
+                                      </p:to>
+                                    </p:set>
+                                  </p:childTnLst>
+                                </p:cTn>
+                              </p:par>
+                            </p:childTnLst>
+                          </p:cTn>
+                        </p:par>
+                      </p:childTnLst>
+                    </p:cTn>
+                  </p:par>
+                  <p:par>
+                    <p:cTn id="7" fill="hold">
+                      <p:stCondLst>
+                        <p:cond delay="indefinite"/>
+                      </p:stCondLst>
+                      <p:childTnLst>
+                        <p:par>
+                          <p:cTn id="8" fill="hold">
+                            <p:stCondLst>
+                              <p:cond delay="0"/>
+                            </p:stCondLst>
+                            <p:childTnLst>
+                              <p:par>
+                                <p:cTn id="9" presetID="1" presetClass="entr" presetSubtype="0" fill="hold" grpId="0" nodeType="clickEffect">
+                                  <p:stCondLst>
+                                    <p:cond delay="0"/>
+                                  </p:stCondLst>
+                                  <p:childTnLst>
+                                    <p:set>
+                                      <p:cBhvr>
+                                        <p:cTn id="10" dur="1" fill="hold">
+                                          <p:stCondLst>
+                                            <p:cond delay="0"/>
+                                          </p:stCondLst>
+                                        </p:cTn>
+                                        <p:tgtEl>
+                                          <p:spTgt spid="4"/>
+                                        </p:tgtEl>
+                                        <p:attrNameLst>
+                                          <p:attrName>style.visibility</p:attrName>
+                                        </p:attrNameLst>
+                                      </p:cBhvr>
+                                      <p:to>
+                                        <p:strVal val="visible"/>
+                                      </p:to>
+                                    </p:set>
+                                  </p:childTnLst>
+                                </p:cTn>
+                              </p:par>
+                            </p:childTnLst>
+                          </p:cTn>
+                        </p:par>
+                      </p:childTnLst>
+                    </p:cTn>
+                  </p:par>
+                </p:childTnLst>
+              </p:cTn>
+              <p:prevCondLst>
+                <p:cond evt="onPrev" delay="0">
+                  <p:tgtEl>
+                    <p:sldTgt/>
+                  </p:tgtEl>
+                </p:cond>
+              </p:prevCondLst>
+              <p:nextCondLst>
+                <p:cond evt="onNext" delay="0">
+                  <p:tgtEl>
+                    <p:sldTgt/>
+                  </p:tgtEl>
+                </p:cond>
+              </p:nextCondLst>
+            </p:seq>
+          </p:childTnLst>
+        </p:cTn>
+      </p:par>
+    </p:tnLst>
+    <p:bldLst>
+      <p:bldP spid="3" grpId="0" animBg="1"/>
+      <p:bldP spid="4" grpId="0" animBg="1"/>
+    </p:bldLst>
+  </p:timing>
+</p:sld>
+</file>
+
+<file path=ppt/slides/slide25.xml><?xml version="1.0" encoding="utf-8"?>
+<p:sld xmlns:a="http://schemas.openxmlformats.org/drawingml/2006/main" xmlns:r="http://schemas.openxmlformats.org/officeDocument/2006/relationships" xmlns:p="http://schemas.openxmlformats.org/presentationml/2006/main">
+  <p:cSld>
+    <p:spTree>
+      <p:nvGrpSpPr>
+        <p:cNvPr id="1" name=""/>
+        <p:cNvGrpSpPr/>
+        <p:nvPr/>
+      </p:nvGrpSpPr>
+      <p:grpSpPr>
+        <a:xfrm>
+          <a:off x="0" y="0"/>
+          <a:ext cx="0" cy="0"/>
+          <a:chOff x="0" y="0"/>
+          <a:chExt cx="0" cy="0"/>
+        </a:xfrm>
+      </p:grpSpPr>
+      <p:sp>
+        <p:nvSpPr>
+          <p:cNvPr id="2" name="제목 1"/>
+          <p:cNvSpPr>
+            <a:spLocks noGrp="1"/>
+          </p:cNvSpPr>
+          <p:nvPr>
+            <p:ph type="title"/>
+          </p:nvPr>
+        </p:nvSpPr>
+        <p:spPr/>
+        <p:txBody>
+          <a:bodyPr>
+            <a:normAutofit/>
+          </a:bodyPr>
+          <a:lstStyle/>
+          <a:p>
+            <a:r>
+              <a:rPr lang="ko-KR" altLang="en-US" dirty="0"/>
+              <a:t>문제점 </a:t>
+            </a:r>
+            <a:r>
+              <a:rPr lang="en-US" altLang="ko-KR" dirty="0"/>
+              <a:t>4. JSON</a:t>
+            </a:r>
+            <a:r>
+              <a:rPr lang="ko-KR" altLang="en-US" dirty="0"/>
+              <a:t>형식과 같이 인덱스 구분 없이 자동정렬 된다</a:t>
+            </a:r>
+            <a:r>
+              <a:rPr lang="en-US" altLang="ko-KR" dirty="0" smtClean="0"/>
+              <a:t>.</a:t>
+            </a:r>
+            <a:endParaRPr lang="ko-KR" altLang="en-US" dirty="0"/>
+          </a:p>
+        </p:txBody>
+      </p:sp>
+      <p:pic>
+        <p:nvPicPr>
+          <p:cNvPr id="1026" name="Picture 2"/>
+          <p:cNvPicPr>
+            <a:picLocks noChangeAspect="1" noChangeArrowheads="1"/>
+          </p:cNvPicPr>
+          <p:nvPr/>
+        </p:nvPicPr>
+        <p:blipFill>
+          <a:blip r:embed="rId2">
+            <a:extLst>
+              <a:ext uri="{28A0092B-C50C-407E-A947-70E740481C1C}">
+                <a14:useLocalDpi xmlns:a14="http://schemas.microsoft.com/office/drawing/2010/main" val="0"/>
+              </a:ext>
+            </a:extLst>
+          </a:blip>
+          <a:srcRect/>
+          <a:stretch>
+            <a:fillRect/>
+          </a:stretch>
+        </p:blipFill>
+        <p:spPr bwMode="auto">
+          <a:xfrm>
+            <a:off x="2123728" y="1846897"/>
+            <a:ext cx="2520280" cy="936104"/>
+          </a:xfrm>
+          <a:prstGeom prst="rect">
+            <a:avLst/>
+          </a:prstGeom>
+          <a:noFill/>
+          <a:ln>
+            <a:noFill/>
+          </a:ln>
+          <a:effectLst/>
+          <a:extLst>
+            <a:ext uri="{909E8E84-426E-40DD-AFC4-6F175D3DCCD1}">
+              <a14:hiddenFill xmlns:a14="http://schemas.microsoft.com/office/drawing/2010/main">
+                <a:solidFill>
+                  <a:schemeClr val="accent1"/>
+                </a:solidFill>
+              </a14:hiddenFill>
+            </a:ext>
+            <a:ext uri="{91240B29-F687-4F45-9708-019B960494DF}">
+              <a14:hiddenLine xmlns:a14="http://schemas.microsoft.com/office/drawing/2010/main" w="9525">
+                <a:solidFill>
+                  <a:schemeClr val="tx1"/>
+                </a:solidFill>
+                <a:miter lim="800000"/>
+                <a:headEnd/>
+                <a:tailEnd/>
+              </a14:hiddenLine>
+            </a:ext>
+            <a:ext uri="{AF507438-7753-43E0-B8FC-AC1667EBCBE1}">
+              <a14:hiddenEffects xmlns:a14="http://schemas.microsoft.com/office/drawing/2010/main">
+                <a:effectLst>
+                  <a:outerShdw dist="35921" dir="2700000" algn="ctr" rotWithShape="0">
+                    <a:schemeClr val="bg2"/>
+                  </a:outerShdw>
+                </a:effectLst>
+              </a14:hiddenEffects>
+            </a:ext>
+          </a:extLst>
+        </p:spPr>
+      </p:pic>
+      <p:pic>
+        <p:nvPicPr>
+          <p:cNvPr id="1027" name="Picture 3"/>
+          <p:cNvPicPr>
+            <a:picLocks noChangeAspect="1" noChangeArrowheads="1"/>
+          </p:cNvPicPr>
+          <p:nvPr/>
+        </p:nvPicPr>
+        <p:blipFill>
+          <a:blip r:embed="rId3">
+            <a:extLst>
+              <a:ext uri="{28A0092B-C50C-407E-A947-70E740481C1C}">
+                <a14:useLocalDpi xmlns:a14="http://schemas.microsoft.com/office/drawing/2010/main" val="0"/>
+              </a:ext>
+            </a:extLst>
+          </a:blip>
+          <a:srcRect/>
+          <a:stretch>
+            <a:fillRect/>
+          </a:stretch>
+        </p:blipFill>
+        <p:spPr bwMode="auto">
+          <a:xfrm>
+            <a:off x="2123728" y="3140968"/>
+            <a:ext cx="2148587" cy="1948408"/>
+          </a:xfrm>
+          <a:prstGeom prst="rect">
+            <a:avLst/>
+          </a:prstGeom>
+          <a:noFill/>
+          <a:ln>
+            <a:noFill/>
+          </a:ln>
+          <a:effectLst/>
+          <a:extLst>
+            <a:ext uri="{909E8E84-426E-40DD-AFC4-6F175D3DCCD1}">
+              <a14:hiddenFill xmlns:a14="http://schemas.microsoft.com/office/drawing/2010/main">
+                <a:solidFill>
+                  <a:schemeClr val="accent1"/>
+                </a:solidFill>
+              </a14:hiddenFill>
+            </a:ext>
+            <a:ext uri="{91240B29-F687-4F45-9708-019B960494DF}">
+              <a14:hiddenLine xmlns:a14="http://schemas.microsoft.com/office/drawing/2010/main" w="9525">
+                <a:solidFill>
+                  <a:schemeClr val="tx1"/>
+                </a:solidFill>
+                <a:miter lim="800000"/>
+                <a:headEnd/>
+                <a:tailEnd/>
+              </a14:hiddenLine>
+            </a:ext>
+            <a:ext uri="{AF507438-7753-43E0-B8FC-AC1667EBCBE1}">
+              <a14:hiddenEffects xmlns:a14="http://schemas.microsoft.com/office/drawing/2010/main">
+                <a:effectLst>
+                  <a:outerShdw dist="35921" dir="2700000" algn="ctr" rotWithShape="0">
+                    <a:schemeClr val="bg2"/>
+                  </a:outerShdw>
+                </a:effectLst>
+              </a14:hiddenEffects>
+            </a:ext>
+          </a:extLst>
+        </p:spPr>
+      </p:pic>
+      <p:pic>
+        <p:nvPicPr>
+          <p:cNvPr id="1028" name="Picture 4"/>
+          <p:cNvPicPr>
+            <a:picLocks noChangeAspect="1" noChangeArrowheads="1"/>
+          </p:cNvPicPr>
+          <p:nvPr/>
+        </p:nvPicPr>
+        <p:blipFill>
+          <a:blip r:embed="rId4">
+            <a:extLst>
+              <a:ext uri="{28A0092B-C50C-407E-A947-70E740481C1C}">
+                <a14:useLocalDpi xmlns:a14="http://schemas.microsoft.com/office/drawing/2010/main" val="0"/>
+              </a:ext>
+            </a:extLst>
+          </a:blip>
+          <a:srcRect/>
+          <a:stretch>
+            <a:fillRect/>
+          </a:stretch>
+        </p:blipFill>
+        <p:spPr bwMode="auto">
+          <a:xfrm>
+            <a:off x="5148064" y="1315613"/>
+            <a:ext cx="2304256" cy="4218737"/>
+          </a:xfrm>
+          <a:prstGeom prst="rect">
+            <a:avLst/>
+          </a:prstGeom>
+          <a:noFill/>
+          <a:ln>
+            <a:noFill/>
+          </a:ln>
+          <a:effectLst/>
+          <a:extLst>
+            <a:ext uri="{909E8E84-426E-40DD-AFC4-6F175D3DCCD1}">
+              <a14:hiddenFill xmlns:a14="http://schemas.microsoft.com/office/drawing/2010/main">
+                <a:solidFill>
+                  <a:schemeClr val="accent1"/>
+                </a:solidFill>
+              </a14:hiddenFill>
+            </a:ext>
+            <a:ext uri="{91240B29-F687-4F45-9708-019B960494DF}">
+              <a14:hiddenLine xmlns:a14="http://schemas.microsoft.com/office/drawing/2010/main" w="9525">
+                <a:solidFill>
+                  <a:schemeClr val="tx1"/>
+                </a:solidFill>
+                <a:miter lim="800000"/>
+                <a:headEnd/>
+                <a:tailEnd/>
+              </a14:hiddenLine>
+            </a:ext>
+            <a:ext uri="{AF507438-7753-43E0-B8FC-AC1667EBCBE1}">
+              <a14:hiddenEffects xmlns:a14="http://schemas.microsoft.com/office/drawing/2010/main">
+                <a:effectLst>
+                  <a:outerShdw dist="35921" dir="2700000" algn="ctr" rotWithShape="0">
+                    <a:schemeClr val="bg2"/>
+                  </a:outerShdw>
+                </a:effectLst>
+              </a14:hiddenEffects>
+            </a:ext>
+          </a:extLst>
+        </p:spPr>
+      </p:pic>
+    </p:spTree>
+    <p:extLst>
+      <p:ext uri="{BB962C8B-B14F-4D97-AF65-F5344CB8AC3E}">
+        <p14:creationId xmlns:p14="http://schemas.microsoft.com/office/powerpoint/2010/main" val="1250527498"/>
+      </p:ext>
+    </p:extLst>
+  </p:cSld>
+  <p:clrMapOvr>
+    <a:masterClrMapping/>
+  </p:clrMapOvr>
+</p:sld>
+</file>
+
+<file path=ppt/slides/slide26.xml><?xml version="1.0" encoding="utf-8"?>
+<p:sld xmlns:a="http://schemas.openxmlformats.org/drawingml/2006/main" xmlns:r="http://schemas.openxmlformats.org/officeDocument/2006/relationships" xmlns:p="http://schemas.openxmlformats.org/presentationml/2006/main">
+  <p:cSld>
+    <p:spTree>
+      <p:nvGrpSpPr>
+        <p:cNvPr id="1" name=""/>
+        <p:cNvGrpSpPr/>
+        <p:nvPr/>
+      </p:nvGrpSpPr>
+      <p:grpSpPr>
+        <a:xfrm>
+          <a:off x="0" y="0"/>
+          <a:ext cx="0" cy="0"/>
+          <a:chOff x="0" y="0"/>
+          <a:chExt cx="0" cy="0"/>
+        </a:xfrm>
+      </p:grpSpPr>
+      <p:sp>
+        <p:nvSpPr>
+          <p:cNvPr id="2" name="제목 1"/>
+          <p:cNvSpPr>
+            <a:spLocks noGrp="1"/>
+          </p:cNvSpPr>
+          <p:nvPr>
+            <p:ph type="title"/>
+          </p:nvPr>
+        </p:nvSpPr>
+        <p:spPr>
+          <a:xfrm>
+            <a:off x="971600" y="260648"/>
+            <a:ext cx="7920880" cy="850106"/>
+          </a:xfrm>
+        </p:spPr>
+        <p:txBody>
+          <a:bodyPr>
+            <a:normAutofit fontScale="90000"/>
+          </a:bodyPr>
+          <a:lstStyle/>
+          <a:p>
+            <a:r>
+              <a:rPr lang="ko-KR" altLang="en-US" dirty="0"/>
+              <a:t>문제점 </a:t>
+            </a:r>
+            <a:r>
+              <a:rPr lang="en-US" altLang="ko-KR" dirty="0"/>
+              <a:t>5. </a:t>
+            </a:r>
+            <a:r>
+              <a:rPr lang="ko-KR" altLang="en-US" dirty="0"/>
+              <a:t>크롬브라우저에서 </a:t>
+            </a:r>
+            <a:r>
+              <a:rPr lang="en-US" altLang="ko-KR" dirty="0" err="1"/>
+              <a:t>window.opener.location.reload</a:t>
+            </a:r>
+            <a:r>
+              <a:rPr lang="en-US" altLang="ko-KR" dirty="0"/>
+              <a:t>()</a:t>
+            </a:r>
+            <a:r>
+              <a:rPr lang="ko-KR" altLang="en-US" dirty="0"/>
+              <a:t>함수가</a:t>
+            </a:r>
+            <a:r>
+              <a:rPr lang="en-US" altLang="ko-KR" dirty="0"/>
+              <a:t/>
+            </a:r>
+            <a:br>
+              <a:rPr lang="en-US" altLang="ko-KR" dirty="0"/>
+            </a:br>
+            <a:r>
+              <a:rPr lang="en-US" altLang="ko-KR" dirty="0"/>
+              <a:t>	 </a:t>
+            </a:r>
+            <a:r>
+              <a:rPr lang="ko-KR" altLang="en-US" dirty="0"/>
+              <a:t>보안상의 이유로 작동하지 않는다</a:t>
+            </a:r>
+            <a:r>
+              <a:rPr lang="en-US" altLang="ko-KR" dirty="0"/>
+              <a:t>.</a:t>
+            </a:r>
+            <a:br>
+              <a:rPr lang="en-US" altLang="ko-KR" dirty="0"/>
+            </a:br>
+            <a:endParaRPr lang="ko-KR" altLang="en-US" dirty="0"/>
+          </a:p>
+        </p:txBody>
+      </p:sp>
+      <p:pic>
+        <p:nvPicPr>
+          <p:cNvPr id="2050" name="Picture 2"/>
+          <p:cNvPicPr>
+            <a:picLocks noChangeAspect="1" noChangeArrowheads="1"/>
+          </p:cNvPicPr>
+          <p:nvPr/>
+        </p:nvPicPr>
+        <p:blipFill>
+          <a:blip r:embed="rId2">
+            <a:extLst>
+              <a:ext uri="{28A0092B-C50C-407E-A947-70E740481C1C}">
+                <a14:useLocalDpi xmlns:a14="http://schemas.microsoft.com/office/drawing/2010/main" val="0"/>
+              </a:ext>
+            </a:extLst>
+          </a:blip>
+          <a:srcRect/>
+          <a:stretch>
+            <a:fillRect/>
+          </a:stretch>
+        </p:blipFill>
+        <p:spPr bwMode="auto">
+          <a:xfrm>
+            <a:off x="1547664" y="2281116"/>
+            <a:ext cx="6042864" cy="1182613"/>
+          </a:xfrm>
+          <a:prstGeom prst="rect">
+            <a:avLst/>
+          </a:prstGeom>
+          <a:noFill/>
+          <a:ln>
+            <a:noFill/>
+          </a:ln>
+          <a:effectLst/>
+          <a:extLst>
+            <a:ext uri="{909E8E84-426E-40DD-AFC4-6F175D3DCCD1}">
+              <a14:hiddenFill xmlns:a14="http://schemas.microsoft.com/office/drawing/2010/main">
+                <a:solidFill>
+                  <a:schemeClr val="accent1"/>
+                </a:solidFill>
+              </a14:hiddenFill>
+            </a:ext>
+            <a:ext uri="{91240B29-F687-4F45-9708-019B960494DF}">
+              <a14:hiddenLine xmlns:a14="http://schemas.microsoft.com/office/drawing/2010/main" w="9525">
+                <a:solidFill>
+                  <a:schemeClr val="tx1"/>
+                </a:solidFill>
+                <a:miter lim="800000"/>
+                <a:headEnd/>
+                <a:tailEnd/>
+              </a14:hiddenLine>
+            </a:ext>
+            <a:ext uri="{AF507438-7753-43E0-B8FC-AC1667EBCBE1}">
+              <a14:hiddenEffects xmlns:a14="http://schemas.microsoft.com/office/drawing/2010/main">
+                <a:effectLst>
+                  <a:outerShdw dist="35921" dir="2700000" algn="ctr" rotWithShape="0">
+                    <a:schemeClr val="bg2"/>
+                  </a:outerShdw>
+                </a:effectLst>
+              </a14:hiddenEffects>
+            </a:ext>
+          </a:extLst>
+        </p:spPr>
+      </p:pic>
+      <p:sp>
+        <p:nvSpPr>
+          <p:cNvPr id="3" name="TextBox 2"/>
+          <p:cNvSpPr txBox="1"/>
+          <p:nvPr/>
+        </p:nvSpPr>
+        <p:spPr>
+          <a:xfrm>
+            <a:off x="2591663" y="3995772"/>
+            <a:ext cx="3921202" cy="369332"/>
+          </a:xfrm>
+          <a:prstGeom prst="rect">
+            <a:avLst/>
+          </a:prstGeom>
+          <a:noFill/>
+        </p:spPr>
+        <p:txBody>
+          <a:bodyPr wrap="none" rtlCol="0">
+            <a:spAutoFit/>
+          </a:bodyPr>
+          <a:lstStyle/>
+          <a:p>
+            <a:r>
+              <a:rPr lang="en-US" altLang="ko-KR" dirty="0" err="1" smtClean="0"/>
+              <a:t>href</a:t>
+            </a:r>
+            <a:r>
+              <a:rPr lang="ko-KR" altLang="en-US" dirty="0" smtClean="0"/>
+              <a:t>로 자신을 다시 불러오도록 대체</a:t>
+            </a:r>
+            <a:endParaRPr lang="ko-KR" altLang="en-US" dirty="0"/>
+          </a:p>
+        </p:txBody>
+      </p:sp>
+    </p:spTree>
+    <p:extLst>
+      <p:ext uri="{BB962C8B-B14F-4D97-AF65-F5344CB8AC3E}">
+        <p14:creationId xmlns:p14="http://schemas.microsoft.com/office/powerpoint/2010/main" val="2993387245"/>
+      </p:ext>
+    </p:extLst>
+  </p:cSld>
+  <p:clrMapOvr>
+    <a:masterClrMapping/>
+  </p:clrMapOvr>
+</p:sld>
+</file>
+
+<file path=ppt/slides/slide27.xml><?xml version="1.0" encoding="utf-8"?>
+<p:sld xmlns:a="http://schemas.openxmlformats.org/drawingml/2006/main" xmlns:r="http://schemas.openxmlformats.org/officeDocument/2006/relationships" xmlns:p="http://schemas.openxmlformats.org/presentationml/2006/main">
+  <p:cSld>
+    <p:spTree>
+      <p:nvGrpSpPr>
+        <p:cNvPr id="1" name=""/>
+        <p:cNvGrpSpPr/>
+        <p:nvPr/>
+      </p:nvGrpSpPr>
+      <p:grpSpPr>
+        <a:xfrm>
+          <a:off x="0" y="0"/>
+          <a:ext cx="0" cy="0"/>
+          <a:chOff x="0" y="0"/>
+          <a:chExt cx="0" cy="0"/>
+        </a:xfrm>
+      </p:grpSpPr>
+      <p:sp>
+        <p:nvSpPr>
+          <p:cNvPr id="2" name="제목 1"/>
+          <p:cNvSpPr>
+            <a:spLocks noGrp="1"/>
+          </p:cNvSpPr>
+          <p:nvPr>
+            <p:ph type="title"/>
+          </p:nvPr>
+        </p:nvSpPr>
+        <p:spPr/>
+        <p:txBody>
+          <a:bodyPr/>
+          <a:lstStyle/>
+          <a:p>
+            <a:r>
+              <a:rPr lang="ko-KR" altLang="en-US" dirty="0"/>
+              <a:t>카테고리 </a:t>
+            </a:r>
+            <a:r>
+              <a:rPr lang="ko-KR" altLang="en-US" dirty="0" smtClean="0"/>
+              <a:t>추가</a:t>
+            </a:r>
+            <a:endParaRPr lang="ko-KR" altLang="en-US" dirty="0"/>
+          </a:p>
+        </p:txBody>
+      </p:sp>
+      <p:pic>
+        <p:nvPicPr>
+          <p:cNvPr id="4098" name="Picture 2"/>
+          <p:cNvPicPr>
+            <a:picLocks noChangeAspect="1" noChangeArrowheads="1"/>
+          </p:cNvPicPr>
+          <p:nvPr/>
+        </p:nvPicPr>
+        <p:blipFill>
+          <a:blip r:embed="rId2">
+            <a:extLst>
+              <a:ext uri="{28A0092B-C50C-407E-A947-70E740481C1C}">
+                <a14:useLocalDpi xmlns:a14="http://schemas.microsoft.com/office/drawing/2010/main" val="0"/>
+              </a:ext>
+            </a:extLst>
+          </a:blip>
+          <a:srcRect/>
+          <a:stretch>
+            <a:fillRect/>
+          </a:stretch>
+        </p:blipFill>
+        <p:spPr bwMode="auto">
+          <a:xfrm>
+            <a:off x="2278230" y="4221088"/>
+            <a:ext cx="4659548" cy="2481522"/>
+          </a:xfrm>
+          <a:prstGeom prst="rect">
+            <a:avLst/>
+          </a:prstGeom>
+          <a:noFill/>
+          <a:ln>
+            <a:noFill/>
+          </a:ln>
+          <a:effectLst/>
+          <a:extLst>
+            <a:ext uri="{909E8E84-426E-40DD-AFC4-6F175D3DCCD1}">
+              <a14:hiddenFill xmlns:a14="http://schemas.microsoft.com/office/drawing/2010/main">
+                <a:solidFill>
+                  <a:schemeClr val="accent1"/>
+                </a:solidFill>
+              </a14:hiddenFill>
+            </a:ext>
+            <a:ext uri="{91240B29-F687-4F45-9708-019B960494DF}">
+              <a14:hiddenLine xmlns:a14="http://schemas.microsoft.com/office/drawing/2010/main" w="9525">
+                <a:solidFill>
+                  <a:schemeClr val="tx1"/>
+                </a:solidFill>
+                <a:miter lim="800000"/>
+                <a:headEnd/>
+                <a:tailEnd/>
+              </a14:hiddenLine>
+            </a:ext>
+            <a:ext uri="{AF507438-7753-43E0-B8FC-AC1667EBCBE1}">
+              <a14:hiddenEffects xmlns:a14="http://schemas.microsoft.com/office/drawing/2010/main">
+                <a:effectLst>
+                  <a:outerShdw dist="35921" dir="2700000" algn="ctr" rotWithShape="0">
+                    <a:schemeClr val="bg2"/>
+                  </a:outerShdw>
+                </a:effectLst>
+              </a14:hiddenEffects>
+            </a:ext>
+          </a:extLst>
+        </p:spPr>
+      </p:pic>
+      <p:pic>
+        <p:nvPicPr>
+          <p:cNvPr id="4099" name="Picture 3"/>
+          <p:cNvPicPr>
+            <a:picLocks noChangeAspect="1" noChangeArrowheads="1"/>
+          </p:cNvPicPr>
+          <p:nvPr/>
+        </p:nvPicPr>
+        <p:blipFill>
+          <a:blip r:embed="rId3">
+            <a:extLst>
+              <a:ext uri="{28A0092B-C50C-407E-A947-70E740481C1C}">
+                <a14:useLocalDpi xmlns:a14="http://schemas.microsoft.com/office/drawing/2010/main" val="0"/>
+              </a:ext>
+            </a:extLst>
+          </a:blip>
+          <a:srcRect/>
+          <a:stretch>
+            <a:fillRect/>
+          </a:stretch>
+        </p:blipFill>
+        <p:spPr bwMode="auto">
+          <a:xfrm>
+            <a:off x="2267744" y="1196752"/>
+            <a:ext cx="4680520" cy="736749"/>
+          </a:xfrm>
+          <a:prstGeom prst="rect">
+            <a:avLst/>
+          </a:prstGeom>
+          <a:noFill/>
+          <a:ln>
+            <a:noFill/>
+          </a:ln>
+          <a:effectLst/>
+          <a:extLst>
+            <a:ext uri="{909E8E84-426E-40DD-AFC4-6F175D3DCCD1}">
+              <a14:hiddenFill xmlns:a14="http://schemas.microsoft.com/office/drawing/2010/main">
+                <a:solidFill>
+                  <a:schemeClr val="accent1"/>
+                </a:solidFill>
+              </a14:hiddenFill>
+            </a:ext>
+            <a:ext uri="{91240B29-F687-4F45-9708-019B960494DF}">
+              <a14:hiddenLine xmlns:a14="http://schemas.microsoft.com/office/drawing/2010/main" w="9525">
+                <a:solidFill>
+                  <a:schemeClr val="tx1"/>
+                </a:solidFill>
+                <a:miter lim="800000"/>
+                <a:headEnd/>
+                <a:tailEnd/>
+              </a14:hiddenLine>
+            </a:ext>
+            <a:ext uri="{AF507438-7753-43E0-B8FC-AC1667EBCBE1}">
+              <a14:hiddenEffects xmlns:a14="http://schemas.microsoft.com/office/drawing/2010/main">
+                <a:effectLst>
+                  <a:outerShdw dist="35921" dir="2700000" algn="ctr" rotWithShape="0">
+                    <a:schemeClr val="bg2"/>
+                  </a:outerShdw>
+                </a:effectLst>
+              </a14:hiddenEffects>
+            </a:ext>
+          </a:extLst>
+        </p:spPr>
+      </p:pic>
+      <p:pic>
+        <p:nvPicPr>
+          <p:cNvPr id="4100" name="Picture 4"/>
+          <p:cNvPicPr>
+            <a:picLocks noChangeAspect="1" noChangeArrowheads="1"/>
+          </p:cNvPicPr>
+          <p:nvPr/>
+        </p:nvPicPr>
+        <p:blipFill>
+          <a:blip r:embed="rId4">
+            <a:extLst>
+              <a:ext uri="{28A0092B-C50C-407E-A947-70E740481C1C}">
+                <a14:useLocalDpi xmlns:a14="http://schemas.microsoft.com/office/drawing/2010/main" val="0"/>
+              </a:ext>
+            </a:extLst>
+          </a:blip>
+          <a:srcRect/>
+          <a:stretch>
+            <a:fillRect/>
+          </a:stretch>
+        </p:blipFill>
+        <p:spPr bwMode="auto">
+          <a:xfrm>
+            <a:off x="2278230" y="2352440"/>
+            <a:ext cx="4659548" cy="1465925"/>
+          </a:xfrm>
+          <a:prstGeom prst="rect">
+            <a:avLst/>
+          </a:prstGeom>
+          <a:noFill/>
+          <a:ln>
+            <a:noFill/>
+          </a:ln>
+          <a:effectLst/>
+          <a:extLst>
+            <a:ext uri="{909E8E84-426E-40DD-AFC4-6F175D3DCCD1}">
+              <a14:hiddenFill xmlns:a14="http://schemas.microsoft.com/office/drawing/2010/main">
+                <a:solidFill>
+                  <a:schemeClr val="accent1"/>
+                </a:solidFill>
+              </a14:hiddenFill>
+            </a:ext>
+            <a:ext uri="{91240B29-F687-4F45-9708-019B960494DF}">
+              <a14:hiddenLine xmlns:a14="http://schemas.microsoft.com/office/drawing/2010/main" w="9525">
+                <a:solidFill>
+                  <a:schemeClr val="tx1"/>
+                </a:solidFill>
+                <a:miter lim="800000"/>
+                <a:headEnd/>
+                <a:tailEnd/>
+              </a14:hiddenLine>
+            </a:ext>
+            <a:ext uri="{AF507438-7753-43E0-B8FC-AC1667EBCBE1}">
+              <a14:hiddenEffects xmlns:a14="http://schemas.microsoft.com/office/drawing/2010/main">
+                <a:effectLst>
+                  <a:outerShdw dist="35921" dir="2700000" algn="ctr" rotWithShape="0">
+                    <a:schemeClr val="bg2"/>
+                  </a:outerShdw>
+                </a:effectLst>
+              </a14:hiddenEffects>
+            </a:ext>
+          </a:extLst>
+        </p:spPr>
+      </p:pic>
+    </p:spTree>
+    <p:extLst>
+      <p:ext uri="{BB962C8B-B14F-4D97-AF65-F5344CB8AC3E}">
+        <p14:creationId xmlns:p14="http://schemas.microsoft.com/office/powerpoint/2010/main" val="3705997643"/>
+      </p:ext>
+    </p:extLst>
+  </p:cSld>
+  <p:clrMapOvr>
+    <a:masterClrMapping/>
+  </p:clrMapOvr>
+</p:sld>
+</file>
+
+<file path=ppt/slides/slide28.xml><?xml version="1.0" encoding="utf-8"?>
+<p:sld xmlns:a="http://schemas.openxmlformats.org/drawingml/2006/main" xmlns:r="http://schemas.openxmlformats.org/officeDocument/2006/relationships" xmlns:p="http://schemas.openxmlformats.org/presentationml/2006/main">
+  <p:cSld>
+    <p:spTree>
+      <p:nvGrpSpPr>
+        <p:cNvPr id="1" name=""/>
+        <p:cNvGrpSpPr/>
+        <p:nvPr/>
+      </p:nvGrpSpPr>
+      <p:grpSpPr>
+        <a:xfrm>
+          <a:off x="0" y="0"/>
+          <a:ext cx="0" cy="0"/>
+          <a:chOff x="0" y="0"/>
+          <a:chExt cx="0" cy="0"/>
+        </a:xfrm>
+      </p:grpSpPr>
+      <p:sp>
+        <p:nvSpPr>
+          <p:cNvPr id="2" name="제목 1"/>
+          <p:cNvSpPr>
+            <a:spLocks noGrp="1"/>
+          </p:cNvSpPr>
+          <p:nvPr>
+            <p:ph type="title"/>
+          </p:nvPr>
+        </p:nvSpPr>
+        <p:spPr/>
+        <p:txBody>
+          <a:bodyPr/>
+          <a:lstStyle/>
+          <a:p>
+            <a:r>
+              <a:rPr lang="ko-KR" altLang="en-US" dirty="0"/>
+              <a:t>카테고리 </a:t>
+            </a:r>
+            <a:r>
+              <a:rPr lang="ko-KR" altLang="en-US" dirty="0" smtClean="0"/>
+              <a:t>추가</a:t>
+            </a:r>
+            <a:endParaRPr lang="ko-KR" altLang="en-US" dirty="0"/>
+          </a:p>
+        </p:txBody>
+      </p:sp>
+      <p:pic>
+        <p:nvPicPr>
+          <p:cNvPr id="3074" name="Picture 2"/>
+          <p:cNvPicPr>
+            <a:picLocks noChangeAspect="1" noChangeArrowheads="1"/>
+          </p:cNvPicPr>
+          <p:nvPr/>
+        </p:nvPicPr>
+        <p:blipFill>
+          <a:blip r:embed="rId2">
+            <a:extLst>
+              <a:ext uri="{28A0092B-C50C-407E-A947-70E740481C1C}">
+                <a14:useLocalDpi xmlns:a14="http://schemas.microsoft.com/office/drawing/2010/main" val="0"/>
+              </a:ext>
+            </a:extLst>
+          </a:blip>
+          <a:srcRect/>
+          <a:stretch>
+            <a:fillRect/>
+          </a:stretch>
+        </p:blipFill>
+        <p:spPr bwMode="auto">
+          <a:xfrm>
+            <a:off x="971600" y="1260414"/>
+            <a:ext cx="7115395" cy="1880554"/>
+          </a:xfrm>
+          <a:prstGeom prst="rect">
+            <a:avLst/>
+          </a:prstGeom>
+          <a:noFill/>
+          <a:ln>
+            <a:noFill/>
+          </a:ln>
+          <a:effectLst/>
+          <a:extLst>
+            <a:ext uri="{909E8E84-426E-40DD-AFC4-6F175D3DCCD1}">
+              <a14:hiddenFill xmlns:a14="http://schemas.microsoft.com/office/drawing/2010/main">
+                <a:solidFill>
+                  <a:schemeClr val="accent1"/>
+                </a:solidFill>
+              </a14:hiddenFill>
+            </a:ext>
+            <a:ext uri="{91240B29-F687-4F45-9708-019B960494DF}">
+              <a14:hiddenLine xmlns:a14="http://schemas.microsoft.com/office/drawing/2010/main" w="9525">
+                <a:solidFill>
+                  <a:schemeClr val="tx1"/>
+                </a:solidFill>
+                <a:miter lim="800000"/>
+                <a:headEnd/>
+                <a:tailEnd/>
+              </a14:hiddenLine>
+            </a:ext>
+            <a:ext uri="{AF507438-7753-43E0-B8FC-AC1667EBCBE1}">
+              <a14:hiddenEffects xmlns:a14="http://schemas.microsoft.com/office/drawing/2010/main">
+                <a:effectLst>
+                  <a:outerShdw dist="35921" dir="2700000" algn="ctr" rotWithShape="0">
+                    <a:schemeClr val="bg2"/>
+                  </a:outerShdw>
+                </a:effectLst>
+              </a14:hiddenEffects>
+            </a:ext>
+          </a:extLst>
+        </p:spPr>
+      </p:pic>
+      <p:pic>
+        <p:nvPicPr>
+          <p:cNvPr id="3075" name="Picture 3"/>
+          <p:cNvPicPr>
+            <a:picLocks noChangeAspect="1" noChangeArrowheads="1"/>
+          </p:cNvPicPr>
+          <p:nvPr/>
+        </p:nvPicPr>
+        <p:blipFill>
+          <a:blip r:embed="rId3">
+            <a:extLst>
+              <a:ext uri="{28A0092B-C50C-407E-A947-70E740481C1C}">
+                <a14:useLocalDpi xmlns:a14="http://schemas.microsoft.com/office/drawing/2010/main" val="0"/>
+              </a:ext>
+            </a:extLst>
+          </a:blip>
+          <a:srcRect/>
+          <a:stretch>
+            <a:fillRect/>
+          </a:stretch>
+        </p:blipFill>
+        <p:spPr bwMode="auto">
+          <a:xfrm>
+            <a:off x="971599" y="3717032"/>
+            <a:ext cx="7115395" cy="2307220"/>
+          </a:xfrm>
+          <a:prstGeom prst="rect">
+            <a:avLst/>
+          </a:prstGeom>
+          <a:noFill/>
+          <a:ln>
+            <a:noFill/>
+          </a:ln>
+          <a:effectLst/>
+          <a:extLst>
+            <a:ext uri="{909E8E84-426E-40DD-AFC4-6F175D3DCCD1}">
+              <a14:hiddenFill xmlns:a14="http://schemas.microsoft.com/office/drawing/2010/main">
+                <a:solidFill>
+                  <a:schemeClr val="accent1"/>
+                </a:solidFill>
+              </a14:hiddenFill>
+            </a:ext>
+            <a:ext uri="{91240B29-F687-4F45-9708-019B960494DF}">
+              <a14:hiddenLine xmlns:a14="http://schemas.microsoft.com/office/drawing/2010/main" w="9525">
+                <a:solidFill>
+                  <a:schemeClr val="tx1"/>
+                </a:solidFill>
+                <a:miter lim="800000"/>
+                <a:headEnd/>
+                <a:tailEnd/>
+              </a14:hiddenLine>
+            </a:ext>
+            <a:ext uri="{AF507438-7753-43E0-B8FC-AC1667EBCBE1}">
+              <a14:hiddenEffects xmlns:a14="http://schemas.microsoft.com/office/drawing/2010/main">
+                <a:effectLst>
+                  <a:outerShdw dist="35921" dir="2700000" algn="ctr" rotWithShape="0">
+                    <a:schemeClr val="bg2"/>
+                  </a:outerShdw>
+                </a:effectLst>
+              </a14:hiddenEffects>
+            </a:ext>
+          </a:extLst>
+        </p:spPr>
+      </p:pic>
+    </p:spTree>
+    <p:extLst>
+      <p:ext uri="{BB962C8B-B14F-4D97-AF65-F5344CB8AC3E}">
+        <p14:creationId xmlns:p14="http://schemas.microsoft.com/office/powerpoint/2010/main" val="1893804703"/>
+      </p:ext>
+    </p:extLst>
+  </p:cSld>
+  <p:clrMapOvr>
+    <a:masterClrMapping/>
+  </p:clrMapOvr>
+</p:sld>
+</file>
+
+<file path=ppt/slides/slide29.xml><?xml version="1.0" encoding="utf-8"?>
+<p:sld xmlns:a="http://schemas.openxmlformats.org/drawingml/2006/main" xmlns:r="http://schemas.openxmlformats.org/officeDocument/2006/relationships" xmlns:p="http://schemas.openxmlformats.org/presentationml/2006/main">
+  <p:cSld>
+    <p:spTree>
+      <p:nvGrpSpPr>
+        <p:cNvPr id="1" name=""/>
+        <p:cNvGrpSpPr/>
+        <p:nvPr/>
+      </p:nvGrpSpPr>
+      <p:grpSpPr>
+        <a:xfrm>
+          <a:off x="0" y="0"/>
+          <a:ext cx="0" cy="0"/>
+          <a:chOff x="0" y="0"/>
+          <a:chExt cx="0" cy="0"/>
+        </a:xfrm>
+      </p:grpSpPr>
+      <p:sp>
+        <p:nvSpPr>
+          <p:cNvPr id="2" name="제목 1"/>
+          <p:cNvSpPr>
+            <a:spLocks noGrp="1"/>
+          </p:cNvSpPr>
+          <p:nvPr>
+            <p:ph type="title"/>
+          </p:nvPr>
+        </p:nvSpPr>
+        <p:spPr/>
+        <p:txBody>
+          <a:bodyPr/>
+          <a:lstStyle/>
+          <a:p>
+            <a:r>
+              <a:rPr lang="ko-KR" altLang="en-US" dirty="0" smtClean="0"/>
+              <a:t>카테고리 </a:t>
+            </a:r>
+            <a:r>
+              <a:rPr lang="ko-KR" altLang="en-US" dirty="0"/>
+              <a:t>추가</a:t>
+            </a:r>
+          </a:p>
+        </p:txBody>
+      </p:sp>
+      <p:pic>
+        <p:nvPicPr>
+          <p:cNvPr id="5122" name="Picture 2"/>
+          <p:cNvPicPr>
+            <a:picLocks noChangeAspect="1" noChangeArrowheads="1"/>
+          </p:cNvPicPr>
+          <p:nvPr/>
+        </p:nvPicPr>
+        <p:blipFill>
+          <a:blip r:embed="rId2">
+            <a:extLst>
+              <a:ext uri="{28A0092B-C50C-407E-A947-70E740481C1C}">
+                <a14:useLocalDpi xmlns:a14="http://schemas.microsoft.com/office/drawing/2010/main" val="0"/>
+              </a:ext>
+            </a:extLst>
+          </a:blip>
+          <a:srcRect/>
+          <a:stretch>
+            <a:fillRect/>
+          </a:stretch>
+        </p:blipFill>
+        <p:spPr bwMode="auto">
+          <a:xfrm>
+            <a:off x="1884989" y="3429000"/>
+            <a:ext cx="5374022" cy="1455787"/>
+          </a:xfrm>
+          <a:prstGeom prst="rect">
+            <a:avLst/>
+          </a:prstGeom>
+          <a:noFill/>
+          <a:ln>
+            <a:noFill/>
+          </a:ln>
+          <a:effectLst/>
+          <a:extLst>
+            <a:ext uri="{909E8E84-426E-40DD-AFC4-6F175D3DCCD1}">
+              <a14:hiddenFill xmlns:a14="http://schemas.microsoft.com/office/drawing/2010/main">
+                <a:solidFill>
+                  <a:schemeClr val="accent1"/>
+                </a:solidFill>
+              </a14:hiddenFill>
+            </a:ext>
+            <a:ext uri="{91240B29-F687-4F45-9708-019B960494DF}">
+              <a14:hiddenLine xmlns:a14="http://schemas.microsoft.com/office/drawing/2010/main" w="9525">
+                <a:solidFill>
+                  <a:schemeClr val="tx1"/>
+                </a:solidFill>
+                <a:miter lim="800000"/>
+                <a:headEnd/>
+                <a:tailEnd/>
+              </a14:hiddenLine>
+            </a:ext>
+            <a:ext uri="{AF507438-7753-43E0-B8FC-AC1667EBCBE1}">
+              <a14:hiddenEffects xmlns:a14="http://schemas.microsoft.com/office/drawing/2010/main">
+                <a:effectLst>
+                  <a:outerShdw dist="35921" dir="2700000" algn="ctr" rotWithShape="0">
+                    <a:schemeClr val="bg2"/>
+                  </a:outerShdw>
+                </a:effectLst>
+              </a14:hiddenEffects>
+            </a:ext>
+          </a:extLst>
+        </p:spPr>
+      </p:pic>
+      <p:pic>
+        <p:nvPicPr>
+          <p:cNvPr id="5123" name="Picture 3"/>
+          <p:cNvPicPr>
+            <a:picLocks noChangeAspect="1" noChangeArrowheads="1"/>
+          </p:cNvPicPr>
+          <p:nvPr/>
+        </p:nvPicPr>
+        <p:blipFill>
+          <a:blip r:embed="rId3">
+            <a:extLst>
+              <a:ext uri="{28A0092B-C50C-407E-A947-70E740481C1C}">
+                <a14:useLocalDpi xmlns:a14="http://schemas.microsoft.com/office/drawing/2010/main" val="0"/>
+              </a:ext>
+            </a:extLst>
+          </a:blip>
+          <a:srcRect/>
+          <a:stretch>
+            <a:fillRect/>
+          </a:stretch>
+        </p:blipFill>
+        <p:spPr bwMode="auto">
+          <a:xfrm>
+            <a:off x="1884988" y="2276871"/>
+            <a:ext cx="5374023" cy="719059"/>
+          </a:xfrm>
+          <a:prstGeom prst="rect">
+            <a:avLst/>
+          </a:prstGeom>
+          <a:noFill/>
+          <a:ln>
+            <a:noFill/>
+          </a:ln>
+          <a:effectLst/>
+          <a:extLst>
+            <a:ext uri="{909E8E84-426E-40DD-AFC4-6F175D3DCCD1}">
+              <a14:hiddenFill xmlns:a14="http://schemas.microsoft.com/office/drawing/2010/main">
+                <a:solidFill>
+                  <a:schemeClr val="accent1"/>
+                </a:solidFill>
+              </a14:hiddenFill>
+            </a:ext>
+            <a:ext uri="{91240B29-F687-4F45-9708-019B960494DF}">
+              <a14:hiddenLine xmlns:a14="http://schemas.microsoft.com/office/drawing/2010/main" w="9525">
+                <a:solidFill>
+                  <a:schemeClr val="tx1"/>
+                </a:solidFill>
+                <a:miter lim="800000"/>
+                <a:headEnd/>
+                <a:tailEnd/>
+              </a14:hiddenLine>
+            </a:ext>
+            <a:ext uri="{AF507438-7753-43E0-B8FC-AC1667EBCBE1}">
+              <a14:hiddenEffects xmlns:a14="http://schemas.microsoft.com/office/drawing/2010/main">
+                <a:effectLst>
+                  <a:outerShdw dist="35921" dir="2700000" algn="ctr" rotWithShape="0">
+                    <a:schemeClr val="bg2"/>
+                  </a:outerShdw>
+                </a:effectLst>
+              </a14:hiddenEffects>
+            </a:ext>
+          </a:extLst>
+        </p:spPr>
+      </p:pic>
+    </p:spTree>
+    <p:extLst>
+      <p:ext uri="{BB962C8B-B14F-4D97-AF65-F5344CB8AC3E}">
+        <p14:creationId xmlns:p14="http://schemas.microsoft.com/office/powerpoint/2010/main" val="214818720"/>
+      </p:ext>
+    </p:extLst>
+  </p:cSld>
+  <p:clrMapOvr>
+    <a:masterClrMapping/>
+  </p:clrMapOvr>
+</p:sld>
+</file>
+
 <file path=ppt/slides/slide3.xml><?xml version="1.0" encoding="utf-8"?>
 <p:sld xmlns:a="http://schemas.openxmlformats.org/drawingml/2006/main" xmlns:r="http://schemas.openxmlformats.org/officeDocument/2006/relationships" xmlns:p="http://schemas.openxmlformats.org/presentationml/2006/main">
   <p:cSld>
@@ -2806,7 +6470,11 @@
           <a:bodyPr/>
           <a:lstStyle/>
           <a:p>
-            <a:endParaRPr lang="ko-KR" altLang="en-US"/>
+            <a:r>
+              <a:rPr lang="ko-KR" altLang="en-US" dirty="0" smtClean="0"/>
+              <a:t>입력 이벤트</a:t>
+            </a:r>
+            <a:endParaRPr lang="ko-KR" altLang="en-US" dirty="0"/>
           </a:p>
         </p:txBody>
       </p:sp>
@@ -3083,6 +6751,475 @@
 </p:sld>
 </file>
 
+<file path=ppt/slides/slide30.xml><?xml version="1.0" encoding="utf-8"?>
+<p:sld xmlns:a="http://schemas.openxmlformats.org/drawingml/2006/main" xmlns:r="http://schemas.openxmlformats.org/officeDocument/2006/relationships" xmlns:p="http://schemas.openxmlformats.org/presentationml/2006/main">
+  <p:cSld>
+    <p:spTree>
+      <p:nvGrpSpPr>
+        <p:cNvPr id="1" name=""/>
+        <p:cNvGrpSpPr/>
+        <p:nvPr/>
+      </p:nvGrpSpPr>
+      <p:grpSpPr>
+        <a:xfrm>
+          <a:off x="0" y="0"/>
+          <a:ext cx="0" cy="0"/>
+          <a:chOff x="0" y="0"/>
+          <a:chExt cx="0" cy="0"/>
+        </a:xfrm>
+      </p:grpSpPr>
+      <p:sp>
+        <p:nvSpPr>
+          <p:cNvPr id="2" name="제목 1"/>
+          <p:cNvSpPr>
+            <a:spLocks noGrp="1"/>
+          </p:cNvSpPr>
+          <p:nvPr>
+            <p:ph type="title"/>
+          </p:nvPr>
+        </p:nvSpPr>
+        <p:spPr/>
+        <p:txBody>
+          <a:bodyPr/>
+          <a:lstStyle/>
+          <a:p>
+            <a:r>
+              <a:rPr lang="ko-KR" altLang="en-US" dirty="0" smtClean="0"/>
+              <a:t>팝업 띄우기</a:t>
+            </a:r>
+            <a:endParaRPr lang="ko-KR" altLang="en-US" dirty="0"/>
+          </a:p>
+        </p:txBody>
+      </p:sp>
+      <p:pic>
+        <p:nvPicPr>
+          <p:cNvPr id="6146" name="Picture 2"/>
+          <p:cNvPicPr>
+            <a:picLocks noChangeAspect="1" noChangeArrowheads="1"/>
+          </p:cNvPicPr>
+          <p:nvPr/>
+        </p:nvPicPr>
+        <p:blipFill>
+          <a:blip r:embed="rId2">
+            <a:extLst>
+              <a:ext uri="{28A0092B-C50C-407E-A947-70E740481C1C}">
+                <a14:useLocalDpi xmlns:a14="http://schemas.microsoft.com/office/drawing/2010/main" val="0"/>
+              </a:ext>
+            </a:extLst>
+          </a:blip>
+          <a:srcRect/>
+          <a:stretch>
+            <a:fillRect/>
+          </a:stretch>
+        </p:blipFill>
+        <p:spPr bwMode="auto">
+          <a:xfrm>
+            <a:off x="2564686" y="1340768"/>
+            <a:ext cx="4329846" cy="2274738"/>
+          </a:xfrm>
+          <a:prstGeom prst="rect">
+            <a:avLst/>
+          </a:prstGeom>
+          <a:noFill/>
+          <a:ln>
+            <a:noFill/>
+          </a:ln>
+          <a:effectLst/>
+          <a:extLst>
+            <a:ext uri="{909E8E84-426E-40DD-AFC4-6F175D3DCCD1}">
+              <a14:hiddenFill xmlns:a14="http://schemas.microsoft.com/office/drawing/2010/main">
+                <a:solidFill>
+                  <a:schemeClr val="accent1"/>
+                </a:solidFill>
+              </a14:hiddenFill>
+            </a:ext>
+            <a:ext uri="{91240B29-F687-4F45-9708-019B960494DF}">
+              <a14:hiddenLine xmlns:a14="http://schemas.microsoft.com/office/drawing/2010/main" w="9525">
+                <a:solidFill>
+                  <a:schemeClr val="tx1"/>
+                </a:solidFill>
+                <a:miter lim="800000"/>
+                <a:headEnd/>
+                <a:tailEnd/>
+              </a14:hiddenLine>
+            </a:ext>
+            <a:ext uri="{AF507438-7753-43E0-B8FC-AC1667EBCBE1}">
+              <a14:hiddenEffects xmlns:a14="http://schemas.microsoft.com/office/drawing/2010/main">
+                <a:effectLst>
+                  <a:outerShdw dist="35921" dir="2700000" algn="ctr" rotWithShape="0">
+                    <a:schemeClr val="bg2"/>
+                  </a:outerShdw>
+                </a:effectLst>
+              </a14:hiddenEffects>
+            </a:ext>
+          </a:extLst>
+        </p:spPr>
+      </p:pic>
+      <p:pic>
+        <p:nvPicPr>
+          <p:cNvPr id="6147" name="Picture 3"/>
+          <p:cNvPicPr>
+            <a:picLocks noChangeAspect="1" noChangeArrowheads="1"/>
+          </p:cNvPicPr>
+          <p:nvPr/>
+        </p:nvPicPr>
+        <p:blipFill>
+          <a:blip r:embed="rId3">
+            <a:extLst>
+              <a:ext uri="{28A0092B-C50C-407E-A947-70E740481C1C}">
+                <a14:useLocalDpi xmlns:a14="http://schemas.microsoft.com/office/drawing/2010/main" val="0"/>
+              </a:ext>
+            </a:extLst>
+          </a:blip>
+          <a:srcRect/>
+          <a:stretch>
+            <a:fillRect/>
+          </a:stretch>
+        </p:blipFill>
+        <p:spPr bwMode="auto">
+          <a:xfrm>
+            <a:off x="1475655" y="4221088"/>
+            <a:ext cx="6507907" cy="1224136"/>
+          </a:xfrm>
+          <a:prstGeom prst="rect">
+            <a:avLst/>
+          </a:prstGeom>
+          <a:noFill/>
+          <a:ln>
+            <a:noFill/>
+          </a:ln>
+          <a:effectLst/>
+          <a:extLst>
+            <a:ext uri="{909E8E84-426E-40DD-AFC4-6F175D3DCCD1}">
+              <a14:hiddenFill xmlns:a14="http://schemas.microsoft.com/office/drawing/2010/main">
+                <a:solidFill>
+                  <a:schemeClr val="accent1"/>
+                </a:solidFill>
+              </a14:hiddenFill>
+            </a:ext>
+            <a:ext uri="{91240B29-F687-4F45-9708-019B960494DF}">
+              <a14:hiddenLine xmlns:a14="http://schemas.microsoft.com/office/drawing/2010/main" w="9525">
+                <a:solidFill>
+                  <a:schemeClr val="tx1"/>
+                </a:solidFill>
+                <a:miter lim="800000"/>
+                <a:headEnd/>
+                <a:tailEnd/>
+              </a14:hiddenLine>
+            </a:ext>
+            <a:ext uri="{AF507438-7753-43E0-B8FC-AC1667EBCBE1}">
+              <a14:hiddenEffects xmlns:a14="http://schemas.microsoft.com/office/drawing/2010/main">
+                <a:effectLst>
+                  <a:outerShdw dist="35921" dir="2700000" algn="ctr" rotWithShape="0">
+                    <a:schemeClr val="bg2"/>
+                  </a:outerShdw>
+                </a:effectLst>
+              </a14:hiddenEffects>
+            </a:ext>
+          </a:extLst>
+        </p:spPr>
+      </p:pic>
+    </p:spTree>
+    <p:extLst>
+      <p:ext uri="{BB962C8B-B14F-4D97-AF65-F5344CB8AC3E}">
+        <p14:creationId xmlns:p14="http://schemas.microsoft.com/office/powerpoint/2010/main" val="2870672031"/>
+      </p:ext>
+    </p:extLst>
+  </p:cSld>
+  <p:clrMapOvr>
+    <a:masterClrMapping/>
+  </p:clrMapOvr>
+</p:sld>
+</file>
+
+<file path=ppt/slides/slide31.xml><?xml version="1.0" encoding="utf-8"?>
+<p:sld xmlns:a="http://schemas.openxmlformats.org/drawingml/2006/main" xmlns:r="http://schemas.openxmlformats.org/officeDocument/2006/relationships" xmlns:p="http://schemas.openxmlformats.org/presentationml/2006/main">
+  <p:cSld>
+    <p:spTree>
+      <p:nvGrpSpPr>
+        <p:cNvPr id="1" name=""/>
+        <p:cNvGrpSpPr/>
+        <p:nvPr/>
+      </p:nvGrpSpPr>
+      <p:grpSpPr>
+        <a:xfrm>
+          <a:off x="0" y="0"/>
+          <a:ext cx="0" cy="0"/>
+          <a:chOff x="0" y="0"/>
+          <a:chExt cx="0" cy="0"/>
+        </a:xfrm>
+      </p:grpSpPr>
+      <p:sp>
+        <p:nvSpPr>
+          <p:cNvPr id="2" name="제목 1"/>
+          <p:cNvSpPr>
+            <a:spLocks noGrp="1"/>
+          </p:cNvSpPr>
+          <p:nvPr>
+            <p:ph type="title"/>
+          </p:nvPr>
+        </p:nvSpPr>
+        <p:spPr/>
+        <p:txBody>
+          <a:bodyPr/>
+          <a:lstStyle/>
+          <a:p>
+            <a:r>
+              <a:rPr lang="ko-KR" altLang="en-US" dirty="0" smtClean="0"/>
+              <a:t>카테고리 제거</a:t>
+            </a:r>
+            <a:endParaRPr lang="ko-KR" altLang="en-US" dirty="0"/>
+          </a:p>
+        </p:txBody>
+      </p:sp>
+      <p:pic>
+        <p:nvPicPr>
+          <p:cNvPr id="7170" name="Picture 2"/>
+          <p:cNvPicPr>
+            <a:picLocks noChangeAspect="1" noChangeArrowheads="1"/>
+          </p:cNvPicPr>
+          <p:nvPr/>
+        </p:nvPicPr>
+        <p:blipFill>
+          <a:blip r:embed="rId2">
+            <a:extLst>
+              <a:ext uri="{28A0092B-C50C-407E-A947-70E740481C1C}">
+                <a14:useLocalDpi xmlns:a14="http://schemas.microsoft.com/office/drawing/2010/main" val="0"/>
+              </a:ext>
+            </a:extLst>
+          </a:blip>
+          <a:srcRect/>
+          <a:stretch>
+            <a:fillRect/>
+          </a:stretch>
+        </p:blipFill>
+        <p:spPr bwMode="auto">
+          <a:xfrm>
+            <a:off x="1306134" y="1236936"/>
+            <a:ext cx="6531733" cy="2120056"/>
+          </a:xfrm>
+          <a:prstGeom prst="rect">
+            <a:avLst/>
+          </a:prstGeom>
+          <a:noFill/>
+          <a:ln>
+            <a:noFill/>
+          </a:ln>
+          <a:effectLst/>
+          <a:extLst>
+            <a:ext uri="{909E8E84-426E-40DD-AFC4-6F175D3DCCD1}">
+              <a14:hiddenFill xmlns:a14="http://schemas.microsoft.com/office/drawing/2010/main">
+                <a:solidFill>
+                  <a:schemeClr val="accent1"/>
+                </a:solidFill>
+              </a14:hiddenFill>
+            </a:ext>
+            <a:ext uri="{91240B29-F687-4F45-9708-019B960494DF}">
+              <a14:hiddenLine xmlns:a14="http://schemas.microsoft.com/office/drawing/2010/main" w="9525">
+                <a:solidFill>
+                  <a:schemeClr val="tx1"/>
+                </a:solidFill>
+                <a:miter lim="800000"/>
+                <a:headEnd/>
+                <a:tailEnd/>
+              </a14:hiddenLine>
+            </a:ext>
+            <a:ext uri="{AF507438-7753-43E0-B8FC-AC1667EBCBE1}">
+              <a14:hiddenEffects xmlns:a14="http://schemas.microsoft.com/office/drawing/2010/main">
+                <a:effectLst>
+                  <a:outerShdw dist="35921" dir="2700000" algn="ctr" rotWithShape="0">
+                    <a:schemeClr val="bg2"/>
+                  </a:outerShdw>
+                </a:effectLst>
+              </a14:hiddenEffects>
+            </a:ext>
+          </a:extLst>
+        </p:spPr>
+      </p:pic>
+      <p:sp>
+        <p:nvSpPr>
+          <p:cNvPr id="4" name="TextBox 3"/>
+          <p:cNvSpPr txBox="1"/>
+          <p:nvPr/>
+        </p:nvSpPr>
+        <p:spPr>
+          <a:xfrm>
+            <a:off x="1308126" y="3995772"/>
+            <a:ext cx="6527749" cy="923330"/>
+          </a:xfrm>
+          <a:prstGeom prst="rect">
+            <a:avLst/>
+          </a:prstGeom>
+          <a:noFill/>
+        </p:spPr>
+        <p:txBody>
+          <a:bodyPr wrap="none" rtlCol="0">
+            <a:spAutoFit/>
+          </a:bodyPr>
+          <a:lstStyle/>
+          <a:p>
+            <a:r>
+              <a:rPr lang="ko-KR" altLang="en-US" dirty="0" smtClean="0"/>
+              <a:t>최상위 카테고리 값만 지워져서 하위 카테고리 값은 남아있음</a:t>
+            </a:r>
+            <a:endParaRPr lang="en-US" altLang="ko-KR" dirty="0" smtClean="0"/>
+          </a:p>
+          <a:p>
+            <a:endParaRPr lang="en-US" altLang="ko-KR" dirty="0"/>
+          </a:p>
+          <a:p>
+            <a:r>
+              <a:rPr lang="en-US" altLang="ko-KR" dirty="0" smtClean="0"/>
+              <a:t>Key</a:t>
+            </a:r>
+            <a:r>
+              <a:rPr lang="ko-KR" altLang="en-US" dirty="0" smtClean="0"/>
+              <a:t>값의 고유한 </a:t>
+            </a:r>
+            <a:r>
+              <a:rPr lang="en-US" altLang="ko-KR" dirty="0" smtClean="0"/>
+              <a:t>id(</a:t>
+            </a:r>
+            <a:r>
+              <a:rPr lang="ko-KR" altLang="en-US" dirty="0" smtClean="0"/>
+              <a:t>숫자</a:t>
+            </a:r>
+            <a:r>
+              <a:rPr lang="en-US" altLang="ko-KR" dirty="0" smtClean="0"/>
+              <a:t>)</a:t>
+            </a:r>
+            <a:r>
+              <a:rPr lang="ko-KR" altLang="en-US" dirty="0" smtClean="0"/>
+              <a:t>가 </a:t>
+            </a:r>
+            <a:r>
+              <a:rPr lang="en-US" altLang="ko-KR" dirty="0" smtClean="0"/>
+              <a:t>2</a:t>
+            </a:r>
+            <a:r>
+              <a:rPr lang="ko-KR" altLang="en-US" dirty="0" smtClean="0"/>
+              <a:t>자릿수 이상일 때 지울 수 없음</a:t>
+            </a:r>
+            <a:endParaRPr lang="ko-KR" altLang="en-US" dirty="0"/>
+          </a:p>
+        </p:txBody>
+      </p:sp>
+    </p:spTree>
+    <p:extLst>
+      <p:ext uri="{BB962C8B-B14F-4D97-AF65-F5344CB8AC3E}">
+        <p14:creationId xmlns:p14="http://schemas.microsoft.com/office/powerpoint/2010/main" val="371692407"/>
+      </p:ext>
+    </p:extLst>
+  </p:cSld>
+  <p:clrMapOvr>
+    <a:masterClrMapping/>
+  </p:clrMapOvr>
+</p:sld>
+</file>
+
+<file path=ppt/slides/slide32.xml><?xml version="1.0" encoding="utf-8"?>
+<p:sld xmlns:a="http://schemas.openxmlformats.org/drawingml/2006/main" xmlns:r="http://schemas.openxmlformats.org/officeDocument/2006/relationships" xmlns:p="http://schemas.openxmlformats.org/presentationml/2006/main">
+  <p:cSld>
+    <p:spTree>
+      <p:nvGrpSpPr>
+        <p:cNvPr id="1" name=""/>
+        <p:cNvGrpSpPr/>
+        <p:nvPr/>
+      </p:nvGrpSpPr>
+      <p:grpSpPr>
+        <a:xfrm>
+          <a:off x="0" y="0"/>
+          <a:ext cx="0" cy="0"/>
+          <a:chOff x="0" y="0"/>
+          <a:chExt cx="0" cy="0"/>
+        </a:xfrm>
+      </p:grpSpPr>
+      <p:sp>
+        <p:nvSpPr>
+          <p:cNvPr id="2" name="제목 1"/>
+          <p:cNvSpPr>
+            <a:spLocks noGrp="1"/>
+          </p:cNvSpPr>
+          <p:nvPr>
+            <p:ph type="title"/>
+          </p:nvPr>
+        </p:nvSpPr>
+        <p:spPr/>
+        <p:txBody>
+          <a:bodyPr>
+            <a:normAutofit/>
+          </a:bodyPr>
+          <a:lstStyle/>
+          <a:p>
+            <a:r>
+              <a:rPr lang="ko-KR" altLang="en-US" dirty="0" smtClean="0"/>
+              <a:t>부족한 점</a:t>
+            </a:r>
+            <a:endParaRPr lang="ko-KR" altLang="en-US" dirty="0"/>
+          </a:p>
+        </p:txBody>
+      </p:sp>
+      <p:sp>
+        <p:nvSpPr>
+          <p:cNvPr id="3" name="TextBox 2"/>
+          <p:cNvSpPr txBox="1"/>
+          <p:nvPr/>
+        </p:nvSpPr>
+        <p:spPr>
+          <a:xfrm>
+            <a:off x="971600" y="1340768"/>
+            <a:ext cx="7920880" cy="646331"/>
+          </a:xfrm>
+          <a:prstGeom prst="rect">
+            <a:avLst/>
+          </a:prstGeom>
+          <a:noFill/>
+        </p:spPr>
+        <p:txBody>
+          <a:bodyPr wrap="square" rtlCol="0">
+            <a:spAutoFit/>
+          </a:bodyPr>
+          <a:lstStyle/>
+          <a:p>
+            <a:pPr marL="342900" indent="-342900">
+              <a:buAutoNum type="arabicPeriod"/>
+            </a:pPr>
+            <a:r>
+              <a:rPr lang="en-US" altLang="ko-KR" dirty="0" smtClean="0"/>
+              <a:t>DB</a:t>
+            </a:r>
+            <a:r>
+              <a:rPr lang="ko-KR" altLang="en-US" dirty="0" smtClean="0"/>
+              <a:t>관리 아쉬움</a:t>
+            </a:r>
+            <a:endParaRPr lang="en-US" altLang="ko-KR" dirty="0" smtClean="0"/>
+          </a:p>
+          <a:p>
+            <a:r>
+              <a:rPr lang="en-US" altLang="ko-KR" dirty="0"/>
+              <a:t> </a:t>
+            </a:r>
+            <a:r>
+              <a:rPr lang="en-US" altLang="ko-KR" dirty="0" smtClean="0"/>
+              <a:t>    - </a:t>
+            </a:r>
+            <a:endParaRPr lang="en-US" altLang="ko-KR" dirty="0"/>
+          </a:p>
+        </p:txBody>
+      </p:sp>
+    </p:spTree>
+    <p:extLst>
+      <p:ext uri="{BB962C8B-B14F-4D97-AF65-F5344CB8AC3E}">
+        <p14:creationId xmlns:p14="http://schemas.microsoft.com/office/powerpoint/2010/main" val="3575748135"/>
+      </p:ext>
+    </p:extLst>
+  </p:cSld>
+  <p:clrMapOvr>
+    <a:masterClrMapping/>
+  </p:clrMapOvr>
+</p:sld>
+</file>
+
 <file path=ppt/slides/slide4.xml><?xml version="1.0" encoding="utf-8"?>
 <p:sld xmlns:a="http://schemas.openxmlformats.org/drawingml/2006/main" xmlns:r="http://schemas.openxmlformats.org/officeDocument/2006/relationships" xmlns:p="http://schemas.openxmlformats.org/presentationml/2006/main">
   <p:cSld>
@@ -3115,7 +7252,11 @@
           <a:bodyPr/>
           <a:lstStyle/>
           <a:p>
-            <a:endParaRPr lang="ko-KR" altLang="en-US"/>
+            <a:r>
+              <a:rPr lang="ko-KR" altLang="en-US" dirty="0" smtClean="0"/>
+              <a:t>입력 텍스트 저장</a:t>
+            </a:r>
+            <a:endParaRPr lang="ko-KR" altLang="en-US" dirty="0"/>
           </a:p>
         </p:txBody>
       </p:sp>
@@ -3225,7 +7366,11 @@
           <a:bodyPr/>
           <a:lstStyle/>
           <a:p>
-            <a:endParaRPr lang="ko-KR" altLang="en-US"/>
+            <a:r>
+              <a:rPr lang="ko-KR" altLang="en-US" dirty="0" smtClean="0"/>
+              <a:t>텍스트 지우기</a:t>
+            </a:r>
+            <a:endParaRPr lang="ko-KR" altLang="en-US" dirty="0"/>
           </a:p>
         </p:txBody>
       </p:sp>
@@ -3335,7 +7480,11 @@
           <a:bodyPr/>
           <a:lstStyle/>
           <a:p>
-            <a:endParaRPr lang="ko-KR" altLang="en-US"/>
+            <a:r>
+              <a:rPr lang="ko-KR" altLang="en-US" dirty="0" smtClean="0"/>
+              <a:t>초기화 및 상태변환</a:t>
+            </a:r>
+            <a:endParaRPr lang="ko-KR" altLang="en-US" dirty="0"/>
           </a:p>
         </p:txBody>
       </p:sp>
@@ -3499,7 +7648,11 @@
           <a:bodyPr/>
           <a:lstStyle/>
           <a:p>
-            <a:endParaRPr lang="ko-KR" altLang="en-US"/>
+            <a:r>
+              <a:rPr lang="ko-KR" altLang="en-US" dirty="0" smtClean="0"/>
+              <a:t>계산</a:t>
+            </a:r>
+            <a:endParaRPr lang="ko-KR" altLang="en-US" dirty="0"/>
           </a:p>
         </p:txBody>
       </p:sp>
@@ -3609,7 +7762,11 @@
           <a:bodyPr/>
           <a:lstStyle/>
           <a:p>
-            <a:endParaRPr lang="ko-KR" altLang="en-US"/>
+            <a:r>
+              <a:rPr lang="ko-KR" altLang="en-US" dirty="0" smtClean="0"/>
+              <a:t>출력</a:t>
+            </a:r>
+            <a:endParaRPr lang="ko-KR" altLang="en-US" dirty="0"/>
           </a:p>
         </p:txBody>
       </p:sp>
@@ -3773,7 +7930,15 @@
           <a:bodyPr/>
           <a:lstStyle/>
           <a:p>
-            <a:endParaRPr lang="ko-KR" altLang="en-US"/>
+            <a:r>
+              <a:rPr lang="en-US" altLang="ko-KR" dirty="0" smtClean="0"/>
+              <a:t>2. </a:t>
+            </a:r>
+            <a:r>
+              <a:rPr lang="ko-KR" altLang="en-US" dirty="0" smtClean="0"/>
+              <a:t>회원가입 폼</a:t>
+            </a:r>
+            <a:endParaRPr lang="ko-KR" altLang="en-US" dirty="0"/>
           </a:p>
         </p:txBody>
       </p:sp>

--- a/과제/JavaScript브리핑.pptx
+++ b/과제/JavaScript브리핑.pptx
@@ -17,26 +17,35 @@
     <p:sldId id="265" r:id="rId11"/>
     <p:sldId id="266" r:id="rId12"/>
     <p:sldId id="267" r:id="rId13"/>
-    <p:sldId id="268" r:id="rId14"/>
-    <p:sldId id="269" r:id="rId15"/>
-    <p:sldId id="270" r:id="rId16"/>
-    <p:sldId id="271" r:id="rId17"/>
-    <p:sldId id="272" r:id="rId18"/>
-    <p:sldId id="273" r:id="rId19"/>
-    <p:sldId id="275" r:id="rId20"/>
-    <p:sldId id="276" r:id="rId21"/>
-    <p:sldId id="277" r:id="rId22"/>
-    <p:sldId id="278" r:id="rId23"/>
-    <p:sldId id="279" r:id="rId24"/>
-    <p:sldId id="274" r:id="rId25"/>
-    <p:sldId id="280" r:id="rId26"/>
-    <p:sldId id="281" r:id="rId27"/>
-    <p:sldId id="284" r:id="rId28"/>
-    <p:sldId id="283" r:id="rId29"/>
-    <p:sldId id="285" r:id="rId30"/>
-    <p:sldId id="286" r:id="rId31"/>
-    <p:sldId id="287" r:id="rId32"/>
-    <p:sldId id="282" r:id="rId33"/>
+    <p:sldId id="288" r:id="rId14"/>
+    <p:sldId id="268" r:id="rId15"/>
+    <p:sldId id="269" r:id="rId16"/>
+    <p:sldId id="270" r:id="rId17"/>
+    <p:sldId id="271" r:id="rId18"/>
+    <p:sldId id="272" r:id="rId19"/>
+    <p:sldId id="273" r:id="rId20"/>
+    <p:sldId id="275" r:id="rId21"/>
+    <p:sldId id="276" r:id="rId22"/>
+    <p:sldId id="277" r:id="rId23"/>
+    <p:sldId id="278" r:id="rId24"/>
+    <p:sldId id="279" r:id="rId25"/>
+    <p:sldId id="274" r:id="rId26"/>
+    <p:sldId id="289" r:id="rId27"/>
+    <p:sldId id="280" r:id="rId28"/>
+    <p:sldId id="290" r:id="rId29"/>
+    <p:sldId id="281" r:id="rId30"/>
+    <p:sldId id="284" r:id="rId31"/>
+    <p:sldId id="283" r:id="rId32"/>
+    <p:sldId id="285" r:id="rId33"/>
+    <p:sldId id="286" r:id="rId34"/>
+    <p:sldId id="287" r:id="rId35"/>
+    <p:sldId id="291" r:id="rId36"/>
+    <p:sldId id="292" r:id="rId37"/>
+    <p:sldId id="293" r:id="rId38"/>
+    <p:sldId id="294" r:id="rId39"/>
+    <p:sldId id="295" r:id="rId40"/>
+    <p:sldId id="296" r:id="rId41"/>
+    <p:sldId id="282" r:id="rId42"/>
   </p:sldIdLst>
   <p:sldSz cx="9144000" cy="6858000" type="screen4x3"/>
   <p:notesSz cx="6858000" cy="9144000"/>
@@ -1211,7 +1220,7 @@
             <a:fld id="{33ACF524-1611-4733-AFC3-185BB074B275}" type="datetimeFigureOut">
               <a:rPr lang="ko-KR" altLang="en-US" smtClean="0"/>
               <a:pPr/>
-              <a:t>2017-07-21</a:t>
+              <a:t>2017-07-24</a:t>
             </a:fld>
             <a:endParaRPr lang="ko-KR" altLang="en-US"/>
           </a:p>
@@ -2303,17 +2312,13 @@
           <a:bodyPr/>
           <a:lstStyle/>
           <a:p>
-            <a:r>
-              <a:rPr lang="ko-KR" altLang="en-US" dirty="0" smtClean="0"/>
-              <a:t>필수입력 확인</a:t>
-            </a:r>
-            <a:endParaRPr lang="ko-KR" altLang="en-US" dirty="0"/>
+            <a:endParaRPr lang="ko-KR" altLang="en-US"/>
           </a:p>
         </p:txBody>
       </p:sp>
       <p:pic>
         <p:nvPicPr>
-          <p:cNvPr id="11266" name="Picture 2"/>
+          <p:cNvPr id="3" name="Picture 3"/>
           <p:cNvPicPr>
             <a:picLocks noChangeAspect="1" noChangeArrowheads="1"/>
           </p:cNvPicPr>
@@ -2334,8 +2339,8 @@
         </p:blipFill>
         <p:spPr bwMode="auto">
           <a:xfrm>
-            <a:off x="323528" y="1268760"/>
-            <a:ext cx="4381935" cy="2808312"/>
+            <a:off x="3009900" y="2262188"/>
+            <a:ext cx="3124200" cy="2333625"/>
           </a:xfrm>
           <a:prstGeom prst="rect">
             <a:avLst/>
@@ -2367,7 +2372,7 @@
       </p:pic>
       <p:pic>
         <p:nvPicPr>
-          <p:cNvPr id="11267" name="Picture 3"/>
+          <p:cNvPr id="4" name="Picture 2"/>
           <p:cNvPicPr>
             <a:picLocks noChangeAspect="1" noChangeArrowheads="1"/>
           </p:cNvPicPr>
@@ -2388,8 +2393,8 @@
         </p:blipFill>
         <p:spPr bwMode="auto">
           <a:xfrm>
-            <a:off x="4211960" y="3987389"/>
-            <a:ext cx="4627560" cy="2681449"/>
+            <a:off x="1066800" y="1556792"/>
+            <a:ext cx="7010400" cy="247650"/>
           </a:xfrm>
           <a:prstGeom prst="rect">
             <a:avLst/>
@@ -2422,20 +2427,13 @@
     </p:spTree>
     <p:extLst>
       <p:ext uri="{BB962C8B-B14F-4D97-AF65-F5344CB8AC3E}">
-        <p14:creationId xmlns:p14="http://schemas.microsoft.com/office/powerpoint/2010/main" val="3369327593"/>
+        <p14:creationId xmlns:p14="http://schemas.microsoft.com/office/powerpoint/2010/main" val="2316149225"/>
       </p:ext>
     </p:extLst>
   </p:cSld>
   <p:clrMapOvr>
     <a:masterClrMapping/>
   </p:clrMapOvr>
-  <p:timing>
-    <p:tnLst>
-      <p:par>
-        <p:cTn id="1" dur="indefinite" restart="never" nodeType="tmRoot"/>
-      </p:par>
-    </p:tnLst>
-  </p:timing>
 </p:sld>
 </file>
 
@@ -2472,12 +2470,8 @@
           <a:lstStyle/>
           <a:p>
             <a:r>
-              <a:rPr lang="ko-KR" altLang="en-US" dirty="0" err="1" smtClean="0"/>
-              <a:t>유효값</a:t>
-            </a:r>
-            <a:r>
               <a:rPr lang="ko-KR" altLang="en-US" dirty="0" smtClean="0"/>
-              <a:t> 확인</a:t>
+              <a:t>필수입력 확인</a:t>
             </a:r>
             <a:endParaRPr lang="ko-KR" altLang="en-US" dirty="0"/>
           </a:p>
@@ -2485,7 +2479,7 @@
       </p:sp>
       <p:pic>
         <p:nvPicPr>
-          <p:cNvPr id="12290" name="Picture 2"/>
+          <p:cNvPr id="1028" name="Picture 4"/>
           <p:cNvPicPr>
             <a:picLocks noChangeAspect="1" noChangeArrowheads="1"/>
           </p:cNvPicPr>
@@ -2506,8 +2500,8 @@
         </p:blipFill>
         <p:spPr bwMode="auto">
           <a:xfrm>
-            <a:off x="323528" y="1124745"/>
-            <a:ext cx="5263433" cy="3024336"/>
+            <a:off x="251520" y="1052736"/>
+            <a:ext cx="5095875" cy="4629150"/>
           </a:xfrm>
           <a:prstGeom prst="rect">
             <a:avLst/>
@@ -2539,7 +2533,7 @@
       </p:pic>
       <p:pic>
         <p:nvPicPr>
-          <p:cNvPr id="12291" name="Picture 3"/>
+          <p:cNvPr id="11267" name="Picture 3"/>
           <p:cNvPicPr>
             <a:picLocks noChangeAspect="1" noChangeArrowheads="1"/>
           </p:cNvPicPr>
@@ -2560,8 +2554,8 @@
         </p:blipFill>
         <p:spPr bwMode="auto">
           <a:xfrm>
-            <a:off x="5292080" y="3946455"/>
-            <a:ext cx="3633217" cy="2829987"/>
+            <a:off x="4238308" y="4208260"/>
+            <a:ext cx="4627560" cy="2681449"/>
           </a:xfrm>
           <a:prstGeom prst="rect">
             <a:avLst/>
@@ -2594,7 +2588,7 @@
     </p:spTree>
     <p:extLst>
       <p:ext uri="{BB962C8B-B14F-4D97-AF65-F5344CB8AC3E}">
-        <p14:creationId xmlns:p14="http://schemas.microsoft.com/office/powerpoint/2010/main" val="2790527750"/>
+        <p14:creationId xmlns:p14="http://schemas.microsoft.com/office/powerpoint/2010/main" val="3369327593"/>
       </p:ext>
     </p:extLst>
   </p:cSld>
@@ -2645,11 +2639,11 @@
           <a:p>
             <a:r>
               <a:rPr lang="ko-KR" altLang="en-US" dirty="0" err="1" smtClean="0"/>
-              <a:t>이메일</a:t>
+              <a:t>유효값</a:t>
             </a:r>
             <a:r>
               <a:rPr lang="ko-KR" altLang="en-US" dirty="0" smtClean="0"/>
-              <a:t> 선택</a:t>
+              <a:t> 확인</a:t>
             </a:r>
             <a:endParaRPr lang="ko-KR" altLang="en-US" dirty="0"/>
           </a:p>
@@ -2657,7 +2651,7 @@
       </p:sp>
       <p:pic>
         <p:nvPicPr>
-          <p:cNvPr id="13314" name="Picture 2"/>
+          <p:cNvPr id="2050" name="Picture 2"/>
           <p:cNvPicPr>
             <a:picLocks noChangeAspect="1" noChangeArrowheads="1"/>
           </p:cNvPicPr>
@@ -2678,8 +2672,8 @@
         </p:blipFill>
         <p:spPr bwMode="auto">
           <a:xfrm>
-            <a:off x="1385888" y="1185863"/>
-            <a:ext cx="6372225" cy="4486275"/>
+            <a:off x="179513" y="962025"/>
+            <a:ext cx="5718009" cy="4480981"/>
           </a:xfrm>
           <a:prstGeom prst="rect">
             <a:avLst/>
@@ -2709,10 +2703,64 @@
           </a:extLst>
         </p:spPr>
       </p:pic>
+      <p:pic>
+        <p:nvPicPr>
+          <p:cNvPr id="12291" name="Picture 3"/>
+          <p:cNvPicPr>
+            <a:picLocks noChangeAspect="1" noChangeArrowheads="1"/>
+          </p:cNvPicPr>
+          <p:nvPr/>
+        </p:nvPicPr>
+        <p:blipFill>
+          <a:blip r:embed="rId3">
+            <a:extLst>
+              <a:ext uri="{28A0092B-C50C-407E-A947-70E740481C1C}">
+                <a14:useLocalDpi xmlns:a14="http://schemas.microsoft.com/office/drawing/2010/main" val="0"/>
+              </a:ext>
+            </a:extLst>
+          </a:blip>
+          <a:srcRect/>
+          <a:stretch>
+            <a:fillRect/>
+          </a:stretch>
+        </p:blipFill>
+        <p:spPr bwMode="auto">
+          <a:xfrm>
+            <a:off x="5292080" y="4028013"/>
+            <a:ext cx="3633217" cy="2829987"/>
+          </a:xfrm>
+          <a:prstGeom prst="rect">
+            <a:avLst/>
+          </a:prstGeom>
+          <a:noFill/>
+          <a:ln>
+            <a:noFill/>
+          </a:ln>
+          <a:extLst>
+            <a:ext uri="{909E8E84-426E-40DD-AFC4-6F175D3DCCD1}">
+              <a14:hiddenFill xmlns:a14="http://schemas.microsoft.com/office/drawing/2010/main">
+                <a:solidFill>
+                  <a:schemeClr val="accent1"/>
+                </a:solidFill>
+              </a14:hiddenFill>
+            </a:ext>
+            <a:ext uri="{91240B29-F687-4F45-9708-019B960494DF}">
+              <a14:hiddenLine xmlns:a14="http://schemas.microsoft.com/office/drawing/2010/main" w="9525">
+                <a:solidFill>
+                  <a:schemeClr val="tx1"/>
+                </a:solidFill>
+                <a:miter lim="800000"/>
+                <a:headEnd/>
+                <a:tailEnd/>
+              </a14:hiddenLine>
+            </a:ext>
+          </a:extLst>
+        </p:spPr>
+      </p:pic>
     </p:spTree>
     <p:extLst>
       <p:ext uri="{BB962C8B-B14F-4D97-AF65-F5344CB8AC3E}">
-        <p14:creationId xmlns:p14="http://schemas.microsoft.com/office/powerpoint/2010/main" val="4212297574"/>
+        <p14:creationId xmlns:p14="http://schemas.microsoft.com/office/powerpoint/2010/main" val="2790527750"/>
       </p:ext>
     </p:extLst>
   </p:cSld>
@@ -2762,6 +2810,124 @@
           <a:lstStyle/>
           <a:p>
             <a:r>
+              <a:rPr lang="ko-KR" altLang="en-US" dirty="0" err="1" smtClean="0"/>
+              <a:t>이메일</a:t>
+            </a:r>
+            <a:r>
+              <a:rPr lang="ko-KR" altLang="en-US" dirty="0" smtClean="0"/>
+              <a:t> 선택</a:t>
+            </a:r>
+            <a:endParaRPr lang="ko-KR" altLang="en-US" dirty="0"/>
+          </a:p>
+        </p:txBody>
+      </p:sp>
+      <p:pic>
+        <p:nvPicPr>
+          <p:cNvPr id="13314" name="Picture 2"/>
+          <p:cNvPicPr>
+            <a:picLocks noChangeAspect="1" noChangeArrowheads="1"/>
+          </p:cNvPicPr>
+          <p:nvPr/>
+        </p:nvPicPr>
+        <p:blipFill>
+          <a:blip r:embed="rId2">
+            <a:extLst>
+              <a:ext uri="{28A0092B-C50C-407E-A947-70E740481C1C}">
+                <a14:useLocalDpi xmlns:a14="http://schemas.microsoft.com/office/drawing/2010/main" val="0"/>
+              </a:ext>
+            </a:extLst>
+          </a:blip>
+          <a:srcRect/>
+          <a:stretch>
+            <a:fillRect/>
+          </a:stretch>
+        </p:blipFill>
+        <p:spPr bwMode="auto">
+          <a:xfrm>
+            <a:off x="1385888" y="1185863"/>
+            <a:ext cx="6372225" cy="4486275"/>
+          </a:xfrm>
+          <a:prstGeom prst="rect">
+            <a:avLst/>
+          </a:prstGeom>
+          <a:noFill/>
+          <a:ln>
+            <a:noFill/>
+          </a:ln>
+          <a:extLst>
+            <a:ext uri="{909E8E84-426E-40DD-AFC4-6F175D3DCCD1}">
+              <a14:hiddenFill xmlns:a14="http://schemas.microsoft.com/office/drawing/2010/main">
+                <a:solidFill>
+                  <a:schemeClr val="accent1"/>
+                </a:solidFill>
+              </a14:hiddenFill>
+            </a:ext>
+            <a:ext uri="{91240B29-F687-4F45-9708-019B960494DF}">
+              <a14:hiddenLine xmlns:a14="http://schemas.microsoft.com/office/drawing/2010/main" w="9525">
+                <a:solidFill>
+                  <a:schemeClr val="tx1"/>
+                </a:solidFill>
+                <a:miter lim="800000"/>
+                <a:headEnd/>
+                <a:tailEnd/>
+              </a14:hiddenLine>
+            </a:ext>
+          </a:extLst>
+        </p:spPr>
+      </p:pic>
+    </p:spTree>
+    <p:extLst>
+      <p:ext uri="{BB962C8B-B14F-4D97-AF65-F5344CB8AC3E}">
+        <p14:creationId xmlns:p14="http://schemas.microsoft.com/office/powerpoint/2010/main" val="4212297574"/>
+      </p:ext>
+    </p:extLst>
+  </p:cSld>
+  <p:clrMapOvr>
+    <a:masterClrMapping/>
+  </p:clrMapOvr>
+  <p:timing>
+    <p:tnLst>
+      <p:par>
+        <p:cTn id="1" dur="indefinite" restart="never" nodeType="tmRoot"/>
+      </p:par>
+    </p:tnLst>
+  </p:timing>
+</p:sld>
+</file>
+
+<file path=ppt/slides/slide17.xml><?xml version="1.0" encoding="utf-8"?>
+<p:sld xmlns:a="http://schemas.openxmlformats.org/drawingml/2006/main" xmlns:r="http://schemas.openxmlformats.org/officeDocument/2006/relationships" xmlns:p="http://schemas.openxmlformats.org/presentationml/2006/main">
+  <p:cSld>
+    <p:spTree>
+      <p:nvGrpSpPr>
+        <p:cNvPr id="1" name=""/>
+        <p:cNvGrpSpPr/>
+        <p:nvPr/>
+      </p:nvGrpSpPr>
+      <p:grpSpPr>
+        <a:xfrm>
+          <a:off x="0" y="0"/>
+          <a:ext cx="0" cy="0"/>
+          <a:chOff x="0" y="0"/>
+          <a:chExt cx="0" cy="0"/>
+        </a:xfrm>
+      </p:grpSpPr>
+      <p:sp>
+        <p:nvSpPr>
+          <p:cNvPr id="2" name="제목 1"/>
+          <p:cNvSpPr>
+            <a:spLocks noGrp="1"/>
+          </p:cNvSpPr>
+          <p:nvPr>
+            <p:ph type="title"/>
+          </p:nvPr>
+        </p:nvSpPr>
+        <p:spPr/>
+        <p:txBody>
+          <a:bodyPr/>
+          <a:lstStyle/>
+          <a:p>
+            <a:r>
               <a:rPr lang="en-US" altLang="ko-KR" dirty="0" smtClean="0"/>
               <a:t>3. </a:t>
             </a:r>
@@ -2850,7 +3016,7 @@
 </p:sld>
 </file>
 
-<file path=ppt/slides/slide17.xml><?xml version="1.0" encoding="utf-8"?>
+<file path=ppt/slides/slide18.xml><?xml version="1.0" encoding="utf-8"?>
 <p:sld xmlns:a="http://schemas.openxmlformats.org/drawingml/2006/main" xmlns:r="http://schemas.openxmlformats.org/officeDocument/2006/relationships" xmlns:p="http://schemas.openxmlformats.org/presentationml/2006/main">
   <p:cSld>
     <p:spTree>
@@ -2978,7 +3144,7 @@
 </p:sld>
 </file>
 
-<file path=ppt/slides/slide18.xml><?xml version="1.0" encoding="utf-8"?>
+<file path=ppt/slides/slide19.xml><?xml version="1.0" encoding="utf-8"?>
 <p:sld xmlns:a="http://schemas.openxmlformats.org/drawingml/2006/main" xmlns:r="http://schemas.openxmlformats.org/officeDocument/2006/relationships" xmlns:p="http://schemas.openxmlformats.org/presentationml/2006/main">
   <p:cSld>
     <p:spTree>
@@ -3102,7 +3268,101 @@
 </p:sld>
 </file>
 
-<file path=ppt/slides/slide19.xml><?xml version="1.0" encoding="utf-8"?>
+<file path=ppt/slides/slide2.xml><?xml version="1.0" encoding="utf-8"?>
+<p:sld xmlns:a="http://schemas.openxmlformats.org/drawingml/2006/main" xmlns:r="http://schemas.openxmlformats.org/officeDocument/2006/relationships" xmlns:p="http://schemas.openxmlformats.org/presentationml/2006/main">
+  <p:cSld>
+    <p:spTree>
+      <p:nvGrpSpPr>
+        <p:cNvPr id="1" name=""/>
+        <p:cNvGrpSpPr/>
+        <p:nvPr/>
+      </p:nvGrpSpPr>
+      <p:grpSpPr>
+        <a:xfrm>
+          <a:off x="0" y="0"/>
+          <a:ext cx="0" cy="0"/>
+          <a:chOff x="0" y="0"/>
+          <a:chExt cx="0" cy="0"/>
+        </a:xfrm>
+      </p:grpSpPr>
+      <p:sp>
+        <p:nvSpPr>
+          <p:cNvPr id="2" name="제목 1"/>
+          <p:cNvSpPr>
+            <a:spLocks noGrp="1"/>
+          </p:cNvSpPr>
+          <p:nvPr>
+            <p:ph type="title"/>
+          </p:nvPr>
+        </p:nvSpPr>
+        <p:spPr/>
+        <p:txBody>
+          <a:bodyPr/>
+          <a:lstStyle/>
+          <a:p>
+            <a:r>
+              <a:rPr lang="en-US" altLang="ko-KR" dirty="0" smtClean="0"/>
+              <a:t>1. </a:t>
+            </a:r>
+            <a:r>
+              <a:rPr lang="ko-KR" altLang="en-US" dirty="0" smtClean="0"/>
+              <a:t>계산기</a:t>
+            </a:r>
+            <a:endParaRPr lang="ko-KR" altLang="en-US" dirty="0"/>
+          </a:p>
+        </p:txBody>
+      </p:sp>
+      <p:pic>
+        <p:nvPicPr>
+          <p:cNvPr id="3" name="그림 2"/>
+          <p:cNvPicPr>
+            <a:picLocks noChangeAspect="1"/>
+          </p:cNvPicPr>
+          <p:nvPr/>
+        </p:nvPicPr>
+        <p:blipFill>
+          <a:blip r:embed="rId2">
+            <a:extLst>
+              <a:ext uri="{28A0092B-C50C-407E-A947-70E740481C1C}">
+                <a14:useLocalDpi xmlns:a14="http://schemas.microsoft.com/office/drawing/2010/main" val="0"/>
+              </a:ext>
+            </a:extLst>
+          </a:blip>
+          <a:stretch>
+            <a:fillRect/>
+          </a:stretch>
+        </p:blipFill>
+        <p:spPr>
+          <a:xfrm>
+            <a:off x="2471583" y="1061484"/>
+            <a:ext cx="4200834" cy="5551103"/>
+          </a:xfrm>
+          <a:prstGeom prst="rect">
+            <a:avLst/>
+          </a:prstGeom>
+        </p:spPr>
+      </p:pic>
+    </p:spTree>
+    <p:extLst>
+      <p:ext uri="{BB962C8B-B14F-4D97-AF65-F5344CB8AC3E}">
+        <p14:creationId xmlns:p14="http://schemas.microsoft.com/office/powerpoint/2010/main" val="427478462"/>
+      </p:ext>
+    </p:extLst>
+  </p:cSld>
+  <p:clrMapOvr>
+    <a:masterClrMapping/>
+  </p:clrMapOvr>
+  <p:timing>
+    <p:tnLst>
+      <p:par>
+        <p:cTn id="1" dur="indefinite" restart="never" nodeType="tmRoot"/>
+      </p:par>
+    </p:tnLst>
+  </p:timing>
+</p:sld>
+</file>
+
+<file path=ppt/slides/slide20.xml><?xml version="1.0" encoding="utf-8"?>
 <p:sld xmlns:a="http://schemas.openxmlformats.org/drawingml/2006/main" xmlns:r="http://schemas.openxmlformats.org/officeDocument/2006/relationships" xmlns:p="http://schemas.openxmlformats.org/presentationml/2006/main">
   <p:cSld>
     <p:spTree>
@@ -3790,7 +4050,7 @@
 </p:sld>
 </file>
 
-<file path=ppt/slides/slide2.xml><?xml version="1.0" encoding="utf-8"?>
+<file path=ppt/slides/slide21.xml><?xml version="1.0" encoding="utf-8"?>
 <p:sld xmlns:a="http://schemas.openxmlformats.org/drawingml/2006/main" xmlns:r="http://schemas.openxmlformats.org/officeDocument/2006/relationships" xmlns:p="http://schemas.openxmlformats.org/presentationml/2006/main">
   <p:cSld>
     <p:spTree>
@@ -3823,100 +4083,6 @@
           <a:lstStyle/>
           <a:p>
             <a:r>
-              <a:rPr lang="en-US" altLang="ko-KR" dirty="0" smtClean="0"/>
-              <a:t>1. </a:t>
-            </a:r>
-            <a:r>
-              <a:rPr lang="ko-KR" altLang="en-US" dirty="0" smtClean="0"/>
-              <a:t>계산기</a:t>
-            </a:r>
-            <a:endParaRPr lang="ko-KR" altLang="en-US" dirty="0"/>
-          </a:p>
-        </p:txBody>
-      </p:sp>
-      <p:pic>
-        <p:nvPicPr>
-          <p:cNvPr id="3" name="그림 2"/>
-          <p:cNvPicPr>
-            <a:picLocks noChangeAspect="1"/>
-          </p:cNvPicPr>
-          <p:nvPr/>
-        </p:nvPicPr>
-        <p:blipFill>
-          <a:blip r:embed="rId2">
-            <a:extLst>
-              <a:ext uri="{28A0092B-C50C-407E-A947-70E740481C1C}">
-                <a14:useLocalDpi xmlns:a14="http://schemas.microsoft.com/office/drawing/2010/main" val="0"/>
-              </a:ext>
-            </a:extLst>
-          </a:blip>
-          <a:stretch>
-            <a:fillRect/>
-          </a:stretch>
-        </p:blipFill>
-        <p:spPr>
-          <a:xfrm>
-            <a:off x="2471583" y="1061484"/>
-            <a:ext cx="4200834" cy="5551103"/>
-          </a:xfrm>
-          <a:prstGeom prst="rect">
-            <a:avLst/>
-          </a:prstGeom>
-        </p:spPr>
-      </p:pic>
-    </p:spTree>
-    <p:extLst>
-      <p:ext uri="{BB962C8B-B14F-4D97-AF65-F5344CB8AC3E}">
-        <p14:creationId xmlns:p14="http://schemas.microsoft.com/office/powerpoint/2010/main" val="427478462"/>
-      </p:ext>
-    </p:extLst>
-  </p:cSld>
-  <p:clrMapOvr>
-    <a:masterClrMapping/>
-  </p:clrMapOvr>
-  <p:timing>
-    <p:tnLst>
-      <p:par>
-        <p:cTn id="1" dur="indefinite" restart="never" nodeType="tmRoot"/>
-      </p:par>
-    </p:tnLst>
-  </p:timing>
-</p:sld>
-</file>
-
-<file path=ppt/slides/slide20.xml><?xml version="1.0" encoding="utf-8"?>
-<p:sld xmlns:a="http://schemas.openxmlformats.org/drawingml/2006/main" xmlns:r="http://schemas.openxmlformats.org/officeDocument/2006/relationships" xmlns:p="http://schemas.openxmlformats.org/presentationml/2006/main">
-  <p:cSld>
-    <p:spTree>
-      <p:nvGrpSpPr>
-        <p:cNvPr id="1" name=""/>
-        <p:cNvGrpSpPr/>
-        <p:nvPr/>
-      </p:nvGrpSpPr>
-      <p:grpSpPr>
-        <a:xfrm>
-          <a:off x="0" y="0"/>
-          <a:ext cx="0" cy="0"/>
-          <a:chOff x="0" y="0"/>
-          <a:chExt cx="0" cy="0"/>
-        </a:xfrm>
-      </p:grpSpPr>
-      <p:sp>
-        <p:nvSpPr>
-          <p:cNvPr id="2" name="제목 1"/>
-          <p:cNvSpPr>
-            <a:spLocks noGrp="1"/>
-          </p:cNvSpPr>
-          <p:nvPr>
-            <p:ph type="title"/>
-          </p:nvPr>
-        </p:nvSpPr>
-        <p:spPr/>
-        <p:txBody>
-          <a:bodyPr/>
-          <a:lstStyle/>
-          <a:p>
-            <a:r>
               <a:rPr lang="ko-KR" altLang="en-US" dirty="0" smtClean="0"/>
               <a:t>문제점</a:t>
             </a:r>
@@ -4286,7 +4452,7 @@
 </p:sld>
 </file>
 
-<file path=ppt/slides/slide21.xml><?xml version="1.0" encoding="utf-8"?>
+<file path=ppt/slides/slide22.xml><?xml version="1.0" encoding="utf-8"?>
 <p:sld xmlns:a="http://schemas.openxmlformats.org/drawingml/2006/main" xmlns:r="http://schemas.openxmlformats.org/officeDocument/2006/relationships" xmlns:p="http://schemas.openxmlformats.org/presentationml/2006/main">
   <p:cSld>
     <p:spTree>
@@ -4556,7 +4722,7 @@
 </p:sld>
 </file>
 
-<file path=ppt/slides/slide22.xml><?xml version="1.0" encoding="utf-8"?>
+<file path=ppt/slides/slide23.xml><?xml version="1.0" encoding="utf-8"?>
 <p:sld xmlns:a="http://schemas.openxmlformats.org/drawingml/2006/main" xmlns:r="http://schemas.openxmlformats.org/officeDocument/2006/relationships" xmlns:p="http://schemas.openxmlformats.org/presentationml/2006/main">
   <p:cSld>
     <p:spTree>
@@ -4738,7 +4904,7 @@
 </p:sld>
 </file>
 
-<file path=ppt/slides/slide23.xml><?xml version="1.0" encoding="utf-8"?>
+<file path=ppt/slides/slide24.xml><?xml version="1.0" encoding="utf-8"?>
 <p:sld xmlns:a="http://schemas.openxmlformats.org/drawingml/2006/main" xmlns:r="http://schemas.openxmlformats.org/officeDocument/2006/relationships" xmlns:p="http://schemas.openxmlformats.org/presentationml/2006/main">
   <p:cSld>
     <p:spTree>
@@ -4950,7 +5116,7 @@
 </p:sld>
 </file>
 
-<file path=ppt/slides/slide24.xml><?xml version="1.0" encoding="utf-8"?>
+<file path=ppt/slides/slide25.xml><?xml version="1.0" encoding="utf-8"?>
 <p:sld xmlns:a="http://schemas.openxmlformats.org/drawingml/2006/main" xmlns:r="http://schemas.openxmlformats.org/officeDocument/2006/relationships" xmlns:p="http://schemas.openxmlformats.org/presentationml/2006/main">
   <p:cSld>
     <p:spTree>
@@ -5361,7 +5527,354 @@
 </p:sld>
 </file>
 
-<file path=ppt/slides/slide25.xml><?xml version="1.0" encoding="utf-8"?>
+<file path=ppt/slides/slide26.xml><?xml version="1.0" encoding="utf-8"?>
+<p:sld xmlns:a="http://schemas.openxmlformats.org/drawingml/2006/main" xmlns:r="http://schemas.openxmlformats.org/officeDocument/2006/relationships" xmlns:p="http://schemas.openxmlformats.org/presentationml/2006/main">
+  <p:cSld>
+    <p:spTree>
+      <p:nvGrpSpPr>
+        <p:cNvPr id="1" name=""/>
+        <p:cNvGrpSpPr/>
+        <p:nvPr/>
+      </p:nvGrpSpPr>
+      <p:grpSpPr>
+        <a:xfrm>
+          <a:off x="0" y="0"/>
+          <a:ext cx="0" cy="0"/>
+          <a:chOff x="0" y="0"/>
+          <a:chExt cx="0" cy="0"/>
+        </a:xfrm>
+      </p:grpSpPr>
+      <p:sp>
+        <p:nvSpPr>
+          <p:cNvPr id="2" name="제목 1"/>
+          <p:cNvSpPr>
+            <a:spLocks noGrp="1"/>
+          </p:cNvSpPr>
+          <p:nvPr>
+            <p:ph type="title"/>
+          </p:nvPr>
+        </p:nvSpPr>
+        <p:spPr/>
+        <p:txBody>
+          <a:bodyPr/>
+          <a:lstStyle/>
+          <a:p>
+            <a:r>
+              <a:rPr lang="ko-KR" altLang="en-US" dirty="0"/>
+              <a:t>문제점 </a:t>
+            </a:r>
+            <a:r>
+              <a:rPr lang="en-US" altLang="ko-KR" dirty="0"/>
+              <a:t>3. </a:t>
+            </a:r>
+            <a:r>
+              <a:rPr lang="ko-KR" altLang="en-US" dirty="0"/>
+              <a:t>상위 분류를 만들기 전에 하위 분류가 생성 될 수 없다</a:t>
+            </a:r>
+            <a:r>
+              <a:rPr lang="en-US" altLang="ko-KR" dirty="0"/>
+              <a:t>.</a:t>
+            </a:r>
+            <a:endParaRPr lang="ko-KR" altLang="en-US" dirty="0"/>
+          </a:p>
+        </p:txBody>
+      </p:sp>
+      <p:pic>
+        <p:nvPicPr>
+          <p:cNvPr id="3074" name="Picture 2"/>
+          <p:cNvPicPr>
+            <a:picLocks noChangeAspect="1" noChangeArrowheads="1"/>
+          </p:cNvPicPr>
+          <p:nvPr/>
+        </p:nvPicPr>
+        <p:blipFill>
+          <a:blip r:embed="rId2">
+            <a:extLst>
+              <a:ext uri="{28A0092B-C50C-407E-A947-70E740481C1C}">
+                <a14:useLocalDpi xmlns:a14="http://schemas.microsoft.com/office/drawing/2010/main" val="0"/>
+              </a:ext>
+            </a:extLst>
+          </a:blip>
+          <a:srcRect/>
+          <a:stretch>
+            <a:fillRect/>
+          </a:stretch>
+        </p:blipFill>
+        <p:spPr bwMode="auto">
+          <a:xfrm>
+            <a:off x="107504" y="994048"/>
+            <a:ext cx="4667250" cy="2133600"/>
+          </a:xfrm>
+          <a:prstGeom prst="rect">
+            <a:avLst/>
+          </a:prstGeom>
+          <a:noFill/>
+          <a:ln>
+            <a:noFill/>
+          </a:ln>
+          <a:extLst>
+            <a:ext uri="{909E8E84-426E-40DD-AFC4-6F175D3DCCD1}">
+              <a14:hiddenFill xmlns:a14="http://schemas.microsoft.com/office/drawing/2010/main">
+                <a:solidFill>
+                  <a:schemeClr val="accent1"/>
+                </a:solidFill>
+              </a14:hiddenFill>
+            </a:ext>
+            <a:ext uri="{91240B29-F687-4F45-9708-019B960494DF}">
+              <a14:hiddenLine xmlns:a14="http://schemas.microsoft.com/office/drawing/2010/main" w="9525">
+                <a:solidFill>
+                  <a:schemeClr val="tx1"/>
+                </a:solidFill>
+                <a:miter lim="800000"/>
+                <a:headEnd/>
+                <a:tailEnd/>
+              </a14:hiddenLine>
+            </a:ext>
+          </a:extLst>
+        </p:spPr>
+      </p:pic>
+      <p:pic>
+        <p:nvPicPr>
+          <p:cNvPr id="3075" name="Picture 3"/>
+          <p:cNvPicPr>
+            <a:picLocks noChangeAspect="1" noChangeArrowheads="1"/>
+          </p:cNvPicPr>
+          <p:nvPr/>
+        </p:nvPicPr>
+        <p:blipFill>
+          <a:blip r:embed="rId3">
+            <a:extLst>
+              <a:ext uri="{28A0092B-C50C-407E-A947-70E740481C1C}">
+                <a14:useLocalDpi xmlns:a14="http://schemas.microsoft.com/office/drawing/2010/main" val="0"/>
+              </a:ext>
+            </a:extLst>
+          </a:blip>
+          <a:srcRect/>
+          <a:stretch>
+            <a:fillRect/>
+          </a:stretch>
+        </p:blipFill>
+        <p:spPr bwMode="auto">
+          <a:xfrm>
+            <a:off x="1979712" y="2415965"/>
+            <a:ext cx="4695825" cy="2400300"/>
+          </a:xfrm>
+          <a:prstGeom prst="rect">
+            <a:avLst/>
+          </a:prstGeom>
+          <a:noFill/>
+          <a:ln>
+            <a:noFill/>
+          </a:ln>
+          <a:extLst>
+            <a:ext uri="{909E8E84-426E-40DD-AFC4-6F175D3DCCD1}">
+              <a14:hiddenFill xmlns:a14="http://schemas.microsoft.com/office/drawing/2010/main">
+                <a:solidFill>
+                  <a:schemeClr val="accent1"/>
+                </a:solidFill>
+              </a14:hiddenFill>
+            </a:ext>
+            <a:ext uri="{91240B29-F687-4F45-9708-019B960494DF}">
+              <a14:hiddenLine xmlns:a14="http://schemas.microsoft.com/office/drawing/2010/main" w="9525">
+                <a:solidFill>
+                  <a:schemeClr val="tx1"/>
+                </a:solidFill>
+                <a:miter lim="800000"/>
+                <a:headEnd/>
+                <a:tailEnd/>
+              </a14:hiddenLine>
+            </a:ext>
+          </a:extLst>
+        </p:spPr>
+      </p:pic>
+      <p:pic>
+        <p:nvPicPr>
+          <p:cNvPr id="3076" name="Picture 4"/>
+          <p:cNvPicPr>
+            <a:picLocks noChangeAspect="1" noChangeArrowheads="1"/>
+          </p:cNvPicPr>
+          <p:nvPr/>
+        </p:nvPicPr>
+        <p:blipFill>
+          <a:blip r:embed="rId4">
+            <a:extLst>
+              <a:ext uri="{28A0092B-C50C-407E-A947-70E740481C1C}">
+                <a14:useLocalDpi xmlns:a14="http://schemas.microsoft.com/office/drawing/2010/main" val="0"/>
+              </a:ext>
+            </a:extLst>
+          </a:blip>
+          <a:srcRect/>
+          <a:stretch>
+            <a:fillRect/>
+          </a:stretch>
+        </p:blipFill>
+        <p:spPr bwMode="auto">
+          <a:xfrm>
+            <a:off x="3707904" y="4332814"/>
+            <a:ext cx="5038725" cy="2495550"/>
+          </a:xfrm>
+          <a:prstGeom prst="rect">
+            <a:avLst/>
+          </a:prstGeom>
+          <a:noFill/>
+          <a:ln>
+            <a:noFill/>
+          </a:ln>
+          <a:extLst>
+            <a:ext uri="{909E8E84-426E-40DD-AFC4-6F175D3DCCD1}">
+              <a14:hiddenFill xmlns:a14="http://schemas.microsoft.com/office/drawing/2010/main">
+                <a:solidFill>
+                  <a:schemeClr val="accent1"/>
+                </a:solidFill>
+              </a14:hiddenFill>
+            </a:ext>
+            <a:ext uri="{91240B29-F687-4F45-9708-019B960494DF}">
+              <a14:hiddenLine xmlns:a14="http://schemas.microsoft.com/office/drawing/2010/main" w="9525">
+                <a:solidFill>
+                  <a:schemeClr val="tx1"/>
+                </a:solidFill>
+                <a:miter lim="800000"/>
+                <a:headEnd/>
+                <a:tailEnd/>
+              </a14:hiddenLine>
+            </a:ext>
+          </a:extLst>
+        </p:spPr>
+      </p:pic>
+    </p:spTree>
+    <p:extLst>
+      <p:ext uri="{BB962C8B-B14F-4D97-AF65-F5344CB8AC3E}">
+        <p14:creationId xmlns:p14="http://schemas.microsoft.com/office/powerpoint/2010/main" val="3139838396"/>
+      </p:ext>
+    </p:extLst>
+  </p:cSld>
+  <p:clrMapOvr>
+    <a:masterClrMapping/>
+  </p:clrMapOvr>
+  <p:timing>
+    <p:tnLst>
+      <p:par>
+        <p:cTn id="1" dur="indefinite" restart="never" nodeType="tmRoot">
+          <p:childTnLst>
+            <p:seq concurrent="1" nextAc="seek">
+              <p:cTn id="2" dur="indefinite" nodeType="mainSeq">
+                <p:childTnLst>
+                  <p:par>
+                    <p:cTn id="3" fill="hold">
+                      <p:stCondLst>
+                        <p:cond delay="indefinite"/>
+                      </p:stCondLst>
+                      <p:childTnLst>
+                        <p:par>
+                          <p:cTn id="4" fill="hold">
+                            <p:stCondLst>
+                              <p:cond delay="0"/>
+                            </p:stCondLst>
+                            <p:childTnLst>
+                              <p:par>
+                                <p:cTn id="5" presetID="1" presetClass="entr" presetSubtype="0" fill="hold" nodeType="clickEffect">
+                                  <p:stCondLst>
+                                    <p:cond delay="0"/>
+                                  </p:stCondLst>
+                                  <p:childTnLst>
+                                    <p:set>
+                                      <p:cBhvr>
+                                        <p:cTn id="6" dur="1" fill="hold">
+                                          <p:stCondLst>
+                                            <p:cond delay="0"/>
+                                          </p:stCondLst>
+                                        </p:cTn>
+                                        <p:tgtEl>
+                                          <p:spTgt spid="3075"/>
+                                        </p:tgtEl>
+                                        <p:attrNameLst>
+                                          <p:attrName>style.visibility</p:attrName>
+                                        </p:attrNameLst>
+                                      </p:cBhvr>
+                                      <p:to>
+                                        <p:strVal val="visible"/>
+                                      </p:to>
+                                    </p:set>
+                                  </p:childTnLst>
+                                </p:cTn>
+                              </p:par>
+                            </p:childTnLst>
+                          </p:cTn>
+                        </p:par>
+                      </p:childTnLst>
+                    </p:cTn>
+                  </p:par>
+                  <p:par>
+                    <p:cTn id="7" fill="hold">
+                      <p:stCondLst>
+                        <p:cond delay="indefinite"/>
+                      </p:stCondLst>
+                      <p:childTnLst>
+                        <p:par>
+                          <p:cTn id="8" fill="hold">
+                            <p:stCondLst>
+                              <p:cond delay="0"/>
+                            </p:stCondLst>
+                            <p:childTnLst>
+                              <p:par>
+                                <p:cTn id="9" presetID="1" presetClass="entr" presetSubtype="0" fill="hold" nodeType="clickEffect">
+                                  <p:stCondLst>
+                                    <p:cond delay="0"/>
+                                  </p:stCondLst>
+                                  <p:childTnLst>
+                                    <p:set>
+                                      <p:cBhvr>
+                                        <p:cTn id="10" dur="1" fill="hold">
+                                          <p:stCondLst>
+                                            <p:cond delay="0"/>
+                                          </p:stCondLst>
+                                        </p:cTn>
+                                        <p:tgtEl>
+                                          <p:spTgt spid="3076"/>
+                                        </p:tgtEl>
+                                        <p:attrNameLst>
+                                          <p:attrName>style.visibility</p:attrName>
+                                        </p:attrNameLst>
+                                      </p:cBhvr>
+                                      <p:to>
+                                        <p:strVal val="visible"/>
+                                      </p:to>
+                                    </p:set>
+                                  </p:childTnLst>
+                                </p:cTn>
+                              </p:par>
+                            </p:childTnLst>
+                          </p:cTn>
+                        </p:par>
+                      </p:childTnLst>
+                    </p:cTn>
+                  </p:par>
+                </p:childTnLst>
+              </p:cTn>
+              <p:prevCondLst>
+                <p:cond evt="onPrev" delay="0">
+                  <p:tgtEl>
+                    <p:sldTgt/>
+                  </p:tgtEl>
+                </p:cond>
+              </p:prevCondLst>
+              <p:nextCondLst>
+                <p:cond evt="onNext" delay="0">
+                  <p:tgtEl>
+                    <p:sldTgt/>
+                  </p:tgtEl>
+                </p:cond>
+              </p:nextCondLst>
+            </p:seq>
+          </p:childTnLst>
+        </p:cTn>
+      </p:par>
+    </p:tnLst>
+  </p:timing>
+</p:sld>
+</file>
+
+<file path=ppt/slides/slide27.xml><?xml version="1.0" encoding="utf-8"?>
 <p:sld xmlns:a="http://schemas.openxmlformats.org/drawingml/2006/main" xmlns:r="http://schemas.openxmlformats.org/officeDocument/2006/relationships" xmlns:p="http://schemas.openxmlformats.org/presentationml/2006/main">
   <p:cSld>
     <p:spTree>
@@ -5617,10 +6130,187 @@
   <p:clrMapOvr>
     <a:masterClrMapping/>
   </p:clrMapOvr>
+  <p:timing>
+    <p:tnLst>
+      <p:par>
+        <p:cTn id="1" dur="indefinite" restart="never" nodeType="tmRoot"/>
+      </p:par>
+    </p:tnLst>
+  </p:timing>
 </p:sld>
 </file>
 
-<file path=ppt/slides/slide26.xml><?xml version="1.0" encoding="utf-8"?>
+<file path=ppt/slides/slide28.xml><?xml version="1.0" encoding="utf-8"?>
+<p:sld xmlns:a="http://schemas.openxmlformats.org/drawingml/2006/main" xmlns:r="http://schemas.openxmlformats.org/officeDocument/2006/relationships" xmlns:p="http://schemas.openxmlformats.org/presentationml/2006/main">
+  <p:cSld>
+    <p:spTree>
+      <p:nvGrpSpPr>
+        <p:cNvPr id="1" name=""/>
+        <p:cNvGrpSpPr/>
+        <p:nvPr/>
+      </p:nvGrpSpPr>
+      <p:grpSpPr>
+        <a:xfrm>
+          <a:off x="0" y="0"/>
+          <a:ext cx="0" cy="0"/>
+          <a:chOff x="0" y="0"/>
+          <a:chExt cx="0" cy="0"/>
+        </a:xfrm>
+      </p:grpSpPr>
+      <p:sp>
+        <p:nvSpPr>
+          <p:cNvPr id="2" name="제목 1"/>
+          <p:cNvSpPr>
+            <a:spLocks noGrp="1"/>
+          </p:cNvSpPr>
+          <p:nvPr>
+            <p:ph type="title"/>
+          </p:nvPr>
+        </p:nvSpPr>
+        <p:spPr/>
+        <p:txBody>
+          <a:bodyPr/>
+          <a:lstStyle/>
+          <a:p>
+            <a:r>
+              <a:rPr lang="ko-KR" altLang="en-US" dirty="0"/>
+              <a:t>문제점 </a:t>
+            </a:r>
+            <a:r>
+              <a:rPr lang="en-US" altLang="ko-KR" dirty="0"/>
+              <a:t>4. JSON</a:t>
+            </a:r>
+            <a:r>
+              <a:rPr lang="ko-KR" altLang="en-US" dirty="0"/>
+              <a:t>형식과 같이 인덱스 구분 없이 자동정렬 된다</a:t>
+            </a:r>
+            <a:r>
+              <a:rPr lang="en-US" altLang="ko-KR" dirty="0"/>
+              <a:t>.</a:t>
+            </a:r>
+            <a:endParaRPr lang="ko-KR" altLang="en-US" dirty="0"/>
+          </a:p>
+        </p:txBody>
+      </p:sp>
+      <p:pic>
+        <p:nvPicPr>
+          <p:cNvPr id="4098" name="Picture 2"/>
+          <p:cNvPicPr>
+            <a:picLocks noChangeAspect="1" noChangeArrowheads="1"/>
+          </p:cNvPicPr>
+          <p:nvPr/>
+        </p:nvPicPr>
+        <p:blipFill>
+          <a:blip r:embed="rId2">
+            <a:extLst>
+              <a:ext uri="{28A0092B-C50C-407E-A947-70E740481C1C}">
+                <a14:useLocalDpi xmlns:a14="http://schemas.microsoft.com/office/drawing/2010/main" val="0"/>
+              </a:ext>
+            </a:extLst>
+          </a:blip>
+          <a:srcRect/>
+          <a:stretch>
+            <a:fillRect/>
+          </a:stretch>
+        </p:blipFill>
+        <p:spPr bwMode="auto">
+          <a:xfrm>
+            <a:off x="686749" y="1844824"/>
+            <a:ext cx="7770502" cy="3436019"/>
+          </a:xfrm>
+          <a:prstGeom prst="rect">
+            <a:avLst/>
+          </a:prstGeom>
+          <a:noFill/>
+          <a:ln>
+            <a:noFill/>
+          </a:ln>
+          <a:extLst>
+            <a:ext uri="{909E8E84-426E-40DD-AFC4-6F175D3DCCD1}">
+              <a14:hiddenFill xmlns:a14="http://schemas.microsoft.com/office/drawing/2010/main">
+                <a:solidFill>
+                  <a:schemeClr val="accent1"/>
+                </a:solidFill>
+              </a14:hiddenFill>
+            </a:ext>
+            <a:ext uri="{91240B29-F687-4F45-9708-019B960494DF}">
+              <a14:hiddenLine xmlns:a14="http://schemas.microsoft.com/office/drawing/2010/main" w="9525">
+                <a:solidFill>
+                  <a:schemeClr val="tx1"/>
+                </a:solidFill>
+                <a:miter lim="800000"/>
+                <a:headEnd/>
+                <a:tailEnd/>
+              </a14:hiddenLine>
+            </a:ext>
+          </a:extLst>
+        </p:spPr>
+      </p:pic>
+      <p:sp>
+        <p:nvSpPr>
+          <p:cNvPr id="3" name="직사각형 2"/>
+          <p:cNvSpPr/>
+          <p:nvPr/>
+        </p:nvSpPr>
+        <p:spPr>
+          <a:xfrm>
+            <a:off x="1547664" y="2996952"/>
+            <a:ext cx="6696744" cy="432048"/>
+          </a:xfrm>
+          <a:prstGeom prst="rect">
+            <a:avLst/>
+          </a:prstGeom>
+          <a:noFill/>
+          <a:ln w="38100">
+            <a:solidFill>
+              <a:srgbClr val="FF0000"/>
+            </a:solidFill>
+          </a:ln>
+        </p:spPr>
+        <p:style>
+          <a:lnRef idx="2">
+            <a:schemeClr val="accent6"/>
+          </a:lnRef>
+          <a:fillRef idx="1">
+            <a:schemeClr val="lt1"/>
+          </a:fillRef>
+          <a:effectRef idx="0">
+            <a:schemeClr val="accent6"/>
+          </a:effectRef>
+          <a:fontRef idx="minor">
+            <a:schemeClr val="dk1"/>
+          </a:fontRef>
+        </p:style>
+        <p:txBody>
+          <a:bodyPr rtlCol="0" anchor="ctr"/>
+          <a:lstStyle/>
+          <a:p>
+            <a:pPr algn="ctr"/>
+            <a:endParaRPr lang="ko-KR" altLang="en-US"/>
+          </a:p>
+        </p:txBody>
+      </p:sp>
+    </p:spTree>
+    <p:extLst>
+      <p:ext uri="{BB962C8B-B14F-4D97-AF65-F5344CB8AC3E}">
+        <p14:creationId xmlns:p14="http://schemas.microsoft.com/office/powerpoint/2010/main" val="2600393179"/>
+      </p:ext>
+    </p:extLst>
+  </p:cSld>
+  <p:clrMapOvr>
+    <a:masterClrMapping/>
+  </p:clrMapOvr>
+  <p:timing>
+    <p:tnLst>
+      <p:par>
+        <p:cTn id="1" dur="indefinite" restart="never" nodeType="tmRoot"/>
+      </p:par>
+    </p:tnLst>
+  </p:timing>
+</p:sld>
+</file>
+
+<file path=ppt/slides/slide29.xml><?xml version="1.0" encoding="utf-8"?>
 <p:sld xmlns:a="http://schemas.openxmlformats.org/drawingml/2006/main" xmlns:r="http://schemas.openxmlformats.org/officeDocument/2006/relationships" xmlns:p="http://schemas.openxmlformats.org/presentationml/2006/main">
   <p:cSld>
     <p:spTree>
@@ -5817,624 +6507,13 @@
   <p:clrMapOvr>
     <a:masterClrMapping/>
   </p:clrMapOvr>
-</p:sld>
-</file>
-
-<file path=ppt/slides/slide27.xml><?xml version="1.0" encoding="utf-8"?>
-<p:sld xmlns:a="http://schemas.openxmlformats.org/drawingml/2006/main" xmlns:r="http://schemas.openxmlformats.org/officeDocument/2006/relationships" xmlns:p="http://schemas.openxmlformats.org/presentationml/2006/main">
-  <p:cSld>
-    <p:spTree>
-      <p:nvGrpSpPr>
-        <p:cNvPr id="1" name=""/>
-        <p:cNvGrpSpPr/>
-        <p:nvPr/>
-      </p:nvGrpSpPr>
-      <p:grpSpPr>
-        <a:xfrm>
-          <a:off x="0" y="0"/>
-          <a:ext cx="0" cy="0"/>
-          <a:chOff x="0" y="0"/>
-          <a:chExt cx="0" cy="0"/>
-        </a:xfrm>
-      </p:grpSpPr>
-      <p:sp>
-        <p:nvSpPr>
-          <p:cNvPr id="2" name="제목 1"/>
-          <p:cNvSpPr>
-            <a:spLocks noGrp="1"/>
-          </p:cNvSpPr>
-          <p:nvPr>
-            <p:ph type="title"/>
-          </p:nvPr>
-        </p:nvSpPr>
-        <p:spPr/>
-        <p:txBody>
-          <a:bodyPr/>
-          <a:lstStyle/>
-          <a:p>
-            <a:r>
-              <a:rPr lang="ko-KR" altLang="en-US" dirty="0"/>
-              <a:t>카테고리 </a:t>
-            </a:r>
-            <a:r>
-              <a:rPr lang="ko-KR" altLang="en-US" dirty="0" smtClean="0"/>
-              <a:t>추가</a:t>
-            </a:r>
-            <a:endParaRPr lang="ko-KR" altLang="en-US" dirty="0"/>
-          </a:p>
-        </p:txBody>
-      </p:sp>
-      <p:pic>
-        <p:nvPicPr>
-          <p:cNvPr id="4098" name="Picture 2"/>
-          <p:cNvPicPr>
-            <a:picLocks noChangeAspect="1" noChangeArrowheads="1"/>
-          </p:cNvPicPr>
-          <p:nvPr/>
-        </p:nvPicPr>
-        <p:blipFill>
-          <a:blip r:embed="rId2">
-            <a:extLst>
-              <a:ext uri="{28A0092B-C50C-407E-A947-70E740481C1C}">
-                <a14:useLocalDpi xmlns:a14="http://schemas.microsoft.com/office/drawing/2010/main" val="0"/>
-              </a:ext>
-            </a:extLst>
-          </a:blip>
-          <a:srcRect/>
-          <a:stretch>
-            <a:fillRect/>
-          </a:stretch>
-        </p:blipFill>
-        <p:spPr bwMode="auto">
-          <a:xfrm>
-            <a:off x="2278230" y="4221088"/>
-            <a:ext cx="4659548" cy="2481522"/>
-          </a:xfrm>
-          <a:prstGeom prst="rect">
-            <a:avLst/>
-          </a:prstGeom>
-          <a:noFill/>
-          <a:ln>
-            <a:noFill/>
-          </a:ln>
-          <a:effectLst/>
-          <a:extLst>
-            <a:ext uri="{909E8E84-426E-40DD-AFC4-6F175D3DCCD1}">
-              <a14:hiddenFill xmlns:a14="http://schemas.microsoft.com/office/drawing/2010/main">
-                <a:solidFill>
-                  <a:schemeClr val="accent1"/>
-                </a:solidFill>
-              </a14:hiddenFill>
-            </a:ext>
-            <a:ext uri="{91240B29-F687-4F45-9708-019B960494DF}">
-              <a14:hiddenLine xmlns:a14="http://schemas.microsoft.com/office/drawing/2010/main" w="9525">
-                <a:solidFill>
-                  <a:schemeClr val="tx1"/>
-                </a:solidFill>
-                <a:miter lim="800000"/>
-                <a:headEnd/>
-                <a:tailEnd/>
-              </a14:hiddenLine>
-            </a:ext>
-            <a:ext uri="{AF507438-7753-43E0-B8FC-AC1667EBCBE1}">
-              <a14:hiddenEffects xmlns:a14="http://schemas.microsoft.com/office/drawing/2010/main">
-                <a:effectLst>
-                  <a:outerShdw dist="35921" dir="2700000" algn="ctr" rotWithShape="0">
-                    <a:schemeClr val="bg2"/>
-                  </a:outerShdw>
-                </a:effectLst>
-              </a14:hiddenEffects>
-            </a:ext>
-          </a:extLst>
-        </p:spPr>
-      </p:pic>
-      <p:pic>
-        <p:nvPicPr>
-          <p:cNvPr id="4099" name="Picture 3"/>
-          <p:cNvPicPr>
-            <a:picLocks noChangeAspect="1" noChangeArrowheads="1"/>
-          </p:cNvPicPr>
-          <p:nvPr/>
-        </p:nvPicPr>
-        <p:blipFill>
-          <a:blip r:embed="rId3">
-            <a:extLst>
-              <a:ext uri="{28A0092B-C50C-407E-A947-70E740481C1C}">
-                <a14:useLocalDpi xmlns:a14="http://schemas.microsoft.com/office/drawing/2010/main" val="0"/>
-              </a:ext>
-            </a:extLst>
-          </a:blip>
-          <a:srcRect/>
-          <a:stretch>
-            <a:fillRect/>
-          </a:stretch>
-        </p:blipFill>
-        <p:spPr bwMode="auto">
-          <a:xfrm>
-            <a:off x="2267744" y="1196752"/>
-            <a:ext cx="4680520" cy="736749"/>
-          </a:xfrm>
-          <a:prstGeom prst="rect">
-            <a:avLst/>
-          </a:prstGeom>
-          <a:noFill/>
-          <a:ln>
-            <a:noFill/>
-          </a:ln>
-          <a:effectLst/>
-          <a:extLst>
-            <a:ext uri="{909E8E84-426E-40DD-AFC4-6F175D3DCCD1}">
-              <a14:hiddenFill xmlns:a14="http://schemas.microsoft.com/office/drawing/2010/main">
-                <a:solidFill>
-                  <a:schemeClr val="accent1"/>
-                </a:solidFill>
-              </a14:hiddenFill>
-            </a:ext>
-            <a:ext uri="{91240B29-F687-4F45-9708-019B960494DF}">
-              <a14:hiddenLine xmlns:a14="http://schemas.microsoft.com/office/drawing/2010/main" w="9525">
-                <a:solidFill>
-                  <a:schemeClr val="tx1"/>
-                </a:solidFill>
-                <a:miter lim="800000"/>
-                <a:headEnd/>
-                <a:tailEnd/>
-              </a14:hiddenLine>
-            </a:ext>
-            <a:ext uri="{AF507438-7753-43E0-B8FC-AC1667EBCBE1}">
-              <a14:hiddenEffects xmlns:a14="http://schemas.microsoft.com/office/drawing/2010/main">
-                <a:effectLst>
-                  <a:outerShdw dist="35921" dir="2700000" algn="ctr" rotWithShape="0">
-                    <a:schemeClr val="bg2"/>
-                  </a:outerShdw>
-                </a:effectLst>
-              </a14:hiddenEffects>
-            </a:ext>
-          </a:extLst>
-        </p:spPr>
-      </p:pic>
-      <p:pic>
-        <p:nvPicPr>
-          <p:cNvPr id="4100" name="Picture 4"/>
-          <p:cNvPicPr>
-            <a:picLocks noChangeAspect="1" noChangeArrowheads="1"/>
-          </p:cNvPicPr>
-          <p:nvPr/>
-        </p:nvPicPr>
-        <p:blipFill>
-          <a:blip r:embed="rId4">
-            <a:extLst>
-              <a:ext uri="{28A0092B-C50C-407E-A947-70E740481C1C}">
-                <a14:useLocalDpi xmlns:a14="http://schemas.microsoft.com/office/drawing/2010/main" val="0"/>
-              </a:ext>
-            </a:extLst>
-          </a:blip>
-          <a:srcRect/>
-          <a:stretch>
-            <a:fillRect/>
-          </a:stretch>
-        </p:blipFill>
-        <p:spPr bwMode="auto">
-          <a:xfrm>
-            <a:off x="2278230" y="2352440"/>
-            <a:ext cx="4659548" cy="1465925"/>
-          </a:xfrm>
-          <a:prstGeom prst="rect">
-            <a:avLst/>
-          </a:prstGeom>
-          <a:noFill/>
-          <a:ln>
-            <a:noFill/>
-          </a:ln>
-          <a:effectLst/>
-          <a:extLst>
-            <a:ext uri="{909E8E84-426E-40DD-AFC4-6F175D3DCCD1}">
-              <a14:hiddenFill xmlns:a14="http://schemas.microsoft.com/office/drawing/2010/main">
-                <a:solidFill>
-                  <a:schemeClr val="accent1"/>
-                </a:solidFill>
-              </a14:hiddenFill>
-            </a:ext>
-            <a:ext uri="{91240B29-F687-4F45-9708-019B960494DF}">
-              <a14:hiddenLine xmlns:a14="http://schemas.microsoft.com/office/drawing/2010/main" w="9525">
-                <a:solidFill>
-                  <a:schemeClr val="tx1"/>
-                </a:solidFill>
-                <a:miter lim="800000"/>
-                <a:headEnd/>
-                <a:tailEnd/>
-              </a14:hiddenLine>
-            </a:ext>
-            <a:ext uri="{AF507438-7753-43E0-B8FC-AC1667EBCBE1}">
-              <a14:hiddenEffects xmlns:a14="http://schemas.microsoft.com/office/drawing/2010/main">
-                <a:effectLst>
-                  <a:outerShdw dist="35921" dir="2700000" algn="ctr" rotWithShape="0">
-                    <a:schemeClr val="bg2"/>
-                  </a:outerShdw>
-                </a:effectLst>
-              </a14:hiddenEffects>
-            </a:ext>
-          </a:extLst>
-        </p:spPr>
-      </p:pic>
-    </p:spTree>
-    <p:extLst>
-      <p:ext uri="{BB962C8B-B14F-4D97-AF65-F5344CB8AC3E}">
-        <p14:creationId xmlns:p14="http://schemas.microsoft.com/office/powerpoint/2010/main" val="3705997643"/>
-      </p:ext>
-    </p:extLst>
-  </p:cSld>
-  <p:clrMapOvr>
-    <a:masterClrMapping/>
-  </p:clrMapOvr>
-</p:sld>
-</file>
-
-<file path=ppt/slides/slide28.xml><?xml version="1.0" encoding="utf-8"?>
-<p:sld xmlns:a="http://schemas.openxmlformats.org/drawingml/2006/main" xmlns:r="http://schemas.openxmlformats.org/officeDocument/2006/relationships" xmlns:p="http://schemas.openxmlformats.org/presentationml/2006/main">
-  <p:cSld>
-    <p:spTree>
-      <p:nvGrpSpPr>
-        <p:cNvPr id="1" name=""/>
-        <p:cNvGrpSpPr/>
-        <p:nvPr/>
-      </p:nvGrpSpPr>
-      <p:grpSpPr>
-        <a:xfrm>
-          <a:off x="0" y="0"/>
-          <a:ext cx="0" cy="0"/>
-          <a:chOff x="0" y="0"/>
-          <a:chExt cx="0" cy="0"/>
-        </a:xfrm>
-      </p:grpSpPr>
-      <p:sp>
-        <p:nvSpPr>
-          <p:cNvPr id="2" name="제목 1"/>
-          <p:cNvSpPr>
-            <a:spLocks noGrp="1"/>
-          </p:cNvSpPr>
-          <p:nvPr>
-            <p:ph type="title"/>
-          </p:nvPr>
-        </p:nvSpPr>
-        <p:spPr/>
-        <p:txBody>
-          <a:bodyPr/>
-          <a:lstStyle/>
-          <a:p>
-            <a:r>
-              <a:rPr lang="ko-KR" altLang="en-US" dirty="0"/>
-              <a:t>카테고리 </a:t>
-            </a:r>
-            <a:r>
-              <a:rPr lang="ko-KR" altLang="en-US" dirty="0" smtClean="0"/>
-              <a:t>추가</a:t>
-            </a:r>
-            <a:endParaRPr lang="ko-KR" altLang="en-US" dirty="0"/>
-          </a:p>
-        </p:txBody>
-      </p:sp>
-      <p:pic>
-        <p:nvPicPr>
-          <p:cNvPr id="3074" name="Picture 2"/>
-          <p:cNvPicPr>
-            <a:picLocks noChangeAspect="1" noChangeArrowheads="1"/>
-          </p:cNvPicPr>
-          <p:nvPr/>
-        </p:nvPicPr>
-        <p:blipFill>
-          <a:blip r:embed="rId2">
-            <a:extLst>
-              <a:ext uri="{28A0092B-C50C-407E-A947-70E740481C1C}">
-                <a14:useLocalDpi xmlns:a14="http://schemas.microsoft.com/office/drawing/2010/main" val="0"/>
-              </a:ext>
-            </a:extLst>
-          </a:blip>
-          <a:srcRect/>
-          <a:stretch>
-            <a:fillRect/>
-          </a:stretch>
-        </p:blipFill>
-        <p:spPr bwMode="auto">
-          <a:xfrm>
-            <a:off x="971600" y="1260414"/>
-            <a:ext cx="7115395" cy="1880554"/>
-          </a:xfrm>
-          <a:prstGeom prst="rect">
-            <a:avLst/>
-          </a:prstGeom>
-          <a:noFill/>
-          <a:ln>
-            <a:noFill/>
-          </a:ln>
-          <a:effectLst/>
-          <a:extLst>
-            <a:ext uri="{909E8E84-426E-40DD-AFC4-6F175D3DCCD1}">
-              <a14:hiddenFill xmlns:a14="http://schemas.microsoft.com/office/drawing/2010/main">
-                <a:solidFill>
-                  <a:schemeClr val="accent1"/>
-                </a:solidFill>
-              </a14:hiddenFill>
-            </a:ext>
-            <a:ext uri="{91240B29-F687-4F45-9708-019B960494DF}">
-              <a14:hiddenLine xmlns:a14="http://schemas.microsoft.com/office/drawing/2010/main" w="9525">
-                <a:solidFill>
-                  <a:schemeClr val="tx1"/>
-                </a:solidFill>
-                <a:miter lim="800000"/>
-                <a:headEnd/>
-                <a:tailEnd/>
-              </a14:hiddenLine>
-            </a:ext>
-            <a:ext uri="{AF507438-7753-43E0-B8FC-AC1667EBCBE1}">
-              <a14:hiddenEffects xmlns:a14="http://schemas.microsoft.com/office/drawing/2010/main">
-                <a:effectLst>
-                  <a:outerShdw dist="35921" dir="2700000" algn="ctr" rotWithShape="0">
-                    <a:schemeClr val="bg2"/>
-                  </a:outerShdw>
-                </a:effectLst>
-              </a14:hiddenEffects>
-            </a:ext>
-          </a:extLst>
-        </p:spPr>
-      </p:pic>
-      <p:pic>
-        <p:nvPicPr>
-          <p:cNvPr id="3075" name="Picture 3"/>
-          <p:cNvPicPr>
-            <a:picLocks noChangeAspect="1" noChangeArrowheads="1"/>
-          </p:cNvPicPr>
-          <p:nvPr/>
-        </p:nvPicPr>
-        <p:blipFill>
-          <a:blip r:embed="rId3">
-            <a:extLst>
-              <a:ext uri="{28A0092B-C50C-407E-A947-70E740481C1C}">
-                <a14:useLocalDpi xmlns:a14="http://schemas.microsoft.com/office/drawing/2010/main" val="0"/>
-              </a:ext>
-            </a:extLst>
-          </a:blip>
-          <a:srcRect/>
-          <a:stretch>
-            <a:fillRect/>
-          </a:stretch>
-        </p:blipFill>
-        <p:spPr bwMode="auto">
-          <a:xfrm>
-            <a:off x="971599" y="3717032"/>
-            <a:ext cx="7115395" cy="2307220"/>
-          </a:xfrm>
-          <a:prstGeom prst="rect">
-            <a:avLst/>
-          </a:prstGeom>
-          <a:noFill/>
-          <a:ln>
-            <a:noFill/>
-          </a:ln>
-          <a:effectLst/>
-          <a:extLst>
-            <a:ext uri="{909E8E84-426E-40DD-AFC4-6F175D3DCCD1}">
-              <a14:hiddenFill xmlns:a14="http://schemas.microsoft.com/office/drawing/2010/main">
-                <a:solidFill>
-                  <a:schemeClr val="accent1"/>
-                </a:solidFill>
-              </a14:hiddenFill>
-            </a:ext>
-            <a:ext uri="{91240B29-F687-4F45-9708-019B960494DF}">
-              <a14:hiddenLine xmlns:a14="http://schemas.microsoft.com/office/drawing/2010/main" w="9525">
-                <a:solidFill>
-                  <a:schemeClr val="tx1"/>
-                </a:solidFill>
-                <a:miter lim="800000"/>
-                <a:headEnd/>
-                <a:tailEnd/>
-              </a14:hiddenLine>
-            </a:ext>
-            <a:ext uri="{AF507438-7753-43E0-B8FC-AC1667EBCBE1}">
-              <a14:hiddenEffects xmlns:a14="http://schemas.microsoft.com/office/drawing/2010/main">
-                <a:effectLst>
-                  <a:outerShdw dist="35921" dir="2700000" algn="ctr" rotWithShape="0">
-                    <a:schemeClr val="bg2"/>
-                  </a:outerShdw>
-                </a:effectLst>
-              </a14:hiddenEffects>
-            </a:ext>
-          </a:extLst>
-        </p:spPr>
-      </p:pic>
-    </p:spTree>
-    <p:extLst>
-      <p:ext uri="{BB962C8B-B14F-4D97-AF65-F5344CB8AC3E}">
-        <p14:creationId xmlns:p14="http://schemas.microsoft.com/office/powerpoint/2010/main" val="1893804703"/>
-      </p:ext>
-    </p:extLst>
-  </p:cSld>
-  <p:clrMapOvr>
-    <a:masterClrMapping/>
-  </p:clrMapOvr>
-</p:sld>
-</file>
-
-<file path=ppt/slides/slide29.xml><?xml version="1.0" encoding="utf-8"?>
-<p:sld xmlns:a="http://schemas.openxmlformats.org/drawingml/2006/main" xmlns:r="http://schemas.openxmlformats.org/officeDocument/2006/relationships" xmlns:p="http://schemas.openxmlformats.org/presentationml/2006/main">
-  <p:cSld>
-    <p:spTree>
-      <p:nvGrpSpPr>
-        <p:cNvPr id="1" name=""/>
-        <p:cNvGrpSpPr/>
-        <p:nvPr/>
-      </p:nvGrpSpPr>
-      <p:grpSpPr>
-        <a:xfrm>
-          <a:off x="0" y="0"/>
-          <a:ext cx="0" cy="0"/>
-          <a:chOff x="0" y="0"/>
-          <a:chExt cx="0" cy="0"/>
-        </a:xfrm>
-      </p:grpSpPr>
-      <p:sp>
-        <p:nvSpPr>
-          <p:cNvPr id="2" name="제목 1"/>
-          <p:cNvSpPr>
-            <a:spLocks noGrp="1"/>
-          </p:cNvSpPr>
-          <p:nvPr>
-            <p:ph type="title"/>
-          </p:nvPr>
-        </p:nvSpPr>
-        <p:spPr/>
-        <p:txBody>
-          <a:bodyPr/>
-          <a:lstStyle/>
-          <a:p>
-            <a:r>
-              <a:rPr lang="ko-KR" altLang="en-US" dirty="0" smtClean="0"/>
-              <a:t>카테고리 </a:t>
-            </a:r>
-            <a:r>
-              <a:rPr lang="ko-KR" altLang="en-US" dirty="0"/>
-              <a:t>추가</a:t>
-            </a:r>
-          </a:p>
-        </p:txBody>
-      </p:sp>
-      <p:pic>
-        <p:nvPicPr>
-          <p:cNvPr id="5122" name="Picture 2"/>
-          <p:cNvPicPr>
-            <a:picLocks noChangeAspect="1" noChangeArrowheads="1"/>
-          </p:cNvPicPr>
-          <p:nvPr/>
-        </p:nvPicPr>
-        <p:blipFill>
-          <a:blip r:embed="rId2">
-            <a:extLst>
-              <a:ext uri="{28A0092B-C50C-407E-A947-70E740481C1C}">
-                <a14:useLocalDpi xmlns:a14="http://schemas.microsoft.com/office/drawing/2010/main" val="0"/>
-              </a:ext>
-            </a:extLst>
-          </a:blip>
-          <a:srcRect/>
-          <a:stretch>
-            <a:fillRect/>
-          </a:stretch>
-        </p:blipFill>
-        <p:spPr bwMode="auto">
-          <a:xfrm>
-            <a:off x="1884989" y="3429000"/>
-            <a:ext cx="5374022" cy="1455787"/>
-          </a:xfrm>
-          <a:prstGeom prst="rect">
-            <a:avLst/>
-          </a:prstGeom>
-          <a:noFill/>
-          <a:ln>
-            <a:noFill/>
-          </a:ln>
-          <a:effectLst/>
-          <a:extLst>
-            <a:ext uri="{909E8E84-426E-40DD-AFC4-6F175D3DCCD1}">
-              <a14:hiddenFill xmlns:a14="http://schemas.microsoft.com/office/drawing/2010/main">
-                <a:solidFill>
-                  <a:schemeClr val="accent1"/>
-                </a:solidFill>
-              </a14:hiddenFill>
-            </a:ext>
-            <a:ext uri="{91240B29-F687-4F45-9708-019B960494DF}">
-              <a14:hiddenLine xmlns:a14="http://schemas.microsoft.com/office/drawing/2010/main" w="9525">
-                <a:solidFill>
-                  <a:schemeClr val="tx1"/>
-                </a:solidFill>
-                <a:miter lim="800000"/>
-                <a:headEnd/>
-                <a:tailEnd/>
-              </a14:hiddenLine>
-            </a:ext>
-            <a:ext uri="{AF507438-7753-43E0-B8FC-AC1667EBCBE1}">
-              <a14:hiddenEffects xmlns:a14="http://schemas.microsoft.com/office/drawing/2010/main">
-                <a:effectLst>
-                  <a:outerShdw dist="35921" dir="2700000" algn="ctr" rotWithShape="0">
-                    <a:schemeClr val="bg2"/>
-                  </a:outerShdw>
-                </a:effectLst>
-              </a14:hiddenEffects>
-            </a:ext>
-          </a:extLst>
-        </p:spPr>
-      </p:pic>
-      <p:pic>
-        <p:nvPicPr>
-          <p:cNvPr id="5123" name="Picture 3"/>
-          <p:cNvPicPr>
-            <a:picLocks noChangeAspect="1" noChangeArrowheads="1"/>
-          </p:cNvPicPr>
-          <p:nvPr/>
-        </p:nvPicPr>
-        <p:blipFill>
-          <a:blip r:embed="rId3">
-            <a:extLst>
-              <a:ext uri="{28A0092B-C50C-407E-A947-70E740481C1C}">
-                <a14:useLocalDpi xmlns:a14="http://schemas.microsoft.com/office/drawing/2010/main" val="0"/>
-              </a:ext>
-            </a:extLst>
-          </a:blip>
-          <a:srcRect/>
-          <a:stretch>
-            <a:fillRect/>
-          </a:stretch>
-        </p:blipFill>
-        <p:spPr bwMode="auto">
-          <a:xfrm>
-            <a:off x="1884988" y="2276871"/>
-            <a:ext cx="5374023" cy="719059"/>
-          </a:xfrm>
-          <a:prstGeom prst="rect">
-            <a:avLst/>
-          </a:prstGeom>
-          <a:noFill/>
-          <a:ln>
-            <a:noFill/>
-          </a:ln>
-          <a:effectLst/>
-          <a:extLst>
-            <a:ext uri="{909E8E84-426E-40DD-AFC4-6F175D3DCCD1}">
-              <a14:hiddenFill xmlns:a14="http://schemas.microsoft.com/office/drawing/2010/main">
-                <a:solidFill>
-                  <a:schemeClr val="accent1"/>
-                </a:solidFill>
-              </a14:hiddenFill>
-            </a:ext>
-            <a:ext uri="{91240B29-F687-4F45-9708-019B960494DF}">
-              <a14:hiddenLine xmlns:a14="http://schemas.microsoft.com/office/drawing/2010/main" w="9525">
-                <a:solidFill>
-                  <a:schemeClr val="tx1"/>
-                </a:solidFill>
-                <a:miter lim="800000"/>
-                <a:headEnd/>
-                <a:tailEnd/>
-              </a14:hiddenLine>
-            </a:ext>
-            <a:ext uri="{AF507438-7753-43E0-B8FC-AC1667EBCBE1}">
-              <a14:hiddenEffects xmlns:a14="http://schemas.microsoft.com/office/drawing/2010/main">
-                <a:effectLst>
-                  <a:outerShdw dist="35921" dir="2700000" algn="ctr" rotWithShape="0">
-                    <a:schemeClr val="bg2"/>
-                  </a:outerShdw>
-                </a:effectLst>
-              </a14:hiddenEffects>
-            </a:ext>
-          </a:extLst>
-        </p:spPr>
-      </p:pic>
-    </p:spTree>
-    <p:extLst>
-      <p:ext uri="{BB962C8B-B14F-4D97-AF65-F5344CB8AC3E}">
-        <p14:creationId xmlns:p14="http://schemas.microsoft.com/office/powerpoint/2010/main" val="214818720"/>
-      </p:ext>
-    </p:extLst>
-  </p:cSld>
-  <p:clrMapOvr>
-    <a:masterClrMapping/>
-  </p:clrMapOvr>
+  <p:timing>
+    <p:tnLst>
+      <p:par>
+        <p:cTn id="1" dur="indefinite" restart="never" nodeType="tmRoot"/>
+      </p:par>
+    </p:tnLst>
+  </p:timing>
 </p:sld>
 </file>
 
@@ -6784,8 +6863,12 @@
           <a:lstStyle/>
           <a:p>
             <a:r>
+              <a:rPr lang="ko-KR" altLang="en-US" dirty="0"/>
+              <a:t>카테고리 </a:t>
+            </a:r>
+            <a:r>
               <a:rPr lang="ko-KR" altLang="en-US" dirty="0" smtClean="0"/>
-              <a:t>팝업 띄우기</a:t>
+              <a:t>추가</a:t>
             </a:r>
             <a:endParaRPr lang="ko-KR" altLang="en-US" dirty="0"/>
           </a:p>
@@ -6793,7 +6876,7 @@
       </p:sp>
       <p:pic>
         <p:nvPicPr>
-          <p:cNvPr id="6146" name="Picture 2"/>
+          <p:cNvPr id="4098" name="Picture 2"/>
           <p:cNvPicPr>
             <a:picLocks noChangeAspect="1" noChangeArrowheads="1"/>
           </p:cNvPicPr>
@@ -6814,8 +6897,8 @@
         </p:blipFill>
         <p:spPr bwMode="auto">
           <a:xfrm>
-            <a:off x="2564686" y="1340768"/>
-            <a:ext cx="4329846" cy="2274738"/>
+            <a:off x="2278230" y="4221088"/>
+            <a:ext cx="4659548" cy="2481522"/>
           </a:xfrm>
           <a:prstGeom prst="rect">
             <a:avLst/>
@@ -6857,7 +6940,7 @@
       </p:pic>
       <p:pic>
         <p:nvPicPr>
-          <p:cNvPr id="6147" name="Picture 3"/>
+          <p:cNvPr id="4099" name="Picture 3"/>
           <p:cNvPicPr>
             <a:picLocks noChangeAspect="1" noChangeArrowheads="1"/>
           </p:cNvPicPr>
@@ -6878,8 +6961,8 @@
         </p:blipFill>
         <p:spPr bwMode="auto">
           <a:xfrm>
-            <a:off x="1475655" y="4221088"/>
-            <a:ext cx="6507907" cy="1224136"/>
+            <a:off x="2267744" y="1196752"/>
+            <a:ext cx="4680520" cy="736749"/>
           </a:xfrm>
           <a:prstGeom prst="rect">
             <a:avLst/>
@@ -6919,16 +7002,87 @@
           </a:extLst>
         </p:spPr>
       </p:pic>
+      <p:pic>
+        <p:nvPicPr>
+          <p:cNvPr id="4100" name="Picture 4"/>
+          <p:cNvPicPr>
+            <a:picLocks noChangeAspect="1" noChangeArrowheads="1"/>
+          </p:cNvPicPr>
+          <p:nvPr/>
+        </p:nvPicPr>
+        <p:blipFill>
+          <a:blip r:embed="rId4">
+            <a:extLst>
+              <a:ext uri="{28A0092B-C50C-407E-A947-70E740481C1C}">
+                <a14:useLocalDpi xmlns:a14="http://schemas.microsoft.com/office/drawing/2010/main" val="0"/>
+              </a:ext>
+            </a:extLst>
+          </a:blip>
+          <a:srcRect/>
+          <a:stretch>
+            <a:fillRect/>
+          </a:stretch>
+        </p:blipFill>
+        <p:spPr bwMode="auto">
+          <a:xfrm>
+            <a:off x="2278230" y="2352440"/>
+            <a:ext cx="4659548" cy="1465925"/>
+          </a:xfrm>
+          <a:prstGeom prst="rect">
+            <a:avLst/>
+          </a:prstGeom>
+          <a:noFill/>
+          <a:ln>
+            <a:noFill/>
+          </a:ln>
+          <a:effectLst/>
+          <a:extLst>
+            <a:ext uri="{909E8E84-426E-40DD-AFC4-6F175D3DCCD1}">
+              <a14:hiddenFill xmlns:a14="http://schemas.microsoft.com/office/drawing/2010/main">
+                <a:solidFill>
+                  <a:schemeClr val="accent1"/>
+                </a:solidFill>
+              </a14:hiddenFill>
+            </a:ext>
+            <a:ext uri="{91240B29-F687-4F45-9708-019B960494DF}">
+              <a14:hiddenLine xmlns:a14="http://schemas.microsoft.com/office/drawing/2010/main" w="9525">
+                <a:solidFill>
+                  <a:schemeClr val="tx1"/>
+                </a:solidFill>
+                <a:miter lim="800000"/>
+                <a:headEnd/>
+                <a:tailEnd/>
+              </a14:hiddenLine>
+            </a:ext>
+            <a:ext uri="{AF507438-7753-43E0-B8FC-AC1667EBCBE1}">
+              <a14:hiddenEffects xmlns:a14="http://schemas.microsoft.com/office/drawing/2010/main">
+                <a:effectLst>
+                  <a:outerShdw dist="35921" dir="2700000" algn="ctr" rotWithShape="0">
+                    <a:schemeClr val="bg2"/>
+                  </a:outerShdw>
+                </a:effectLst>
+              </a14:hiddenEffects>
+            </a:ext>
+          </a:extLst>
+        </p:spPr>
+      </p:pic>
     </p:spTree>
     <p:extLst>
       <p:ext uri="{BB962C8B-B14F-4D97-AF65-F5344CB8AC3E}">
-        <p14:creationId xmlns:p14="http://schemas.microsoft.com/office/powerpoint/2010/main" val="2870672031"/>
+        <p14:creationId xmlns:p14="http://schemas.microsoft.com/office/powerpoint/2010/main" val="3705997643"/>
       </p:ext>
     </p:extLst>
   </p:cSld>
   <p:clrMapOvr>
     <a:masterClrMapping/>
   </p:clrMapOvr>
+  <p:timing>
+    <p:tnLst>
+      <p:par>
+        <p:cTn id="1" dur="indefinite" restart="never" nodeType="tmRoot"/>
+      </p:par>
+    </p:tnLst>
+  </p:timing>
 </p:sld>
 </file>
 
@@ -6965,8 +7119,12 @@
           <a:lstStyle/>
           <a:p>
             <a:r>
+              <a:rPr lang="ko-KR" altLang="en-US" dirty="0"/>
+              <a:t>카테고리 </a:t>
+            </a:r>
+            <a:r>
               <a:rPr lang="ko-KR" altLang="en-US" dirty="0" smtClean="0"/>
-              <a:t>카테고리 제거</a:t>
+              <a:t>추가</a:t>
             </a:r>
             <a:endParaRPr lang="ko-KR" altLang="en-US" dirty="0"/>
           </a:p>
@@ -6974,7 +7132,7 @@
       </p:sp>
       <p:pic>
         <p:nvPicPr>
-          <p:cNvPr id="7170" name="Picture 2"/>
+          <p:cNvPr id="3074" name="Picture 2"/>
           <p:cNvPicPr>
             <a:picLocks noChangeAspect="1" noChangeArrowheads="1"/>
           </p:cNvPicPr>
@@ -6995,8 +7153,8 @@
         </p:blipFill>
         <p:spPr bwMode="auto">
           <a:xfrm>
-            <a:off x="1306134" y="1236936"/>
-            <a:ext cx="6531733" cy="2120056"/>
+            <a:off x="971600" y="1260414"/>
+            <a:ext cx="7115395" cy="1880554"/>
           </a:xfrm>
           <a:prstGeom prst="rect">
             <a:avLst/>
@@ -7036,84 +7194,87 @@
           </a:extLst>
         </p:spPr>
       </p:pic>
-      <p:sp>
-        <p:nvSpPr>
-          <p:cNvPr id="4" name="TextBox 3"/>
-          <p:cNvSpPr txBox="1"/>
+      <p:pic>
+        <p:nvPicPr>
+          <p:cNvPr id="3075" name="Picture 3"/>
+          <p:cNvPicPr>
+            <a:picLocks noChangeAspect="1" noChangeArrowheads="1"/>
+          </p:cNvPicPr>
           <p:nvPr/>
-        </p:nvSpPr>
-        <p:spPr>
+        </p:nvPicPr>
+        <p:blipFill>
+          <a:blip r:embed="rId3">
+            <a:extLst>
+              <a:ext uri="{28A0092B-C50C-407E-A947-70E740481C1C}">
+                <a14:useLocalDpi xmlns:a14="http://schemas.microsoft.com/office/drawing/2010/main" val="0"/>
+              </a:ext>
+            </a:extLst>
+          </a:blip>
+          <a:srcRect/>
+          <a:stretch>
+            <a:fillRect/>
+          </a:stretch>
+        </p:blipFill>
+        <p:spPr bwMode="auto">
           <a:xfrm>
-            <a:off x="1308126" y="3995772"/>
-            <a:ext cx="6527749" cy="923330"/>
+            <a:off x="971599" y="3717032"/>
+            <a:ext cx="7115395" cy="2307220"/>
           </a:xfrm>
           <a:prstGeom prst="rect">
             <a:avLst/>
           </a:prstGeom>
           <a:noFill/>
+          <a:ln>
+            <a:noFill/>
+          </a:ln>
+          <a:effectLst/>
+          <a:extLst>
+            <a:ext uri="{909E8E84-426E-40DD-AFC4-6F175D3DCCD1}">
+              <a14:hiddenFill xmlns:a14="http://schemas.microsoft.com/office/drawing/2010/main">
+                <a:solidFill>
+                  <a:schemeClr val="accent1"/>
+                </a:solidFill>
+              </a14:hiddenFill>
+            </a:ext>
+            <a:ext uri="{91240B29-F687-4F45-9708-019B960494DF}">
+              <a14:hiddenLine xmlns:a14="http://schemas.microsoft.com/office/drawing/2010/main" w="9525">
+                <a:solidFill>
+                  <a:schemeClr val="tx1"/>
+                </a:solidFill>
+                <a:miter lim="800000"/>
+                <a:headEnd/>
+                <a:tailEnd/>
+              </a14:hiddenLine>
+            </a:ext>
+            <a:ext uri="{AF507438-7753-43E0-B8FC-AC1667EBCBE1}">
+              <a14:hiddenEffects xmlns:a14="http://schemas.microsoft.com/office/drawing/2010/main">
+                <a:effectLst>
+                  <a:outerShdw dist="35921" dir="2700000" algn="ctr" rotWithShape="0">
+                    <a:schemeClr val="bg2"/>
+                  </a:outerShdw>
+                </a:effectLst>
+              </a14:hiddenEffects>
+            </a:ext>
+          </a:extLst>
         </p:spPr>
-        <p:txBody>
-          <a:bodyPr wrap="none" rtlCol="0">
-            <a:spAutoFit/>
-          </a:bodyPr>
-          <a:lstStyle/>
-          <a:p>
-            <a:r>
-              <a:rPr lang="ko-KR" altLang="en-US" dirty="0" smtClean="0"/>
-              <a:t>최상위 카테고리 값만 지워져서 하위 카테고리 값은 남아있음</a:t>
-            </a:r>
-            <a:endParaRPr lang="en-US" altLang="ko-KR" dirty="0" smtClean="0"/>
-          </a:p>
-          <a:p>
-            <a:endParaRPr lang="en-US" altLang="ko-KR" dirty="0"/>
-          </a:p>
-          <a:p>
-            <a:r>
-              <a:rPr lang="en-US" altLang="ko-KR" dirty="0" smtClean="0"/>
-              <a:t>Key</a:t>
-            </a:r>
-            <a:r>
-              <a:rPr lang="ko-KR" altLang="en-US" dirty="0" smtClean="0"/>
-              <a:t>값의 고유한 </a:t>
-            </a:r>
-            <a:r>
-              <a:rPr lang="en-US" altLang="ko-KR" dirty="0" smtClean="0"/>
-              <a:t>id(</a:t>
-            </a:r>
-            <a:r>
-              <a:rPr lang="ko-KR" altLang="en-US" dirty="0" smtClean="0"/>
-              <a:t>숫자</a:t>
-            </a:r>
-            <a:r>
-              <a:rPr lang="en-US" altLang="ko-KR" dirty="0" smtClean="0"/>
-              <a:t>)</a:t>
-            </a:r>
-            <a:r>
-              <a:rPr lang="ko-KR" altLang="en-US" dirty="0" smtClean="0"/>
-              <a:t>가 </a:t>
-            </a:r>
-            <a:r>
-              <a:rPr lang="en-US" altLang="ko-KR" dirty="0" smtClean="0"/>
-              <a:t>2</a:t>
-            </a:r>
-            <a:r>
-              <a:rPr lang="ko-KR" altLang="en-US" dirty="0" smtClean="0"/>
-              <a:t>자릿수 이상일 때 지울 수 없음</a:t>
-            </a:r>
-            <a:endParaRPr lang="ko-KR" altLang="en-US" dirty="0"/>
-          </a:p>
-        </p:txBody>
-      </p:sp>
+      </p:pic>
     </p:spTree>
     <p:extLst>
       <p:ext uri="{BB962C8B-B14F-4D97-AF65-F5344CB8AC3E}">
-        <p14:creationId xmlns:p14="http://schemas.microsoft.com/office/powerpoint/2010/main" val="371692407"/>
+        <p14:creationId xmlns:p14="http://schemas.microsoft.com/office/powerpoint/2010/main" val="1893804703"/>
       </p:ext>
     </p:extLst>
   </p:cSld>
   <p:clrMapOvr>
     <a:masterClrMapping/>
   </p:clrMapOvr>
+  <p:timing>
+    <p:tnLst>
+      <p:par>
+        <p:cTn id="1" dur="indefinite" restart="never" nodeType="tmRoot"/>
+      </p:par>
+    </p:tnLst>
+  </p:timing>
 </p:sld>
 </file>
 
@@ -7146,77 +7307,1534 @@
         </p:nvSpPr>
         <p:spPr/>
         <p:txBody>
-          <a:bodyPr>
-            <a:normAutofit/>
-          </a:bodyPr>
+          <a:bodyPr/>
           <a:lstStyle/>
           <a:p>
             <a:r>
               <a:rPr lang="ko-KR" altLang="en-US" dirty="0" smtClean="0"/>
-              <a:t>부족한 점</a:t>
-            </a:r>
-            <a:endParaRPr lang="ko-KR" altLang="en-US" dirty="0"/>
+              <a:t>카테고리 </a:t>
+            </a:r>
+            <a:r>
+              <a:rPr lang="ko-KR" altLang="en-US" dirty="0"/>
+              <a:t>추가</a:t>
+            </a:r>
           </a:p>
         </p:txBody>
       </p:sp>
-      <p:sp>
-        <p:nvSpPr>
-          <p:cNvPr id="3" name="TextBox 2"/>
-          <p:cNvSpPr txBox="1"/>
+      <p:pic>
+        <p:nvPicPr>
+          <p:cNvPr id="5122" name="Picture 2"/>
+          <p:cNvPicPr>
+            <a:picLocks noChangeAspect="1" noChangeArrowheads="1"/>
+          </p:cNvPicPr>
           <p:nvPr/>
-        </p:nvSpPr>
-        <p:spPr>
+        </p:nvPicPr>
+        <p:blipFill>
+          <a:blip r:embed="rId2">
+            <a:extLst>
+              <a:ext uri="{28A0092B-C50C-407E-A947-70E740481C1C}">
+                <a14:useLocalDpi xmlns:a14="http://schemas.microsoft.com/office/drawing/2010/main" val="0"/>
+              </a:ext>
+            </a:extLst>
+          </a:blip>
+          <a:srcRect/>
+          <a:stretch>
+            <a:fillRect/>
+          </a:stretch>
+        </p:blipFill>
+        <p:spPr bwMode="auto">
           <a:xfrm>
-            <a:off x="971600" y="1340768"/>
-            <a:ext cx="7920880" cy="646331"/>
+            <a:off x="1884989" y="3429000"/>
+            <a:ext cx="5374022" cy="1455787"/>
           </a:xfrm>
           <a:prstGeom prst="rect">
             <a:avLst/>
           </a:prstGeom>
           <a:noFill/>
+          <a:ln>
+            <a:noFill/>
+          </a:ln>
+          <a:effectLst/>
+          <a:extLst>
+            <a:ext uri="{909E8E84-426E-40DD-AFC4-6F175D3DCCD1}">
+              <a14:hiddenFill xmlns:a14="http://schemas.microsoft.com/office/drawing/2010/main">
+                <a:solidFill>
+                  <a:schemeClr val="accent1"/>
+                </a:solidFill>
+              </a14:hiddenFill>
+            </a:ext>
+            <a:ext uri="{91240B29-F687-4F45-9708-019B960494DF}">
+              <a14:hiddenLine xmlns:a14="http://schemas.microsoft.com/office/drawing/2010/main" w="9525">
+                <a:solidFill>
+                  <a:schemeClr val="tx1"/>
+                </a:solidFill>
+                <a:miter lim="800000"/>
+                <a:headEnd/>
+                <a:tailEnd/>
+              </a14:hiddenLine>
+            </a:ext>
+            <a:ext uri="{AF507438-7753-43E0-B8FC-AC1667EBCBE1}">
+              <a14:hiddenEffects xmlns:a14="http://schemas.microsoft.com/office/drawing/2010/main">
+                <a:effectLst>
+                  <a:outerShdw dist="35921" dir="2700000" algn="ctr" rotWithShape="0">
+                    <a:schemeClr val="bg2"/>
+                  </a:outerShdw>
+                </a:effectLst>
+              </a14:hiddenEffects>
+            </a:ext>
+          </a:extLst>
         </p:spPr>
-        <p:txBody>
-          <a:bodyPr wrap="square" rtlCol="0">
-            <a:spAutoFit/>
-          </a:bodyPr>
-          <a:lstStyle/>
-          <a:p>
-            <a:pPr marL="342900" indent="-342900">
-              <a:buAutoNum type="arabicPeriod"/>
-            </a:pPr>
-            <a:r>
-              <a:rPr lang="en-US" altLang="ko-KR" dirty="0" smtClean="0"/>
-              <a:t>DB</a:t>
-            </a:r>
-            <a:r>
-              <a:rPr lang="ko-KR" altLang="en-US" dirty="0" smtClean="0"/>
-              <a:t>관리 아쉬움</a:t>
-            </a:r>
-            <a:endParaRPr lang="en-US" altLang="ko-KR" dirty="0" smtClean="0"/>
-          </a:p>
-          <a:p>
-            <a:r>
-              <a:rPr lang="en-US" altLang="ko-KR" dirty="0"/>
-              <a:t> </a:t>
-            </a:r>
-            <a:r>
-              <a:rPr lang="en-US" altLang="ko-KR" dirty="0" smtClean="0"/>
-              <a:t>    - </a:t>
-            </a:r>
-            <a:endParaRPr lang="en-US" altLang="ko-KR" dirty="0"/>
-          </a:p>
-        </p:txBody>
-      </p:sp>
+      </p:pic>
+      <p:pic>
+        <p:nvPicPr>
+          <p:cNvPr id="5123" name="Picture 3"/>
+          <p:cNvPicPr>
+            <a:picLocks noChangeAspect="1" noChangeArrowheads="1"/>
+          </p:cNvPicPr>
+          <p:nvPr/>
+        </p:nvPicPr>
+        <p:blipFill>
+          <a:blip r:embed="rId3">
+            <a:extLst>
+              <a:ext uri="{28A0092B-C50C-407E-A947-70E740481C1C}">
+                <a14:useLocalDpi xmlns:a14="http://schemas.microsoft.com/office/drawing/2010/main" val="0"/>
+              </a:ext>
+            </a:extLst>
+          </a:blip>
+          <a:srcRect/>
+          <a:stretch>
+            <a:fillRect/>
+          </a:stretch>
+        </p:blipFill>
+        <p:spPr bwMode="auto">
+          <a:xfrm>
+            <a:off x="1884988" y="2276871"/>
+            <a:ext cx="5374023" cy="719059"/>
+          </a:xfrm>
+          <a:prstGeom prst="rect">
+            <a:avLst/>
+          </a:prstGeom>
+          <a:noFill/>
+          <a:ln>
+            <a:noFill/>
+          </a:ln>
+          <a:effectLst/>
+          <a:extLst>
+            <a:ext uri="{909E8E84-426E-40DD-AFC4-6F175D3DCCD1}">
+              <a14:hiddenFill xmlns:a14="http://schemas.microsoft.com/office/drawing/2010/main">
+                <a:solidFill>
+                  <a:schemeClr val="accent1"/>
+                </a:solidFill>
+              </a14:hiddenFill>
+            </a:ext>
+            <a:ext uri="{91240B29-F687-4F45-9708-019B960494DF}">
+              <a14:hiddenLine xmlns:a14="http://schemas.microsoft.com/office/drawing/2010/main" w="9525">
+                <a:solidFill>
+                  <a:schemeClr val="tx1"/>
+                </a:solidFill>
+                <a:miter lim="800000"/>
+                <a:headEnd/>
+                <a:tailEnd/>
+              </a14:hiddenLine>
+            </a:ext>
+            <a:ext uri="{AF507438-7753-43E0-B8FC-AC1667EBCBE1}">
+              <a14:hiddenEffects xmlns:a14="http://schemas.microsoft.com/office/drawing/2010/main">
+                <a:effectLst>
+                  <a:outerShdw dist="35921" dir="2700000" algn="ctr" rotWithShape="0">
+                    <a:schemeClr val="bg2"/>
+                  </a:outerShdw>
+                </a:effectLst>
+              </a14:hiddenEffects>
+            </a:ext>
+          </a:extLst>
+        </p:spPr>
+      </p:pic>
     </p:spTree>
     <p:extLst>
       <p:ext uri="{BB962C8B-B14F-4D97-AF65-F5344CB8AC3E}">
-        <p14:creationId xmlns:p14="http://schemas.microsoft.com/office/powerpoint/2010/main" val="3575748135"/>
+        <p14:creationId xmlns:p14="http://schemas.microsoft.com/office/powerpoint/2010/main" val="214818720"/>
       </p:ext>
     </p:extLst>
   </p:cSld>
   <p:clrMapOvr>
     <a:masterClrMapping/>
   </p:clrMapOvr>
+  <p:timing>
+    <p:tnLst>
+      <p:par>
+        <p:cTn id="1" dur="indefinite" restart="never" nodeType="tmRoot"/>
+      </p:par>
+    </p:tnLst>
+  </p:timing>
+</p:sld>
+</file>
+
+<file path=ppt/slides/slide33.xml><?xml version="1.0" encoding="utf-8"?>
+<p:sld xmlns:a="http://schemas.openxmlformats.org/drawingml/2006/main" xmlns:r="http://schemas.openxmlformats.org/officeDocument/2006/relationships" xmlns:p="http://schemas.openxmlformats.org/presentationml/2006/main">
+  <p:cSld>
+    <p:spTree>
+      <p:nvGrpSpPr>
+        <p:cNvPr id="1" name=""/>
+        <p:cNvGrpSpPr/>
+        <p:nvPr/>
+      </p:nvGrpSpPr>
+      <p:grpSpPr>
+        <a:xfrm>
+          <a:off x="0" y="0"/>
+          <a:ext cx="0" cy="0"/>
+          <a:chOff x="0" y="0"/>
+          <a:chExt cx="0" cy="0"/>
+        </a:xfrm>
+      </p:grpSpPr>
+      <p:sp>
+        <p:nvSpPr>
+          <p:cNvPr id="2" name="제목 1"/>
+          <p:cNvSpPr>
+            <a:spLocks noGrp="1"/>
+          </p:cNvSpPr>
+          <p:nvPr>
+            <p:ph type="title"/>
+          </p:nvPr>
+        </p:nvSpPr>
+        <p:spPr/>
+        <p:txBody>
+          <a:bodyPr/>
+          <a:lstStyle/>
+          <a:p>
+            <a:r>
+              <a:rPr lang="ko-KR" altLang="en-US" dirty="0" smtClean="0"/>
+              <a:t>팝업 띄우기</a:t>
+            </a:r>
+            <a:endParaRPr lang="ko-KR" altLang="en-US" dirty="0"/>
+          </a:p>
+        </p:txBody>
+      </p:sp>
+      <p:pic>
+        <p:nvPicPr>
+          <p:cNvPr id="3" name="Picture 2"/>
+          <p:cNvPicPr>
+            <a:picLocks noChangeAspect="1" noChangeArrowheads="1"/>
+          </p:cNvPicPr>
+          <p:nvPr/>
+        </p:nvPicPr>
+        <p:blipFill>
+          <a:blip r:embed="rId2">
+            <a:extLst>
+              <a:ext uri="{28A0092B-C50C-407E-A947-70E740481C1C}">
+                <a14:useLocalDpi xmlns:a14="http://schemas.microsoft.com/office/drawing/2010/main" val="0"/>
+              </a:ext>
+            </a:extLst>
+          </a:blip>
+          <a:srcRect/>
+          <a:stretch>
+            <a:fillRect/>
+          </a:stretch>
+        </p:blipFill>
+        <p:spPr bwMode="auto">
+          <a:xfrm>
+            <a:off x="2614612" y="1484784"/>
+            <a:ext cx="3914775" cy="1790700"/>
+          </a:xfrm>
+          <a:prstGeom prst="rect">
+            <a:avLst/>
+          </a:prstGeom>
+          <a:noFill/>
+          <a:ln>
+            <a:noFill/>
+          </a:ln>
+          <a:extLst>
+            <a:ext uri="{909E8E84-426E-40DD-AFC4-6F175D3DCCD1}">
+              <a14:hiddenFill xmlns:a14="http://schemas.microsoft.com/office/drawing/2010/main">
+                <a:solidFill>
+                  <a:schemeClr val="accent1"/>
+                </a:solidFill>
+              </a14:hiddenFill>
+            </a:ext>
+            <a:ext uri="{91240B29-F687-4F45-9708-019B960494DF}">
+              <a14:hiddenLine xmlns:a14="http://schemas.microsoft.com/office/drawing/2010/main" w="9525">
+                <a:solidFill>
+                  <a:schemeClr val="tx1"/>
+                </a:solidFill>
+                <a:miter lim="800000"/>
+                <a:headEnd/>
+                <a:tailEnd/>
+              </a14:hiddenLine>
+            </a:ext>
+          </a:extLst>
+        </p:spPr>
+      </p:pic>
+      <p:pic>
+        <p:nvPicPr>
+          <p:cNvPr id="4" name="Picture 3"/>
+          <p:cNvPicPr>
+            <a:picLocks noChangeAspect="1" noChangeArrowheads="1"/>
+          </p:cNvPicPr>
+          <p:nvPr/>
+        </p:nvPicPr>
+        <p:blipFill>
+          <a:blip r:embed="rId3">
+            <a:extLst>
+              <a:ext uri="{28A0092B-C50C-407E-A947-70E740481C1C}">
+                <a14:useLocalDpi xmlns:a14="http://schemas.microsoft.com/office/drawing/2010/main" val="0"/>
+              </a:ext>
+            </a:extLst>
+          </a:blip>
+          <a:srcRect/>
+          <a:stretch>
+            <a:fillRect/>
+          </a:stretch>
+        </p:blipFill>
+        <p:spPr bwMode="auto">
+          <a:xfrm>
+            <a:off x="828675" y="4045049"/>
+            <a:ext cx="7486650" cy="1400175"/>
+          </a:xfrm>
+          <a:prstGeom prst="rect">
+            <a:avLst/>
+          </a:prstGeom>
+          <a:noFill/>
+          <a:ln>
+            <a:noFill/>
+          </a:ln>
+          <a:extLst>
+            <a:ext uri="{909E8E84-426E-40DD-AFC4-6F175D3DCCD1}">
+              <a14:hiddenFill xmlns:a14="http://schemas.microsoft.com/office/drawing/2010/main">
+                <a:solidFill>
+                  <a:schemeClr val="accent1"/>
+                </a:solidFill>
+              </a14:hiddenFill>
+            </a:ext>
+            <a:ext uri="{91240B29-F687-4F45-9708-019B960494DF}">
+              <a14:hiddenLine xmlns:a14="http://schemas.microsoft.com/office/drawing/2010/main" w="9525">
+                <a:solidFill>
+                  <a:schemeClr val="tx1"/>
+                </a:solidFill>
+                <a:miter lim="800000"/>
+                <a:headEnd/>
+                <a:tailEnd/>
+              </a14:hiddenLine>
+            </a:ext>
+          </a:extLst>
+        </p:spPr>
+      </p:pic>
+    </p:spTree>
+    <p:extLst>
+      <p:ext uri="{BB962C8B-B14F-4D97-AF65-F5344CB8AC3E}">
+        <p14:creationId xmlns:p14="http://schemas.microsoft.com/office/powerpoint/2010/main" val="2870672031"/>
+      </p:ext>
+    </p:extLst>
+  </p:cSld>
+  <p:clrMapOvr>
+    <a:masterClrMapping/>
+  </p:clrMapOvr>
+  <p:timing>
+    <p:tnLst>
+      <p:par>
+        <p:cTn id="1" dur="indefinite" restart="never" nodeType="tmRoot"/>
+      </p:par>
+    </p:tnLst>
+  </p:timing>
+</p:sld>
+</file>
+
+<file path=ppt/slides/slide34.xml><?xml version="1.0" encoding="utf-8"?>
+<p:sld xmlns:a="http://schemas.openxmlformats.org/drawingml/2006/main" xmlns:r="http://schemas.openxmlformats.org/officeDocument/2006/relationships" xmlns:p="http://schemas.openxmlformats.org/presentationml/2006/main">
+  <p:cSld>
+    <p:spTree>
+      <p:nvGrpSpPr>
+        <p:cNvPr id="1" name=""/>
+        <p:cNvGrpSpPr/>
+        <p:nvPr/>
+      </p:nvGrpSpPr>
+      <p:grpSpPr>
+        <a:xfrm>
+          <a:off x="0" y="0"/>
+          <a:ext cx="0" cy="0"/>
+          <a:chOff x="0" y="0"/>
+          <a:chExt cx="0" cy="0"/>
+        </a:xfrm>
+      </p:grpSpPr>
+      <p:sp>
+        <p:nvSpPr>
+          <p:cNvPr id="2" name="제목 1"/>
+          <p:cNvSpPr>
+            <a:spLocks noGrp="1"/>
+          </p:cNvSpPr>
+          <p:nvPr>
+            <p:ph type="title"/>
+          </p:nvPr>
+        </p:nvSpPr>
+        <p:spPr/>
+        <p:txBody>
+          <a:bodyPr/>
+          <a:lstStyle/>
+          <a:p>
+            <a:r>
+              <a:rPr lang="ko-KR" altLang="en-US" dirty="0" smtClean="0"/>
+              <a:t>카테고리 제거</a:t>
+            </a:r>
+            <a:endParaRPr lang="ko-KR" altLang="en-US" dirty="0"/>
+          </a:p>
+        </p:txBody>
+      </p:sp>
+      <p:pic>
+        <p:nvPicPr>
+          <p:cNvPr id="5122" name="Picture 2"/>
+          <p:cNvPicPr>
+            <a:picLocks noChangeAspect="1" noChangeArrowheads="1"/>
+          </p:cNvPicPr>
+          <p:nvPr/>
+        </p:nvPicPr>
+        <p:blipFill>
+          <a:blip r:embed="rId2">
+            <a:extLst>
+              <a:ext uri="{28A0092B-C50C-407E-A947-70E740481C1C}">
+                <a14:useLocalDpi xmlns:a14="http://schemas.microsoft.com/office/drawing/2010/main" val="0"/>
+              </a:ext>
+            </a:extLst>
+          </a:blip>
+          <a:srcRect/>
+          <a:stretch>
+            <a:fillRect/>
+          </a:stretch>
+        </p:blipFill>
+        <p:spPr bwMode="auto">
+          <a:xfrm>
+            <a:off x="107504" y="980728"/>
+            <a:ext cx="7267575" cy="1733550"/>
+          </a:xfrm>
+          <a:prstGeom prst="rect">
+            <a:avLst/>
+          </a:prstGeom>
+          <a:noFill/>
+          <a:ln>
+            <a:noFill/>
+          </a:ln>
+          <a:extLst>
+            <a:ext uri="{909E8E84-426E-40DD-AFC4-6F175D3DCCD1}">
+              <a14:hiddenFill xmlns:a14="http://schemas.microsoft.com/office/drawing/2010/main">
+                <a:solidFill>
+                  <a:schemeClr val="accent1"/>
+                </a:solidFill>
+              </a14:hiddenFill>
+            </a:ext>
+            <a:ext uri="{91240B29-F687-4F45-9708-019B960494DF}">
+              <a14:hiddenLine xmlns:a14="http://schemas.microsoft.com/office/drawing/2010/main" w="9525">
+                <a:solidFill>
+                  <a:schemeClr val="tx1"/>
+                </a:solidFill>
+                <a:miter lim="800000"/>
+                <a:headEnd/>
+                <a:tailEnd/>
+              </a14:hiddenLine>
+            </a:ext>
+          </a:extLst>
+        </p:spPr>
+      </p:pic>
+      <p:pic>
+        <p:nvPicPr>
+          <p:cNvPr id="5123" name="Picture 3"/>
+          <p:cNvPicPr>
+            <a:picLocks noChangeAspect="1" noChangeArrowheads="1"/>
+          </p:cNvPicPr>
+          <p:nvPr/>
+        </p:nvPicPr>
+        <p:blipFill>
+          <a:blip r:embed="rId3">
+            <a:extLst>
+              <a:ext uri="{28A0092B-C50C-407E-A947-70E740481C1C}">
+                <a14:useLocalDpi xmlns:a14="http://schemas.microsoft.com/office/drawing/2010/main" val="0"/>
+              </a:ext>
+            </a:extLst>
+          </a:blip>
+          <a:srcRect/>
+          <a:stretch>
+            <a:fillRect/>
+          </a:stretch>
+        </p:blipFill>
+        <p:spPr bwMode="auto">
+          <a:xfrm>
+            <a:off x="1115616" y="2240727"/>
+            <a:ext cx="6381750" cy="2381250"/>
+          </a:xfrm>
+          <a:prstGeom prst="rect">
+            <a:avLst/>
+          </a:prstGeom>
+          <a:noFill/>
+          <a:ln>
+            <a:noFill/>
+          </a:ln>
+          <a:extLst>
+            <a:ext uri="{909E8E84-426E-40DD-AFC4-6F175D3DCCD1}">
+              <a14:hiddenFill xmlns:a14="http://schemas.microsoft.com/office/drawing/2010/main">
+                <a:solidFill>
+                  <a:schemeClr val="accent1"/>
+                </a:solidFill>
+              </a14:hiddenFill>
+            </a:ext>
+            <a:ext uri="{91240B29-F687-4F45-9708-019B960494DF}">
+              <a14:hiddenLine xmlns:a14="http://schemas.microsoft.com/office/drawing/2010/main" w="9525">
+                <a:solidFill>
+                  <a:schemeClr val="tx1"/>
+                </a:solidFill>
+                <a:miter lim="800000"/>
+                <a:headEnd/>
+                <a:tailEnd/>
+              </a14:hiddenLine>
+            </a:ext>
+          </a:extLst>
+        </p:spPr>
+      </p:pic>
+      <p:pic>
+        <p:nvPicPr>
+          <p:cNvPr id="5124" name="Picture 4"/>
+          <p:cNvPicPr>
+            <a:picLocks noChangeAspect="1" noChangeArrowheads="1"/>
+          </p:cNvPicPr>
+          <p:nvPr/>
+        </p:nvPicPr>
+        <p:blipFill>
+          <a:blip r:embed="rId4">
+            <a:extLst>
+              <a:ext uri="{28A0092B-C50C-407E-A947-70E740481C1C}">
+                <a14:useLocalDpi xmlns:a14="http://schemas.microsoft.com/office/drawing/2010/main" val="0"/>
+              </a:ext>
+            </a:extLst>
+          </a:blip>
+          <a:srcRect/>
+          <a:stretch>
+            <a:fillRect/>
+          </a:stretch>
+        </p:blipFill>
+        <p:spPr bwMode="auto">
+          <a:xfrm>
+            <a:off x="2267744" y="3861048"/>
+            <a:ext cx="6696075" cy="2857500"/>
+          </a:xfrm>
+          <a:prstGeom prst="rect">
+            <a:avLst/>
+          </a:prstGeom>
+          <a:noFill/>
+          <a:ln>
+            <a:noFill/>
+          </a:ln>
+          <a:extLst>
+            <a:ext uri="{909E8E84-426E-40DD-AFC4-6F175D3DCCD1}">
+              <a14:hiddenFill xmlns:a14="http://schemas.microsoft.com/office/drawing/2010/main">
+                <a:solidFill>
+                  <a:schemeClr val="accent1"/>
+                </a:solidFill>
+              </a14:hiddenFill>
+            </a:ext>
+            <a:ext uri="{91240B29-F687-4F45-9708-019B960494DF}">
+              <a14:hiddenLine xmlns:a14="http://schemas.microsoft.com/office/drawing/2010/main" w="9525">
+                <a:solidFill>
+                  <a:schemeClr val="tx1"/>
+                </a:solidFill>
+                <a:miter lim="800000"/>
+                <a:headEnd/>
+                <a:tailEnd/>
+              </a14:hiddenLine>
+            </a:ext>
+          </a:extLst>
+        </p:spPr>
+      </p:pic>
+    </p:spTree>
+    <p:extLst>
+      <p:ext uri="{BB962C8B-B14F-4D97-AF65-F5344CB8AC3E}">
+        <p14:creationId xmlns:p14="http://schemas.microsoft.com/office/powerpoint/2010/main" val="371692407"/>
+      </p:ext>
+    </p:extLst>
+  </p:cSld>
+  <p:clrMapOvr>
+    <a:masterClrMapping/>
+  </p:clrMapOvr>
+  <p:timing>
+    <p:tnLst>
+      <p:par>
+        <p:cTn id="1" dur="indefinite" restart="never" nodeType="tmRoot">
+          <p:childTnLst>
+            <p:seq concurrent="1" nextAc="seek">
+              <p:cTn id="2" dur="indefinite" nodeType="mainSeq">
+                <p:childTnLst>
+                  <p:par>
+                    <p:cTn id="3" fill="hold">
+                      <p:stCondLst>
+                        <p:cond delay="indefinite"/>
+                      </p:stCondLst>
+                      <p:childTnLst>
+                        <p:par>
+                          <p:cTn id="4" fill="hold">
+                            <p:stCondLst>
+                              <p:cond delay="0"/>
+                            </p:stCondLst>
+                            <p:childTnLst>
+                              <p:par>
+                                <p:cTn id="5" presetID="1" presetClass="entr" presetSubtype="0" fill="hold" nodeType="clickEffect">
+                                  <p:stCondLst>
+                                    <p:cond delay="0"/>
+                                  </p:stCondLst>
+                                  <p:childTnLst>
+                                    <p:set>
+                                      <p:cBhvr>
+                                        <p:cTn id="6" dur="1" fill="hold">
+                                          <p:stCondLst>
+                                            <p:cond delay="0"/>
+                                          </p:stCondLst>
+                                        </p:cTn>
+                                        <p:tgtEl>
+                                          <p:spTgt spid="5123"/>
+                                        </p:tgtEl>
+                                        <p:attrNameLst>
+                                          <p:attrName>style.visibility</p:attrName>
+                                        </p:attrNameLst>
+                                      </p:cBhvr>
+                                      <p:to>
+                                        <p:strVal val="visible"/>
+                                      </p:to>
+                                    </p:set>
+                                  </p:childTnLst>
+                                </p:cTn>
+                              </p:par>
+                            </p:childTnLst>
+                          </p:cTn>
+                        </p:par>
+                      </p:childTnLst>
+                    </p:cTn>
+                  </p:par>
+                  <p:par>
+                    <p:cTn id="7" fill="hold">
+                      <p:stCondLst>
+                        <p:cond delay="indefinite"/>
+                      </p:stCondLst>
+                      <p:childTnLst>
+                        <p:par>
+                          <p:cTn id="8" fill="hold">
+                            <p:stCondLst>
+                              <p:cond delay="0"/>
+                            </p:stCondLst>
+                            <p:childTnLst>
+                              <p:par>
+                                <p:cTn id="9" presetID="1" presetClass="entr" presetSubtype="0" fill="hold" nodeType="clickEffect">
+                                  <p:stCondLst>
+                                    <p:cond delay="0"/>
+                                  </p:stCondLst>
+                                  <p:childTnLst>
+                                    <p:set>
+                                      <p:cBhvr>
+                                        <p:cTn id="10" dur="1" fill="hold">
+                                          <p:stCondLst>
+                                            <p:cond delay="0"/>
+                                          </p:stCondLst>
+                                        </p:cTn>
+                                        <p:tgtEl>
+                                          <p:spTgt spid="5124"/>
+                                        </p:tgtEl>
+                                        <p:attrNameLst>
+                                          <p:attrName>style.visibility</p:attrName>
+                                        </p:attrNameLst>
+                                      </p:cBhvr>
+                                      <p:to>
+                                        <p:strVal val="visible"/>
+                                      </p:to>
+                                    </p:set>
+                                  </p:childTnLst>
+                                </p:cTn>
+                              </p:par>
+                            </p:childTnLst>
+                          </p:cTn>
+                        </p:par>
+                      </p:childTnLst>
+                    </p:cTn>
+                  </p:par>
+                </p:childTnLst>
+              </p:cTn>
+              <p:prevCondLst>
+                <p:cond evt="onPrev" delay="0">
+                  <p:tgtEl>
+                    <p:sldTgt/>
+                  </p:tgtEl>
+                </p:cond>
+              </p:prevCondLst>
+              <p:nextCondLst>
+                <p:cond evt="onNext" delay="0">
+                  <p:tgtEl>
+                    <p:sldTgt/>
+                  </p:tgtEl>
+                </p:cond>
+              </p:nextCondLst>
+            </p:seq>
+          </p:childTnLst>
+        </p:cTn>
+      </p:par>
+    </p:tnLst>
+  </p:timing>
+</p:sld>
+</file>
+
+<file path=ppt/slides/slide35.xml><?xml version="1.0" encoding="utf-8"?>
+<p:sld xmlns:a="http://schemas.openxmlformats.org/drawingml/2006/main" xmlns:r="http://schemas.openxmlformats.org/officeDocument/2006/relationships" xmlns:p="http://schemas.openxmlformats.org/presentationml/2006/main">
+  <p:cSld>
+    <p:spTree>
+      <p:nvGrpSpPr>
+        <p:cNvPr id="1" name=""/>
+        <p:cNvGrpSpPr/>
+        <p:nvPr/>
+      </p:nvGrpSpPr>
+      <p:grpSpPr>
+        <a:xfrm>
+          <a:off x="0" y="0"/>
+          <a:ext cx="0" cy="0"/>
+          <a:chOff x="0" y="0"/>
+          <a:chExt cx="0" cy="0"/>
+        </a:xfrm>
+      </p:grpSpPr>
+      <p:sp>
+        <p:nvSpPr>
+          <p:cNvPr id="2" name="제목 1"/>
+          <p:cNvSpPr>
+            <a:spLocks noGrp="1"/>
+          </p:cNvSpPr>
+          <p:nvPr>
+            <p:ph type="title"/>
+          </p:nvPr>
+        </p:nvSpPr>
+        <p:spPr/>
+        <p:txBody>
+          <a:bodyPr/>
+          <a:lstStyle/>
+          <a:p>
+            <a:r>
+              <a:rPr lang="ko-KR" altLang="en-US" dirty="0" smtClean="0"/>
+              <a:t>카테고리 이동</a:t>
+            </a:r>
+            <a:endParaRPr lang="ko-KR" altLang="en-US" dirty="0"/>
+          </a:p>
+        </p:txBody>
+      </p:sp>
+      <p:pic>
+        <p:nvPicPr>
+          <p:cNvPr id="7170" name="Picture 2"/>
+          <p:cNvPicPr>
+            <a:picLocks noChangeAspect="1" noChangeArrowheads="1"/>
+          </p:cNvPicPr>
+          <p:nvPr/>
+        </p:nvPicPr>
+        <p:blipFill>
+          <a:blip r:embed="rId2">
+            <a:extLst>
+              <a:ext uri="{28A0092B-C50C-407E-A947-70E740481C1C}">
+                <a14:useLocalDpi xmlns:a14="http://schemas.microsoft.com/office/drawing/2010/main" val="0"/>
+              </a:ext>
+            </a:extLst>
+          </a:blip>
+          <a:srcRect/>
+          <a:stretch>
+            <a:fillRect/>
+          </a:stretch>
+        </p:blipFill>
+        <p:spPr bwMode="auto">
+          <a:xfrm>
+            <a:off x="179512" y="1052736"/>
+            <a:ext cx="4762500" cy="2009775"/>
+          </a:xfrm>
+          <a:prstGeom prst="rect">
+            <a:avLst/>
+          </a:prstGeom>
+          <a:noFill/>
+          <a:ln>
+            <a:noFill/>
+          </a:ln>
+          <a:extLst>
+            <a:ext uri="{909E8E84-426E-40DD-AFC4-6F175D3DCCD1}">
+              <a14:hiddenFill xmlns:a14="http://schemas.microsoft.com/office/drawing/2010/main">
+                <a:solidFill>
+                  <a:schemeClr val="accent1"/>
+                </a:solidFill>
+              </a14:hiddenFill>
+            </a:ext>
+            <a:ext uri="{91240B29-F687-4F45-9708-019B960494DF}">
+              <a14:hiddenLine xmlns:a14="http://schemas.microsoft.com/office/drawing/2010/main" w="9525">
+                <a:solidFill>
+                  <a:schemeClr val="tx1"/>
+                </a:solidFill>
+                <a:miter lim="800000"/>
+                <a:headEnd/>
+                <a:tailEnd/>
+              </a14:hiddenLine>
+            </a:ext>
+          </a:extLst>
+        </p:spPr>
+      </p:pic>
+      <p:pic>
+        <p:nvPicPr>
+          <p:cNvPr id="7171" name="Picture 3"/>
+          <p:cNvPicPr>
+            <a:picLocks noChangeAspect="1" noChangeArrowheads="1"/>
+          </p:cNvPicPr>
+          <p:nvPr/>
+        </p:nvPicPr>
+        <p:blipFill>
+          <a:blip r:embed="rId3">
+            <a:extLst>
+              <a:ext uri="{28A0092B-C50C-407E-A947-70E740481C1C}">
+                <a14:useLocalDpi xmlns:a14="http://schemas.microsoft.com/office/drawing/2010/main" val="0"/>
+              </a:ext>
+            </a:extLst>
+          </a:blip>
+          <a:srcRect/>
+          <a:stretch>
+            <a:fillRect/>
+          </a:stretch>
+        </p:blipFill>
+        <p:spPr bwMode="auto">
+          <a:xfrm>
+            <a:off x="2560762" y="2492896"/>
+            <a:ext cx="6305550" cy="4200525"/>
+          </a:xfrm>
+          <a:prstGeom prst="rect">
+            <a:avLst/>
+          </a:prstGeom>
+          <a:noFill/>
+          <a:ln>
+            <a:noFill/>
+          </a:ln>
+          <a:extLst>
+            <a:ext uri="{909E8E84-426E-40DD-AFC4-6F175D3DCCD1}">
+              <a14:hiddenFill xmlns:a14="http://schemas.microsoft.com/office/drawing/2010/main">
+                <a:solidFill>
+                  <a:schemeClr val="accent1"/>
+                </a:solidFill>
+              </a14:hiddenFill>
+            </a:ext>
+            <a:ext uri="{91240B29-F687-4F45-9708-019B960494DF}">
+              <a14:hiddenLine xmlns:a14="http://schemas.microsoft.com/office/drawing/2010/main" w="9525">
+                <a:solidFill>
+                  <a:schemeClr val="tx1"/>
+                </a:solidFill>
+                <a:miter lim="800000"/>
+                <a:headEnd/>
+                <a:tailEnd/>
+              </a14:hiddenLine>
+            </a:ext>
+          </a:extLst>
+        </p:spPr>
+      </p:pic>
+    </p:spTree>
+    <p:extLst>
+      <p:ext uri="{BB962C8B-B14F-4D97-AF65-F5344CB8AC3E}">
+        <p14:creationId xmlns:p14="http://schemas.microsoft.com/office/powerpoint/2010/main" val="3384169332"/>
+      </p:ext>
+    </p:extLst>
+  </p:cSld>
+  <p:clrMapOvr>
+    <a:masterClrMapping/>
+  </p:clrMapOvr>
+  <p:timing>
+    <p:tnLst>
+      <p:par>
+        <p:cTn id="1" dur="indefinite" restart="never" nodeType="tmRoot">
+          <p:childTnLst>
+            <p:seq concurrent="1" nextAc="seek">
+              <p:cTn id="2" dur="indefinite" nodeType="mainSeq">
+                <p:childTnLst>
+                  <p:par>
+                    <p:cTn id="3" fill="hold">
+                      <p:stCondLst>
+                        <p:cond delay="indefinite"/>
+                      </p:stCondLst>
+                      <p:childTnLst>
+                        <p:par>
+                          <p:cTn id="4" fill="hold">
+                            <p:stCondLst>
+                              <p:cond delay="0"/>
+                            </p:stCondLst>
+                            <p:childTnLst>
+                              <p:par>
+                                <p:cTn id="5" presetID="1" presetClass="entr" presetSubtype="0" fill="hold" nodeType="clickEffect">
+                                  <p:stCondLst>
+                                    <p:cond delay="0"/>
+                                  </p:stCondLst>
+                                  <p:childTnLst>
+                                    <p:set>
+                                      <p:cBhvr>
+                                        <p:cTn id="6" dur="1" fill="hold">
+                                          <p:stCondLst>
+                                            <p:cond delay="0"/>
+                                          </p:stCondLst>
+                                        </p:cTn>
+                                        <p:tgtEl>
+                                          <p:spTgt spid="7171"/>
+                                        </p:tgtEl>
+                                        <p:attrNameLst>
+                                          <p:attrName>style.visibility</p:attrName>
+                                        </p:attrNameLst>
+                                      </p:cBhvr>
+                                      <p:to>
+                                        <p:strVal val="visible"/>
+                                      </p:to>
+                                    </p:set>
+                                  </p:childTnLst>
+                                </p:cTn>
+                              </p:par>
+                            </p:childTnLst>
+                          </p:cTn>
+                        </p:par>
+                      </p:childTnLst>
+                    </p:cTn>
+                  </p:par>
+                </p:childTnLst>
+              </p:cTn>
+              <p:prevCondLst>
+                <p:cond evt="onPrev" delay="0">
+                  <p:tgtEl>
+                    <p:sldTgt/>
+                  </p:tgtEl>
+                </p:cond>
+              </p:prevCondLst>
+              <p:nextCondLst>
+                <p:cond evt="onNext" delay="0">
+                  <p:tgtEl>
+                    <p:sldTgt/>
+                  </p:tgtEl>
+                </p:cond>
+              </p:nextCondLst>
+            </p:seq>
+          </p:childTnLst>
+        </p:cTn>
+      </p:par>
+    </p:tnLst>
+  </p:timing>
+</p:sld>
+</file>
+
+<file path=ppt/slides/slide36.xml><?xml version="1.0" encoding="utf-8"?>
+<p:sld xmlns:a="http://schemas.openxmlformats.org/drawingml/2006/main" xmlns:r="http://schemas.openxmlformats.org/officeDocument/2006/relationships" xmlns:p="http://schemas.openxmlformats.org/presentationml/2006/main">
+  <p:cSld>
+    <p:spTree>
+      <p:nvGrpSpPr>
+        <p:cNvPr id="1" name=""/>
+        <p:cNvGrpSpPr/>
+        <p:nvPr/>
+      </p:nvGrpSpPr>
+      <p:grpSpPr>
+        <a:xfrm>
+          <a:off x="0" y="0"/>
+          <a:ext cx="0" cy="0"/>
+          <a:chOff x="0" y="0"/>
+          <a:chExt cx="0" cy="0"/>
+        </a:xfrm>
+      </p:grpSpPr>
+      <p:sp>
+        <p:nvSpPr>
+          <p:cNvPr id="2" name="제목 1"/>
+          <p:cNvSpPr>
+            <a:spLocks noGrp="1"/>
+          </p:cNvSpPr>
+          <p:nvPr>
+            <p:ph type="title"/>
+          </p:nvPr>
+        </p:nvSpPr>
+        <p:spPr/>
+        <p:txBody>
+          <a:bodyPr/>
+          <a:lstStyle/>
+          <a:p>
+            <a:r>
+              <a:rPr lang="ko-KR" altLang="en-US" dirty="0" smtClean="0"/>
+              <a:t>카테고리 이동</a:t>
+            </a:r>
+            <a:endParaRPr lang="ko-KR" altLang="en-US" dirty="0"/>
+          </a:p>
+        </p:txBody>
+      </p:sp>
+      <p:pic>
+        <p:nvPicPr>
+          <p:cNvPr id="8194" name="Picture 2"/>
+          <p:cNvPicPr>
+            <a:picLocks noChangeAspect="1" noChangeArrowheads="1"/>
+          </p:cNvPicPr>
+          <p:nvPr/>
+        </p:nvPicPr>
+        <p:blipFill>
+          <a:blip r:embed="rId2">
+            <a:extLst>
+              <a:ext uri="{28A0092B-C50C-407E-A947-70E740481C1C}">
+                <a14:useLocalDpi xmlns:a14="http://schemas.microsoft.com/office/drawing/2010/main" val="0"/>
+              </a:ext>
+            </a:extLst>
+          </a:blip>
+          <a:srcRect/>
+          <a:stretch>
+            <a:fillRect/>
+          </a:stretch>
+        </p:blipFill>
+        <p:spPr bwMode="auto">
+          <a:xfrm>
+            <a:off x="1366838" y="1268760"/>
+            <a:ext cx="6410325" cy="5067300"/>
+          </a:xfrm>
+          <a:prstGeom prst="rect">
+            <a:avLst/>
+          </a:prstGeom>
+          <a:noFill/>
+          <a:ln>
+            <a:noFill/>
+          </a:ln>
+          <a:extLst>
+            <a:ext uri="{909E8E84-426E-40DD-AFC4-6F175D3DCCD1}">
+              <a14:hiddenFill xmlns:a14="http://schemas.microsoft.com/office/drawing/2010/main">
+                <a:solidFill>
+                  <a:schemeClr val="accent1"/>
+                </a:solidFill>
+              </a14:hiddenFill>
+            </a:ext>
+            <a:ext uri="{91240B29-F687-4F45-9708-019B960494DF}">
+              <a14:hiddenLine xmlns:a14="http://schemas.microsoft.com/office/drawing/2010/main" w="9525">
+                <a:solidFill>
+                  <a:schemeClr val="tx1"/>
+                </a:solidFill>
+                <a:miter lim="800000"/>
+                <a:headEnd/>
+                <a:tailEnd/>
+              </a14:hiddenLine>
+            </a:ext>
+          </a:extLst>
+        </p:spPr>
+      </p:pic>
+    </p:spTree>
+    <p:extLst>
+      <p:ext uri="{BB962C8B-B14F-4D97-AF65-F5344CB8AC3E}">
+        <p14:creationId xmlns:p14="http://schemas.microsoft.com/office/powerpoint/2010/main" val="986809077"/>
+      </p:ext>
+    </p:extLst>
+  </p:cSld>
+  <p:clrMapOvr>
+    <a:masterClrMapping/>
+  </p:clrMapOvr>
+  <p:timing>
+    <p:tnLst>
+      <p:par>
+        <p:cTn id="1" dur="indefinite" restart="never" nodeType="tmRoot"/>
+      </p:par>
+    </p:tnLst>
+  </p:timing>
+</p:sld>
+</file>
+
+<file path=ppt/slides/slide37.xml><?xml version="1.0" encoding="utf-8"?>
+<p:sld xmlns:a="http://schemas.openxmlformats.org/drawingml/2006/main" xmlns:r="http://schemas.openxmlformats.org/officeDocument/2006/relationships" xmlns:p="http://schemas.openxmlformats.org/presentationml/2006/main">
+  <p:cSld>
+    <p:spTree>
+      <p:nvGrpSpPr>
+        <p:cNvPr id="1" name=""/>
+        <p:cNvGrpSpPr/>
+        <p:nvPr/>
+      </p:nvGrpSpPr>
+      <p:grpSpPr>
+        <a:xfrm>
+          <a:off x="0" y="0"/>
+          <a:ext cx="0" cy="0"/>
+          <a:chOff x="0" y="0"/>
+          <a:chExt cx="0" cy="0"/>
+        </a:xfrm>
+      </p:grpSpPr>
+      <p:sp>
+        <p:nvSpPr>
+          <p:cNvPr id="2" name="제목 1"/>
+          <p:cNvSpPr>
+            <a:spLocks noGrp="1"/>
+          </p:cNvSpPr>
+          <p:nvPr>
+            <p:ph type="title"/>
+          </p:nvPr>
+        </p:nvSpPr>
+        <p:spPr/>
+        <p:txBody>
+          <a:bodyPr/>
+          <a:lstStyle/>
+          <a:p>
+            <a:r>
+              <a:rPr lang="ko-KR" altLang="en-US" dirty="0" smtClean="0"/>
+              <a:t>카테고리 수정</a:t>
+            </a:r>
+            <a:endParaRPr lang="ko-KR" altLang="en-US" dirty="0"/>
+          </a:p>
+        </p:txBody>
+      </p:sp>
+      <p:pic>
+        <p:nvPicPr>
+          <p:cNvPr id="9218" name="Picture 2"/>
+          <p:cNvPicPr>
+            <a:picLocks noChangeAspect="1" noChangeArrowheads="1"/>
+          </p:cNvPicPr>
+          <p:nvPr/>
+        </p:nvPicPr>
+        <p:blipFill>
+          <a:blip r:embed="rId2">
+            <a:extLst>
+              <a:ext uri="{28A0092B-C50C-407E-A947-70E740481C1C}">
+                <a14:useLocalDpi xmlns:a14="http://schemas.microsoft.com/office/drawing/2010/main" val="0"/>
+              </a:ext>
+            </a:extLst>
+          </a:blip>
+          <a:srcRect/>
+          <a:stretch>
+            <a:fillRect/>
+          </a:stretch>
+        </p:blipFill>
+        <p:spPr bwMode="auto">
+          <a:xfrm>
+            <a:off x="1258887" y="1619250"/>
+            <a:ext cx="6626226" cy="4402038"/>
+          </a:xfrm>
+          <a:prstGeom prst="rect">
+            <a:avLst/>
+          </a:prstGeom>
+          <a:noFill/>
+          <a:ln>
+            <a:noFill/>
+          </a:ln>
+          <a:extLst>
+            <a:ext uri="{909E8E84-426E-40DD-AFC4-6F175D3DCCD1}">
+              <a14:hiddenFill xmlns:a14="http://schemas.microsoft.com/office/drawing/2010/main">
+                <a:solidFill>
+                  <a:schemeClr val="accent1"/>
+                </a:solidFill>
+              </a14:hiddenFill>
+            </a:ext>
+            <a:ext uri="{91240B29-F687-4F45-9708-019B960494DF}">
+              <a14:hiddenLine xmlns:a14="http://schemas.microsoft.com/office/drawing/2010/main" w="9525">
+                <a:solidFill>
+                  <a:schemeClr val="tx1"/>
+                </a:solidFill>
+                <a:miter lim="800000"/>
+                <a:headEnd/>
+                <a:tailEnd/>
+              </a14:hiddenLine>
+            </a:ext>
+          </a:extLst>
+        </p:spPr>
+      </p:pic>
+    </p:spTree>
+    <p:extLst>
+      <p:ext uri="{BB962C8B-B14F-4D97-AF65-F5344CB8AC3E}">
+        <p14:creationId xmlns:p14="http://schemas.microsoft.com/office/powerpoint/2010/main" val="1357071731"/>
+      </p:ext>
+    </p:extLst>
+  </p:cSld>
+  <p:clrMapOvr>
+    <a:masterClrMapping/>
+  </p:clrMapOvr>
+  <p:timing>
+    <p:tnLst>
+      <p:par>
+        <p:cTn id="1" dur="indefinite" restart="never" nodeType="tmRoot"/>
+      </p:par>
+    </p:tnLst>
+  </p:timing>
+</p:sld>
+</file>
+
+<file path=ppt/slides/slide38.xml><?xml version="1.0" encoding="utf-8"?>
+<p:sld xmlns:a="http://schemas.openxmlformats.org/drawingml/2006/main" xmlns:r="http://schemas.openxmlformats.org/officeDocument/2006/relationships" xmlns:p="http://schemas.openxmlformats.org/presentationml/2006/main">
+  <p:cSld>
+    <p:spTree>
+      <p:nvGrpSpPr>
+        <p:cNvPr id="1" name=""/>
+        <p:cNvGrpSpPr/>
+        <p:nvPr/>
+      </p:nvGrpSpPr>
+      <p:grpSpPr>
+        <a:xfrm>
+          <a:off x="0" y="0"/>
+          <a:ext cx="0" cy="0"/>
+          <a:chOff x="0" y="0"/>
+          <a:chExt cx="0" cy="0"/>
+        </a:xfrm>
+      </p:grpSpPr>
+      <p:sp>
+        <p:nvSpPr>
+          <p:cNvPr id="2" name="제목 1"/>
+          <p:cNvSpPr>
+            <a:spLocks noGrp="1"/>
+          </p:cNvSpPr>
+          <p:nvPr>
+            <p:ph type="title"/>
+          </p:nvPr>
+        </p:nvSpPr>
+        <p:spPr/>
+        <p:txBody>
+          <a:bodyPr/>
+          <a:lstStyle/>
+          <a:p>
+            <a:r>
+              <a:rPr lang="ko-KR" altLang="en-US" dirty="0"/>
+              <a:t>카테고리 수정</a:t>
+            </a:r>
+          </a:p>
+        </p:txBody>
+      </p:sp>
+      <p:pic>
+        <p:nvPicPr>
+          <p:cNvPr id="10242" name="Picture 2"/>
+          <p:cNvPicPr>
+            <a:picLocks noChangeAspect="1" noChangeArrowheads="1"/>
+          </p:cNvPicPr>
+          <p:nvPr/>
+        </p:nvPicPr>
+        <p:blipFill>
+          <a:blip r:embed="rId2">
+            <a:extLst>
+              <a:ext uri="{28A0092B-C50C-407E-A947-70E740481C1C}">
+                <a14:useLocalDpi xmlns:a14="http://schemas.microsoft.com/office/drawing/2010/main" val="0"/>
+              </a:ext>
+            </a:extLst>
+          </a:blip>
+          <a:srcRect/>
+          <a:stretch>
+            <a:fillRect/>
+          </a:stretch>
+        </p:blipFill>
+        <p:spPr bwMode="auto">
+          <a:xfrm>
+            <a:off x="179512" y="1052736"/>
+            <a:ext cx="5667375" cy="3276600"/>
+          </a:xfrm>
+          <a:prstGeom prst="rect">
+            <a:avLst/>
+          </a:prstGeom>
+          <a:noFill/>
+          <a:ln>
+            <a:noFill/>
+          </a:ln>
+          <a:extLst>
+            <a:ext uri="{909E8E84-426E-40DD-AFC4-6F175D3DCCD1}">
+              <a14:hiddenFill xmlns:a14="http://schemas.microsoft.com/office/drawing/2010/main">
+                <a:solidFill>
+                  <a:schemeClr val="accent1"/>
+                </a:solidFill>
+              </a14:hiddenFill>
+            </a:ext>
+            <a:ext uri="{91240B29-F687-4F45-9708-019B960494DF}">
+              <a14:hiddenLine xmlns:a14="http://schemas.microsoft.com/office/drawing/2010/main" w="9525">
+                <a:solidFill>
+                  <a:schemeClr val="tx1"/>
+                </a:solidFill>
+                <a:miter lim="800000"/>
+                <a:headEnd/>
+                <a:tailEnd/>
+              </a14:hiddenLine>
+            </a:ext>
+          </a:extLst>
+        </p:spPr>
+      </p:pic>
+      <p:pic>
+        <p:nvPicPr>
+          <p:cNvPr id="10243" name="Picture 3"/>
+          <p:cNvPicPr>
+            <a:picLocks noChangeAspect="1" noChangeArrowheads="1"/>
+          </p:cNvPicPr>
+          <p:nvPr/>
+        </p:nvPicPr>
+        <p:blipFill>
+          <a:blip r:embed="rId3">
+            <a:extLst>
+              <a:ext uri="{28A0092B-C50C-407E-A947-70E740481C1C}">
+                <a14:useLocalDpi xmlns:a14="http://schemas.microsoft.com/office/drawing/2010/main" val="0"/>
+              </a:ext>
+            </a:extLst>
+          </a:blip>
+          <a:srcRect/>
+          <a:stretch>
+            <a:fillRect/>
+          </a:stretch>
+        </p:blipFill>
+        <p:spPr bwMode="auto">
+          <a:xfrm>
+            <a:off x="3491880" y="3573016"/>
+            <a:ext cx="5486400" cy="3133725"/>
+          </a:xfrm>
+          <a:prstGeom prst="rect">
+            <a:avLst/>
+          </a:prstGeom>
+          <a:noFill/>
+          <a:ln>
+            <a:noFill/>
+          </a:ln>
+          <a:extLst>
+            <a:ext uri="{909E8E84-426E-40DD-AFC4-6F175D3DCCD1}">
+              <a14:hiddenFill xmlns:a14="http://schemas.microsoft.com/office/drawing/2010/main">
+                <a:solidFill>
+                  <a:schemeClr val="accent1"/>
+                </a:solidFill>
+              </a14:hiddenFill>
+            </a:ext>
+            <a:ext uri="{91240B29-F687-4F45-9708-019B960494DF}">
+              <a14:hiddenLine xmlns:a14="http://schemas.microsoft.com/office/drawing/2010/main" w="9525">
+                <a:solidFill>
+                  <a:schemeClr val="tx1"/>
+                </a:solidFill>
+                <a:miter lim="800000"/>
+                <a:headEnd/>
+                <a:tailEnd/>
+              </a14:hiddenLine>
+            </a:ext>
+          </a:extLst>
+        </p:spPr>
+      </p:pic>
+    </p:spTree>
+    <p:extLst>
+      <p:ext uri="{BB962C8B-B14F-4D97-AF65-F5344CB8AC3E}">
+        <p14:creationId xmlns:p14="http://schemas.microsoft.com/office/powerpoint/2010/main" val="3309200748"/>
+      </p:ext>
+    </p:extLst>
+  </p:cSld>
+  <p:clrMapOvr>
+    <a:masterClrMapping/>
+  </p:clrMapOvr>
+  <p:timing>
+    <p:tnLst>
+      <p:par>
+        <p:cTn id="1" dur="indefinite" restart="never" nodeType="tmRoot">
+          <p:childTnLst>
+            <p:seq concurrent="1" nextAc="seek">
+              <p:cTn id="2" dur="indefinite" nodeType="mainSeq">
+                <p:childTnLst>
+                  <p:par>
+                    <p:cTn id="3" fill="hold">
+                      <p:stCondLst>
+                        <p:cond delay="indefinite"/>
+                      </p:stCondLst>
+                      <p:childTnLst>
+                        <p:par>
+                          <p:cTn id="4" fill="hold">
+                            <p:stCondLst>
+                              <p:cond delay="0"/>
+                            </p:stCondLst>
+                            <p:childTnLst>
+                              <p:par>
+                                <p:cTn id="5" presetID="1" presetClass="entr" presetSubtype="0" fill="hold" nodeType="clickEffect">
+                                  <p:stCondLst>
+                                    <p:cond delay="0"/>
+                                  </p:stCondLst>
+                                  <p:childTnLst>
+                                    <p:set>
+                                      <p:cBhvr>
+                                        <p:cTn id="6" dur="1" fill="hold">
+                                          <p:stCondLst>
+                                            <p:cond delay="0"/>
+                                          </p:stCondLst>
+                                        </p:cTn>
+                                        <p:tgtEl>
+                                          <p:spTgt spid="10243"/>
+                                        </p:tgtEl>
+                                        <p:attrNameLst>
+                                          <p:attrName>style.visibility</p:attrName>
+                                        </p:attrNameLst>
+                                      </p:cBhvr>
+                                      <p:to>
+                                        <p:strVal val="visible"/>
+                                      </p:to>
+                                    </p:set>
+                                  </p:childTnLst>
+                                </p:cTn>
+                              </p:par>
+                            </p:childTnLst>
+                          </p:cTn>
+                        </p:par>
+                      </p:childTnLst>
+                    </p:cTn>
+                  </p:par>
+                </p:childTnLst>
+              </p:cTn>
+              <p:prevCondLst>
+                <p:cond evt="onPrev" delay="0">
+                  <p:tgtEl>
+                    <p:sldTgt/>
+                  </p:tgtEl>
+                </p:cond>
+              </p:prevCondLst>
+              <p:nextCondLst>
+                <p:cond evt="onNext" delay="0">
+                  <p:tgtEl>
+                    <p:sldTgt/>
+                  </p:tgtEl>
+                </p:cond>
+              </p:nextCondLst>
+            </p:seq>
+          </p:childTnLst>
+        </p:cTn>
+      </p:par>
+    </p:tnLst>
+  </p:timing>
+</p:sld>
+</file>
+
+<file path=ppt/slides/slide39.xml><?xml version="1.0" encoding="utf-8"?>
+<p:sld xmlns:a="http://schemas.openxmlformats.org/drawingml/2006/main" xmlns:r="http://schemas.openxmlformats.org/officeDocument/2006/relationships" xmlns:p="http://schemas.openxmlformats.org/presentationml/2006/main">
+  <p:cSld>
+    <p:spTree>
+      <p:nvGrpSpPr>
+        <p:cNvPr id="1" name=""/>
+        <p:cNvGrpSpPr/>
+        <p:nvPr/>
+      </p:nvGrpSpPr>
+      <p:grpSpPr>
+        <a:xfrm>
+          <a:off x="0" y="0"/>
+          <a:ext cx="0" cy="0"/>
+          <a:chOff x="0" y="0"/>
+          <a:chExt cx="0" cy="0"/>
+        </a:xfrm>
+      </p:grpSpPr>
+      <p:sp>
+        <p:nvSpPr>
+          <p:cNvPr id="2" name="제목 1"/>
+          <p:cNvSpPr>
+            <a:spLocks noGrp="1"/>
+          </p:cNvSpPr>
+          <p:nvPr>
+            <p:ph type="title"/>
+          </p:nvPr>
+        </p:nvSpPr>
+        <p:spPr/>
+        <p:txBody>
+          <a:bodyPr/>
+          <a:lstStyle/>
+          <a:p>
+            <a:r>
+              <a:rPr lang="ko-KR" altLang="en-US" dirty="0"/>
+              <a:t>카테고리 수정</a:t>
+            </a:r>
+          </a:p>
+        </p:txBody>
+      </p:sp>
+      <p:pic>
+        <p:nvPicPr>
+          <p:cNvPr id="11266" name="Picture 2"/>
+          <p:cNvPicPr>
+            <a:picLocks noChangeAspect="1" noChangeArrowheads="1"/>
+          </p:cNvPicPr>
+          <p:nvPr/>
+        </p:nvPicPr>
+        <p:blipFill>
+          <a:blip r:embed="rId2">
+            <a:extLst>
+              <a:ext uri="{28A0092B-C50C-407E-A947-70E740481C1C}">
+                <a14:useLocalDpi xmlns:a14="http://schemas.microsoft.com/office/drawing/2010/main" val="0"/>
+              </a:ext>
+            </a:extLst>
+          </a:blip>
+          <a:srcRect/>
+          <a:stretch>
+            <a:fillRect/>
+          </a:stretch>
+        </p:blipFill>
+        <p:spPr bwMode="auto">
+          <a:xfrm>
+            <a:off x="467544" y="1340768"/>
+            <a:ext cx="5619750" cy="2381250"/>
+          </a:xfrm>
+          <a:prstGeom prst="rect">
+            <a:avLst/>
+          </a:prstGeom>
+          <a:noFill/>
+          <a:ln>
+            <a:noFill/>
+          </a:ln>
+          <a:extLst>
+            <a:ext uri="{909E8E84-426E-40DD-AFC4-6F175D3DCCD1}">
+              <a14:hiddenFill xmlns:a14="http://schemas.microsoft.com/office/drawing/2010/main">
+                <a:solidFill>
+                  <a:schemeClr val="accent1"/>
+                </a:solidFill>
+              </a14:hiddenFill>
+            </a:ext>
+            <a:ext uri="{91240B29-F687-4F45-9708-019B960494DF}">
+              <a14:hiddenLine xmlns:a14="http://schemas.microsoft.com/office/drawing/2010/main" w="9525">
+                <a:solidFill>
+                  <a:schemeClr val="tx1"/>
+                </a:solidFill>
+                <a:miter lim="800000"/>
+                <a:headEnd/>
+                <a:tailEnd/>
+              </a14:hiddenLine>
+            </a:ext>
+          </a:extLst>
+        </p:spPr>
+      </p:pic>
+      <p:pic>
+        <p:nvPicPr>
+          <p:cNvPr id="11267" name="Picture 3"/>
+          <p:cNvPicPr>
+            <a:picLocks noChangeAspect="1" noChangeArrowheads="1"/>
+          </p:cNvPicPr>
+          <p:nvPr/>
+        </p:nvPicPr>
+        <p:blipFill>
+          <a:blip r:embed="rId3">
+            <a:extLst>
+              <a:ext uri="{28A0092B-C50C-407E-A947-70E740481C1C}">
+                <a14:useLocalDpi xmlns:a14="http://schemas.microsoft.com/office/drawing/2010/main" val="0"/>
+              </a:ext>
+            </a:extLst>
+          </a:blip>
+          <a:srcRect/>
+          <a:stretch>
+            <a:fillRect/>
+          </a:stretch>
+        </p:blipFill>
+        <p:spPr bwMode="auto">
+          <a:xfrm>
+            <a:off x="2195736" y="4619625"/>
+            <a:ext cx="6657975" cy="1419225"/>
+          </a:xfrm>
+          <a:prstGeom prst="rect">
+            <a:avLst/>
+          </a:prstGeom>
+          <a:noFill/>
+          <a:ln>
+            <a:noFill/>
+          </a:ln>
+          <a:extLst>
+            <a:ext uri="{909E8E84-426E-40DD-AFC4-6F175D3DCCD1}">
+              <a14:hiddenFill xmlns:a14="http://schemas.microsoft.com/office/drawing/2010/main">
+                <a:solidFill>
+                  <a:schemeClr val="accent1"/>
+                </a:solidFill>
+              </a14:hiddenFill>
+            </a:ext>
+            <a:ext uri="{91240B29-F687-4F45-9708-019B960494DF}">
+              <a14:hiddenLine xmlns:a14="http://schemas.microsoft.com/office/drawing/2010/main" w="9525">
+                <a:solidFill>
+                  <a:schemeClr val="tx1"/>
+                </a:solidFill>
+                <a:miter lim="800000"/>
+                <a:headEnd/>
+                <a:tailEnd/>
+              </a14:hiddenLine>
+            </a:ext>
+          </a:extLst>
+        </p:spPr>
+      </p:pic>
+    </p:spTree>
+    <p:extLst>
+      <p:ext uri="{BB962C8B-B14F-4D97-AF65-F5344CB8AC3E}">
+        <p14:creationId xmlns:p14="http://schemas.microsoft.com/office/powerpoint/2010/main" val="3002451145"/>
+      </p:ext>
+    </p:extLst>
+  </p:cSld>
+  <p:clrMapOvr>
+    <a:masterClrMapping/>
+  </p:clrMapOvr>
+  <p:timing>
+    <p:tnLst>
+      <p:par>
+        <p:cTn id="1" dur="indefinite" restart="never" nodeType="tmRoot"/>
+      </p:par>
+    </p:tnLst>
+  </p:timing>
 </p:sld>
 </file>
 
@@ -7318,6 +8936,210 @@
     <p:extLst>
       <p:ext uri="{BB962C8B-B14F-4D97-AF65-F5344CB8AC3E}">
         <p14:creationId xmlns:p14="http://schemas.microsoft.com/office/powerpoint/2010/main" val="1370300017"/>
+      </p:ext>
+    </p:extLst>
+  </p:cSld>
+  <p:clrMapOvr>
+    <a:masterClrMapping/>
+  </p:clrMapOvr>
+  <p:timing>
+    <p:tnLst>
+      <p:par>
+        <p:cTn id="1" dur="indefinite" restart="never" nodeType="tmRoot"/>
+      </p:par>
+    </p:tnLst>
+  </p:timing>
+</p:sld>
+</file>
+
+<file path=ppt/slides/slide40.xml><?xml version="1.0" encoding="utf-8"?>
+<p:sld xmlns:a="http://schemas.openxmlformats.org/drawingml/2006/main" xmlns:r="http://schemas.openxmlformats.org/officeDocument/2006/relationships" xmlns:p="http://schemas.openxmlformats.org/presentationml/2006/main">
+  <p:cSld>
+    <p:spTree>
+      <p:nvGrpSpPr>
+        <p:cNvPr id="1" name=""/>
+        <p:cNvGrpSpPr/>
+        <p:nvPr/>
+      </p:nvGrpSpPr>
+      <p:grpSpPr>
+        <a:xfrm>
+          <a:off x="0" y="0"/>
+          <a:ext cx="0" cy="0"/>
+          <a:chOff x="0" y="0"/>
+          <a:chExt cx="0" cy="0"/>
+        </a:xfrm>
+      </p:grpSpPr>
+      <p:sp>
+        <p:nvSpPr>
+          <p:cNvPr id="2" name="제목 1"/>
+          <p:cNvSpPr>
+            <a:spLocks noGrp="1"/>
+          </p:cNvSpPr>
+          <p:nvPr>
+            <p:ph type="title"/>
+          </p:nvPr>
+        </p:nvSpPr>
+        <p:spPr/>
+        <p:txBody>
+          <a:bodyPr/>
+          <a:lstStyle/>
+          <a:p>
+            <a:r>
+              <a:rPr lang="ko-KR" altLang="en-US" dirty="0"/>
+              <a:t>카테고리 수정</a:t>
+            </a:r>
+          </a:p>
+        </p:txBody>
+      </p:sp>
+      <p:pic>
+        <p:nvPicPr>
+          <p:cNvPr id="12290" name="Picture 2"/>
+          <p:cNvPicPr>
+            <a:picLocks noChangeAspect="1" noChangeArrowheads="1"/>
+          </p:cNvPicPr>
+          <p:nvPr/>
+        </p:nvPicPr>
+        <p:blipFill>
+          <a:blip r:embed="rId2">
+            <a:extLst>
+              <a:ext uri="{28A0092B-C50C-407E-A947-70E740481C1C}">
+                <a14:useLocalDpi xmlns:a14="http://schemas.microsoft.com/office/drawing/2010/main" val="0"/>
+              </a:ext>
+            </a:extLst>
+          </a:blip>
+          <a:srcRect/>
+          <a:stretch>
+            <a:fillRect/>
+          </a:stretch>
+        </p:blipFill>
+        <p:spPr bwMode="auto">
+          <a:xfrm>
+            <a:off x="1405653" y="1772816"/>
+            <a:ext cx="6332694" cy="3612232"/>
+          </a:xfrm>
+          <a:prstGeom prst="rect">
+            <a:avLst/>
+          </a:prstGeom>
+          <a:noFill/>
+          <a:ln>
+            <a:noFill/>
+          </a:ln>
+          <a:extLst>
+            <a:ext uri="{909E8E84-426E-40DD-AFC4-6F175D3DCCD1}">
+              <a14:hiddenFill xmlns:a14="http://schemas.microsoft.com/office/drawing/2010/main">
+                <a:solidFill>
+                  <a:schemeClr val="accent1"/>
+                </a:solidFill>
+              </a14:hiddenFill>
+            </a:ext>
+            <a:ext uri="{91240B29-F687-4F45-9708-019B960494DF}">
+              <a14:hiddenLine xmlns:a14="http://schemas.microsoft.com/office/drawing/2010/main" w="9525">
+                <a:solidFill>
+                  <a:schemeClr val="tx1"/>
+                </a:solidFill>
+                <a:miter lim="800000"/>
+                <a:headEnd/>
+                <a:tailEnd/>
+              </a14:hiddenLine>
+            </a:ext>
+          </a:extLst>
+        </p:spPr>
+      </p:pic>
+    </p:spTree>
+    <p:extLst>
+      <p:ext uri="{BB962C8B-B14F-4D97-AF65-F5344CB8AC3E}">
+        <p14:creationId xmlns:p14="http://schemas.microsoft.com/office/powerpoint/2010/main" val="581769365"/>
+      </p:ext>
+    </p:extLst>
+  </p:cSld>
+  <p:clrMapOvr>
+    <a:masterClrMapping/>
+  </p:clrMapOvr>
+  <p:timing>
+    <p:tnLst>
+      <p:par>
+        <p:cTn id="1" dur="indefinite" restart="never" nodeType="tmRoot"/>
+      </p:par>
+    </p:tnLst>
+  </p:timing>
+</p:sld>
+</file>
+
+<file path=ppt/slides/slide41.xml><?xml version="1.0" encoding="utf-8"?>
+<p:sld xmlns:a="http://schemas.openxmlformats.org/drawingml/2006/main" xmlns:r="http://schemas.openxmlformats.org/officeDocument/2006/relationships" xmlns:p="http://schemas.openxmlformats.org/presentationml/2006/main">
+  <p:cSld>
+    <p:spTree>
+      <p:nvGrpSpPr>
+        <p:cNvPr id="1" name=""/>
+        <p:cNvGrpSpPr/>
+        <p:nvPr/>
+      </p:nvGrpSpPr>
+      <p:grpSpPr>
+        <a:xfrm>
+          <a:off x="0" y="0"/>
+          <a:ext cx="0" cy="0"/>
+          <a:chOff x="0" y="0"/>
+          <a:chExt cx="0" cy="0"/>
+        </a:xfrm>
+      </p:grpSpPr>
+      <p:sp>
+        <p:nvSpPr>
+          <p:cNvPr id="2" name="제목 1"/>
+          <p:cNvSpPr>
+            <a:spLocks noGrp="1"/>
+          </p:cNvSpPr>
+          <p:nvPr>
+            <p:ph type="title"/>
+          </p:nvPr>
+        </p:nvSpPr>
+        <p:spPr/>
+        <p:txBody>
+          <a:bodyPr>
+            <a:normAutofit/>
+          </a:bodyPr>
+          <a:lstStyle/>
+          <a:p>
+            <a:r>
+              <a:rPr lang="ko-KR" altLang="en-US" dirty="0" smtClean="0"/>
+              <a:t>부족한 점</a:t>
+            </a:r>
+            <a:endParaRPr lang="ko-KR" altLang="en-US" dirty="0"/>
+          </a:p>
+        </p:txBody>
+      </p:sp>
+      <p:sp>
+        <p:nvSpPr>
+          <p:cNvPr id="3" name="TextBox 2"/>
+          <p:cNvSpPr txBox="1"/>
+          <p:nvPr/>
+        </p:nvSpPr>
+        <p:spPr>
+          <a:xfrm>
+            <a:off x="971600" y="1340768"/>
+            <a:ext cx="7920880" cy="369332"/>
+          </a:xfrm>
+          <a:prstGeom prst="rect">
+            <a:avLst/>
+          </a:prstGeom>
+          <a:noFill/>
+        </p:spPr>
+        <p:txBody>
+          <a:bodyPr wrap="square" rtlCol="0">
+            <a:spAutoFit/>
+          </a:bodyPr>
+          <a:lstStyle/>
+          <a:p>
+            <a:pPr marL="342900" indent="-342900">
+              <a:buAutoNum type="arabicPeriod"/>
+            </a:pPr>
+            <a:endParaRPr lang="en-US" altLang="ko-KR" dirty="0"/>
+          </a:p>
+        </p:txBody>
+      </p:sp>
+    </p:spTree>
+    <p:extLst>
+      <p:ext uri="{BB962C8B-B14F-4D97-AF65-F5344CB8AC3E}">
+        <p14:creationId xmlns:p14="http://schemas.microsoft.com/office/powerpoint/2010/main" val="3575748135"/>
       </p:ext>
     </p:extLst>
   </p:cSld>

--- a/과제/JavaScript브리핑.pptx
+++ b/과제/JavaScript브리핑.pptx
@@ -15,11 +15,11 @@
     <p:sldId id="261" r:id="rId9"/>
     <p:sldId id="264" r:id="rId10"/>
     <p:sldId id="265" r:id="rId11"/>
-    <p:sldId id="266" r:id="rId12"/>
-    <p:sldId id="267" r:id="rId13"/>
-    <p:sldId id="288" r:id="rId14"/>
-    <p:sldId id="268" r:id="rId15"/>
-    <p:sldId id="269" r:id="rId16"/>
+    <p:sldId id="267" r:id="rId12"/>
+    <p:sldId id="288" r:id="rId13"/>
+    <p:sldId id="268" r:id="rId14"/>
+    <p:sldId id="269" r:id="rId15"/>
+    <p:sldId id="297" r:id="rId16"/>
     <p:sldId id="270" r:id="rId17"/>
     <p:sldId id="271" r:id="rId18"/>
     <p:sldId id="272" r:id="rId19"/>
@@ -27,25 +27,22 @@
     <p:sldId id="275" r:id="rId21"/>
     <p:sldId id="276" r:id="rId22"/>
     <p:sldId id="277" r:id="rId23"/>
-    <p:sldId id="278" r:id="rId24"/>
-    <p:sldId id="279" r:id="rId25"/>
-    <p:sldId id="274" r:id="rId26"/>
-    <p:sldId id="289" r:id="rId27"/>
-    <p:sldId id="280" r:id="rId28"/>
-    <p:sldId id="290" r:id="rId29"/>
-    <p:sldId id="281" r:id="rId30"/>
-    <p:sldId id="284" r:id="rId31"/>
-    <p:sldId id="283" r:id="rId32"/>
-    <p:sldId id="285" r:id="rId33"/>
-    <p:sldId id="286" r:id="rId34"/>
-    <p:sldId id="287" r:id="rId35"/>
-    <p:sldId id="291" r:id="rId36"/>
-    <p:sldId id="292" r:id="rId37"/>
-    <p:sldId id="293" r:id="rId38"/>
-    <p:sldId id="294" r:id="rId39"/>
-    <p:sldId id="295" r:id="rId40"/>
-    <p:sldId id="296" r:id="rId41"/>
-    <p:sldId id="282" r:id="rId42"/>
+    <p:sldId id="279" r:id="rId24"/>
+    <p:sldId id="274" r:id="rId25"/>
+    <p:sldId id="289" r:id="rId26"/>
+    <p:sldId id="280" r:id="rId27"/>
+    <p:sldId id="290" r:id="rId28"/>
+    <p:sldId id="281" r:id="rId29"/>
+    <p:sldId id="286" r:id="rId30"/>
+    <p:sldId id="287" r:id="rId31"/>
+    <p:sldId id="291" r:id="rId32"/>
+    <p:sldId id="292" r:id="rId33"/>
+    <p:sldId id="298" r:id="rId34"/>
+    <p:sldId id="293" r:id="rId35"/>
+    <p:sldId id="294" r:id="rId36"/>
+    <p:sldId id="295" r:id="rId37"/>
+    <p:sldId id="296" r:id="rId38"/>
+    <p:sldId id="282" r:id="rId39"/>
   </p:sldIdLst>
   <p:sldSz cx="9144000" cy="6858000" type="screen4x3"/>
   <p:notesSz cx="6858000" cy="9144000"/>
@@ -1220,7 +1217,7 @@
             <a:fld id="{33ACF524-1611-4733-AFC3-185BB074B275}" type="datetimeFigureOut">
               <a:rPr lang="ko-KR" altLang="en-US" smtClean="0"/>
               <a:pPr/>
-              <a:t>2017-07-24</a:t>
+              <a:t>2017-07-25</a:t>
             </a:fld>
             <a:endParaRPr lang="ko-KR" altLang="en-US"/>
           </a:p>
@@ -2032,7 +2029,7 @@
           <a:p>
             <a:r>
               <a:rPr lang="ko-KR" altLang="en-US" dirty="0" smtClean="0"/>
-              <a:t>버튼 이벤트</a:t>
+              <a:t>컴포넌트 정의</a:t>
             </a:r>
             <a:endParaRPr lang="ko-KR" altLang="en-US" dirty="0"/>
           </a:p>
@@ -2040,7 +2037,7 @@
       </p:sp>
       <p:pic>
         <p:nvPicPr>
-          <p:cNvPr id="9219" name="Picture 3"/>
+          <p:cNvPr id="10242" name="Picture 2"/>
           <p:cNvPicPr>
             <a:picLocks noChangeAspect="1" noChangeArrowheads="1"/>
           </p:cNvPicPr>
@@ -2061,8 +2058,8 @@
         </p:blipFill>
         <p:spPr bwMode="auto">
           <a:xfrm>
-            <a:off x="2366657" y="2852936"/>
-            <a:ext cx="3946807" cy="2009948"/>
+            <a:off x="2500313" y="1323553"/>
+            <a:ext cx="4143375" cy="5057775"/>
           </a:xfrm>
           <a:prstGeom prst="rect">
             <a:avLst/>
@@ -2092,64 +2089,10 @@
           </a:extLst>
         </p:spPr>
       </p:pic>
-      <p:pic>
-        <p:nvPicPr>
-          <p:cNvPr id="9220" name="Picture 4"/>
-          <p:cNvPicPr>
-            <a:picLocks noChangeAspect="1" noChangeArrowheads="1"/>
-          </p:cNvPicPr>
-          <p:nvPr/>
-        </p:nvPicPr>
-        <p:blipFill>
-          <a:blip r:embed="rId3">
-            <a:extLst>
-              <a:ext uri="{28A0092B-C50C-407E-A947-70E740481C1C}">
-                <a14:useLocalDpi xmlns:a14="http://schemas.microsoft.com/office/drawing/2010/main" val="0"/>
-              </a:ext>
-            </a:extLst>
-          </a:blip>
-          <a:srcRect/>
-          <a:stretch>
-            <a:fillRect/>
-          </a:stretch>
-        </p:blipFill>
-        <p:spPr bwMode="auto">
-          <a:xfrm>
-            <a:off x="3530435" y="1955304"/>
-            <a:ext cx="1619250" cy="609600"/>
-          </a:xfrm>
-          <a:prstGeom prst="rect">
-            <a:avLst/>
-          </a:prstGeom>
-          <a:noFill/>
-          <a:ln>
-            <a:noFill/>
-          </a:ln>
-          <a:extLst>
-            <a:ext uri="{909E8E84-426E-40DD-AFC4-6F175D3DCCD1}">
-              <a14:hiddenFill xmlns:a14="http://schemas.microsoft.com/office/drawing/2010/main">
-                <a:solidFill>
-                  <a:schemeClr val="accent1"/>
-                </a:solidFill>
-              </a14:hiddenFill>
-            </a:ext>
-            <a:ext uri="{91240B29-F687-4F45-9708-019B960494DF}">
-              <a14:hiddenLine xmlns:a14="http://schemas.microsoft.com/office/drawing/2010/main" w="9525">
-                <a:solidFill>
-                  <a:schemeClr val="tx1"/>
-                </a:solidFill>
-                <a:miter lim="800000"/>
-                <a:headEnd/>
-                <a:tailEnd/>
-              </a14:hiddenLine>
-            </a:ext>
-          </a:extLst>
-        </p:spPr>
-      </p:pic>
     </p:spTree>
     <p:extLst>
       <p:ext uri="{BB962C8B-B14F-4D97-AF65-F5344CB8AC3E}">
-        <p14:creationId xmlns:p14="http://schemas.microsoft.com/office/powerpoint/2010/main" val="2064326575"/>
+        <p14:creationId xmlns:p14="http://schemas.microsoft.com/office/powerpoint/2010/main" val="1879024690"/>
       </p:ext>
     </p:extLst>
   </p:cSld>
@@ -2199,8 +2142,8 @@
           <a:lstStyle/>
           <a:p>
             <a:r>
-              <a:rPr lang="ko-KR" altLang="en-US" dirty="0" smtClean="0"/>
-              <a:t>컴포넌트 정의</a:t>
+              <a:rPr lang="en-US" altLang="ko-KR" dirty="0" smtClean="0"/>
+              <a:t>Submit</a:t>
             </a:r>
             <a:endParaRPr lang="ko-KR" altLang="en-US" dirty="0"/>
           </a:p>
@@ -2208,7 +2151,7 @@
       </p:sp>
       <p:pic>
         <p:nvPicPr>
-          <p:cNvPr id="10242" name="Picture 2"/>
+          <p:cNvPr id="3" name="Picture 3"/>
           <p:cNvPicPr>
             <a:picLocks noChangeAspect="1" noChangeArrowheads="1"/>
           </p:cNvPicPr>
@@ -2229,8 +2172,8 @@
         </p:blipFill>
         <p:spPr bwMode="auto">
           <a:xfrm>
-            <a:off x="2500313" y="1323553"/>
-            <a:ext cx="4143375" cy="5057775"/>
+            <a:off x="3009900" y="2708920"/>
+            <a:ext cx="3124200" cy="2333625"/>
           </a:xfrm>
           <a:prstGeom prst="rect">
             <a:avLst/>
@@ -2260,10 +2203,118 @@
           </a:extLst>
         </p:spPr>
       </p:pic>
+      <p:pic>
+        <p:nvPicPr>
+          <p:cNvPr id="4" name="Picture 2"/>
+          <p:cNvPicPr>
+            <a:picLocks noChangeAspect="1" noChangeArrowheads="1"/>
+          </p:cNvPicPr>
+          <p:nvPr/>
+        </p:nvPicPr>
+        <p:blipFill>
+          <a:blip r:embed="rId3">
+            <a:extLst>
+              <a:ext uri="{28A0092B-C50C-407E-A947-70E740481C1C}">
+                <a14:useLocalDpi xmlns:a14="http://schemas.microsoft.com/office/drawing/2010/main" val="0"/>
+              </a:ext>
+            </a:extLst>
+          </a:blip>
+          <a:srcRect/>
+          <a:stretch>
+            <a:fillRect/>
+          </a:stretch>
+        </p:blipFill>
+        <p:spPr bwMode="auto">
+          <a:xfrm>
+            <a:off x="1066800" y="1885206"/>
+            <a:ext cx="7010400" cy="247650"/>
+          </a:xfrm>
+          <a:prstGeom prst="rect">
+            <a:avLst/>
+          </a:prstGeom>
+          <a:noFill/>
+          <a:ln>
+            <a:noFill/>
+          </a:ln>
+          <a:extLst>
+            <a:ext uri="{909E8E84-426E-40DD-AFC4-6F175D3DCCD1}">
+              <a14:hiddenFill xmlns:a14="http://schemas.microsoft.com/office/drawing/2010/main">
+                <a:solidFill>
+                  <a:schemeClr val="accent1"/>
+                </a:solidFill>
+              </a14:hiddenFill>
+            </a:ext>
+            <a:ext uri="{91240B29-F687-4F45-9708-019B960494DF}">
+              <a14:hiddenLine xmlns:a14="http://schemas.microsoft.com/office/drawing/2010/main" w="9525">
+                <a:solidFill>
+                  <a:schemeClr val="tx1"/>
+                </a:solidFill>
+                <a:miter lim="800000"/>
+                <a:headEnd/>
+                <a:tailEnd/>
+              </a14:hiddenLine>
+            </a:ext>
+          </a:extLst>
+        </p:spPr>
+      </p:pic>
+      <p:pic>
+        <p:nvPicPr>
+          <p:cNvPr id="5" name="Picture 4"/>
+          <p:cNvPicPr>
+            <a:picLocks noChangeAspect="1" noChangeArrowheads="1"/>
+          </p:cNvPicPr>
+          <p:nvPr/>
+        </p:nvPicPr>
+        <p:blipFill>
+          <a:blip r:embed="rId4">
+            <a:extLst>
+              <a:ext uri="{28A0092B-C50C-407E-A947-70E740481C1C}">
+                <a14:useLocalDpi xmlns:a14="http://schemas.microsoft.com/office/drawing/2010/main" val="0"/>
+              </a:ext>
+            </a:extLst>
+          </a:blip>
+          <a:srcRect/>
+          <a:stretch>
+            <a:fillRect/>
+          </a:stretch>
+        </p:blipFill>
+        <p:spPr bwMode="auto">
+          <a:xfrm>
+            <a:off x="3762375" y="1071017"/>
+            <a:ext cx="1619250" cy="609600"/>
+          </a:xfrm>
+          <a:prstGeom prst="rect">
+            <a:avLst/>
+          </a:prstGeom>
+          <a:noFill/>
+          <a:ln>
+            <a:noFill/>
+          </a:ln>
+          <a:extLst>
+            <a:ext uri="{909E8E84-426E-40DD-AFC4-6F175D3DCCD1}">
+              <a14:hiddenFill xmlns:a14="http://schemas.microsoft.com/office/drawing/2010/main">
+                <a:solidFill>
+                  <a:schemeClr val="accent1"/>
+                </a:solidFill>
+              </a14:hiddenFill>
+            </a:ext>
+            <a:ext uri="{91240B29-F687-4F45-9708-019B960494DF}">
+              <a14:hiddenLine xmlns:a14="http://schemas.microsoft.com/office/drawing/2010/main" w="9525">
+                <a:solidFill>
+                  <a:schemeClr val="tx1"/>
+                </a:solidFill>
+                <a:miter lim="800000"/>
+                <a:headEnd/>
+                <a:tailEnd/>
+              </a14:hiddenLine>
+            </a:ext>
+          </a:extLst>
+        </p:spPr>
+      </p:pic>
     </p:spTree>
     <p:extLst>
       <p:ext uri="{BB962C8B-B14F-4D97-AF65-F5344CB8AC3E}">
-        <p14:creationId xmlns:p14="http://schemas.microsoft.com/office/powerpoint/2010/main" val="1879024690"/>
+        <p14:creationId xmlns:p14="http://schemas.microsoft.com/office/powerpoint/2010/main" val="2316149225"/>
       </p:ext>
     </p:extLst>
   </p:cSld>
@@ -2312,163 +2363,6 @@
           <a:bodyPr/>
           <a:lstStyle/>
           <a:p>
-            <a:endParaRPr lang="ko-KR" altLang="en-US"/>
-          </a:p>
-        </p:txBody>
-      </p:sp>
-      <p:pic>
-        <p:nvPicPr>
-          <p:cNvPr id="3" name="Picture 3"/>
-          <p:cNvPicPr>
-            <a:picLocks noChangeAspect="1" noChangeArrowheads="1"/>
-          </p:cNvPicPr>
-          <p:nvPr/>
-        </p:nvPicPr>
-        <p:blipFill>
-          <a:blip r:embed="rId2">
-            <a:extLst>
-              <a:ext uri="{28A0092B-C50C-407E-A947-70E740481C1C}">
-                <a14:useLocalDpi xmlns:a14="http://schemas.microsoft.com/office/drawing/2010/main" val="0"/>
-              </a:ext>
-            </a:extLst>
-          </a:blip>
-          <a:srcRect/>
-          <a:stretch>
-            <a:fillRect/>
-          </a:stretch>
-        </p:blipFill>
-        <p:spPr bwMode="auto">
-          <a:xfrm>
-            <a:off x="3009900" y="2262188"/>
-            <a:ext cx="3124200" cy="2333625"/>
-          </a:xfrm>
-          <a:prstGeom prst="rect">
-            <a:avLst/>
-          </a:prstGeom>
-          <a:noFill/>
-          <a:ln>
-            <a:noFill/>
-          </a:ln>
-          <a:extLst>
-            <a:ext uri="{909E8E84-426E-40DD-AFC4-6F175D3DCCD1}">
-              <a14:hiddenFill xmlns:a14="http://schemas.microsoft.com/office/drawing/2010/main">
-                <a:solidFill>
-                  <a:schemeClr val="accent1"/>
-                </a:solidFill>
-              </a14:hiddenFill>
-            </a:ext>
-            <a:ext uri="{91240B29-F687-4F45-9708-019B960494DF}">
-              <a14:hiddenLine xmlns:a14="http://schemas.microsoft.com/office/drawing/2010/main" w="9525">
-                <a:solidFill>
-                  <a:schemeClr val="tx1"/>
-                </a:solidFill>
-                <a:miter lim="800000"/>
-                <a:headEnd/>
-                <a:tailEnd/>
-              </a14:hiddenLine>
-            </a:ext>
-          </a:extLst>
-        </p:spPr>
-      </p:pic>
-      <p:pic>
-        <p:nvPicPr>
-          <p:cNvPr id="4" name="Picture 2"/>
-          <p:cNvPicPr>
-            <a:picLocks noChangeAspect="1" noChangeArrowheads="1"/>
-          </p:cNvPicPr>
-          <p:nvPr/>
-        </p:nvPicPr>
-        <p:blipFill>
-          <a:blip r:embed="rId3">
-            <a:extLst>
-              <a:ext uri="{28A0092B-C50C-407E-A947-70E740481C1C}">
-                <a14:useLocalDpi xmlns:a14="http://schemas.microsoft.com/office/drawing/2010/main" val="0"/>
-              </a:ext>
-            </a:extLst>
-          </a:blip>
-          <a:srcRect/>
-          <a:stretch>
-            <a:fillRect/>
-          </a:stretch>
-        </p:blipFill>
-        <p:spPr bwMode="auto">
-          <a:xfrm>
-            <a:off x="1066800" y="1556792"/>
-            <a:ext cx="7010400" cy="247650"/>
-          </a:xfrm>
-          <a:prstGeom prst="rect">
-            <a:avLst/>
-          </a:prstGeom>
-          <a:noFill/>
-          <a:ln>
-            <a:noFill/>
-          </a:ln>
-          <a:extLst>
-            <a:ext uri="{909E8E84-426E-40DD-AFC4-6F175D3DCCD1}">
-              <a14:hiddenFill xmlns:a14="http://schemas.microsoft.com/office/drawing/2010/main">
-                <a:solidFill>
-                  <a:schemeClr val="accent1"/>
-                </a:solidFill>
-              </a14:hiddenFill>
-            </a:ext>
-            <a:ext uri="{91240B29-F687-4F45-9708-019B960494DF}">
-              <a14:hiddenLine xmlns:a14="http://schemas.microsoft.com/office/drawing/2010/main" w="9525">
-                <a:solidFill>
-                  <a:schemeClr val="tx1"/>
-                </a:solidFill>
-                <a:miter lim="800000"/>
-                <a:headEnd/>
-                <a:tailEnd/>
-              </a14:hiddenLine>
-            </a:ext>
-          </a:extLst>
-        </p:spPr>
-      </p:pic>
-    </p:spTree>
-    <p:extLst>
-      <p:ext uri="{BB962C8B-B14F-4D97-AF65-F5344CB8AC3E}">
-        <p14:creationId xmlns:p14="http://schemas.microsoft.com/office/powerpoint/2010/main" val="2316149225"/>
-      </p:ext>
-    </p:extLst>
-  </p:cSld>
-  <p:clrMapOvr>
-    <a:masterClrMapping/>
-  </p:clrMapOvr>
-</p:sld>
-</file>
-
-<file path=ppt/slides/slide14.xml><?xml version="1.0" encoding="utf-8"?>
-<p:sld xmlns:a="http://schemas.openxmlformats.org/drawingml/2006/main" xmlns:r="http://schemas.openxmlformats.org/officeDocument/2006/relationships" xmlns:p="http://schemas.openxmlformats.org/presentationml/2006/main">
-  <p:cSld>
-    <p:spTree>
-      <p:nvGrpSpPr>
-        <p:cNvPr id="1" name=""/>
-        <p:cNvGrpSpPr/>
-        <p:nvPr/>
-      </p:nvGrpSpPr>
-      <p:grpSpPr>
-        <a:xfrm>
-          <a:off x="0" y="0"/>
-          <a:ext cx="0" cy="0"/>
-          <a:chOff x="0" y="0"/>
-          <a:chExt cx="0" cy="0"/>
-        </a:xfrm>
-      </p:grpSpPr>
-      <p:sp>
-        <p:nvSpPr>
-          <p:cNvPr id="2" name="제목 1"/>
-          <p:cNvSpPr>
-            <a:spLocks noGrp="1"/>
-          </p:cNvSpPr>
-          <p:nvPr>
-            <p:ph type="title"/>
-          </p:nvPr>
-        </p:nvSpPr>
-        <p:spPr/>
-        <p:txBody>
-          <a:bodyPr/>
-          <a:lstStyle/>
-          <a:p>
             <a:r>
               <a:rPr lang="ko-KR" altLang="en-US" dirty="0" smtClean="0"/>
               <a:t>필수입력 확인</a:t>
@@ -2589,6 +2483,178 @@
     <p:extLst>
       <p:ext uri="{BB962C8B-B14F-4D97-AF65-F5344CB8AC3E}">
         <p14:creationId xmlns:p14="http://schemas.microsoft.com/office/powerpoint/2010/main" val="3369327593"/>
+      </p:ext>
+    </p:extLst>
+  </p:cSld>
+  <p:clrMapOvr>
+    <a:masterClrMapping/>
+  </p:clrMapOvr>
+  <p:timing>
+    <p:tnLst>
+      <p:par>
+        <p:cTn id="1" dur="indefinite" restart="never" nodeType="tmRoot"/>
+      </p:par>
+    </p:tnLst>
+  </p:timing>
+</p:sld>
+</file>
+
+<file path=ppt/slides/slide14.xml><?xml version="1.0" encoding="utf-8"?>
+<p:sld xmlns:a="http://schemas.openxmlformats.org/drawingml/2006/main" xmlns:r="http://schemas.openxmlformats.org/officeDocument/2006/relationships" xmlns:p="http://schemas.openxmlformats.org/presentationml/2006/main">
+  <p:cSld>
+    <p:spTree>
+      <p:nvGrpSpPr>
+        <p:cNvPr id="1" name=""/>
+        <p:cNvGrpSpPr/>
+        <p:nvPr/>
+      </p:nvGrpSpPr>
+      <p:grpSpPr>
+        <a:xfrm>
+          <a:off x="0" y="0"/>
+          <a:ext cx="0" cy="0"/>
+          <a:chOff x="0" y="0"/>
+          <a:chExt cx="0" cy="0"/>
+        </a:xfrm>
+      </p:grpSpPr>
+      <p:sp>
+        <p:nvSpPr>
+          <p:cNvPr id="2" name="제목 1"/>
+          <p:cNvSpPr>
+            <a:spLocks noGrp="1"/>
+          </p:cNvSpPr>
+          <p:nvPr>
+            <p:ph type="title"/>
+          </p:nvPr>
+        </p:nvSpPr>
+        <p:spPr/>
+        <p:txBody>
+          <a:bodyPr/>
+          <a:lstStyle/>
+          <a:p>
+            <a:r>
+              <a:rPr lang="ko-KR" altLang="en-US" dirty="0" err="1" smtClean="0"/>
+              <a:t>유효값</a:t>
+            </a:r>
+            <a:r>
+              <a:rPr lang="ko-KR" altLang="en-US" dirty="0" smtClean="0"/>
+              <a:t> 확인</a:t>
+            </a:r>
+            <a:endParaRPr lang="ko-KR" altLang="en-US" dirty="0"/>
+          </a:p>
+        </p:txBody>
+      </p:sp>
+      <p:pic>
+        <p:nvPicPr>
+          <p:cNvPr id="2050" name="Picture 2"/>
+          <p:cNvPicPr>
+            <a:picLocks noChangeAspect="1" noChangeArrowheads="1"/>
+          </p:cNvPicPr>
+          <p:nvPr/>
+        </p:nvPicPr>
+        <p:blipFill>
+          <a:blip r:embed="rId2">
+            <a:extLst>
+              <a:ext uri="{28A0092B-C50C-407E-A947-70E740481C1C}">
+                <a14:useLocalDpi xmlns:a14="http://schemas.microsoft.com/office/drawing/2010/main" val="0"/>
+              </a:ext>
+            </a:extLst>
+          </a:blip>
+          <a:srcRect/>
+          <a:stretch>
+            <a:fillRect/>
+          </a:stretch>
+        </p:blipFill>
+        <p:spPr bwMode="auto">
+          <a:xfrm>
+            <a:off x="179513" y="962025"/>
+            <a:ext cx="5718009" cy="4480981"/>
+          </a:xfrm>
+          <a:prstGeom prst="rect">
+            <a:avLst/>
+          </a:prstGeom>
+          <a:noFill/>
+          <a:ln>
+            <a:noFill/>
+          </a:ln>
+          <a:extLst>
+            <a:ext uri="{909E8E84-426E-40DD-AFC4-6F175D3DCCD1}">
+              <a14:hiddenFill xmlns:a14="http://schemas.microsoft.com/office/drawing/2010/main">
+                <a:solidFill>
+                  <a:schemeClr val="accent1"/>
+                </a:solidFill>
+              </a14:hiddenFill>
+            </a:ext>
+            <a:ext uri="{91240B29-F687-4F45-9708-019B960494DF}">
+              <a14:hiddenLine xmlns:a14="http://schemas.microsoft.com/office/drawing/2010/main" w="9525">
+                <a:solidFill>
+                  <a:schemeClr val="tx1"/>
+                </a:solidFill>
+                <a:miter lim="800000"/>
+                <a:headEnd/>
+                <a:tailEnd/>
+              </a14:hiddenLine>
+            </a:ext>
+          </a:extLst>
+        </p:spPr>
+      </p:pic>
+      <p:pic>
+        <p:nvPicPr>
+          <p:cNvPr id="12291" name="Picture 3"/>
+          <p:cNvPicPr>
+            <a:picLocks noChangeAspect="1" noChangeArrowheads="1"/>
+          </p:cNvPicPr>
+          <p:nvPr/>
+        </p:nvPicPr>
+        <p:blipFill>
+          <a:blip r:embed="rId3">
+            <a:extLst>
+              <a:ext uri="{28A0092B-C50C-407E-A947-70E740481C1C}">
+                <a14:useLocalDpi xmlns:a14="http://schemas.microsoft.com/office/drawing/2010/main" val="0"/>
+              </a:ext>
+            </a:extLst>
+          </a:blip>
+          <a:srcRect/>
+          <a:stretch>
+            <a:fillRect/>
+          </a:stretch>
+        </p:blipFill>
+        <p:spPr bwMode="auto">
+          <a:xfrm>
+            <a:off x="5292080" y="4028013"/>
+            <a:ext cx="3633217" cy="2829987"/>
+          </a:xfrm>
+          <a:prstGeom prst="rect">
+            <a:avLst/>
+          </a:prstGeom>
+          <a:noFill/>
+          <a:ln>
+            <a:noFill/>
+          </a:ln>
+          <a:extLst>
+            <a:ext uri="{909E8E84-426E-40DD-AFC4-6F175D3DCCD1}">
+              <a14:hiddenFill xmlns:a14="http://schemas.microsoft.com/office/drawing/2010/main">
+                <a:solidFill>
+                  <a:schemeClr val="accent1"/>
+                </a:solidFill>
+              </a14:hiddenFill>
+            </a:ext>
+            <a:ext uri="{91240B29-F687-4F45-9708-019B960494DF}">
+              <a14:hiddenLine xmlns:a14="http://schemas.microsoft.com/office/drawing/2010/main" w="9525">
+                <a:solidFill>
+                  <a:schemeClr val="tx1"/>
+                </a:solidFill>
+                <a:miter lim="800000"/>
+                <a:headEnd/>
+                <a:tailEnd/>
+              </a14:hiddenLine>
+            </a:ext>
+          </a:extLst>
+        </p:spPr>
+      </p:pic>
+    </p:spTree>
+    <p:extLst>
+      <p:ext uri="{BB962C8B-B14F-4D97-AF65-F5344CB8AC3E}">
+        <p14:creationId xmlns:p14="http://schemas.microsoft.com/office/powerpoint/2010/main" val="2790527750"/>
       </p:ext>
     </p:extLst>
   </p:cSld>
@@ -2672,8 +2738,8 @@
         </p:blipFill>
         <p:spPr bwMode="auto">
           <a:xfrm>
-            <a:off x="179513" y="962025"/>
-            <a:ext cx="5718009" cy="4480981"/>
+            <a:off x="376665" y="1196752"/>
+            <a:ext cx="8390671" cy="4725143"/>
           </a:xfrm>
           <a:prstGeom prst="rect">
             <a:avLst/>
@@ -2682,6 +2748,7 @@
           <a:ln>
             <a:noFill/>
           </a:ln>
+          <a:effectLst/>
           <a:extLst>
             <a:ext uri="{909E8E84-426E-40DD-AFC4-6F175D3DCCD1}">
               <a14:hiddenFill xmlns:a14="http://schemas.microsoft.com/office/drawing/2010/main">
@@ -2700,59 +2767,14 @@
                 <a:tailEnd/>
               </a14:hiddenLine>
             </a:ext>
-          </a:extLst>
-        </p:spPr>
-      </p:pic>
-      <p:pic>
-        <p:nvPicPr>
-          <p:cNvPr id="12291" name="Picture 3"/>
-          <p:cNvPicPr>
-            <a:picLocks noChangeAspect="1" noChangeArrowheads="1"/>
-          </p:cNvPicPr>
-          <p:nvPr/>
-        </p:nvPicPr>
-        <p:blipFill>
-          <a:blip r:embed="rId3">
-            <a:extLst>
-              <a:ext uri="{28A0092B-C50C-407E-A947-70E740481C1C}">
-                <a14:useLocalDpi xmlns:a14="http://schemas.microsoft.com/office/drawing/2010/main" val="0"/>
-              </a:ext>
-            </a:extLst>
-          </a:blip>
-          <a:srcRect/>
-          <a:stretch>
-            <a:fillRect/>
-          </a:stretch>
-        </p:blipFill>
-        <p:spPr bwMode="auto">
-          <a:xfrm>
-            <a:off x="5292080" y="4028013"/>
-            <a:ext cx="3633217" cy="2829987"/>
-          </a:xfrm>
-          <a:prstGeom prst="rect">
-            <a:avLst/>
-          </a:prstGeom>
-          <a:noFill/>
-          <a:ln>
-            <a:noFill/>
-          </a:ln>
-          <a:extLst>
-            <a:ext uri="{909E8E84-426E-40DD-AFC4-6F175D3DCCD1}">
-              <a14:hiddenFill xmlns:a14="http://schemas.microsoft.com/office/drawing/2010/main">
-                <a:solidFill>
-                  <a:schemeClr val="accent1"/>
-                </a:solidFill>
-              </a14:hiddenFill>
-            </a:ext>
-            <a:ext uri="{91240B29-F687-4F45-9708-019B960494DF}">
-              <a14:hiddenLine xmlns:a14="http://schemas.microsoft.com/office/drawing/2010/main" w="9525">
-                <a:solidFill>
-                  <a:schemeClr val="tx1"/>
-                </a:solidFill>
-                <a:miter lim="800000"/>
-                <a:headEnd/>
-                <a:tailEnd/>
-              </a14:hiddenLine>
+            <a:ext uri="{AF507438-7753-43E0-B8FC-AC1667EBCBE1}">
+              <a14:hiddenEffects xmlns:a14="http://schemas.microsoft.com/office/drawing/2010/main">
+                <a:effectLst>
+                  <a:outerShdw dist="35921" dir="2700000" algn="ctr" rotWithShape="0">
+                    <a:schemeClr val="bg2"/>
+                  </a:outerShdw>
+                </a:effectLst>
+              </a14:hiddenEffects>
             </a:ext>
           </a:extLst>
         </p:spPr>
@@ -2760,7 +2782,7 @@
     </p:spTree>
     <p:extLst>
       <p:ext uri="{BB962C8B-B14F-4D97-AF65-F5344CB8AC3E}">
-        <p14:creationId xmlns:p14="http://schemas.microsoft.com/office/powerpoint/2010/main" val="2790527750"/>
+        <p14:creationId xmlns:p14="http://schemas.microsoft.com/office/powerpoint/2010/main" val="2055162720"/>
       </p:ext>
     </p:extLst>
   </p:cSld>
@@ -3013,6 +3035,13 @@
   <p:clrMapOvr>
     <a:masterClrMapping/>
   </p:clrMapOvr>
+  <p:timing>
+    <p:tnLst>
+      <p:par>
+        <p:cTn id="1" dur="indefinite" restart="never" nodeType="tmRoot"/>
+      </p:par>
+    </p:tnLst>
+  </p:timing>
 </p:sld>
 </file>
 
@@ -4570,6 +4599,116 @@
           </a:extLst>
         </p:spPr>
       </p:pic>
+      <p:sp>
+        <p:nvSpPr>
+          <p:cNvPr id="3" name="직사각형 2"/>
+          <p:cNvSpPr/>
+          <p:nvPr/>
+        </p:nvSpPr>
+        <p:spPr>
+          <a:xfrm>
+            <a:off x="971600" y="2996952"/>
+            <a:ext cx="2304256" cy="216024"/>
+          </a:xfrm>
+          <a:prstGeom prst="rect">
+            <a:avLst/>
+          </a:prstGeom>
+          <a:noFill/>
+          <a:ln>
+            <a:solidFill>
+              <a:srgbClr val="FF0000"/>
+            </a:solidFill>
+          </a:ln>
+        </p:spPr>
+        <p:style>
+          <a:lnRef idx="2">
+            <a:schemeClr val="accent1">
+              <a:shade val="50000"/>
+            </a:schemeClr>
+          </a:lnRef>
+          <a:fillRef idx="1">
+            <a:schemeClr val="accent1"/>
+          </a:fillRef>
+          <a:effectRef idx="0">
+            <a:schemeClr val="accent1"/>
+          </a:effectRef>
+          <a:fontRef idx="minor">
+            <a:schemeClr val="lt1"/>
+          </a:fontRef>
+        </p:style>
+        <p:txBody>
+          <a:bodyPr rtlCol="0" anchor="ctr"/>
+          <a:lstStyle/>
+          <a:p>
+            <a:pPr algn="ctr"/>
+            <a:endParaRPr lang="ko-KR" altLang="en-US"/>
+          </a:p>
+        </p:txBody>
+      </p:sp>
+      <p:pic>
+        <p:nvPicPr>
+          <p:cNvPr id="3074" name="Picture 2"/>
+          <p:cNvPicPr>
+            <a:picLocks noChangeAspect="1" noChangeArrowheads="1"/>
+          </p:cNvPicPr>
+          <p:nvPr/>
+        </p:nvPicPr>
+        <p:blipFill>
+          <a:blip r:embed="rId3">
+            <a:extLst>
+              <a:ext uri="{28A0092B-C50C-407E-A947-70E740481C1C}">
+                <a14:useLocalDpi xmlns:a14="http://schemas.microsoft.com/office/drawing/2010/main" val="0"/>
+              </a:ext>
+            </a:extLst>
+          </a:blip>
+          <a:srcRect/>
+          <a:stretch>
+            <a:fillRect/>
+          </a:stretch>
+        </p:blipFill>
+        <p:spPr bwMode="auto">
+          <a:xfrm>
+            <a:off x="4784948" y="1052736"/>
+            <a:ext cx="4165352" cy="1799746"/>
+          </a:xfrm>
+          <a:prstGeom prst="rect">
+            <a:avLst/>
+          </a:prstGeom>
+          <a:noFill/>
+          <a:ln>
+            <a:noFill/>
+          </a:ln>
+          <a:effectLst/>
+          <a:extLst>
+            <a:ext uri="{909E8E84-426E-40DD-AFC4-6F175D3DCCD1}">
+              <a14:hiddenFill xmlns:a14="http://schemas.microsoft.com/office/drawing/2010/main">
+                <a:solidFill>
+                  <a:schemeClr val="accent1"/>
+                </a:solidFill>
+              </a14:hiddenFill>
+            </a:ext>
+            <a:ext uri="{91240B29-F687-4F45-9708-019B960494DF}">
+              <a14:hiddenLine xmlns:a14="http://schemas.microsoft.com/office/drawing/2010/main" w="9525">
+                <a:solidFill>
+                  <a:schemeClr val="tx1"/>
+                </a:solidFill>
+                <a:miter lim="800000"/>
+                <a:headEnd/>
+                <a:tailEnd/>
+              </a14:hiddenLine>
+            </a:ext>
+            <a:ext uri="{AF507438-7753-43E0-B8FC-AC1667EBCBE1}">
+              <a14:hiddenEffects xmlns:a14="http://schemas.microsoft.com/office/drawing/2010/main">
+                <a:effectLst>
+                  <a:outerShdw dist="35921" dir="2700000" algn="ctr" rotWithShape="0">
+                    <a:schemeClr val="bg2"/>
+                  </a:outerShdw>
+                </a:effectLst>
+              </a14:hiddenEffects>
+            </a:ext>
+          </a:extLst>
+        </p:spPr>
+      </p:pic>
       <p:pic>
         <p:nvPicPr>
           <p:cNvPr id="5122" name="Picture 2"/>
@@ -4579,7 +4718,7 @@
           <p:nvPr/>
         </p:nvPicPr>
         <p:blipFill>
-          <a:blip r:embed="rId3">
+          <a:blip r:embed="rId4">
             <a:extLst>
               <a:ext uri="{28A0092B-C50C-407E-A947-70E740481C1C}">
                 <a14:useLocalDpi xmlns:a14="http://schemas.microsoft.com/office/drawing/2010/main" val="0"/>
@@ -4634,6 +4773,98 @@
           </a:extLst>
         </p:spPr>
       </p:pic>
+      <p:sp>
+        <p:nvSpPr>
+          <p:cNvPr id="6" name="직사각형 5"/>
+          <p:cNvSpPr/>
+          <p:nvPr/>
+        </p:nvSpPr>
+        <p:spPr>
+          <a:xfrm>
+            <a:off x="3428256" y="3429000"/>
+            <a:ext cx="5176192" cy="360040"/>
+          </a:xfrm>
+          <a:prstGeom prst="rect">
+            <a:avLst/>
+          </a:prstGeom>
+          <a:noFill/>
+          <a:ln>
+            <a:solidFill>
+              <a:srgbClr val="FF0000"/>
+            </a:solidFill>
+          </a:ln>
+        </p:spPr>
+        <p:style>
+          <a:lnRef idx="2">
+            <a:schemeClr val="accent1">
+              <a:shade val="50000"/>
+            </a:schemeClr>
+          </a:lnRef>
+          <a:fillRef idx="1">
+            <a:schemeClr val="accent1"/>
+          </a:fillRef>
+          <a:effectRef idx="0">
+            <a:schemeClr val="accent1"/>
+          </a:effectRef>
+          <a:fontRef idx="minor">
+            <a:schemeClr val="lt1"/>
+          </a:fontRef>
+        </p:style>
+        <p:txBody>
+          <a:bodyPr rtlCol="0" anchor="ctr"/>
+          <a:lstStyle/>
+          <a:p>
+            <a:pPr algn="ctr"/>
+            <a:endParaRPr lang="ko-KR" altLang="en-US"/>
+          </a:p>
+        </p:txBody>
+      </p:sp>
+      <p:sp>
+        <p:nvSpPr>
+          <p:cNvPr id="8" name="직사각형 7"/>
+          <p:cNvSpPr/>
+          <p:nvPr/>
+        </p:nvSpPr>
+        <p:spPr>
+          <a:xfrm>
+            <a:off x="5076056" y="1340768"/>
+            <a:ext cx="1224136" cy="288032"/>
+          </a:xfrm>
+          <a:prstGeom prst="rect">
+            <a:avLst/>
+          </a:prstGeom>
+          <a:noFill/>
+          <a:ln>
+            <a:solidFill>
+              <a:srgbClr val="FF0000"/>
+            </a:solidFill>
+          </a:ln>
+        </p:spPr>
+        <p:style>
+          <a:lnRef idx="2">
+            <a:schemeClr val="accent1">
+              <a:shade val="50000"/>
+            </a:schemeClr>
+          </a:lnRef>
+          <a:fillRef idx="1">
+            <a:schemeClr val="accent1"/>
+          </a:fillRef>
+          <a:effectRef idx="0">
+            <a:schemeClr val="accent1"/>
+          </a:effectRef>
+          <a:fontRef idx="minor">
+            <a:schemeClr val="lt1"/>
+          </a:fontRef>
+        </p:style>
+        <p:txBody>
+          <a:bodyPr rtlCol="0" anchor="ctr"/>
+          <a:lstStyle/>
+          <a:p>
+            <a:pPr algn="ctr"/>
+            <a:endParaRPr lang="ko-KR" altLang="en-US"/>
+          </a:p>
+        </p:txBody>
+      </p:sp>
     </p:spTree>
     <p:extLst>
       <p:ext uri="{BB962C8B-B14F-4D97-AF65-F5344CB8AC3E}">
@@ -4665,7 +4896,7 @@
                             </p:stCondLst>
                             <p:childTnLst>
                               <p:par>
-                                <p:cTn id="5" presetID="1" presetClass="entr" presetSubtype="0" fill="hold" nodeType="clickEffect">
+                                <p:cTn id="5" presetID="1" presetClass="entr" presetSubtype="0" fill="hold" grpId="0" nodeType="clickEffect">
                                   <p:stCondLst>
                                     <p:cond delay="0"/>
                                   </p:stCondLst>
@@ -4678,7 +4909,178 @@
                                           </p:stCondLst>
                                         </p:cTn>
                                         <p:tgtEl>
+                                          <p:spTgt spid="3"/>
+                                        </p:tgtEl>
+                                        <p:attrNameLst>
+                                          <p:attrName>style.visibility</p:attrName>
+                                        </p:attrNameLst>
+                                      </p:cBhvr>
+                                      <p:to>
+                                        <p:strVal val="visible"/>
+                                      </p:to>
+                                    </p:set>
+                                  </p:childTnLst>
+                                </p:cTn>
+                              </p:par>
+                              <p:par>
+                                <p:cTn id="7" presetID="1" presetClass="entr" presetSubtype="0" fill="hold" grpId="0" nodeType="withEffect">
+                                  <p:stCondLst>
+                                    <p:cond delay="0"/>
+                                  </p:stCondLst>
+                                  <p:childTnLst>
+                                    <p:set>
+                                      <p:cBhvr>
+                                        <p:cTn id="8" dur="1" fill="hold">
+                                          <p:stCondLst>
+                                            <p:cond delay="0"/>
+                                          </p:stCondLst>
+                                        </p:cTn>
+                                        <p:tgtEl>
+                                          <p:spTgt spid="8"/>
+                                        </p:tgtEl>
+                                        <p:attrNameLst>
+                                          <p:attrName>style.visibility</p:attrName>
+                                        </p:attrNameLst>
+                                      </p:cBhvr>
+                                      <p:to>
+                                        <p:strVal val="visible"/>
+                                      </p:to>
+                                    </p:set>
+                                  </p:childTnLst>
+                                </p:cTn>
+                              </p:par>
+                            </p:childTnLst>
+                          </p:cTn>
+                        </p:par>
+                      </p:childTnLst>
+                    </p:cTn>
+                  </p:par>
+                  <p:par>
+                    <p:cTn id="9" fill="hold">
+                      <p:stCondLst>
+                        <p:cond delay="indefinite"/>
+                      </p:stCondLst>
+                      <p:childTnLst>
+                        <p:par>
+                          <p:cTn id="10" fill="hold">
+                            <p:stCondLst>
+                              <p:cond delay="0"/>
+                            </p:stCondLst>
+                            <p:childTnLst>
+                              <p:par>
+                                <p:cTn id="11" presetID="1" presetClass="exit" presetSubtype="0" fill="hold" grpId="1" nodeType="clickEffect">
+                                  <p:stCondLst>
+                                    <p:cond delay="0"/>
+                                  </p:stCondLst>
+                                  <p:childTnLst>
+                                    <p:set>
+                                      <p:cBhvr>
+                                        <p:cTn id="12" dur="1" fill="hold">
+                                          <p:stCondLst>
+                                            <p:cond delay="0"/>
+                                          </p:stCondLst>
+                                        </p:cTn>
+                                        <p:tgtEl>
+                                          <p:spTgt spid="3"/>
+                                        </p:tgtEl>
+                                        <p:attrNameLst>
+                                          <p:attrName>style.visibility</p:attrName>
+                                        </p:attrNameLst>
+                                      </p:cBhvr>
+                                      <p:to>
+                                        <p:strVal val="hidden"/>
+                                      </p:to>
+                                    </p:set>
+                                  </p:childTnLst>
+                                </p:cTn>
+                              </p:par>
+                              <p:par>
+                                <p:cTn id="13" presetID="1" presetClass="exit" presetSubtype="0" fill="hold" grpId="1" nodeType="withEffect">
+                                  <p:stCondLst>
+                                    <p:cond delay="0"/>
+                                  </p:stCondLst>
+                                  <p:childTnLst>
+                                    <p:set>
+                                      <p:cBhvr>
+                                        <p:cTn id="14" dur="1" fill="hold">
+                                          <p:stCondLst>
+                                            <p:cond delay="0"/>
+                                          </p:stCondLst>
+                                        </p:cTn>
+                                        <p:tgtEl>
+                                          <p:spTgt spid="8"/>
+                                        </p:tgtEl>
+                                        <p:attrNameLst>
+                                          <p:attrName>style.visibility</p:attrName>
+                                        </p:attrNameLst>
+                                      </p:cBhvr>
+                                      <p:to>
+                                        <p:strVal val="hidden"/>
+                                      </p:to>
+                                    </p:set>
+                                  </p:childTnLst>
+                                </p:cTn>
+                              </p:par>
+                              <p:par>
+                                <p:cTn id="15" presetID="1" presetClass="entr" presetSubtype="0" fill="hold" nodeType="withEffect">
+                                  <p:stCondLst>
+                                    <p:cond delay="0"/>
+                                  </p:stCondLst>
+                                  <p:childTnLst>
+                                    <p:set>
+                                      <p:cBhvr>
+                                        <p:cTn id="16" dur="1" fill="hold">
+                                          <p:stCondLst>
+                                            <p:cond delay="0"/>
+                                          </p:stCondLst>
+                                        </p:cTn>
+                                        <p:tgtEl>
                                           <p:spTgt spid="5122"/>
+                                        </p:tgtEl>
+                                        <p:attrNameLst>
+                                          <p:attrName>style.visibility</p:attrName>
+                                        </p:attrNameLst>
+                                      </p:cBhvr>
+                                      <p:to>
+                                        <p:strVal val="visible"/>
+                                      </p:to>
+                                    </p:set>
+                                  </p:childTnLst>
+                                </p:cTn>
+                              </p:par>
+                            </p:childTnLst>
+                          </p:cTn>
+                        </p:par>
+                      </p:childTnLst>
+                    </p:cTn>
+                  </p:par>
+                  <p:par>
+                    <p:cTn id="17" fill="hold">
+                      <p:stCondLst>
+                        <p:cond delay="indefinite"/>
+                      </p:stCondLst>
+                      <p:childTnLst>
+                        <p:par>
+                          <p:cTn id="18" fill="hold">
+                            <p:stCondLst>
+                              <p:cond delay="0"/>
+                            </p:stCondLst>
+                            <p:childTnLst>
+                              <p:par>
+                                <p:cTn id="19" presetID="1" presetClass="entr" presetSubtype="0" fill="hold" grpId="0" nodeType="clickEffect">
+                                  <p:stCondLst>
+                                    <p:cond delay="0"/>
+                                  </p:stCondLst>
+                                  <p:childTnLst>
+                                    <p:set>
+                                      <p:cBhvr>
+                                        <p:cTn id="20" dur="1" fill="hold">
+                                          <p:stCondLst>
+                                            <p:cond delay="0"/>
+                                          </p:stCondLst>
+                                        </p:cTn>
+                                        <p:tgtEl>
+                                          <p:spTgt spid="6"/>
                                         </p:tgtEl>
                                         <p:attrNameLst>
                                           <p:attrName>style.visibility</p:attrName>
@@ -4718,193 +5120,18 @@
         </p:cTn>
       </p:par>
     </p:tnLst>
+    <p:bldLst>
+      <p:bldP spid="3" grpId="0" animBg="1"/>
+      <p:bldP spid="3" grpId="1" animBg="1"/>
+      <p:bldP spid="6" grpId="0" animBg="1"/>
+      <p:bldP spid="8" grpId="0" animBg="1"/>
+      <p:bldP spid="8" grpId="1" animBg="1"/>
+    </p:bldLst>
   </p:timing>
 </p:sld>
 </file>
 
 <file path=ppt/slides/slide23.xml><?xml version="1.0" encoding="utf-8"?>
-<p:sld xmlns:a="http://schemas.openxmlformats.org/drawingml/2006/main" xmlns:r="http://schemas.openxmlformats.org/officeDocument/2006/relationships" xmlns:p="http://schemas.openxmlformats.org/presentationml/2006/main">
-  <p:cSld>
-    <p:spTree>
-      <p:nvGrpSpPr>
-        <p:cNvPr id="1" name=""/>
-        <p:cNvGrpSpPr/>
-        <p:nvPr/>
-      </p:nvGrpSpPr>
-      <p:grpSpPr>
-        <a:xfrm>
-          <a:off x="0" y="0"/>
-          <a:ext cx="0" cy="0"/>
-          <a:chOff x="0" y="0"/>
-          <a:chExt cx="0" cy="0"/>
-        </a:xfrm>
-      </p:grpSpPr>
-      <p:sp>
-        <p:nvSpPr>
-          <p:cNvPr id="2" name="제목 1"/>
-          <p:cNvSpPr>
-            <a:spLocks noGrp="1"/>
-          </p:cNvSpPr>
-          <p:nvPr>
-            <p:ph type="title"/>
-          </p:nvPr>
-        </p:nvSpPr>
-        <p:spPr/>
-        <p:txBody>
-          <a:bodyPr>
-            <a:normAutofit/>
-          </a:bodyPr>
-          <a:lstStyle/>
-          <a:p>
-            <a:r>
-              <a:rPr lang="ko-KR" altLang="en-US" dirty="0"/>
-              <a:t>문제점 </a:t>
-            </a:r>
-            <a:r>
-              <a:rPr lang="en-US" altLang="ko-KR" dirty="0"/>
-              <a:t>2. </a:t>
-            </a:r>
-            <a:r>
-              <a:rPr lang="en-US" altLang="ko-KR" dirty="0" err="1"/>
-              <a:t>localStorge</a:t>
-            </a:r>
-            <a:r>
-              <a:rPr lang="ko-KR" altLang="en-US" dirty="0"/>
-              <a:t>는 </a:t>
-            </a:r>
-            <a:r>
-              <a:rPr lang="en-US" altLang="ko-KR" dirty="0"/>
-              <a:t>1</a:t>
-            </a:r>
-            <a:r>
-              <a:rPr lang="ko-KR" altLang="en-US" dirty="0"/>
-              <a:t>개만 사용 할 수 있다</a:t>
-            </a:r>
-            <a:r>
-              <a:rPr lang="en-US" altLang="ko-KR" dirty="0" smtClean="0"/>
-              <a:t>.</a:t>
-            </a:r>
-            <a:endParaRPr lang="ko-KR" altLang="en-US" dirty="0"/>
-          </a:p>
-        </p:txBody>
-      </p:sp>
-      <p:sp>
-        <p:nvSpPr>
-          <p:cNvPr id="3" name="직사각형 2"/>
-          <p:cNvSpPr/>
-          <p:nvPr/>
-        </p:nvSpPr>
-        <p:spPr>
-          <a:xfrm>
-            <a:off x="2267744" y="3068960"/>
-            <a:ext cx="1872208" cy="720080"/>
-          </a:xfrm>
-          <a:prstGeom prst="rect">
-            <a:avLst/>
-          </a:prstGeom>
-          <a:solidFill>
-            <a:schemeClr val="accent1">
-              <a:lumMod val="20000"/>
-              <a:lumOff val="80000"/>
-            </a:schemeClr>
-          </a:solidFill>
-        </p:spPr>
-        <p:style>
-          <a:lnRef idx="2">
-            <a:schemeClr val="accent6"/>
-          </a:lnRef>
-          <a:fillRef idx="1">
-            <a:schemeClr val="lt1"/>
-          </a:fillRef>
-          <a:effectRef idx="0">
-            <a:schemeClr val="accent6"/>
-          </a:effectRef>
-          <a:fontRef idx="minor">
-            <a:schemeClr val="dk1"/>
-          </a:fontRef>
-        </p:style>
-        <p:txBody>
-          <a:bodyPr rtlCol="0" anchor="ctr"/>
-          <a:lstStyle/>
-          <a:p>
-            <a:pPr algn="ctr"/>
-            <a:r>
-              <a:rPr lang="en-US" altLang="ko-KR" dirty="0" smtClean="0"/>
-              <a:t>JSON</a:t>
-            </a:r>
-            <a:endParaRPr lang="ko-KR" altLang="en-US" dirty="0"/>
-          </a:p>
-        </p:txBody>
-      </p:sp>
-      <p:sp>
-        <p:nvSpPr>
-          <p:cNvPr id="4" name="직사각형 3"/>
-          <p:cNvSpPr/>
-          <p:nvPr/>
-        </p:nvSpPr>
-        <p:spPr>
-          <a:xfrm>
-            <a:off x="5196543" y="3068960"/>
-            <a:ext cx="1872208" cy="720080"/>
-          </a:xfrm>
-          <a:prstGeom prst="rect">
-            <a:avLst/>
-          </a:prstGeom>
-          <a:solidFill>
-            <a:schemeClr val="accent2">
-              <a:lumMod val="20000"/>
-              <a:lumOff val="80000"/>
-            </a:schemeClr>
-          </a:solidFill>
-        </p:spPr>
-        <p:style>
-          <a:lnRef idx="2">
-            <a:schemeClr val="accent6"/>
-          </a:lnRef>
-          <a:fillRef idx="1">
-            <a:schemeClr val="lt1"/>
-          </a:fillRef>
-          <a:effectRef idx="0">
-            <a:schemeClr val="accent6"/>
-          </a:effectRef>
-          <a:fontRef idx="minor">
-            <a:schemeClr val="dk1"/>
-          </a:fontRef>
-        </p:style>
-        <p:txBody>
-          <a:bodyPr rtlCol="0" anchor="ctr"/>
-          <a:lstStyle/>
-          <a:p>
-            <a:pPr algn="ctr"/>
-            <a:r>
-              <a:rPr lang="en-US" altLang="ko-KR" dirty="0" err="1" smtClean="0"/>
-              <a:t>ArrayList</a:t>
-            </a:r>
-            <a:endParaRPr lang="ko-KR" altLang="en-US" dirty="0"/>
-          </a:p>
-        </p:txBody>
-      </p:sp>
-    </p:spTree>
-    <p:extLst>
-      <p:ext uri="{BB962C8B-B14F-4D97-AF65-F5344CB8AC3E}">
-        <p14:creationId xmlns:p14="http://schemas.microsoft.com/office/powerpoint/2010/main" val="1991294054"/>
-      </p:ext>
-    </p:extLst>
-  </p:cSld>
-  <p:clrMapOvr>
-    <a:masterClrMapping/>
-  </p:clrMapOvr>
-  <p:timing>
-    <p:tnLst>
-      <p:par>
-        <p:cTn id="1" dur="indefinite" restart="never" nodeType="tmRoot"/>
-      </p:par>
-    </p:tnLst>
-  </p:timing>
-</p:sld>
-</file>
-
-<file path=ppt/slides/slide24.xml><?xml version="1.0" encoding="utf-8"?>
 <p:sld xmlns:a="http://schemas.openxmlformats.org/drawingml/2006/main" xmlns:r="http://schemas.openxmlformats.org/officeDocument/2006/relationships" xmlns:p="http://schemas.openxmlformats.org/presentationml/2006/main">
   <p:cSld>
     <p:spTree>
@@ -5096,6 +5323,52 @@
           </a:extLst>
         </p:spPr>
       </p:pic>
+      <p:sp>
+        <p:nvSpPr>
+          <p:cNvPr id="3" name="직사각형 2"/>
+          <p:cNvSpPr/>
+          <p:nvPr/>
+        </p:nvSpPr>
+        <p:spPr>
+          <a:xfrm>
+            <a:off x="4427984" y="4797152"/>
+            <a:ext cx="2736304" cy="936104"/>
+          </a:xfrm>
+          <a:prstGeom prst="rect">
+            <a:avLst/>
+          </a:prstGeom>
+          <a:noFill/>
+          <a:ln w="38100">
+            <a:solidFill>
+              <a:srgbClr val="FF0000"/>
+            </a:solidFill>
+          </a:ln>
+        </p:spPr>
+        <p:style>
+          <a:lnRef idx="2">
+            <a:schemeClr val="accent1">
+              <a:shade val="50000"/>
+            </a:schemeClr>
+          </a:lnRef>
+          <a:fillRef idx="1">
+            <a:schemeClr val="accent1"/>
+          </a:fillRef>
+          <a:effectRef idx="0">
+            <a:schemeClr val="accent1"/>
+          </a:effectRef>
+          <a:fontRef idx="minor">
+            <a:schemeClr val="lt1"/>
+          </a:fontRef>
+        </p:style>
+        <p:txBody>
+          <a:bodyPr rtlCol="0" anchor="ctr"/>
+          <a:lstStyle/>
+          <a:p>
+            <a:pPr algn="ctr"/>
+            <a:endParaRPr lang="ko-KR" altLang="en-US"/>
+          </a:p>
+        </p:txBody>
+      </p:sp>
     </p:spTree>
     <p:extLst>
       <p:ext uri="{BB962C8B-B14F-4D97-AF65-F5344CB8AC3E}">
@@ -5109,14 +5382,85 @@
   <p:timing>
     <p:tnLst>
       <p:par>
-        <p:cTn id="1" dur="indefinite" restart="never" nodeType="tmRoot"/>
+        <p:cTn id="1" dur="indefinite" restart="never" nodeType="tmRoot">
+          <p:childTnLst>
+            <p:seq concurrent="1" nextAc="seek">
+              <p:cTn id="2" dur="indefinite" nodeType="mainSeq">
+                <p:childTnLst>
+                  <p:par>
+                    <p:cTn id="3" fill="hold">
+                      <p:stCondLst>
+                        <p:cond delay="indefinite"/>
+                      </p:stCondLst>
+                      <p:childTnLst>
+                        <p:par>
+                          <p:cTn id="4" fill="hold">
+                            <p:stCondLst>
+                              <p:cond delay="0"/>
+                            </p:stCondLst>
+                            <p:childTnLst>
+                              <p:par>
+                                <p:cTn id="5" presetID="1" presetClass="entr" presetSubtype="0" fill="hold" grpId="0" nodeType="clickEffect">
+                                  <p:stCondLst>
+                                    <p:cond delay="0"/>
+                                  </p:stCondLst>
+                                  <p:childTnLst>
+                                    <p:set>
+                                      <p:cBhvr>
+                                        <p:cTn id="6" dur="1" fill="hold">
+                                          <p:stCondLst>
+                                            <p:cond delay="0"/>
+                                          </p:stCondLst>
+                                        </p:cTn>
+                                        <p:tgtEl>
+                                          <p:spTgt spid="3"/>
+                                        </p:tgtEl>
+                                        <p:attrNameLst>
+                                          <p:attrName>style.visibility</p:attrName>
+                                        </p:attrNameLst>
+                                      </p:cBhvr>
+                                      <p:to>
+                                        <p:strVal val="visible"/>
+                                      </p:to>
+                                    </p:set>
+                                  </p:childTnLst>
+                                </p:cTn>
+                              </p:par>
+                            </p:childTnLst>
+                          </p:cTn>
+                        </p:par>
+                      </p:childTnLst>
+                    </p:cTn>
+                  </p:par>
+                </p:childTnLst>
+              </p:cTn>
+              <p:prevCondLst>
+                <p:cond evt="onPrev" delay="0">
+                  <p:tgtEl>
+                    <p:sldTgt/>
+                  </p:tgtEl>
+                </p:cond>
+              </p:prevCondLst>
+              <p:nextCondLst>
+                <p:cond evt="onNext" delay="0">
+                  <p:tgtEl>
+                    <p:sldTgt/>
+                  </p:tgtEl>
+                </p:cond>
+              </p:nextCondLst>
+            </p:seq>
+          </p:childTnLst>
+        </p:cTn>
       </p:par>
     </p:tnLst>
+    <p:bldLst>
+      <p:bldP spid="3" grpId="0" animBg="1"/>
+    </p:bldLst>
   </p:timing>
 </p:sld>
 </file>
 
-<file path=ppt/slides/slide25.xml><?xml version="1.0" encoding="utf-8"?>
+<file path=ppt/slides/slide24.xml><?xml version="1.0" encoding="utf-8"?>
 <p:sld xmlns:a="http://schemas.openxmlformats.org/drawingml/2006/main" xmlns:r="http://schemas.openxmlformats.org/officeDocument/2006/relationships" xmlns:p="http://schemas.openxmlformats.org/presentationml/2006/main">
   <p:cSld>
     <p:spTree>
@@ -5527,7 +5871,7 @@
 </p:sld>
 </file>
 
-<file path=ppt/slides/slide26.xml><?xml version="1.0" encoding="utf-8"?>
+<file path=ppt/slides/slide25.xml><?xml version="1.0" encoding="utf-8"?>
 <p:sld xmlns:a="http://schemas.openxmlformats.org/drawingml/2006/main" xmlns:r="http://schemas.openxmlformats.org/officeDocument/2006/relationships" xmlns:p="http://schemas.openxmlformats.org/presentationml/2006/main">
   <p:cSld>
     <p:spTree>
@@ -5874,7 +6218,7 @@
 </p:sld>
 </file>
 
-<file path=ppt/slides/slide27.xml><?xml version="1.0" encoding="utf-8"?>
+<file path=ppt/slides/slide26.xml><?xml version="1.0" encoding="utf-8"?>
 <p:sld xmlns:a="http://schemas.openxmlformats.org/drawingml/2006/main" xmlns:r="http://schemas.openxmlformats.org/officeDocument/2006/relationships" xmlns:p="http://schemas.openxmlformats.org/presentationml/2006/main">
   <p:cSld>
     <p:spTree>
@@ -6140,7 +6484,7 @@
 </p:sld>
 </file>
 
-<file path=ppt/slides/slide28.xml><?xml version="1.0" encoding="utf-8"?>
+<file path=ppt/slides/slide27.xml><?xml version="1.0" encoding="utf-8"?>
 <p:sld xmlns:a="http://schemas.openxmlformats.org/drawingml/2006/main" xmlns:r="http://schemas.openxmlformats.org/officeDocument/2006/relationships" xmlns:p="http://schemas.openxmlformats.org/presentationml/2006/main">
   <p:cSld>
     <p:spTree>
@@ -6310,7 +6654,7 @@
 </p:sld>
 </file>
 
-<file path=ppt/slides/slide29.xml><?xml version="1.0" encoding="utf-8"?>
+<file path=ppt/slides/slide28.xml><?xml version="1.0" encoding="utf-8"?>
 <p:sld xmlns:a="http://schemas.openxmlformats.org/drawingml/2006/main" xmlns:r="http://schemas.openxmlformats.org/officeDocument/2006/relationships" xmlns:p="http://schemas.openxmlformats.org/presentationml/2006/main">
   <p:cSld>
     <p:spTree>
@@ -6471,8 +6815,8 @@
         </p:nvSpPr>
         <p:spPr>
           <a:xfrm>
-            <a:off x="2591663" y="3995772"/>
-            <a:ext cx="3921202" cy="369332"/>
+            <a:off x="2998524" y="3995772"/>
+            <a:ext cx="3146952" cy="369332"/>
           </a:xfrm>
           <a:prstGeom prst="rect">
             <a:avLst/>
@@ -6491,7 +6835,7 @@
             </a:r>
             <a:r>
               <a:rPr lang="ko-KR" altLang="en-US" dirty="0" smtClean="0"/>
-              <a:t>로 자신을 다시 불러오도록 대체</a:t>
+              <a:t>로 다시 불러오도록 대체</a:t>
             </a:r>
             <a:endParaRPr lang="ko-KR" altLang="en-US" dirty="0"/>
           </a:p>
@@ -6501,6 +6845,174 @@
     <p:extLst>
       <p:ext uri="{BB962C8B-B14F-4D97-AF65-F5344CB8AC3E}">
         <p14:creationId xmlns:p14="http://schemas.microsoft.com/office/powerpoint/2010/main" val="2993387245"/>
+      </p:ext>
+    </p:extLst>
+  </p:cSld>
+  <p:clrMapOvr>
+    <a:masterClrMapping/>
+  </p:clrMapOvr>
+  <p:timing>
+    <p:tnLst>
+      <p:par>
+        <p:cTn id="1" dur="indefinite" restart="never" nodeType="tmRoot"/>
+      </p:par>
+    </p:tnLst>
+  </p:timing>
+</p:sld>
+</file>
+
+<file path=ppt/slides/slide29.xml><?xml version="1.0" encoding="utf-8"?>
+<p:sld xmlns:a="http://schemas.openxmlformats.org/drawingml/2006/main" xmlns:r="http://schemas.openxmlformats.org/officeDocument/2006/relationships" xmlns:p="http://schemas.openxmlformats.org/presentationml/2006/main">
+  <p:cSld>
+    <p:spTree>
+      <p:nvGrpSpPr>
+        <p:cNvPr id="1" name=""/>
+        <p:cNvGrpSpPr/>
+        <p:nvPr/>
+      </p:nvGrpSpPr>
+      <p:grpSpPr>
+        <a:xfrm>
+          <a:off x="0" y="0"/>
+          <a:ext cx="0" cy="0"/>
+          <a:chOff x="0" y="0"/>
+          <a:chExt cx="0" cy="0"/>
+        </a:xfrm>
+      </p:grpSpPr>
+      <p:sp>
+        <p:nvSpPr>
+          <p:cNvPr id="2" name="제목 1"/>
+          <p:cNvSpPr>
+            <a:spLocks noGrp="1"/>
+          </p:cNvSpPr>
+          <p:nvPr>
+            <p:ph type="title"/>
+          </p:nvPr>
+        </p:nvSpPr>
+        <p:spPr/>
+        <p:txBody>
+          <a:bodyPr/>
+          <a:lstStyle/>
+          <a:p>
+            <a:r>
+              <a:rPr lang="ko-KR" altLang="en-US" dirty="0" smtClean="0"/>
+              <a:t>팝업 띄우기</a:t>
+            </a:r>
+            <a:endParaRPr lang="ko-KR" altLang="en-US" dirty="0"/>
+          </a:p>
+        </p:txBody>
+      </p:sp>
+      <p:pic>
+        <p:nvPicPr>
+          <p:cNvPr id="3" name="Picture 2"/>
+          <p:cNvPicPr>
+            <a:picLocks noChangeAspect="1" noChangeArrowheads="1"/>
+          </p:cNvPicPr>
+          <p:nvPr/>
+        </p:nvPicPr>
+        <p:blipFill>
+          <a:blip r:embed="rId2">
+            <a:extLst>
+              <a:ext uri="{28A0092B-C50C-407E-A947-70E740481C1C}">
+                <a14:useLocalDpi xmlns:a14="http://schemas.microsoft.com/office/drawing/2010/main" val="0"/>
+              </a:ext>
+            </a:extLst>
+          </a:blip>
+          <a:srcRect/>
+          <a:stretch>
+            <a:fillRect/>
+          </a:stretch>
+        </p:blipFill>
+        <p:spPr bwMode="auto">
+          <a:xfrm>
+            <a:off x="2614612" y="1484784"/>
+            <a:ext cx="3914775" cy="1790700"/>
+          </a:xfrm>
+          <a:prstGeom prst="rect">
+            <a:avLst/>
+          </a:prstGeom>
+          <a:noFill/>
+          <a:ln>
+            <a:noFill/>
+          </a:ln>
+          <a:extLst>
+            <a:ext uri="{909E8E84-426E-40DD-AFC4-6F175D3DCCD1}">
+              <a14:hiddenFill xmlns:a14="http://schemas.microsoft.com/office/drawing/2010/main">
+                <a:solidFill>
+                  <a:schemeClr val="accent1"/>
+                </a:solidFill>
+              </a14:hiddenFill>
+            </a:ext>
+            <a:ext uri="{91240B29-F687-4F45-9708-019B960494DF}">
+              <a14:hiddenLine xmlns:a14="http://schemas.microsoft.com/office/drawing/2010/main" w="9525">
+                <a:solidFill>
+                  <a:schemeClr val="tx1"/>
+                </a:solidFill>
+                <a:miter lim="800000"/>
+                <a:headEnd/>
+                <a:tailEnd/>
+              </a14:hiddenLine>
+            </a:ext>
+          </a:extLst>
+        </p:spPr>
+      </p:pic>
+      <p:pic>
+        <p:nvPicPr>
+          <p:cNvPr id="4" name="Picture 3"/>
+          <p:cNvPicPr>
+            <a:picLocks noChangeAspect="1" noChangeArrowheads="1"/>
+          </p:cNvPicPr>
+          <p:nvPr/>
+        </p:nvPicPr>
+        <p:blipFill>
+          <a:blip r:embed="rId3">
+            <a:extLst>
+              <a:ext uri="{28A0092B-C50C-407E-A947-70E740481C1C}">
+                <a14:useLocalDpi xmlns:a14="http://schemas.microsoft.com/office/drawing/2010/main" val="0"/>
+              </a:ext>
+            </a:extLst>
+          </a:blip>
+          <a:srcRect/>
+          <a:stretch>
+            <a:fillRect/>
+          </a:stretch>
+        </p:blipFill>
+        <p:spPr bwMode="auto">
+          <a:xfrm>
+            <a:off x="828675" y="4045049"/>
+            <a:ext cx="7486650" cy="1400175"/>
+          </a:xfrm>
+          <a:prstGeom prst="rect">
+            <a:avLst/>
+          </a:prstGeom>
+          <a:noFill/>
+          <a:ln>
+            <a:noFill/>
+          </a:ln>
+          <a:extLst>
+            <a:ext uri="{909E8E84-426E-40DD-AFC4-6F175D3DCCD1}">
+              <a14:hiddenFill xmlns:a14="http://schemas.microsoft.com/office/drawing/2010/main">
+                <a:solidFill>
+                  <a:schemeClr val="accent1"/>
+                </a:solidFill>
+              </a14:hiddenFill>
+            </a:ext>
+            <a:ext uri="{91240B29-F687-4F45-9708-019B960494DF}">
+              <a14:hiddenLine xmlns:a14="http://schemas.microsoft.com/office/drawing/2010/main" w="9525">
+                <a:solidFill>
+                  <a:schemeClr val="tx1"/>
+                </a:solidFill>
+                <a:miter lim="800000"/>
+                <a:headEnd/>
+                <a:tailEnd/>
+              </a14:hiddenLine>
+            </a:ext>
+          </a:extLst>
+        </p:spPr>
+      </p:pic>
+    </p:spTree>
+    <p:extLst>
+      <p:ext uri="{BB962C8B-B14F-4D97-AF65-F5344CB8AC3E}">
+        <p14:creationId xmlns:p14="http://schemas.microsoft.com/office/powerpoint/2010/main" val="2870672031"/>
       </p:ext>
     </p:extLst>
   </p:cSld>
@@ -6863,813 +7375,6 @@
           <a:lstStyle/>
           <a:p>
             <a:r>
-              <a:rPr lang="ko-KR" altLang="en-US" dirty="0"/>
-              <a:t>카테고리 </a:t>
-            </a:r>
-            <a:r>
-              <a:rPr lang="ko-KR" altLang="en-US" dirty="0" smtClean="0"/>
-              <a:t>추가</a:t>
-            </a:r>
-            <a:endParaRPr lang="ko-KR" altLang="en-US" dirty="0"/>
-          </a:p>
-        </p:txBody>
-      </p:sp>
-      <p:pic>
-        <p:nvPicPr>
-          <p:cNvPr id="4098" name="Picture 2"/>
-          <p:cNvPicPr>
-            <a:picLocks noChangeAspect="1" noChangeArrowheads="1"/>
-          </p:cNvPicPr>
-          <p:nvPr/>
-        </p:nvPicPr>
-        <p:blipFill>
-          <a:blip r:embed="rId2">
-            <a:extLst>
-              <a:ext uri="{28A0092B-C50C-407E-A947-70E740481C1C}">
-                <a14:useLocalDpi xmlns:a14="http://schemas.microsoft.com/office/drawing/2010/main" val="0"/>
-              </a:ext>
-            </a:extLst>
-          </a:blip>
-          <a:srcRect/>
-          <a:stretch>
-            <a:fillRect/>
-          </a:stretch>
-        </p:blipFill>
-        <p:spPr bwMode="auto">
-          <a:xfrm>
-            <a:off x="2278230" y="4221088"/>
-            <a:ext cx="4659548" cy="2481522"/>
-          </a:xfrm>
-          <a:prstGeom prst="rect">
-            <a:avLst/>
-          </a:prstGeom>
-          <a:noFill/>
-          <a:ln>
-            <a:noFill/>
-          </a:ln>
-          <a:effectLst/>
-          <a:extLst>
-            <a:ext uri="{909E8E84-426E-40DD-AFC4-6F175D3DCCD1}">
-              <a14:hiddenFill xmlns:a14="http://schemas.microsoft.com/office/drawing/2010/main">
-                <a:solidFill>
-                  <a:schemeClr val="accent1"/>
-                </a:solidFill>
-              </a14:hiddenFill>
-            </a:ext>
-            <a:ext uri="{91240B29-F687-4F45-9708-019B960494DF}">
-              <a14:hiddenLine xmlns:a14="http://schemas.microsoft.com/office/drawing/2010/main" w="9525">
-                <a:solidFill>
-                  <a:schemeClr val="tx1"/>
-                </a:solidFill>
-                <a:miter lim="800000"/>
-                <a:headEnd/>
-                <a:tailEnd/>
-              </a14:hiddenLine>
-            </a:ext>
-            <a:ext uri="{AF507438-7753-43E0-B8FC-AC1667EBCBE1}">
-              <a14:hiddenEffects xmlns:a14="http://schemas.microsoft.com/office/drawing/2010/main">
-                <a:effectLst>
-                  <a:outerShdw dist="35921" dir="2700000" algn="ctr" rotWithShape="0">
-                    <a:schemeClr val="bg2"/>
-                  </a:outerShdw>
-                </a:effectLst>
-              </a14:hiddenEffects>
-            </a:ext>
-          </a:extLst>
-        </p:spPr>
-      </p:pic>
-      <p:pic>
-        <p:nvPicPr>
-          <p:cNvPr id="4099" name="Picture 3"/>
-          <p:cNvPicPr>
-            <a:picLocks noChangeAspect="1" noChangeArrowheads="1"/>
-          </p:cNvPicPr>
-          <p:nvPr/>
-        </p:nvPicPr>
-        <p:blipFill>
-          <a:blip r:embed="rId3">
-            <a:extLst>
-              <a:ext uri="{28A0092B-C50C-407E-A947-70E740481C1C}">
-                <a14:useLocalDpi xmlns:a14="http://schemas.microsoft.com/office/drawing/2010/main" val="0"/>
-              </a:ext>
-            </a:extLst>
-          </a:blip>
-          <a:srcRect/>
-          <a:stretch>
-            <a:fillRect/>
-          </a:stretch>
-        </p:blipFill>
-        <p:spPr bwMode="auto">
-          <a:xfrm>
-            <a:off x="2267744" y="1196752"/>
-            <a:ext cx="4680520" cy="736749"/>
-          </a:xfrm>
-          <a:prstGeom prst="rect">
-            <a:avLst/>
-          </a:prstGeom>
-          <a:noFill/>
-          <a:ln>
-            <a:noFill/>
-          </a:ln>
-          <a:effectLst/>
-          <a:extLst>
-            <a:ext uri="{909E8E84-426E-40DD-AFC4-6F175D3DCCD1}">
-              <a14:hiddenFill xmlns:a14="http://schemas.microsoft.com/office/drawing/2010/main">
-                <a:solidFill>
-                  <a:schemeClr val="accent1"/>
-                </a:solidFill>
-              </a14:hiddenFill>
-            </a:ext>
-            <a:ext uri="{91240B29-F687-4F45-9708-019B960494DF}">
-              <a14:hiddenLine xmlns:a14="http://schemas.microsoft.com/office/drawing/2010/main" w="9525">
-                <a:solidFill>
-                  <a:schemeClr val="tx1"/>
-                </a:solidFill>
-                <a:miter lim="800000"/>
-                <a:headEnd/>
-                <a:tailEnd/>
-              </a14:hiddenLine>
-            </a:ext>
-            <a:ext uri="{AF507438-7753-43E0-B8FC-AC1667EBCBE1}">
-              <a14:hiddenEffects xmlns:a14="http://schemas.microsoft.com/office/drawing/2010/main">
-                <a:effectLst>
-                  <a:outerShdw dist="35921" dir="2700000" algn="ctr" rotWithShape="0">
-                    <a:schemeClr val="bg2"/>
-                  </a:outerShdw>
-                </a:effectLst>
-              </a14:hiddenEffects>
-            </a:ext>
-          </a:extLst>
-        </p:spPr>
-      </p:pic>
-      <p:pic>
-        <p:nvPicPr>
-          <p:cNvPr id="4100" name="Picture 4"/>
-          <p:cNvPicPr>
-            <a:picLocks noChangeAspect="1" noChangeArrowheads="1"/>
-          </p:cNvPicPr>
-          <p:nvPr/>
-        </p:nvPicPr>
-        <p:blipFill>
-          <a:blip r:embed="rId4">
-            <a:extLst>
-              <a:ext uri="{28A0092B-C50C-407E-A947-70E740481C1C}">
-                <a14:useLocalDpi xmlns:a14="http://schemas.microsoft.com/office/drawing/2010/main" val="0"/>
-              </a:ext>
-            </a:extLst>
-          </a:blip>
-          <a:srcRect/>
-          <a:stretch>
-            <a:fillRect/>
-          </a:stretch>
-        </p:blipFill>
-        <p:spPr bwMode="auto">
-          <a:xfrm>
-            <a:off x="2278230" y="2352440"/>
-            <a:ext cx="4659548" cy="1465925"/>
-          </a:xfrm>
-          <a:prstGeom prst="rect">
-            <a:avLst/>
-          </a:prstGeom>
-          <a:noFill/>
-          <a:ln>
-            <a:noFill/>
-          </a:ln>
-          <a:effectLst/>
-          <a:extLst>
-            <a:ext uri="{909E8E84-426E-40DD-AFC4-6F175D3DCCD1}">
-              <a14:hiddenFill xmlns:a14="http://schemas.microsoft.com/office/drawing/2010/main">
-                <a:solidFill>
-                  <a:schemeClr val="accent1"/>
-                </a:solidFill>
-              </a14:hiddenFill>
-            </a:ext>
-            <a:ext uri="{91240B29-F687-4F45-9708-019B960494DF}">
-              <a14:hiddenLine xmlns:a14="http://schemas.microsoft.com/office/drawing/2010/main" w="9525">
-                <a:solidFill>
-                  <a:schemeClr val="tx1"/>
-                </a:solidFill>
-                <a:miter lim="800000"/>
-                <a:headEnd/>
-                <a:tailEnd/>
-              </a14:hiddenLine>
-            </a:ext>
-            <a:ext uri="{AF507438-7753-43E0-B8FC-AC1667EBCBE1}">
-              <a14:hiddenEffects xmlns:a14="http://schemas.microsoft.com/office/drawing/2010/main">
-                <a:effectLst>
-                  <a:outerShdw dist="35921" dir="2700000" algn="ctr" rotWithShape="0">
-                    <a:schemeClr val="bg2"/>
-                  </a:outerShdw>
-                </a:effectLst>
-              </a14:hiddenEffects>
-            </a:ext>
-          </a:extLst>
-        </p:spPr>
-      </p:pic>
-    </p:spTree>
-    <p:extLst>
-      <p:ext uri="{BB962C8B-B14F-4D97-AF65-F5344CB8AC3E}">
-        <p14:creationId xmlns:p14="http://schemas.microsoft.com/office/powerpoint/2010/main" val="3705997643"/>
-      </p:ext>
-    </p:extLst>
-  </p:cSld>
-  <p:clrMapOvr>
-    <a:masterClrMapping/>
-  </p:clrMapOvr>
-  <p:timing>
-    <p:tnLst>
-      <p:par>
-        <p:cTn id="1" dur="indefinite" restart="never" nodeType="tmRoot"/>
-      </p:par>
-    </p:tnLst>
-  </p:timing>
-</p:sld>
-</file>
-
-<file path=ppt/slides/slide31.xml><?xml version="1.0" encoding="utf-8"?>
-<p:sld xmlns:a="http://schemas.openxmlformats.org/drawingml/2006/main" xmlns:r="http://schemas.openxmlformats.org/officeDocument/2006/relationships" xmlns:p="http://schemas.openxmlformats.org/presentationml/2006/main">
-  <p:cSld>
-    <p:spTree>
-      <p:nvGrpSpPr>
-        <p:cNvPr id="1" name=""/>
-        <p:cNvGrpSpPr/>
-        <p:nvPr/>
-      </p:nvGrpSpPr>
-      <p:grpSpPr>
-        <a:xfrm>
-          <a:off x="0" y="0"/>
-          <a:ext cx="0" cy="0"/>
-          <a:chOff x="0" y="0"/>
-          <a:chExt cx="0" cy="0"/>
-        </a:xfrm>
-      </p:grpSpPr>
-      <p:sp>
-        <p:nvSpPr>
-          <p:cNvPr id="2" name="제목 1"/>
-          <p:cNvSpPr>
-            <a:spLocks noGrp="1"/>
-          </p:cNvSpPr>
-          <p:nvPr>
-            <p:ph type="title"/>
-          </p:nvPr>
-        </p:nvSpPr>
-        <p:spPr/>
-        <p:txBody>
-          <a:bodyPr/>
-          <a:lstStyle/>
-          <a:p>
-            <a:r>
-              <a:rPr lang="ko-KR" altLang="en-US" dirty="0"/>
-              <a:t>카테고리 </a:t>
-            </a:r>
-            <a:r>
-              <a:rPr lang="ko-KR" altLang="en-US" dirty="0" smtClean="0"/>
-              <a:t>추가</a:t>
-            </a:r>
-            <a:endParaRPr lang="ko-KR" altLang="en-US" dirty="0"/>
-          </a:p>
-        </p:txBody>
-      </p:sp>
-      <p:pic>
-        <p:nvPicPr>
-          <p:cNvPr id="3074" name="Picture 2"/>
-          <p:cNvPicPr>
-            <a:picLocks noChangeAspect="1" noChangeArrowheads="1"/>
-          </p:cNvPicPr>
-          <p:nvPr/>
-        </p:nvPicPr>
-        <p:blipFill>
-          <a:blip r:embed="rId2">
-            <a:extLst>
-              <a:ext uri="{28A0092B-C50C-407E-A947-70E740481C1C}">
-                <a14:useLocalDpi xmlns:a14="http://schemas.microsoft.com/office/drawing/2010/main" val="0"/>
-              </a:ext>
-            </a:extLst>
-          </a:blip>
-          <a:srcRect/>
-          <a:stretch>
-            <a:fillRect/>
-          </a:stretch>
-        </p:blipFill>
-        <p:spPr bwMode="auto">
-          <a:xfrm>
-            <a:off x="971600" y="1260414"/>
-            <a:ext cx="7115395" cy="1880554"/>
-          </a:xfrm>
-          <a:prstGeom prst="rect">
-            <a:avLst/>
-          </a:prstGeom>
-          <a:noFill/>
-          <a:ln>
-            <a:noFill/>
-          </a:ln>
-          <a:effectLst/>
-          <a:extLst>
-            <a:ext uri="{909E8E84-426E-40DD-AFC4-6F175D3DCCD1}">
-              <a14:hiddenFill xmlns:a14="http://schemas.microsoft.com/office/drawing/2010/main">
-                <a:solidFill>
-                  <a:schemeClr val="accent1"/>
-                </a:solidFill>
-              </a14:hiddenFill>
-            </a:ext>
-            <a:ext uri="{91240B29-F687-4F45-9708-019B960494DF}">
-              <a14:hiddenLine xmlns:a14="http://schemas.microsoft.com/office/drawing/2010/main" w="9525">
-                <a:solidFill>
-                  <a:schemeClr val="tx1"/>
-                </a:solidFill>
-                <a:miter lim="800000"/>
-                <a:headEnd/>
-                <a:tailEnd/>
-              </a14:hiddenLine>
-            </a:ext>
-            <a:ext uri="{AF507438-7753-43E0-B8FC-AC1667EBCBE1}">
-              <a14:hiddenEffects xmlns:a14="http://schemas.microsoft.com/office/drawing/2010/main">
-                <a:effectLst>
-                  <a:outerShdw dist="35921" dir="2700000" algn="ctr" rotWithShape="0">
-                    <a:schemeClr val="bg2"/>
-                  </a:outerShdw>
-                </a:effectLst>
-              </a14:hiddenEffects>
-            </a:ext>
-          </a:extLst>
-        </p:spPr>
-      </p:pic>
-      <p:pic>
-        <p:nvPicPr>
-          <p:cNvPr id="3075" name="Picture 3"/>
-          <p:cNvPicPr>
-            <a:picLocks noChangeAspect="1" noChangeArrowheads="1"/>
-          </p:cNvPicPr>
-          <p:nvPr/>
-        </p:nvPicPr>
-        <p:blipFill>
-          <a:blip r:embed="rId3">
-            <a:extLst>
-              <a:ext uri="{28A0092B-C50C-407E-A947-70E740481C1C}">
-                <a14:useLocalDpi xmlns:a14="http://schemas.microsoft.com/office/drawing/2010/main" val="0"/>
-              </a:ext>
-            </a:extLst>
-          </a:blip>
-          <a:srcRect/>
-          <a:stretch>
-            <a:fillRect/>
-          </a:stretch>
-        </p:blipFill>
-        <p:spPr bwMode="auto">
-          <a:xfrm>
-            <a:off x="971599" y="3717032"/>
-            <a:ext cx="7115395" cy="2307220"/>
-          </a:xfrm>
-          <a:prstGeom prst="rect">
-            <a:avLst/>
-          </a:prstGeom>
-          <a:noFill/>
-          <a:ln>
-            <a:noFill/>
-          </a:ln>
-          <a:effectLst/>
-          <a:extLst>
-            <a:ext uri="{909E8E84-426E-40DD-AFC4-6F175D3DCCD1}">
-              <a14:hiddenFill xmlns:a14="http://schemas.microsoft.com/office/drawing/2010/main">
-                <a:solidFill>
-                  <a:schemeClr val="accent1"/>
-                </a:solidFill>
-              </a14:hiddenFill>
-            </a:ext>
-            <a:ext uri="{91240B29-F687-4F45-9708-019B960494DF}">
-              <a14:hiddenLine xmlns:a14="http://schemas.microsoft.com/office/drawing/2010/main" w="9525">
-                <a:solidFill>
-                  <a:schemeClr val="tx1"/>
-                </a:solidFill>
-                <a:miter lim="800000"/>
-                <a:headEnd/>
-                <a:tailEnd/>
-              </a14:hiddenLine>
-            </a:ext>
-            <a:ext uri="{AF507438-7753-43E0-B8FC-AC1667EBCBE1}">
-              <a14:hiddenEffects xmlns:a14="http://schemas.microsoft.com/office/drawing/2010/main">
-                <a:effectLst>
-                  <a:outerShdw dist="35921" dir="2700000" algn="ctr" rotWithShape="0">
-                    <a:schemeClr val="bg2"/>
-                  </a:outerShdw>
-                </a:effectLst>
-              </a14:hiddenEffects>
-            </a:ext>
-          </a:extLst>
-        </p:spPr>
-      </p:pic>
-    </p:spTree>
-    <p:extLst>
-      <p:ext uri="{BB962C8B-B14F-4D97-AF65-F5344CB8AC3E}">
-        <p14:creationId xmlns:p14="http://schemas.microsoft.com/office/powerpoint/2010/main" val="1893804703"/>
-      </p:ext>
-    </p:extLst>
-  </p:cSld>
-  <p:clrMapOvr>
-    <a:masterClrMapping/>
-  </p:clrMapOvr>
-  <p:timing>
-    <p:tnLst>
-      <p:par>
-        <p:cTn id="1" dur="indefinite" restart="never" nodeType="tmRoot"/>
-      </p:par>
-    </p:tnLst>
-  </p:timing>
-</p:sld>
-</file>
-
-<file path=ppt/slides/slide32.xml><?xml version="1.0" encoding="utf-8"?>
-<p:sld xmlns:a="http://schemas.openxmlformats.org/drawingml/2006/main" xmlns:r="http://schemas.openxmlformats.org/officeDocument/2006/relationships" xmlns:p="http://schemas.openxmlformats.org/presentationml/2006/main">
-  <p:cSld>
-    <p:spTree>
-      <p:nvGrpSpPr>
-        <p:cNvPr id="1" name=""/>
-        <p:cNvGrpSpPr/>
-        <p:nvPr/>
-      </p:nvGrpSpPr>
-      <p:grpSpPr>
-        <a:xfrm>
-          <a:off x="0" y="0"/>
-          <a:ext cx="0" cy="0"/>
-          <a:chOff x="0" y="0"/>
-          <a:chExt cx="0" cy="0"/>
-        </a:xfrm>
-      </p:grpSpPr>
-      <p:sp>
-        <p:nvSpPr>
-          <p:cNvPr id="2" name="제목 1"/>
-          <p:cNvSpPr>
-            <a:spLocks noGrp="1"/>
-          </p:cNvSpPr>
-          <p:nvPr>
-            <p:ph type="title"/>
-          </p:nvPr>
-        </p:nvSpPr>
-        <p:spPr/>
-        <p:txBody>
-          <a:bodyPr/>
-          <a:lstStyle/>
-          <a:p>
-            <a:r>
-              <a:rPr lang="ko-KR" altLang="en-US" dirty="0" smtClean="0"/>
-              <a:t>카테고리 </a:t>
-            </a:r>
-            <a:r>
-              <a:rPr lang="ko-KR" altLang="en-US" dirty="0"/>
-              <a:t>추가</a:t>
-            </a:r>
-          </a:p>
-        </p:txBody>
-      </p:sp>
-      <p:pic>
-        <p:nvPicPr>
-          <p:cNvPr id="5122" name="Picture 2"/>
-          <p:cNvPicPr>
-            <a:picLocks noChangeAspect="1" noChangeArrowheads="1"/>
-          </p:cNvPicPr>
-          <p:nvPr/>
-        </p:nvPicPr>
-        <p:blipFill>
-          <a:blip r:embed="rId2">
-            <a:extLst>
-              <a:ext uri="{28A0092B-C50C-407E-A947-70E740481C1C}">
-                <a14:useLocalDpi xmlns:a14="http://schemas.microsoft.com/office/drawing/2010/main" val="0"/>
-              </a:ext>
-            </a:extLst>
-          </a:blip>
-          <a:srcRect/>
-          <a:stretch>
-            <a:fillRect/>
-          </a:stretch>
-        </p:blipFill>
-        <p:spPr bwMode="auto">
-          <a:xfrm>
-            <a:off x="1884989" y="3429000"/>
-            <a:ext cx="5374022" cy="1455787"/>
-          </a:xfrm>
-          <a:prstGeom prst="rect">
-            <a:avLst/>
-          </a:prstGeom>
-          <a:noFill/>
-          <a:ln>
-            <a:noFill/>
-          </a:ln>
-          <a:effectLst/>
-          <a:extLst>
-            <a:ext uri="{909E8E84-426E-40DD-AFC4-6F175D3DCCD1}">
-              <a14:hiddenFill xmlns:a14="http://schemas.microsoft.com/office/drawing/2010/main">
-                <a:solidFill>
-                  <a:schemeClr val="accent1"/>
-                </a:solidFill>
-              </a14:hiddenFill>
-            </a:ext>
-            <a:ext uri="{91240B29-F687-4F45-9708-019B960494DF}">
-              <a14:hiddenLine xmlns:a14="http://schemas.microsoft.com/office/drawing/2010/main" w="9525">
-                <a:solidFill>
-                  <a:schemeClr val="tx1"/>
-                </a:solidFill>
-                <a:miter lim="800000"/>
-                <a:headEnd/>
-                <a:tailEnd/>
-              </a14:hiddenLine>
-            </a:ext>
-            <a:ext uri="{AF507438-7753-43E0-B8FC-AC1667EBCBE1}">
-              <a14:hiddenEffects xmlns:a14="http://schemas.microsoft.com/office/drawing/2010/main">
-                <a:effectLst>
-                  <a:outerShdw dist="35921" dir="2700000" algn="ctr" rotWithShape="0">
-                    <a:schemeClr val="bg2"/>
-                  </a:outerShdw>
-                </a:effectLst>
-              </a14:hiddenEffects>
-            </a:ext>
-          </a:extLst>
-        </p:spPr>
-      </p:pic>
-      <p:pic>
-        <p:nvPicPr>
-          <p:cNvPr id="5123" name="Picture 3"/>
-          <p:cNvPicPr>
-            <a:picLocks noChangeAspect="1" noChangeArrowheads="1"/>
-          </p:cNvPicPr>
-          <p:nvPr/>
-        </p:nvPicPr>
-        <p:blipFill>
-          <a:blip r:embed="rId3">
-            <a:extLst>
-              <a:ext uri="{28A0092B-C50C-407E-A947-70E740481C1C}">
-                <a14:useLocalDpi xmlns:a14="http://schemas.microsoft.com/office/drawing/2010/main" val="0"/>
-              </a:ext>
-            </a:extLst>
-          </a:blip>
-          <a:srcRect/>
-          <a:stretch>
-            <a:fillRect/>
-          </a:stretch>
-        </p:blipFill>
-        <p:spPr bwMode="auto">
-          <a:xfrm>
-            <a:off x="1884988" y="2276871"/>
-            <a:ext cx="5374023" cy="719059"/>
-          </a:xfrm>
-          <a:prstGeom prst="rect">
-            <a:avLst/>
-          </a:prstGeom>
-          <a:noFill/>
-          <a:ln>
-            <a:noFill/>
-          </a:ln>
-          <a:effectLst/>
-          <a:extLst>
-            <a:ext uri="{909E8E84-426E-40DD-AFC4-6F175D3DCCD1}">
-              <a14:hiddenFill xmlns:a14="http://schemas.microsoft.com/office/drawing/2010/main">
-                <a:solidFill>
-                  <a:schemeClr val="accent1"/>
-                </a:solidFill>
-              </a14:hiddenFill>
-            </a:ext>
-            <a:ext uri="{91240B29-F687-4F45-9708-019B960494DF}">
-              <a14:hiddenLine xmlns:a14="http://schemas.microsoft.com/office/drawing/2010/main" w="9525">
-                <a:solidFill>
-                  <a:schemeClr val="tx1"/>
-                </a:solidFill>
-                <a:miter lim="800000"/>
-                <a:headEnd/>
-                <a:tailEnd/>
-              </a14:hiddenLine>
-            </a:ext>
-            <a:ext uri="{AF507438-7753-43E0-B8FC-AC1667EBCBE1}">
-              <a14:hiddenEffects xmlns:a14="http://schemas.microsoft.com/office/drawing/2010/main">
-                <a:effectLst>
-                  <a:outerShdw dist="35921" dir="2700000" algn="ctr" rotWithShape="0">
-                    <a:schemeClr val="bg2"/>
-                  </a:outerShdw>
-                </a:effectLst>
-              </a14:hiddenEffects>
-            </a:ext>
-          </a:extLst>
-        </p:spPr>
-      </p:pic>
-    </p:spTree>
-    <p:extLst>
-      <p:ext uri="{BB962C8B-B14F-4D97-AF65-F5344CB8AC3E}">
-        <p14:creationId xmlns:p14="http://schemas.microsoft.com/office/powerpoint/2010/main" val="214818720"/>
-      </p:ext>
-    </p:extLst>
-  </p:cSld>
-  <p:clrMapOvr>
-    <a:masterClrMapping/>
-  </p:clrMapOvr>
-  <p:timing>
-    <p:tnLst>
-      <p:par>
-        <p:cTn id="1" dur="indefinite" restart="never" nodeType="tmRoot"/>
-      </p:par>
-    </p:tnLst>
-  </p:timing>
-</p:sld>
-</file>
-
-<file path=ppt/slides/slide33.xml><?xml version="1.0" encoding="utf-8"?>
-<p:sld xmlns:a="http://schemas.openxmlformats.org/drawingml/2006/main" xmlns:r="http://schemas.openxmlformats.org/officeDocument/2006/relationships" xmlns:p="http://schemas.openxmlformats.org/presentationml/2006/main">
-  <p:cSld>
-    <p:spTree>
-      <p:nvGrpSpPr>
-        <p:cNvPr id="1" name=""/>
-        <p:cNvGrpSpPr/>
-        <p:nvPr/>
-      </p:nvGrpSpPr>
-      <p:grpSpPr>
-        <a:xfrm>
-          <a:off x="0" y="0"/>
-          <a:ext cx="0" cy="0"/>
-          <a:chOff x="0" y="0"/>
-          <a:chExt cx="0" cy="0"/>
-        </a:xfrm>
-      </p:grpSpPr>
-      <p:sp>
-        <p:nvSpPr>
-          <p:cNvPr id="2" name="제목 1"/>
-          <p:cNvSpPr>
-            <a:spLocks noGrp="1"/>
-          </p:cNvSpPr>
-          <p:nvPr>
-            <p:ph type="title"/>
-          </p:nvPr>
-        </p:nvSpPr>
-        <p:spPr/>
-        <p:txBody>
-          <a:bodyPr/>
-          <a:lstStyle/>
-          <a:p>
-            <a:r>
-              <a:rPr lang="ko-KR" altLang="en-US" dirty="0" smtClean="0"/>
-              <a:t>팝업 띄우기</a:t>
-            </a:r>
-            <a:endParaRPr lang="ko-KR" altLang="en-US" dirty="0"/>
-          </a:p>
-        </p:txBody>
-      </p:sp>
-      <p:pic>
-        <p:nvPicPr>
-          <p:cNvPr id="3" name="Picture 2"/>
-          <p:cNvPicPr>
-            <a:picLocks noChangeAspect="1" noChangeArrowheads="1"/>
-          </p:cNvPicPr>
-          <p:nvPr/>
-        </p:nvPicPr>
-        <p:blipFill>
-          <a:blip r:embed="rId2">
-            <a:extLst>
-              <a:ext uri="{28A0092B-C50C-407E-A947-70E740481C1C}">
-                <a14:useLocalDpi xmlns:a14="http://schemas.microsoft.com/office/drawing/2010/main" val="0"/>
-              </a:ext>
-            </a:extLst>
-          </a:blip>
-          <a:srcRect/>
-          <a:stretch>
-            <a:fillRect/>
-          </a:stretch>
-        </p:blipFill>
-        <p:spPr bwMode="auto">
-          <a:xfrm>
-            <a:off x="2614612" y="1484784"/>
-            <a:ext cx="3914775" cy="1790700"/>
-          </a:xfrm>
-          <a:prstGeom prst="rect">
-            <a:avLst/>
-          </a:prstGeom>
-          <a:noFill/>
-          <a:ln>
-            <a:noFill/>
-          </a:ln>
-          <a:extLst>
-            <a:ext uri="{909E8E84-426E-40DD-AFC4-6F175D3DCCD1}">
-              <a14:hiddenFill xmlns:a14="http://schemas.microsoft.com/office/drawing/2010/main">
-                <a:solidFill>
-                  <a:schemeClr val="accent1"/>
-                </a:solidFill>
-              </a14:hiddenFill>
-            </a:ext>
-            <a:ext uri="{91240B29-F687-4F45-9708-019B960494DF}">
-              <a14:hiddenLine xmlns:a14="http://schemas.microsoft.com/office/drawing/2010/main" w="9525">
-                <a:solidFill>
-                  <a:schemeClr val="tx1"/>
-                </a:solidFill>
-                <a:miter lim="800000"/>
-                <a:headEnd/>
-                <a:tailEnd/>
-              </a14:hiddenLine>
-            </a:ext>
-          </a:extLst>
-        </p:spPr>
-      </p:pic>
-      <p:pic>
-        <p:nvPicPr>
-          <p:cNvPr id="4" name="Picture 3"/>
-          <p:cNvPicPr>
-            <a:picLocks noChangeAspect="1" noChangeArrowheads="1"/>
-          </p:cNvPicPr>
-          <p:nvPr/>
-        </p:nvPicPr>
-        <p:blipFill>
-          <a:blip r:embed="rId3">
-            <a:extLst>
-              <a:ext uri="{28A0092B-C50C-407E-A947-70E740481C1C}">
-                <a14:useLocalDpi xmlns:a14="http://schemas.microsoft.com/office/drawing/2010/main" val="0"/>
-              </a:ext>
-            </a:extLst>
-          </a:blip>
-          <a:srcRect/>
-          <a:stretch>
-            <a:fillRect/>
-          </a:stretch>
-        </p:blipFill>
-        <p:spPr bwMode="auto">
-          <a:xfrm>
-            <a:off x="828675" y="4045049"/>
-            <a:ext cx="7486650" cy="1400175"/>
-          </a:xfrm>
-          <a:prstGeom prst="rect">
-            <a:avLst/>
-          </a:prstGeom>
-          <a:noFill/>
-          <a:ln>
-            <a:noFill/>
-          </a:ln>
-          <a:extLst>
-            <a:ext uri="{909E8E84-426E-40DD-AFC4-6F175D3DCCD1}">
-              <a14:hiddenFill xmlns:a14="http://schemas.microsoft.com/office/drawing/2010/main">
-                <a:solidFill>
-                  <a:schemeClr val="accent1"/>
-                </a:solidFill>
-              </a14:hiddenFill>
-            </a:ext>
-            <a:ext uri="{91240B29-F687-4F45-9708-019B960494DF}">
-              <a14:hiddenLine xmlns:a14="http://schemas.microsoft.com/office/drawing/2010/main" w="9525">
-                <a:solidFill>
-                  <a:schemeClr val="tx1"/>
-                </a:solidFill>
-                <a:miter lim="800000"/>
-                <a:headEnd/>
-                <a:tailEnd/>
-              </a14:hiddenLine>
-            </a:ext>
-          </a:extLst>
-        </p:spPr>
-      </p:pic>
-    </p:spTree>
-    <p:extLst>
-      <p:ext uri="{BB962C8B-B14F-4D97-AF65-F5344CB8AC3E}">
-        <p14:creationId xmlns:p14="http://schemas.microsoft.com/office/powerpoint/2010/main" val="2870672031"/>
-      </p:ext>
-    </p:extLst>
-  </p:cSld>
-  <p:clrMapOvr>
-    <a:masterClrMapping/>
-  </p:clrMapOvr>
-  <p:timing>
-    <p:tnLst>
-      <p:par>
-        <p:cTn id="1" dur="indefinite" restart="never" nodeType="tmRoot"/>
-      </p:par>
-    </p:tnLst>
-  </p:timing>
-</p:sld>
-</file>
-
-<file path=ppt/slides/slide34.xml><?xml version="1.0" encoding="utf-8"?>
-<p:sld xmlns:a="http://schemas.openxmlformats.org/drawingml/2006/main" xmlns:r="http://schemas.openxmlformats.org/officeDocument/2006/relationships" xmlns:p="http://schemas.openxmlformats.org/presentationml/2006/main">
-  <p:cSld>
-    <p:spTree>
-      <p:nvGrpSpPr>
-        <p:cNvPr id="1" name=""/>
-        <p:cNvGrpSpPr/>
-        <p:nvPr/>
-      </p:nvGrpSpPr>
-      <p:grpSpPr>
-        <a:xfrm>
-          <a:off x="0" y="0"/>
-          <a:ext cx="0" cy="0"/>
-          <a:chOff x="0" y="0"/>
-          <a:chExt cx="0" cy="0"/>
-        </a:xfrm>
-      </p:grpSpPr>
-      <p:sp>
-        <p:nvSpPr>
-          <p:cNvPr id="2" name="제목 1"/>
-          <p:cNvSpPr>
-            <a:spLocks noGrp="1"/>
-          </p:cNvSpPr>
-          <p:nvPr>
-            <p:ph type="title"/>
-          </p:nvPr>
-        </p:nvSpPr>
-        <p:spPr/>
-        <p:txBody>
-          <a:bodyPr/>
-          <a:lstStyle/>
-          <a:p>
-            <a:r>
               <a:rPr lang="ko-KR" altLang="en-US" dirty="0" smtClean="0"/>
               <a:t>카테고리 제거</a:t>
             </a:r>
@@ -7972,7 +7677,7 @@
 </p:sld>
 </file>
 
-<file path=ppt/slides/slide35.xml><?xml version="1.0" encoding="utf-8"?>
+<file path=ppt/slides/slide31.xml><?xml version="1.0" encoding="utf-8"?>
 <p:sld xmlns:a="http://schemas.openxmlformats.org/drawingml/2006/main" xmlns:r="http://schemas.openxmlformats.org/officeDocument/2006/relationships" xmlns:p="http://schemas.openxmlformats.org/presentationml/2006/main">
   <p:cSld>
     <p:spTree>
@@ -8208,7 +7913,7 @@
 </p:sld>
 </file>
 
-<file path=ppt/slides/slide36.xml><?xml version="1.0" encoding="utf-8"?>
+<file path=ppt/slides/slide32.xml><?xml version="1.0" encoding="utf-8"?>
 <p:sld xmlns:a="http://schemas.openxmlformats.org/drawingml/2006/main" xmlns:r="http://schemas.openxmlformats.org/officeDocument/2006/relationships" xmlns:p="http://schemas.openxmlformats.org/presentationml/2006/main">
   <p:cSld>
     <p:spTree>
@@ -8322,7 +8027,131 @@
 </p:sld>
 </file>
 
-<file path=ppt/slides/slide37.xml><?xml version="1.0" encoding="utf-8"?>
+<file path=ppt/slides/slide33.xml><?xml version="1.0" encoding="utf-8"?>
+<p:sld xmlns:a="http://schemas.openxmlformats.org/drawingml/2006/main" xmlns:r="http://schemas.openxmlformats.org/officeDocument/2006/relationships" xmlns:p="http://schemas.openxmlformats.org/presentationml/2006/main">
+  <p:cSld>
+    <p:spTree>
+      <p:nvGrpSpPr>
+        <p:cNvPr id="1" name=""/>
+        <p:cNvGrpSpPr/>
+        <p:nvPr/>
+      </p:nvGrpSpPr>
+      <p:grpSpPr>
+        <a:xfrm>
+          <a:off x="0" y="0"/>
+          <a:ext cx="0" cy="0"/>
+          <a:chOff x="0" y="0"/>
+          <a:chExt cx="0" cy="0"/>
+        </a:xfrm>
+      </p:grpSpPr>
+      <p:sp>
+        <p:nvSpPr>
+          <p:cNvPr id="2" name="제목 1"/>
+          <p:cNvSpPr>
+            <a:spLocks noGrp="1"/>
+          </p:cNvSpPr>
+          <p:nvPr>
+            <p:ph type="title"/>
+          </p:nvPr>
+        </p:nvSpPr>
+        <p:spPr/>
+        <p:txBody>
+          <a:bodyPr/>
+          <a:lstStyle/>
+          <a:p>
+            <a:r>
+              <a:rPr lang="ko-KR" altLang="en-US" dirty="0" smtClean="0"/>
+              <a:t>카테고리 수정</a:t>
+            </a:r>
+            <a:endParaRPr lang="ko-KR" altLang="en-US" dirty="0"/>
+          </a:p>
+        </p:txBody>
+      </p:sp>
+      <p:pic>
+        <p:nvPicPr>
+          <p:cNvPr id="4098" name="Picture 2"/>
+          <p:cNvPicPr>
+            <a:picLocks noChangeAspect="1" noChangeArrowheads="1"/>
+          </p:cNvPicPr>
+          <p:nvPr/>
+        </p:nvPicPr>
+        <p:blipFill>
+          <a:blip r:embed="rId2">
+            <a:extLst>
+              <a:ext uri="{28A0092B-C50C-407E-A947-70E740481C1C}">
+                <a14:useLocalDpi xmlns:a14="http://schemas.microsoft.com/office/drawing/2010/main" val="0"/>
+              </a:ext>
+            </a:extLst>
+          </a:blip>
+          <a:srcRect/>
+          <a:stretch>
+            <a:fillRect/>
+          </a:stretch>
+        </p:blipFill>
+        <p:spPr bwMode="auto">
+          <a:xfrm>
+            <a:off x="2394893" y="1872675"/>
+            <a:ext cx="4354214" cy="3112651"/>
+          </a:xfrm>
+          <a:prstGeom prst="rect">
+            <a:avLst/>
+          </a:prstGeom>
+          <a:noFill/>
+          <a:ln>
+            <a:noFill/>
+          </a:ln>
+          <a:effectLst/>
+          <a:extLst>
+            <a:ext uri="{909E8E84-426E-40DD-AFC4-6F175D3DCCD1}">
+              <a14:hiddenFill xmlns:a14="http://schemas.microsoft.com/office/drawing/2010/main">
+                <a:solidFill>
+                  <a:schemeClr val="accent1"/>
+                </a:solidFill>
+              </a14:hiddenFill>
+            </a:ext>
+            <a:ext uri="{91240B29-F687-4F45-9708-019B960494DF}">
+              <a14:hiddenLine xmlns:a14="http://schemas.microsoft.com/office/drawing/2010/main" w="9525">
+                <a:solidFill>
+                  <a:schemeClr val="tx1"/>
+                </a:solidFill>
+                <a:miter lim="800000"/>
+                <a:headEnd/>
+                <a:tailEnd/>
+              </a14:hiddenLine>
+            </a:ext>
+            <a:ext uri="{AF507438-7753-43E0-B8FC-AC1667EBCBE1}">
+              <a14:hiddenEffects xmlns:a14="http://schemas.microsoft.com/office/drawing/2010/main">
+                <a:effectLst>
+                  <a:outerShdw dist="35921" dir="2700000" algn="ctr" rotWithShape="0">
+                    <a:schemeClr val="bg2"/>
+                  </a:outerShdw>
+                </a:effectLst>
+              </a14:hiddenEffects>
+            </a:ext>
+          </a:extLst>
+        </p:spPr>
+      </p:pic>
+    </p:spTree>
+    <p:extLst>
+      <p:ext uri="{BB962C8B-B14F-4D97-AF65-F5344CB8AC3E}">
+        <p14:creationId xmlns:p14="http://schemas.microsoft.com/office/powerpoint/2010/main" val="4232234438"/>
+      </p:ext>
+    </p:extLst>
+  </p:cSld>
+  <p:clrMapOvr>
+    <a:masterClrMapping/>
+  </p:clrMapOvr>
+  <p:timing>
+    <p:tnLst>
+      <p:par>
+        <p:cTn id="1" dur="indefinite" restart="never" nodeType="tmRoot"/>
+      </p:par>
+    </p:tnLst>
+  </p:timing>
+</p:sld>
+</file>
+
+<file path=ppt/slides/slide34.xml><?xml version="1.0" encoding="utf-8"?>
 <p:sld xmlns:a="http://schemas.openxmlformats.org/drawingml/2006/main" xmlns:r="http://schemas.openxmlformats.org/officeDocument/2006/relationships" xmlns:p="http://schemas.openxmlformats.org/presentationml/2006/main">
   <p:cSld>
     <p:spTree>
@@ -8436,7 +8265,7 @@
 </p:sld>
 </file>
 
-<file path=ppt/slides/slide38.xml><?xml version="1.0" encoding="utf-8"?>
+<file path=ppt/slides/slide35.xml><?xml version="1.0" encoding="utf-8"?>
 <p:sld xmlns:a="http://schemas.openxmlformats.org/drawingml/2006/main" xmlns:r="http://schemas.openxmlformats.org/officeDocument/2006/relationships" xmlns:p="http://schemas.openxmlformats.org/presentationml/2006/main">
   <p:cSld>
     <p:spTree>
@@ -8671,7 +8500,7 @@
 </p:sld>
 </file>
 
-<file path=ppt/slides/slide39.xml><?xml version="1.0" encoding="utf-8"?>
+<file path=ppt/slides/slide36.xml><?xml version="1.0" encoding="utf-8"?>
 <p:sld xmlns:a="http://schemas.openxmlformats.org/drawingml/2006/main" xmlns:r="http://schemas.openxmlformats.org/officeDocument/2006/relationships" xmlns:p="http://schemas.openxmlformats.org/presentationml/2006/main">
   <p:cSld>
     <p:spTree>
@@ -8822,6 +8651,314 @@
     <p:extLst>
       <p:ext uri="{BB962C8B-B14F-4D97-AF65-F5344CB8AC3E}">
         <p14:creationId xmlns:p14="http://schemas.microsoft.com/office/powerpoint/2010/main" val="3002451145"/>
+      </p:ext>
+    </p:extLst>
+  </p:cSld>
+  <p:clrMapOvr>
+    <a:masterClrMapping/>
+  </p:clrMapOvr>
+  <p:timing>
+    <p:tnLst>
+      <p:par>
+        <p:cTn id="1" dur="indefinite" restart="never" nodeType="tmRoot"/>
+      </p:par>
+    </p:tnLst>
+  </p:timing>
+</p:sld>
+</file>
+
+<file path=ppt/slides/slide37.xml><?xml version="1.0" encoding="utf-8"?>
+<p:sld xmlns:a="http://schemas.openxmlformats.org/drawingml/2006/main" xmlns:r="http://schemas.openxmlformats.org/officeDocument/2006/relationships" xmlns:p="http://schemas.openxmlformats.org/presentationml/2006/main">
+  <p:cSld>
+    <p:spTree>
+      <p:nvGrpSpPr>
+        <p:cNvPr id="1" name=""/>
+        <p:cNvGrpSpPr/>
+        <p:nvPr/>
+      </p:nvGrpSpPr>
+      <p:grpSpPr>
+        <a:xfrm>
+          <a:off x="0" y="0"/>
+          <a:ext cx="0" cy="0"/>
+          <a:chOff x="0" y="0"/>
+          <a:chExt cx="0" cy="0"/>
+        </a:xfrm>
+      </p:grpSpPr>
+      <p:sp>
+        <p:nvSpPr>
+          <p:cNvPr id="2" name="제목 1"/>
+          <p:cNvSpPr>
+            <a:spLocks noGrp="1"/>
+          </p:cNvSpPr>
+          <p:nvPr>
+            <p:ph type="title"/>
+          </p:nvPr>
+        </p:nvSpPr>
+        <p:spPr/>
+        <p:txBody>
+          <a:bodyPr/>
+          <a:lstStyle/>
+          <a:p>
+            <a:r>
+              <a:rPr lang="ko-KR" altLang="en-US" dirty="0"/>
+              <a:t>카테고리 수정</a:t>
+            </a:r>
+          </a:p>
+        </p:txBody>
+      </p:sp>
+      <p:pic>
+        <p:nvPicPr>
+          <p:cNvPr id="12290" name="Picture 2"/>
+          <p:cNvPicPr>
+            <a:picLocks noChangeAspect="1" noChangeArrowheads="1"/>
+          </p:cNvPicPr>
+          <p:nvPr/>
+        </p:nvPicPr>
+        <p:blipFill>
+          <a:blip r:embed="rId2">
+            <a:extLst>
+              <a:ext uri="{28A0092B-C50C-407E-A947-70E740481C1C}">
+                <a14:useLocalDpi xmlns:a14="http://schemas.microsoft.com/office/drawing/2010/main" val="0"/>
+              </a:ext>
+            </a:extLst>
+          </a:blip>
+          <a:srcRect/>
+          <a:stretch>
+            <a:fillRect/>
+          </a:stretch>
+        </p:blipFill>
+        <p:spPr bwMode="auto">
+          <a:xfrm>
+            <a:off x="1405653" y="1772816"/>
+            <a:ext cx="6332694" cy="3612232"/>
+          </a:xfrm>
+          <a:prstGeom prst="rect">
+            <a:avLst/>
+          </a:prstGeom>
+          <a:noFill/>
+          <a:ln>
+            <a:noFill/>
+          </a:ln>
+          <a:extLst>
+            <a:ext uri="{909E8E84-426E-40DD-AFC4-6F175D3DCCD1}">
+              <a14:hiddenFill xmlns:a14="http://schemas.microsoft.com/office/drawing/2010/main">
+                <a:solidFill>
+                  <a:schemeClr val="accent1"/>
+                </a:solidFill>
+              </a14:hiddenFill>
+            </a:ext>
+            <a:ext uri="{91240B29-F687-4F45-9708-019B960494DF}">
+              <a14:hiddenLine xmlns:a14="http://schemas.microsoft.com/office/drawing/2010/main" w="9525">
+                <a:solidFill>
+                  <a:schemeClr val="tx1"/>
+                </a:solidFill>
+                <a:miter lim="800000"/>
+                <a:headEnd/>
+                <a:tailEnd/>
+              </a14:hiddenLine>
+            </a:ext>
+          </a:extLst>
+        </p:spPr>
+      </p:pic>
+    </p:spTree>
+    <p:extLst>
+      <p:ext uri="{BB962C8B-B14F-4D97-AF65-F5344CB8AC3E}">
+        <p14:creationId xmlns:p14="http://schemas.microsoft.com/office/powerpoint/2010/main" val="581769365"/>
+      </p:ext>
+    </p:extLst>
+  </p:cSld>
+  <p:clrMapOvr>
+    <a:masterClrMapping/>
+  </p:clrMapOvr>
+  <p:timing>
+    <p:tnLst>
+      <p:par>
+        <p:cTn id="1" dur="indefinite" restart="never" nodeType="tmRoot"/>
+      </p:par>
+    </p:tnLst>
+  </p:timing>
+</p:sld>
+</file>
+
+<file path=ppt/slides/slide38.xml><?xml version="1.0" encoding="utf-8"?>
+<p:sld xmlns:a="http://schemas.openxmlformats.org/drawingml/2006/main" xmlns:r="http://schemas.openxmlformats.org/officeDocument/2006/relationships" xmlns:p="http://schemas.openxmlformats.org/presentationml/2006/main">
+  <p:cSld>
+    <p:spTree>
+      <p:nvGrpSpPr>
+        <p:cNvPr id="1" name=""/>
+        <p:cNvGrpSpPr/>
+        <p:nvPr/>
+      </p:nvGrpSpPr>
+      <p:grpSpPr>
+        <a:xfrm>
+          <a:off x="0" y="0"/>
+          <a:ext cx="0" cy="0"/>
+          <a:chOff x="0" y="0"/>
+          <a:chExt cx="0" cy="0"/>
+        </a:xfrm>
+      </p:grpSpPr>
+      <p:sp>
+        <p:nvSpPr>
+          <p:cNvPr id="2" name="제목 1"/>
+          <p:cNvSpPr>
+            <a:spLocks noGrp="1"/>
+          </p:cNvSpPr>
+          <p:nvPr>
+            <p:ph type="title"/>
+          </p:nvPr>
+        </p:nvSpPr>
+        <p:spPr/>
+        <p:txBody>
+          <a:bodyPr>
+            <a:normAutofit/>
+          </a:bodyPr>
+          <a:lstStyle/>
+          <a:p>
+            <a:r>
+              <a:rPr lang="ko-KR" altLang="en-US" dirty="0" smtClean="0"/>
+              <a:t>부족한 점</a:t>
+            </a:r>
+            <a:endParaRPr lang="ko-KR" altLang="en-US" dirty="0"/>
+          </a:p>
+        </p:txBody>
+      </p:sp>
+      <p:sp>
+        <p:nvSpPr>
+          <p:cNvPr id="3" name="TextBox 2"/>
+          <p:cNvSpPr txBox="1"/>
+          <p:nvPr/>
+        </p:nvSpPr>
+        <p:spPr>
+          <a:xfrm>
+            <a:off x="971600" y="2056780"/>
+            <a:ext cx="7920880" cy="3416320"/>
+          </a:xfrm>
+          <a:prstGeom prst="rect">
+            <a:avLst/>
+          </a:prstGeom>
+          <a:noFill/>
+        </p:spPr>
+        <p:txBody>
+          <a:bodyPr wrap="square" rtlCol="0">
+            <a:spAutoFit/>
+          </a:bodyPr>
+          <a:lstStyle/>
+          <a:p>
+            <a:pPr marL="342900" indent="-342900">
+              <a:buAutoNum type="arabicPeriod"/>
+            </a:pPr>
+            <a:r>
+              <a:rPr lang="en-US" altLang="ko-KR" dirty="0" err="1" smtClean="0"/>
+              <a:t>localStorge</a:t>
+            </a:r>
+            <a:r>
+              <a:rPr lang="en-US" altLang="ko-KR" dirty="0" smtClean="0"/>
+              <a:t> </a:t>
+            </a:r>
+            <a:r>
+              <a:rPr lang="ko-KR" altLang="en-US" dirty="0" smtClean="0"/>
+              <a:t>저장 구조</a:t>
+            </a:r>
+            <a:endParaRPr lang="en-US" altLang="ko-KR" dirty="0" smtClean="0"/>
+          </a:p>
+          <a:p>
+            <a:r>
+              <a:rPr lang="en-US" altLang="ko-KR" dirty="0" smtClean="0"/>
+              <a:t>  - </a:t>
+            </a:r>
+            <a:r>
+              <a:rPr lang="ko-KR" altLang="en-US" dirty="0" smtClean="0"/>
+              <a:t>카테고리 수정 문제 등</a:t>
+            </a:r>
+            <a:endParaRPr lang="en-US" altLang="ko-KR" dirty="0" smtClean="0"/>
+          </a:p>
+          <a:p>
+            <a:endParaRPr lang="en-US" altLang="ko-KR" dirty="0" smtClean="0"/>
+          </a:p>
+          <a:p>
+            <a:endParaRPr lang="en-US" altLang="ko-KR" dirty="0"/>
+          </a:p>
+          <a:p>
+            <a:pPr marL="342900" indent="-342900">
+              <a:buAutoNum type="arabicPeriod" startAt="2"/>
+            </a:pPr>
+            <a:r>
+              <a:rPr lang="ko-KR" altLang="en-US" dirty="0" err="1" smtClean="0"/>
+              <a:t>레이어</a:t>
+            </a:r>
+            <a:r>
+              <a:rPr lang="ko-KR" altLang="en-US" dirty="0" smtClean="0"/>
+              <a:t> 팝업 </a:t>
+            </a:r>
+            <a:r>
+              <a:rPr lang="ko-KR" altLang="en-US" dirty="0" err="1" smtClean="0"/>
+              <a:t>미구현</a:t>
+            </a:r>
+            <a:endParaRPr lang="en-US" altLang="ko-KR" dirty="0" smtClean="0"/>
+          </a:p>
+          <a:p>
+            <a:pPr marL="342900" indent="-342900">
+              <a:buAutoNum type="arabicPeriod" startAt="2"/>
+            </a:pPr>
+            <a:endParaRPr lang="en-US" altLang="ko-KR" dirty="0" smtClean="0"/>
+          </a:p>
+          <a:p>
+            <a:pPr marL="342900" indent="-342900">
+              <a:buAutoNum type="arabicPeriod" startAt="2"/>
+            </a:pPr>
+            <a:endParaRPr lang="en-US" altLang="ko-KR" dirty="0"/>
+          </a:p>
+          <a:p>
+            <a:r>
+              <a:rPr lang="en-US" altLang="ko-KR" dirty="0" smtClean="0"/>
+              <a:t>3.  </a:t>
+            </a:r>
+            <a:r>
+              <a:rPr lang="ko-KR" altLang="en-US" dirty="0" smtClean="0"/>
+              <a:t>최적화</a:t>
+            </a:r>
+            <a:endParaRPr lang="en-US" altLang="ko-KR" dirty="0" smtClean="0"/>
+          </a:p>
+          <a:p>
+            <a:r>
+              <a:rPr lang="en-US" altLang="ko-KR" dirty="0" smtClean="0"/>
+              <a:t>   - </a:t>
+            </a:r>
+            <a:r>
+              <a:rPr lang="ko-KR" altLang="en-US" dirty="0" smtClean="0"/>
+              <a:t>같은 코드 반복</a:t>
+            </a:r>
+            <a:endParaRPr lang="en-US" altLang="ko-KR" dirty="0" smtClean="0"/>
+          </a:p>
+          <a:p>
+            <a:pPr marL="342900" indent="-342900">
+              <a:buAutoNum type="arabicPeriod" startAt="2"/>
+            </a:pPr>
+            <a:endParaRPr lang="en-US" altLang="ko-KR" dirty="0"/>
+          </a:p>
+          <a:p>
+            <a:pPr marL="342900" indent="-342900">
+              <a:buAutoNum type="arabicPeriod" startAt="2"/>
+            </a:pPr>
+            <a:endParaRPr lang="en-US" altLang="ko-KR" dirty="0" smtClean="0"/>
+          </a:p>
+          <a:p>
+            <a:r>
+              <a:rPr lang="en-US" altLang="ko-KR" dirty="0" smtClean="0"/>
+              <a:t>4.  </a:t>
+            </a:r>
+            <a:r>
+              <a:rPr lang="ko-KR" altLang="en-US" dirty="0" smtClean="0"/>
+              <a:t>시간</a:t>
+            </a:r>
+            <a:endParaRPr lang="en-US" altLang="ko-KR" dirty="0"/>
+          </a:p>
+        </p:txBody>
+      </p:sp>
+    </p:spTree>
+    <p:extLst>
+      <p:ext uri="{BB962C8B-B14F-4D97-AF65-F5344CB8AC3E}">
+        <p14:creationId xmlns:p14="http://schemas.microsoft.com/office/powerpoint/2010/main" val="3575748135"/>
       </p:ext>
     </p:extLst>
   </p:cSld>
@@ -8932,6 +9069,144 @@
           </a:extLst>
         </p:spPr>
       </p:pic>
+      <p:sp>
+        <p:nvSpPr>
+          <p:cNvPr id="3" name="직사각형 2"/>
+          <p:cNvSpPr/>
+          <p:nvPr/>
+        </p:nvSpPr>
+        <p:spPr>
+          <a:xfrm>
+            <a:off x="2555776" y="1700808"/>
+            <a:ext cx="2880320" cy="936104"/>
+          </a:xfrm>
+          <a:prstGeom prst="rect">
+            <a:avLst/>
+          </a:prstGeom>
+          <a:noFill/>
+          <a:ln w="38100">
+            <a:solidFill>
+              <a:srgbClr val="FF0000"/>
+            </a:solidFill>
+          </a:ln>
+        </p:spPr>
+        <p:style>
+          <a:lnRef idx="2">
+            <a:schemeClr val="accent1">
+              <a:shade val="50000"/>
+            </a:schemeClr>
+          </a:lnRef>
+          <a:fillRef idx="1">
+            <a:schemeClr val="accent1"/>
+          </a:fillRef>
+          <a:effectRef idx="0">
+            <a:schemeClr val="accent1"/>
+          </a:effectRef>
+          <a:fontRef idx="minor">
+            <a:schemeClr val="lt1"/>
+          </a:fontRef>
+        </p:style>
+        <p:txBody>
+          <a:bodyPr rtlCol="0" anchor="ctr"/>
+          <a:lstStyle/>
+          <a:p>
+            <a:pPr algn="ctr"/>
+            <a:endParaRPr lang="ko-KR" altLang="en-US"/>
+          </a:p>
+        </p:txBody>
+      </p:sp>
+      <p:sp>
+        <p:nvSpPr>
+          <p:cNvPr id="5" name="직사각형 4"/>
+          <p:cNvSpPr/>
+          <p:nvPr/>
+        </p:nvSpPr>
+        <p:spPr>
+          <a:xfrm>
+            <a:off x="2555776" y="2668510"/>
+            <a:ext cx="4536504" cy="936104"/>
+          </a:xfrm>
+          <a:prstGeom prst="rect">
+            <a:avLst/>
+          </a:prstGeom>
+          <a:noFill/>
+          <a:ln w="38100">
+            <a:solidFill>
+              <a:srgbClr val="FF0000"/>
+            </a:solidFill>
+          </a:ln>
+        </p:spPr>
+        <p:style>
+          <a:lnRef idx="2">
+            <a:schemeClr val="accent1">
+              <a:shade val="50000"/>
+            </a:schemeClr>
+          </a:lnRef>
+          <a:fillRef idx="1">
+            <a:schemeClr val="accent1"/>
+          </a:fillRef>
+          <a:effectRef idx="0">
+            <a:schemeClr val="accent1"/>
+          </a:effectRef>
+          <a:fontRef idx="minor">
+            <a:schemeClr val="lt1"/>
+          </a:fontRef>
+        </p:style>
+        <p:txBody>
+          <a:bodyPr rtlCol="0" anchor="ctr"/>
+          <a:lstStyle/>
+          <a:p>
+            <a:pPr algn="ctr"/>
+            <a:endParaRPr lang="ko-KR" altLang="en-US"/>
+          </a:p>
+        </p:txBody>
+      </p:sp>
+      <p:sp>
+        <p:nvSpPr>
+          <p:cNvPr id="6" name="직사각형 5"/>
+          <p:cNvSpPr/>
+          <p:nvPr/>
+        </p:nvSpPr>
+        <p:spPr>
+          <a:xfrm>
+            <a:off x="2490958" y="4221088"/>
+            <a:ext cx="3521202" cy="2016224"/>
+          </a:xfrm>
+          <a:prstGeom prst="rect">
+            <a:avLst/>
+          </a:prstGeom>
+          <a:noFill/>
+          <a:ln w="38100">
+            <a:solidFill>
+              <a:srgbClr val="FF0000"/>
+            </a:solidFill>
+          </a:ln>
+        </p:spPr>
+        <p:style>
+          <a:lnRef idx="2">
+            <a:schemeClr val="accent1">
+              <a:shade val="50000"/>
+            </a:schemeClr>
+          </a:lnRef>
+          <a:fillRef idx="1">
+            <a:schemeClr val="accent1"/>
+          </a:fillRef>
+          <a:effectRef idx="0">
+            <a:schemeClr val="accent1"/>
+          </a:effectRef>
+          <a:fontRef idx="minor">
+            <a:schemeClr val="lt1"/>
+          </a:fontRef>
+        </p:style>
+        <p:txBody>
+          <a:bodyPr rtlCol="0" anchor="ctr"/>
+          <a:lstStyle/>
+          <a:p>
+            <a:pPr algn="ctr"/>
+            <a:endParaRPr lang="ko-KR" altLang="en-US"/>
+          </a:p>
+        </p:txBody>
+      </p:sp>
     </p:spTree>
     <p:extLst>
       <p:ext uri="{BB962C8B-B14F-4D97-AF65-F5344CB8AC3E}">
@@ -8945,213 +9220,228 @@
   <p:timing>
     <p:tnLst>
       <p:par>
-        <p:cTn id="1" dur="indefinite" restart="never" nodeType="tmRoot"/>
+        <p:cTn id="1" dur="indefinite" restart="never" nodeType="tmRoot">
+          <p:childTnLst>
+            <p:seq concurrent="1" nextAc="seek">
+              <p:cTn id="2" dur="indefinite" nodeType="mainSeq">
+                <p:childTnLst>
+                  <p:par>
+                    <p:cTn id="3" fill="hold">
+                      <p:stCondLst>
+                        <p:cond delay="indefinite"/>
+                      </p:stCondLst>
+                      <p:childTnLst>
+                        <p:par>
+                          <p:cTn id="4" fill="hold">
+                            <p:stCondLst>
+                              <p:cond delay="0"/>
+                            </p:stCondLst>
+                            <p:childTnLst>
+                              <p:par>
+                                <p:cTn id="5" presetID="1" presetClass="entr" presetSubtype="0" fill="hold" grpId="0" nodeType="clickEffect">
+                                  <p:stCondLst>
+                                    <p:cond delay="0"/>
+                                  </p:stCondLst>
+                                  <p:childTnLst>
+                                    <p:set>
+                                      <p:cBhvr>
+                                        <p:cTn id="6" dur="1" fill="hold">
+                                          <p:stCondLst>
+                                            <p:cond delay="0"/>
+                                          </p:stCondLst>
+                                        </p:cTn>
+                                        <p:tgtEl>
+                                          <p:spTgt spid="3"/>
+                                        </p:tgtEl>
+                                        <p:attrNameLst>
+                                          <p:attrName>style.visibility</p:attrName>
+                                        </p:attrNameLst>
+                                      </p:cBhvr>
+                                      <p:to>
+                                        <p:strVal val="visible"/>
+                                      </p:to>
+                                    </p:set>
+                                  </p:childTnLst>
+                                </p:cTn>
+                              </p:par>
+                            </p:childTnLst>
+                          </p:cTn>
+                        </p:par>
+                      </p:childTnLst>
+                    </p:cTn>
+                  </p:par>
+                  <p:par>
+                    <p:cTn id="7" fill="hold">
+                      <p:stCondLst>
+                        <p:cond delay="indefinite"/>
+                      </p:stCondLst>
+                      <p:childTnLst>
+                        <p:par>
+                          <p:cTn id="8" fill="hold">
+                            <p:stCondLst>
+                              <p:cond delay="0"/>
+                            </p:stCondLst>
+                            <p:childTnLst>
+                              <p:par>
+                                <p:cTn id="9" presetID="1" presetClass="exit" presetSubtype="0" fill="hold" grpId="1" nodeType="clickEffect">
+                                  <p:stCondLst>
+                                    <p:cond delay="0"/>
+                                  </p:stCondLst>
+                                  <p:childTnLst>
+                                    <p:set>
+                                      <p:cBhvr>
+                                        <p:cTn id="10" dur="1" fill="hold">
+                                          <p:stCondLst>
+                                            <p:cond delay="0"/>
+                                          </p:stCondLst>
+                                        </p:cTn>
+                                        <p:tgtEl>
+                                          <p:spTgt spid="3"/>
+                                        </p:tgtEl>
+                                        <p:attrNameLst>
+                                          <p:attrName>style.visibility</p:attrName>
+                                        </p:attrNameLst>
+                                      </p:cBhvr>
+                                      <p:to>
+                                        <p:strVal val="hidden"/>
+                                      </p:to>
+                                    </p:set>
+                                  </p:childTnLst>
+                                </p:cTn>
+                              </p:par>
+                              <p:par>
+                                <p:cTn id="11" presetID="1" presetClass="entr" presetSubtype="0" fill="hold" grpId="0" nodeType="withEffect">
+                                  <p:stCondLst>
+                                    <p:cond delay="0"/>
+                                  </p:stCondLst>
+                                  <p:childTnLst>
+                                    <p:set>
+                                      <p:cBhvr>
+                                        <p:cTn id="12" dur="1" fill="hold">
+                                          <p:stCondLst>
+                                            <p:cond delay="0"/>
+                                          </p:stCondLst>
+                                        </p:cTn>
+                                        <p:tgtEl>
+                                          <p:spTgt spid="5"/>
+                                        </p:tgtEl>
+                                        <p:attrNameLst>
+                                          <p:attrName>style.visibility</p:attrName>
+                                        </p:attrNameLst>
+                                      </p:cBhvr>
+                                      <p:to>
+                                        <p:strVal val="visible"/>
+                                      </p:to>
+                                    </p:set>
+                                  </p:childTnLst>
+                                </p:cTn>
+                              </p:par>
+                            </p:childTnLst>
+                          </p:cTn>
+                        </p:par>
+                      </p:childTnLst>
+                    </p:cTn>
+                  </p:par>
+                  <p:par>
+                    <p:cTn id="13" fill="hold">
+                      <p:stCondLst>
+                        <p:cond delay="indefinite"/>
+                      </p:stCondLst>
+                      <p:childTnLst>
+                        <p:par>
+                          <p:cTn id="14" fill="hold">
+                            <p:stCondLst>
+                              <p:cond delay="0"/>
+                            </p:stCondLst>
+                            <p:childTnLst>
+                              <p:par>
+                                <p:cTn id="15" presetID="1" presetClass="exit" presetSubtype="0" fill="hold" grpId="1" nodeType="clickEffect">
+                                  <p:stCondLst>
+                                    <p:cond delay="0"/>
+                                  </p:stCondLst>
+                                  <p:childTnLst>
+                                    <p:set>
+                                      <p:cBhvr>
+                                        <p:cTn id="16" dur="1" fill="hold">
+                                          <p:stCondLst>
+                                            <p:cond delay="0"/>
+                                          </p:stCondLst>
+                                        </p:cTn>
+                                        <p:tgtEl>
+                                          <p:spTgt spid="5"/>
+                                        </p:tgtEl>
+                                        <p:attrNameLst>
+                                          <p:attrName>style.visibility</p:attrName>
+                                        </p:attrNameLst>
+                                      </p:cBhvr>
+                                      <p:to>
+                                        <p:strVal val="hidden"/>
+                                      </p:to>
+                                    </p:set>
+                                  </p:childTnLst>
+                                </p:cTn>
+                              </p:par>
+                              <p:par>
+                                <p:cTn id="17" presetID="1" presetClass="entr" presetSubtype="0" fill="hold" grpId="0" nodeType="withEffect">
+                                  <p:stCondLst>
+                                    <p:cond delay="0"/>
+                                  </p:stCondLst>
+                                  <p:childTnLst>
+                                    <p:set>
+                                      <p:cBhvr>
+                                        <p:cTn id="18" dur="1" fill="hold">
+                                          <p:stCondLst>
+                                            <p:cond delay="0"/>
+                                          </p:stCondLst>
+                                        </p:cTn>
+                                        <p:tgtEl>
+                                          <p:spTgt spid="6"/>
+                                        </p:tgtEl>
+                                        <p:attrNameLst>
+                                          <p:attrName>style.visibility</p:attrName>
+                                        </p:attrNameLst>
+                                      </p:cBhvr>
+                                      <p:to>
+                                        <p:strVal val="visible"/>
+                                      </p:to>
+                                    </p:set>
+                                  </p:childTnLst>
+                                </p:cTn>
+                              </p:par>
+                            </p:childTnLst>
+                          </p:cTn>
+                        </p:par>
+                      </p:childTnLst>
+                    </p:cTn>
+                  </p:par>
+                </p:childTnLst>
+              </p:cTn>
+              <p:prevCondLst>
+                <p:cond evt="onPrev" delay="0">
+                  <p:tgtEl>
+                    <p:sldTgt/>
+                  </p:tgtEl>
+                </p:cond>
+              </p:prevCondLst>
+              <p:nextCondLst>
+                <p:cond evt="onNext" delay="0">
+                  <p:tgtEl>
+                    <p:sldTgt/>
+                  </p:tgtEl>
+                </p:cond>
+              </p:nextCondLst>
+            </p:seq>
+          </p:childTnLst>
+        </p:cTn>
       </p:par>
     </p:tnLst>
-  </p:timing>
-</p:sld>
-</file>
-
-<file path=ppt/slides/slide40.xml><?xml version="1.0" encoding="utf-8"?>
-<p:sld xmlns:a="http://schemas.openxmlformats.org/drawingml/2006/main" xmlns:r="http://schemas.openxmlformats.org/officeDocument/2006/relationships" xmlns:p="http://schemas.openxmlformats.org/presentationml/2006/main">
-  <p:cSld>
-    <p:spTree>
-      <p:nvGrpSpPr>
-        <p:cNvPr id="1" name=""/>
-        <p:cNvGrpSpPr/>
-        <p:nvPr/>
-      </p:nvGrpSpPr>
-      <p:grpSpPr>
-        <a:xfrm>
-          <a:off x="0" y="0"/>
-          <a:ext cx="0" cy="0"/>
-          <a:chOff x="0" y="0"/>
-          <a:chExt cx="0" cy="0"/>
-        </a:xfrm>
-      </p:grpSpPr>
-      <p:sp>
-        <p:nvSpPr>
-          <p:cNvPr id="2" name="제목 1"/>
-          <p:cNvSpPr>
-            <a:spLocks noGrp="1"/>
-          </p:cNvSpPr>
-          <p:nvPr>
-            <p:ph type="title"/>
-          </p:nvPr>
-        </p:nvSpPr>
-        <p:spPr/>
-        <p:txBody>
-          <a:bodyPr/>
-          <a:lstStyle/>
-          <a:p>
-            <a:r>
-              <a:rPr lang="ko-KR" altLang="en-US" dirty="0"/>
-              <a:t>카테고리 수정</a:t>
-            </a:r>
-          </a:p>
-        </p:txBody>
-      </p:sp>
-      <p:pic>
-        <p:nvPicPr>
-          <p:cNvPr id="12290" name="Picture 2"/>
-          <p:cNvPicPr>
-            <a:picLocks noChangeAspect="1" noChangeArrowheads="1"/>
-          </p:cNvPicPr>
-          <p:nvPr/>
-        </p:nvPicPr>
-        <p:blipFill>
-          <a:blip r:embed="rId2">
-            <a:extLst>
-              <a:ext uri="{28A0092B-C50C-407E-A947-70E740481C1C}">
-                <a14:useLocalDpi xmlns:a14="http://schemas.microsoft.com/office/drawing/2010/main" val="0"/>
-              </a:ext>
-            </a:extLst>
-          </a:blip>
-          <a:srcRect/>
-          <a:stretch>
-            <a:fillRect/>
-          </a:stretch>
-        </p:blipFill>
-        <p:spPr bwMode="auto">
-          <a:xfrm>
-            <a:off x="1405653" y="1772816"/>
-            <a:ext cx="6332694" cy="3612232"/>
-          </a:xfrm>
-          <a:prstGeom prst="rect">
-            <a:avLst/>
-          </a:prstGeom>
-          <a:noFill/>
-          <a:ln>
-            <a:noFill/>
-          </a:ln>
-          <a:extLst>
-            <a:ext uri="{909E8E84-426E-40DD-AFC4-6F175D3DCCD1}">
-              <a14:hiddenFill xmlns:a14="http://schemas.microsoft.com/office/drawing/2010/main">
-                <a:solidFill>
-                  <a:schemeClr val="accent1"/>
-                </a:solidFill>
-              </a14:hiddenFill>
-            </a:ext>
-            <a:ext uri="{91240B29-F687-4F45-9708-019B960494DF}">
-              <a14:hiddenLine xmlns:a14="http://schemas.microsoft.com/office/drawing/2010/main" w="9525">
-                <a:solidFill>
-                  <a:schemeClr val="tx1"/>
-                </a:solidFill>
-                <a:miter lim="800000"/>
-                <a:headEnd/>
-                <a:tailEnd/>
-              </a14:hiddenLine>
-            </a:ext>
-          </a:extLst>
-        </p:spPr>
-      </p:pic>
-    </p:spTree>
-    <p:extLst>
-      <p:ext uri="{BB962C8B-B14F-4D97-AF65-F5344CB8AC3E}">
-        <p14:creationId xmlns:p14="http://schemas.microsoft.com/office/powerpoint/2010/main" val="581769365"/>
-      </p:ext>
-    </p:extLst>
-  </p:cSld>
-  <p:clrMapOvr>
-    <a:masterClrMapping/>
-  </p:clrMapOvr>
-  <p:timing>
-    <p:tnLst>
-      <p:par>
-        <p:cTn id="1" dur="indefinite" restart="never" nodeType="tmRoot"/>
-      </p:par>
-    </p:tnLst>
-  </p:timing>
-</p:sld>
-</file>
-
-<file path=ppt/slides/slide41.xml><?xml version="1.0" encoding="utf-8"?>
-<p:sld xmlns:a="http://schemas.openxmlformats.org/drawingml/2006/main" xmlns:r="http://schemas.openxmlformats.org/officeDocument/2006/relationships" xmlns:p="http://schemas.openxmlformats.org/presentationml/2006/main">
-  <p:cSld>
-    <p:spTree>
-      <p:nvGrpSpPr>
-        <p:cNvPr id="1" name=""/>
-        <p:cNvGrpSpPr/>
-        <p:nvPr/>
-      </p:nvGrpSpPr>
-      <p:grpSpPr>
-        <a:xfrm>
-          <a:off x="0" y="0"/>
-          <a:ext cx="0" cy="0"/>
-          <a:chOff x="0" y="0"/>
-          <a:chExt cx="0" cy="0"/>
-        </a:xfrm>
-      </p:grpSpPr>
-      <p:sp>
-        <p:nvSpPr>
-          <p:cNvPr id="2" name="제목 1"/>
-          <p:cNvSpPr>
-            <a:spLocks noGrp="1"/>
-          </p:cNvSpPr>
-          <p:nvPr>
-            <p:ph type="title"/>
-          </p:nvPr>
-        </p:nvSpPr>
-        <p:spPr/>
-        <p:txBody>
-          <a:bodyPr>
-            <a:normAutofit/>
-          </a:bodyPr>
-          <a:lstStyle/>
-          <a:p>
-            <a:r>
-              <a:rPr lang="ko-KR" altLang="en-US" dirty="0" smtClean="0"/>
-              <a:t>부족한 점</a:t>
-            </a:r>
-            <a:endParaRPr lang="ko-KR" altLang="en-US" dirty="0"/>
-          </a:p>
-        </p:txBody>
-      </p:sp>
-      <p:sp>
-        <p:nvSpPr>
-          <p:cNvPr id="3" name="TextBox 2"/>
-          <p:cNvSpPr txBox="1"/>
-          <p:nvPr/>
-        </p:nvSpPr>
-        <p:spPr>
-          <a:xfrm>
-            <a:off x="971600" y="1340768"/>
-            <a:ext cx="7920880" cy="369332"/>
-          </a:xfrm>
-          <a:prstGeom prst="rect">
-            <a:avLst/>
-          </a:prstGeom>
-          <a:noFill/>
-        </p:spPr>
-        <p:txBody>
-          <a:bodyPr wrap="square" rtlCol="0">
-            <a:spAutoFit/>
-          </a:bodyPr>
-          <a:lstStyle/>
-          <a:p>
-            <a:pPr marL="342900" indent="-342900">
-              <a:buAutoNum type="arabicPeriod"/>
-            </a:pPr>
-            <a:endParaRPr lang="en-US" altLang="ko-KR" dirty="0"/>
-          </a:p>
-        </p:txBody>
-      </p:sp>
-    </p:spTree>
-    <p:extLst>
-      <p:ext uri="{BB962C8B-B14F-4D97-AF65-F5344CB8AC3E}">
-        <p14:creationId xmlns:p14="http://schemas.microsoft.com/office/powerpoint/2010/main" val="3575748135"/>
-      </p:ext>
-    </p:extLst>
-  </p:cSld>
-  <p:clrMapOvr>
-    <a:masterClrMapping/>
-  </p:clrMapOvr>
-  <p:timing>
-    <p:tnLst>
-      <p:par>
-        <p:cTn id="1" dur="indefinite" restart="never" nodeType="tmRoot"/>
-      </p:par>
-    </p:tnLst>
+    <p:bldLst>
+      <p:bldP spid="3" grpId="0" animBg="1"/>
+      <p:bldP spid="3" grpId="1" animBg="1"/>
+      <p:bldP spid="5" grpId="0" animBg="1"/>
+      <p:bldP spid="5" grpId="1" animBg="1"/>
+      <p:bldP spid="6" grpId="0" animBg="1"/>
+    </p:bldLst>
   </p:timing>
 </p:sld>
 </file>
@@ -9198,7 +9488,7 @@
       </p:sp>
       <p:pic>
         <p:nvPicPr>
-          <p:cNvPr id="2050" name="Picture 2"/>
+          <p:cNvPr id="1026" name="Picture 2"/>
           <p:cNvPicPr>
             <a:picLocks noChangeAspect="1" noChangeArrowheads="1"/>
           </p:cNvPicPr>
@@ -9219,8 +9509,8 @@
         </p:blipFill>
         <p:spPr bwMode="auto">
           <a:xfrm>
-            <a:off x="705271" y="1700808"/>
-            <a:ext cx="7733458" cy="3555082"/>
+            <a:off x="1123477" y="1196752"/>
+            <a:ext cx="6897047" cy="4968552"/>
           </a:xfrm>
           <a:prstGeom prst="rect">
             <a:avLst/>
@@ -9229,6 +9519,7 @@
           <a:ln>
             <a:noFill/>
           </a:ln>
+          <a:effectLst/>
           <a:extLst>
             <a:ext uri="{909E8E84-426E-40DD-AFC4-6F175D3DCCD1}">
               <a14:hiddenFill xmlns:a14="http://schemas.microsoft.com/office/drawing/2010/main">
@@ -9246,6 +9537,15 @@
                 <a:headEnd/>
                 <a:tailEnd/>
               </a14:hiddenLine>
+            </a:ext>
+            <a:ext uri="{AF507438-7753-43E0-B8FC-AC1667EBCBE1}">
+              <a14:hiddenEffects xmlns:a14="http://schemas.microsoft.com/office/drawing/2010/main">
+                <a:effectLst>
+                  <a:outerShdw dist="35921" dir="2700000" algn="ctr" rotWithShape="0">
+                    <a:schemeClr val="bg2"/>
+                  </a:outerShdw>
+                </a:effectLst>
+              </a14:hiddenEffects>
             </a:ext>
           </a:extLst>
         </p:spPr>
@@ -9418,6 +9718,48 @@
           </a:extLst>
         </p:spPr>
       </p:pic>
+      <p:sp>
+        <p:nvSpPr>
+          <p:cNvPr id="3" name="직사각형 2"/>
+          <p:cNvSpPr/>
+          <p:nvPr/>
+        </p:nvSpPr>
+        <p:spPr>
+          <a:xfrm>
+            <a:off x="1619672" y="1700808"/>
+            <a:ext cx="5616624" cy="3096344"/>
+          </a:xfrm>
+          <a:prstGeom prst="rect">
+            <a:avLst/>
+          </a:prstGeom>
+        </p:spPr>
+        <p:style>
+          <a:lnRef idx="2">
+            <a:schemeClr val="dk1"/>
+          </a:lnRef>
+          <a:fillRef idx="1">
+            <a:schemeClr val="lt1"/>
+          </a:fillRef>
+          <a:effectRef idx="0">
+            <a:schemeClr val="dk1"/>
+          </a:effectRef>
+          <a:fontRef idx="minor">
+            <a:schemeClr val="dk1"/>
+          </a:fontRef>
+        </p:style>
+        <p:txBody>
+          <a:bodyPr rtlCol="0" anchor="ctr"/>
+          <a:lstStyle/>
+          <a:p>
+            <a:pPr algn="ctr"/>
+            <a:r>
+              <a:rPr lang="en-US" altLang="ko-KR" sz="6600" dirty="0" smtClean="0"/>
+              <a:t>4 – 1 + 5 = ?</a:t>
+            </a:r>
+            <a:endParaRPr lang="ko-KR" altLang="en-US" sz="6600" dirty="0"/>
+          </a:p>
+        </p:txBody>
+      </p:sp>
     </p:spTree>
     <p:extLst>
       <p:ext uri="{BB962C8B-B14F-4D97-AF65-F5344CB8AC3E}">
@@ -9431,9 +9773,80 @@
   <p:timing>
     <p:tnLst>
       <p:par>
-        <p:cTn id="1" dur="indefinite" restart="never" nodeType="tmRoot"/>
+        <p:cTn id="1" dur="indefinite" restart="never" nodeType="tmRoot">
+          <p:childTnLst>
+            <p:seq concurrent="1" nextAc="seek">
+              <p:cTn id="2" dur="indefinite" nodeType="mainSeq">
+                <p:childTnLst>
+                  <p:par>
+                    <p:cTn id="3" fill="hold">
+                      <p:stCondLst>
+                        <p:cond delay="indefinite"/>
+                      </p:stCondLst>
+                      <p:childTnLst>
+                        <p:par>
+                          <p:cTn id="4" fill="hold">
+                            <p:stCondLst>
+                              <p:cond delay="0"/>
+                            </p:stCondLst>
+                            <p:childTnLst>
+                              <p:par>
+                                <p:cTn id="5" presetID="1" presetClass="entr" presetSubtype="0" fill="hold" grpId="0" nodeType="clickEffect">
+                                  <p:stCondLst>
+                                    <p:cond delay="0"/>
+                                  </p:stCondLst>
+                                  <p:childTnLst>
+                                    <p:set>
+                                      <p:cBhvr>
+                                        <p:cTn id="6" dur="1" fill="hold">
+                                          <p:stCondLst>
+                                            <p:cond delay="0"/>
+                                          </p:stCondLst>
+                                        </p:cTn>
+                                        <p:tgtEl>
+                                          <p:spTgt spid="3"/>
+                                        </p:tgtEl>
+                                        <p:attrNameLst>
+                                          <p:attrName>style.visibility</p:attrName>
+                                        </p:attrNameLst>
+                                      </p:cBhvr>
+                                      <p:to>
+                                        <p:strVal val="visible"/>
+                                      </p:to>
+                                    </p:set>
+                                  </p:childTnLst>
+                                </p:cTn>
+                              </p:par>
+                            </p:childTnLst>
+                          </p:cTn>
+                        </p:par>
+                      </p:childTnLst>
+                    </p:cTn>
+                  </p:par>
+                </p:childTnLst>
+              </p:cTn>
+              <p:prevCondLst>
+                <p:cond evt="onPrev" delay="0">
+                  <p:tgtEl>
+                    <p:sldTgt/>
+                  </p:tgtEl>
+                </p:cond>
+              </p:prevCondLst>
+              <p:nextCondLst>
+                <p:cond evt="onNext" delay="0">
+                  <p:tgtEl>
+                    <p:sldTgt/>
+                  </p:tgtEl>
+                </p:cond>
+              </p:nextCondLst>
+            </p:seq>
+          </p:childTnLst>
+        </p:cTn>
       </p:par>
     </p:tnLst>
+    <p:bldLst>
+      <p:bldP spid="3" grpId="0" animBg="1"/>
+    </p:bldLst>
   </p:timing>
 </p:sld>
 </file>

--- a/과제/JavaScript브리핑.pptx
+++ b/과제/JavaScript브리핑.pptx
@@ -7384,7 +7384,7 @@
       </p:sp>
       <p:pic>
         <p:nvPicPr>
-          <p:cNvPr id="5122" name="Picture 2"/>
+          <p:cNvPr id="1026" name="Picture 2"/>
           <p:cNvPicPr>
             <a:picLocks noChangeAspect="1" noChangeArrowheads="1"/>
           </p:cNvPicPr>
@@ -7405,8 +7405,8 @@
         </p:blipFill>
         <p:spPr bwMode="auto">
           <a:xfrm>
-            <a:off x="107504" y="980728"/>
-            <a:ext cx="7267575" cy="1733550"/>
+            <a:off x="107504" y="956886"/>
+            <a:ext cx="7124576" cy="1608018"/>
           </a:xfrm>
           <a:prstGeom prst="rect">
             <a:avLst/>
@@ -7415,6 +7415,7 @@
           <a:ln>
             <a:noFill/>
           </a:ln>
+          <a:effectLst/>
           <a:extLst>
             <a:ext uri="{909E8E84-426E-40DD-AFC4-6F175D3DCCD1}">
               <a14:hiddenFill xmlns:a14="http://schemas.microsoft.com/office/drawing/2010/main">
@@ -7432,6 +7433,15 @@
                 <a:headEnd/>
                 <a:tailEnd/>
               </a14:hiddenLine>
+            </a:ext>
+            <a:ext uri="{AF507438-7753-43E0-B8FC-AC1667EBCBE1}">
+              <a14:hiddenEffects xmlns:a14="http://schemas.microsoft.com/office/drawing/2010/main">
+                <a:effectLst>
+                  <a:outerShdw dist="35921" dir="2700000" algn="ctr" rotWithShape="0">
+                    <a:schemeClr val="bg2"/>
+                  </a:outerShdw>
+                </a:effectLst>
+              </a14:hiddenEffects>
             </a:ext>
           </a:extLst>
         </p:spPr>
